--- a/sim_system.pptx
+++ b/sim_system.pptx
@@ -11,7 +11,8 @@
     <p:sldId id="256" r:id="rId5"/>
     <p:sldId id="257" r:id="rId6"/>
     <p:sldId id="258" r:id="rId7"/>
-    <p:sldId id="259" r:id="rId8"/>
+    <p:sldId id="263" r:id="rId8"/>
+    <p:sldId id="259" r:id="rId9"/>
   </p:sldIdLst>
   <p:sldSz cx="12192000" cy="6858000"/>
   <p:notesSz cx="6858000" cy="9144000"/>
@@ -271,7 +272,7 @@
           <a:p>
             <a:fld id="{9CF77F1B-567A-495B-BCED-32BA57B01AB8}" type="datetimeFigureOut">
               <a:rPr lang="en-US" smtClean="0"/>
-              <a:t>5/11/2024</a:t>
+              <a:t>5/12/2024</a:t>
             </a:fld>
             <a:endParaRPr lang="en-US"/>
           </a:p>
@@ -469,7 +470,7 @@
           <a:p>
             <a:fld id="{9CF77F1B-567A-495B-BCED-32BA57B01AB8}" type="datetimeFigureOut">
               <a:rPr lang="en-US" smtClean="0"/>
-              <a:t>5/11/2024</a:t>
+              <a:t>5/12/2024</a:t>
             </a:fld>
             <a:endParaRPr lang="en-US"/>
           </a:p>
@@ -677,7 +678,7 @@
           <a:p>
             <a:fld id="{9CF77F1B-567A-495B-BCED-32BA57B01AB8}" type="datetimeFigureOut">
               <a:rPr lang="en-US" smtClean="0"/>
-              <a:t>5/11/2024</a:t>
+              <a:t>5/12/2024</a:t>
             </a:fld>
             <a:endParaRPr lang="en-US"/>
           </a:p>
@@ -881,7 +882,7 @@
           <a:p>
             <a:fld id="{846CE7D5-CF57-46EF-B807-FDD0502418D4}" type="datetimeFigureOut">
               <a:rPr lang="en-US" smtClean="0"/>
-              <a:t>5/11/2024</a:t>
+              <a:t>5/12/2024</a:t>
             </a:fld>
             <a:endParaRPr lang="en-US"/>
           </a:p>
@@ -1051,7 +1052,7 @@
           <a:p>
             <a:fld id="{846CE7D5-CF57-46EF-B807-FDD0502418D4}" type="datetimeFigureOut">
               <a:rPr lang="en-US" smtClean="0"/>
-              <a:t>5/11/2024</a:t>
+              <a:t>5/12/2024</a:t>
             </a:fld>
             <a:endParaRPr lang="en-US"/>
           </a:p>
@@ -1297,7 +1298,7 @@
           <a:p>
             <a:fld id="{846CE7D5-CF57-46EF-B807-FDD0502418D4}" type="datetimeFigureOut">
               <a:rPr lang="en-US" smtClean="0"/>
-              <a:t>5/11/2024</a:t>
+              <a:t>5/12/2024</a:t>
             </a:fld>
             <a:endParaRPr lang="en-US"/>
           </a:p>
@@ -1529,7 +1530,7 @@
           <a:p>
             <a:fld id="{846CE7D5-CF57-46EF-B807-FDD0502418D4}" type="datetimeFigureOut">
               <a:rPr lang="en-US" smtClean="0"/>
-              <a:t>5/11/2024</a:t>
+              <a:t>5/12/2024</a:t>
             </a:fld>
             <a:endParaRPr lang="en-US"/>
           </a:p>
@@ -1896,7 +1897,7 @@
           <a:p>
             <a:fld id="{846CE7D5-CF57-46EF-B807-FDD0502418D4}" type="datetimeFigureOut">
               <a:rPr lang="en-US" smtClean="0"/>
-              <a:t>5/11/2024</a:t>
+              <a:t>5/12/2024</a:t>
             </a:fld>
             <a:endParaRPr lang="en-US"/>
           </a:p>
@@ -2014,7 +2015,7 @@
           <a:p>
             <a:fld id="{846CE7D5-CF57-46EF-B807-FDD0502418D4}" type="datetimeFigureOut">
               <a:rPr lang="en-US" smtClean="0"/>
-              <a:t>5/11/2024</a:t>
+              <a:t>5/12/2024</a:t>
             </a:fld>
             <a:endParaRPr lang="en-US"/>
           </a:p>
@@ -2109,7 +2110,7 @@
           <a:p>
             <a:fld id="{846CE7D5-CF57-46EF-B807-FDD0502418D4}" type="datetimeFigureOut">
               <a:rPr lang="en-US" smtClean="0"/>
-              <a:t>5/11/2024</a:t>
+              <a:t>5/12/2024</a:t>
             </a:fld>
             <a:endParaRPr lang="en-US"/>
           </a:p>
@@ -2386,7 +2387,7 @@
           <a:p>
             <a:fld id="{846CE7D5-CF57-46EF-B807-FDD0502418D4}" type="datetimeFigureOut">
               <a:rPr lang="en-US" smtClean="0"/>
-              <a:t>5/11/2024</a:t>
+              <a:t>5/12/2024</a:t>
             </a:fld>
             <a:endParaRPr lang="en-US"/>
           </a:p>
@@ -2572,7 +2573,7 @@
           <a:p>
             <a:fld id="{9CF77F1B-567A-495B-BCED-32BA57B01AB8}" type="datetimeFigureOut">
               <a:rPr lang="en-US" smtClean="0"/>
-              <a:t>5/11/2024</a:t>
+              <a:t>5/12/2024</a:t>
             </a:fld>
             <a:endParaRPr lang="en-US"/>
           </a:p>
@@ -2841,7 +2842,7 @@
           <a:p>
             <a:fld id="{846CE7D5-CF57-46EF-B807-FDD0502418D4}" type="datetimeFigureOut">
               <a:rPr lang="en-US" smtClean="0"/>
-              <a:t>5/11/2024</a:t>
+              <a:t>5/12/2024</a:t>
             </a:fld>
             <a:endParaRPr lang="en-US"/>
           </a:p>
@@ -3011,7 +3012,7 @@
           <a:p>
             <a:fld id="{846CE7D5-CF57-46EF-B807-FDD0502418D4}" type="datetimeFigureOut">
               <a:rPr lang="en-US" smtClean="0"/>
-              <a:t>5/11/2024</a:t>
+              <a:t>5/12/2024</a:t>
             </a:fld>
             <a:endParaRPr lang="en-US"/>
           </a:p>
@@ -3191,7 +3192,7 @@
           <a:p>
             <a:fld id="{846CE7D5-CF57-46EF-B807-FDD0502418D4}" type="datetimeFigureOut">
               <a:rPr lang="en-US" smtClean="0"/>
-              <a:t>5/11/2024</a:t>
+              <a:t>5/12/2024</a:t>
             </a:fld>
             <a:endParaRPr lang="en-US"/>
           </a:p>
@@ -3454,7 +3455,7 @@
           <a:p>
             <a:fld id="{9CF77F1B-567A-495B-BCED-32BA57B01AB8}" type="datetimeFigureOut">
               <a:rPr lang="en-US" smtClean="0"/>
-              <a:t>5/11/2024</a:t>
+              <a:t>5/12/2024</a:t>
             </a:fld>
             <a:endParaRPr lang="en-US"/>
           </a:p>
@@ -3719,7 +3720,7 @@
           <a:p>
             <a:fld id="{9CF77F1B-567A-495B-BCED-32BA57B01AB8}" type="datetimeFigureOut">
               <a:rPr lang="en-US" smtClean="0"/>
-              <a:t>5/11/2024</a:t>
+              <a:t>5/12/2024</a:t>
             </a:fld>
             <a:endParaRPr lang="en-US"/>
           </a:p>
@@ -4131,7 +4132,7 @@
           <a:p>
             <a:fld id="{9CF77F1B-567A-495B-BCED-32BA57B01AB8}" type="datetimeFigureOut">
               <a:rPr lang="en-US" smtClean="0"/>
-              <a:t>5/11/2024</a:t>
+              <a:t>5/12/2024</a:t>
             </a:fld>
             <a:endParaRPr lang="en-US"/>
           </a:p>
@@ -4272,7 +4273,7 @@
           <a:p>
             <a:fld id="{9CF77F1B-567A-495B-BCED-32BA57B01AB8}" type="datetimeFigureOut">
               <a:rPr lang="en-US" smtClean="0"/>
-              <a:t>5/11/2024</a:t>
+              <a:t>5/12/2024</a:t>
             </a:fld>
             <a:endParaRPr lang="en-US"/>
           </a:p>
@@ -4385,7 +4386,7 @@
           <a:p>
             <a:fld id="{9CF77F1B-567A-495B-BCED-32BA57B01AB8}" type="datetimeFigureOut">
               <a:rPr lang="en-US" smtClean="0"/>
-              <a:t>5/11/2024</a:t>
+              <a:t>5/12/2024</a:t>
             </a:fld>
             <a:endParaRPr lang="en-US"/>
           </a:p>
@@ -4696,7 +4697,7 @@
           <a:p>
             <a:fld id="{9CF77F1B-567A-495B-BCED-32BA57B01AB8}" type="datetimeFigureOut">
               <a:rPr lang="en-US" smtClean="0"/>
-              <a:t>5/11/2024</a:t>
+              <a:t>5/12/2024</a:t>
             </a:fld>
             <a:endParaRPr lang="en-US"/>
           </a:p>
@@ -4984,7 +4985,7 @@
           <a:p>
             <a:fld id="{9CF77F1B-567A-495B-BCED-32BA57B01AB8}" type="datetimeFigureOut">
               <a:rPr lang="en-US" smtClean="0"/>
-              <a:t>5/11/2024</a:t>
+              <a:t>5/12/2024</a:t>
             </a:fld>
             <a:endParaRPr lang="en-US"/>
           </a:p>
@@ -5225,7 +5226,7 @@
           <a:p>
             <a:fld id="{9CF77F1B-567A-495B-BCED-32BA57B01AB8}" type="datetimeFigureOut">
               <a:rPr lang="en-US" smtClean="0"/>
-              <a:t>5/11/2024</a:t>
+              <a:t>5/12/2024</a:t>
             </a:fld>
             <a:endParaRPr lang="en-US"/>
           </a:p>
@@ -5777,7 +5778,7 @@
           <a:p>
             <a:fld id="{846CE7D5-CF57-46EF-B807-FDD0502418D4}" type="datetimeFigureOut">
               <a:rPr lang="en-US" smtClean="0"/>
-              <a:t>5/11/2024</a:t>
+              <a:t>5/12/2024</a:t>
             </a:fld>
             <a:endParaRPr lang="en-US"/>
           </a:p>
@@ -15448,6 +15449,14 @@
           <a:p>
             <a:r>
               <a:rPr lang="en-US" sz="2000" b="1" dirty="0"/>
+              <a:t>Sim_python4</a:t>
+            </a:r>
+            <a:r>
+              <a:rPr lang="de-DE" sz="2000" b="1" dirty="0"/>
+              <a:t>-</a:t>
+            </a:r>
+            <a:r>
+              <a:rPr lang="en-US" sz="2000" b="1" dirty="0"/>
               <a:t>Sim1</a:t>
             </a:r>
           </a:p>
@@ -19723,7 +19732,7 @@
         <p:spPr>
           <a:xfrm>
             <a:off x="560294" y="818029"/>
-            <a:ext cx="3978087" cy="5940088"/>
+            <a:ext cx="3978087" cy="6247864"/>
           </a:xfrm>
           <a:prstGeom prst="rect">
             <a:avLst/>
@@ -19741,8 +19750,19 @@
           <a:p>
             <a:r>
               <a:rPr lang="en-US" sz="2000" b="1" dirty="0"/>
+              <a:t>Sim_python4</a:t>
+            </a:r>
+            <a:r>
+              <a:rPr lang="de-DE" sz="2000" b="1" dirty="0"/>
+              <a:t>-</a:t>
+            </a:r>
+            <a:r>
+              <a:rPr lang="en-US" sz="2000" b="1" dirty="0"/>
               <a:t>Sim2</a:t>
             </a:r>
+          </a:p>
+          <a:p>
+            <a:endParaRPr lang="en-US" sz="2000" b="1" dirty="0"/>
           </a:p>
           <a:p>
             <a:endParaRPr lang="en-US" dirty="0"/>
@@ -24092,7 +24112,7 @@
           <a:p>
             <a:r>
               <a:rPr lang="en-US" sz="2000" b="1" dirty="0"/>
-              <a:t>Sim3</a:t>
+              <a:t>Sim_pythpn5-sim1</a:t>
             </a:r>
           </a:p>
           <a:p>
@@ -24365,6 +24385,4732 @@
 </file>
 
 <file path=ppt/slides/slide6.xml><?xml version="1.0" encoding="utf-8"?>
+<p:sld xmlns:a="http://schemas.openxmlformats.org/drawingml/2006/main" xmlns:r="http://schemas.openxmlformats.org/officeDocument/2006/relationships" xmlns:p="http://schemas.openxmlformats.org/presentationml/2006/main">
+  <p:cSld>
+    <p:spTree>
+      <p:nvGrpSpPr>
+        <p:cNvPr id="1" name=""/>
+        <p:cNvGrpSpPr/>
+        <p:nvPr/>
+      </p:nvGrpSpPr>
+      <p:grpSpPr>
+        <a:xfrm>
+          <a:off x="0" y="0"/>
+          <a:ext cx="0" cy="0"/>
+          <a:chOff x="0" y="0"/>
+          <a:chExt cx="0" cy="0"/>
+        </a:xfrm>
+      </p:grpSpPr>
+      <p:graphicFrame>
+        <p:nvGraphicFramePr>
+          <p:cNvPr id="4" name="Table 3">
+            <a:extLst>
+              <a:ext uri="{FF2B5EF4-FFF2-40B4-BE49-F238E27FC236}">
+                <a16:creationId xmlns:a16="http://schemas.microsoft.com/office/drawing/2014/main" id="{A76571F7-80D5-A2ED-6AF9-A41CCC08360D}"/>
+              </a:ext>
+            </a:extLst>
+          </p:cNvPr>
+          <p:cNvGraphicFramePr>
+            <a:graphicFrameLocks noGrp="1"/>
+          </p:cNvGraphicFramePr>
+          <p:nvPr>
+            <p:extLst>
+              <p:ext uri="{D42A27DB-BD31-4B8C-83A1-F6EECF244321}">
+                <p14:modId xmlns:p14="http://schemas.microsoft.com/office/powerpoint/2010/main" val="1549101780"/>
+              </p:ext>
+            </p:extLst>
+          </p:nvPr>
+        </p:nvGraphicFramePr>
+        <p:xfrm>
+          <a:off x="5463092" y="1517993"/>
+          <a:ext cx="4280243" cy="3824870"/>
+        </p:xfrm>
+        <a:graphic>
+          <a:graphicData uri="http://schemas.openxmlformats.org/drawingml/2006/table">
+            <a:tbl>
+              <a:tblPr firstRow="1" bandRow="1">
+                <a:tableStyleId>{5C22544A-7EE6-4342-B048-85BDC9FD1C3A}</a:tableStyleId>
+              </a:tblPr>
+              <a:tblGrid>
+                <a:gridCol w="428025">
+                  <a:extLst>
+                    <a:ext uri="{9D8B030D-6E8A-4147-A177-3AD203B41FA5}">
+                      <a16:colId xmlns:a16="http://schemas.microsoft.com/office/drawing/2014/main" val="187618367"/>
+                    </a:ext>
+                  </a:extLst>
+                </a:gridCol>
+                <a:gridCol w="428025">
+                  <a:extLst>
+                    <a:ext uri="{9D8B030D-6E8A-4147-A177-3AD203B41FA5}">
+                      <a16:colId xmlns:a16="http://schemas.microsoft.com/office/drawing/2014/main" val="4261872056"/>
+                    </a:ext>
+                  </a:extLst>
+                </a:gridCol>
+                <a:gridCol w="428025">
+                  <a:extLst>
+                    <a:ext uri="{9D8B030D-6E8A-4147-A177-3AD203B41FA5}">
+                      <a16:colId xmlns:a16="http://schemas.microsoft.com/office/drawing/2014/main" val="3414038142"/>
+                    </a:ext>
+                  </a:extLst>
+                </a:gridCol>
+                <a:gridCol w="428025">
+                  <a:extLst>
+                    <a:ext uri="{9D8B030D-6E8A-4147-A177-3AD203B41FA5}">
+                      <a16:colId xmlns:a16="http://schemas.microsoft.com/office/drawing/2014/main" val="958197517"/>
+                    </a:ext>
+                  </a:extLst>
+                </a:gridCol>
+                <a:gridCol w="425823">
+                  <a:extLst>
+                    <a:ext uri="{9D8B030D-6E8A-4147-A177-3AD203B41FA5}">
+                      <a16:colId xmlns:a16="http://schemas.microsoft.com/office/drawing/2014/main" val="773540745"/>
+                    </a:ext>
+                  </a:extLst>
+                </a:gridCol>
+                <a:gridCol w="430225">
+                  <a:extLst>
+                    <a:ext uri="{9D8B030D-6E8A-4147-A177-3AD203B41FA5}">
+                      <a16:colId xmlns:a16="http://schemas.microsoft.com/office/drawing/2014/main" val="956780048"/>
+                    </a:ext>
+                  </a:extLst>
+                </a:gridCol>
+                <a:gridCol w="428025">
+                  <a:extLst>
+                    <a:ext uri="{9D8B030D-6E8A-4147-A177-3AD203B41FA5}">
+                      <a16:colId xmlns:a16="http://schemas.microsoft.com/office/drawing/2014/main" val="4283984741"/>
+                    </a:ext>
+                  </a:extLst>
+                </a:gridCol>
+                <a:gridCol w="481852">
+                  <a:extLst>
+                    <a:ext uri="{9D8B030D-6E8A-4147-A177-3AD203B41FA5}">
+                      <a16:colId xmlns:a16="http://schemas.microsoft.com/office/drawing/2014/main" val="3917996651"/>
+                    </a:ext>
+                  </a:extLst>
+                </a:gridCol>
+                <a:gridCol w="437029">
+                  <a:extLst>
+                    <a:ext uri="{9D8B030D-6E8A-4147-A177-3AD203B41FA5}">
+                      <a16:colId xmlns:a16="http://schemas.microsoft.com/office/drawing/2014/main" val="2006365908"/>
+                    </a:ext>
+                  </a:extLst>
+                </a:gridCol>
+                <a:gridCol w="365189">
+                  <a:extLst>
+                    <a:ext uri="{9D8B030D-6E8A-4147-A177-3AD203B41FA5}">
+                      <a16:colId xmlns:a16="http://schemas.microsoft.com/office/drawing/2014/main" val="3833193333"/>
+                    </a:ext>
+                  </a:extLst>
+                </a:gridCol>
+              </a:tblGrid>
+              <a:tr h="382487">
+                <a:tc>
+                  <a:txBody>
+                    <a:bodyPr/>
+                    <a:lstStyle/>
+                    <a:p>
+                      <a:endParaRPr lang="en-US" dirty="0">
+                        <a:solidFill>
+                          <a:schemeClr val="accent6">
+                            <a:lumMod val="75000"/>
+                          </a:schemeClr>
+                        </a:solidFill>
+                      </a:endParaRPr>
+                    </a:p>
+                  </a:txBody>
+                  <a:tcPr>
+                    <a:lnL w="12700">
+                      <a:solidFill>
+                        <a:schemeClr val="tx1"/>
+                      </a:solidFill>
+                    </a:lnL>
+                    <a:lnR w="12700">
+                      <a:solidFill>
+                        <a:schemeClr val="tx1"/>
+                      </a:solidFill>
+                    </a:lnR>
+                    <a:lnT w="12700">
+                      <a:solidFill>
+                        <a:schemeClr val="tx1"/>
+                      </a:solidFill>
+                    </a:lnT>
+                    <a:lnB w="12700">
+                      <a:solidFill>
+                        <a:schemeClr val="tx1"/>
+                      </a:solidFill>
+                    </a:lnB>
+                    <a:solidFill>
+                      <a:schemeClr val="accent6">
+                        <a:lumMod val="75000"/>
+                      </a:schemeClr>
+                    </a:solidFill>
+                  </a:tcPr>
+                </a:tc>
+                <a:tc>
+                  <a:txBody>
+                    <a:bodyPr/>
+                    <a:lstStyle/>
+                    <a:p>
+                      <a:endParaRPr lang="en-US" dirty="0">
+                        <a:solidFill>
+                          <a:schemeClr val="bg1"/>
+                        </a:solidFill>
+                      </a:endParaRPr>
+                    </a:p>
+                  </a:txBody>
+                  <a:tcPr>
+                    <a:lnL w="12700">
+                      <a:solidFill>
+                        <a:schemeClr val="tx1"/>
+                      </a:solidFill>
+                    </a:lnL>
+                    <a:lnR w="12700">
+                      <a:solidFill>
+                        <a:schemeClr val="tx1"/>
+                      </a:solidFill>
+                    </a:lnR>
+                    <a:lnT w="12700">
+                      <a:solidFill>
+                        <a:schemeClr val="tx1"/>
+                      </a:solidFill>
+                    </a:lnT>
+                    <a:lnB w="12700">
+                      <a:solidFill>
+                        <a:schemeClr val="tx1"/>
+                      </a:solidFill>
+                    </a:lnB>
+                    <a:solidFill>
+                      <a:schemeClr val="accent2">
+                        <a:lumMod val="20000"/>
+                        <a:lumOff val="80000"/>
+                      </a:schemeClr>
+                    </a:solidFill>
+                  </a:tcPr>
+                </a:tc>
+                <a:tc>
+                  <a:txBody>
+                    <a:bodyPr/>
+                    <a:lstStyle/>
+                    <a:p>
+                      <a:endParaRPr lang="en-US" dirty="0">
+                        <a:solidFill>
+                          <a:schemeClr val="bg1"/>
+                        </a:solidFill>
+                      </a:endParaRPr>
+                    </a:p>
+                  </a:txBody>
+                  <a:tcPr>
+                    <a:lnL w="12700">
+                      <a:solidFill>
+                        <a:schemeClr val="tx1"/>
+                      </a:solidFill>
+                    </a:lnL>
+                    <a:lnR w="12700">
+                      <a:solidFill>
+                        <a:schemeClr val="tx1"/>
+                      </a:solidFill>
+                    </a:lnR>
+                    <a:lnT w="12700">
+                      <a:solidFill>
+                        <a:schemeClr val="tx1"/>
+                      </a:solidFill>
+                    </a:lnT>
+                    <a:lnB w="12700">
+                      <a:solidFill>
+                        <a:schemeClr val="tx1"/>
+                      </a:solidFill>
+                    </a:lnB>
+                    <a:solidFill>
+                      <a:schemeClr val="accent2">
+                        <a:lumMod val="20000"/>
+                        <a:lumOff val="80000"/>
+                      </a:schemeClr>
+                    </a:solidFill>
+                  </a:tcPr>
+                </a:tc>
+                <a:tc>
+                  <a:txBody>
+                    <a:bodyPr/>
+                    <a:lstStyle/>
+                    <a:p>
+                      <a:endParaRPr lang="en-US" dirty="0">
+                        <a:solidFill>
+                          <a:schemeClr val="bg1"/>
+                        </a:solidFill>
+                      </a:endParaRPr>
+                    </a:p>
+                  </a:txBody>
+                  <a:tcPr>
+                    <a:lnL w="12700">
+                      <a:solidFill>
+                        <a:schemeClr val="tx1"/>
+                      </a:solidFill>
+                    </a:lnL>
+                    <a:lnR w="12700">
+                      <a:solidFill>
+                        <a:schemeClr val="tx1"/>
+                      </a:solidFill>
+                    </a:lnR>
+                    <a:lnT w="12700">
+                      <a:solidFill>
+                        <a:schemeClr val="tx1"/>
+                      </a:solidFill>
+                    </a:lnT>
+                    <a:lnB w="12700">
+                      <a:solidFill>
+                        <a:schemeClr val="tx1"/>
+                      </a:solidFill>
+                    </a:lnB>
+                    <a:solidFill>
+                      <a:srgbClr val="FF0000"/>
+                    </a:solidFill>
+                  </a:tcPr>
+                </a:tc>
+                <a:tc>
+                  <a:txBody>
+                    <a:bodyPr/>
+                    <a:lstStyle/>
+                    <a:p>
+                      <a:endParaRPr lang="en-US" dirty="0">
+                        <a:solidFill>
+                          <a:schemeClr val="accent2"/>
+                        </a:solidFill>
+                      </a:endParaRPr>
+                    </a:p>
+                  </a:txBody>
+                  <a:tcPr>
+                    <a:lnL w="12700">
+                      <a:solidFill>
+                        <a:schemeClr val="tx1"/>
+                      </a:solidFill>
+                    </a:lnL>
+                    <a:lnR w="12700">
+                      <a:solidFill>
+                        <a:schemeClr val="tx1"/>
+                      </a:solidFill>
+                    </a:lnR>
+                    <a:lnT w="12700">
+                      <a:solidFill>
+                        <a:schemeClr val="tx1"/>
+                      </a:solidFill>
+                    </a:lnT>
+                    <a:lnB w="12700">
+                      <a:solidFill>
+                        <a:schemeClr val="tx1"/>
+                      </a:solidFill>
+                    </a:lnB>
+                    <a:solidFill>
+                      <a:schemeClr val="accent2">
+                        <a:lumMod val="20000"/>
+                        <a:lumOff val="80000"/>
+                      </a:schemeClr>
+                    </a:solidFill>
+                  </a:tcPr>
+                </a:tc>
+                <a:tc>
+                  <a:txBody>
+                    <a:bodyPr/>
+                    <a:lstStyle/>
+                    <a:p>
+                      <a:endParaRPr lang="en-US" dirty="0">
+                        <a:solidFill>
+                          <a:schemeClr val="accent2"/>
+                        </a:solidFill>
+                      </a:endParaRPr>
+                    </a:p>
+                  </a:txBody>
+                  <a:tcPr>
+                    <a:lnL w="12700">
+                      <a:solidFill>
+                        <a:schemeClr val="tx1"/>
+                      </a:solidFill>
+                    </a:lnL>
+                    <a:lnR w="12700">
+                      <a:solidFill>
+                        <a:schemeClr val="tx1"/>
+                      </a:solidFill>
+                    </a:lnR>
+                    <a:lnT w="12700">
+                      <a:solidFill>
+                        <a:schemeClr val="tx1"/>
+                      </a:solidFill>
+                    </a:lnT>
+                    <a:lnB w="12700">
+                      <a:solidFill>
+                        <a:schemeClr val="tx1"/>
+                      </a:solidFill>
+                    </a:lnB>
+                    <a:solidFill>
+                      <a:schemeClr val="accent2"/>
+                    </a:solidFill>
+                  </a:tcPr>
+                </a:tc>
+                <a:tc>
+                  <a:txBody>
+                    <a:bodyPr/>
+                    <a:lstStyle/>
+                    <a:p>
+                      <a:endParaRPr lang="en-US"/>
+                    </a:p>
+                  </a:txBody>
+                  <a:tcPr>
+                    <a:lnL w="12700">
+                      <a:solidFill>
+                        <a:schemeClr val="tx1"/>
+                      </a:solidFill>
+                    </a:lnL>
+                    <a:lnR w="12700">
+                      <a:solidFill>
+                        <a:schemeClr val="tx1"/>
+                      </a:solidFill>
+                    </a:lnR>
+                    <a:lnT w="12700">
+                      <a:solidFill>
+                        <a:schemeClr val="tx1"/>
+                      </a:solidFill>
+                    </a:lnT>
+                    <a:lnB w="12700">
+                      <a:solidFill>
+                        <a:schemeClr val="tx1"/>
+                      </a:solidFill>
+                    </a:lnB>
+                    <a:solidFill>
+                      <a:schemeClr val="accent2"/>
+                    </a:solidFill>
+                  </a:tcPr>
+                </a:tc>
+                <a:tc>
+                  <a:txBody>
+                    <a:bodyPr/>
+                    <a:lstStyle/>
+                    <a:p>
+                      <a:endParaRPr lang="en-US" dirty="0"/>
+                    </a:p>
+                  </a:txBody>
+                  <a:tcPr>
+                    <a:lnL w="12700">
+                      <a:solidFill>
+                        <a:schemeClr val="tx1"/>
+                      </a:solidFill>
+                    </a:lnL>
+                    <a:lnR w="12700">
+                      <a:solidFill>
+                        <a:schemeClr val="tx1"/>
+                      </a:solidFill>
+                    </a:lnR>
+                    <a:lnT w="12700">
+                      <a:solidFill>
+                        <a:schemeClr val="tx1"/>
+                      </a:solidFill>
+                    </a:lnT>
+                    <a:lnB w="12700">
+                      <a:solidFill>
+                        <a:schemeClr val="tx1"/>
+                      </a:solidFill>
+                    </a:lnB>
+                    <a:solidFill>
+                      <a:schemeClr val="accent2">
+                        <a:lumMod val="20000"/>
+                        <a:lumOff val="80000"/>
+                      </a:schemeClr>
+                    </a:solidFill>
+                  </a:tcPr>
+                </a:tc>
+                <a:tc>
+                  <a:txBody>
+                    <a:bodyPr/>
+                    <a:lstStyle/>
+                    <a:p>
+                      <a:endParaRPr lang="en-US" dirty="0"/>
+                    </a:p>
+                  </a:txBody>
+                  <a:tcPr>
+                    <a:lnL w="12700">
+                      <a:solidFill>
+                        <a:schemeClr val="tx1"/>
+                      </a:solidFill>
+                    </a:lnL>
+                    <a:lnR w="12700">
+                      <a:solidFill>
+                        <a:schemeClr val="tx1"/>
+                      </a:solidFill>
+                    </a:lnR>
+                    <a:lnT w="12700">
+                      <a:solidFill>
+                        <a:schemeClr val="tx1"/>
+                      </a:solidFill>
+                    </a:lnT>
+                    <a:lnB w="12700">
+                      <a:solidFill>
+                        <a:schemeClr val="tx1"/>
+                      </a:solidFill>
+                    </a:lnB>
+                    <a:solidFill>
+                      <a:schemeClr val="accent2">
+                        <a:lumMod val="20000"/>
+                        <a:lumOff val="80000"/>
+                      </a:schemeClr>
+                    </a:solidFill>
+                  </a:tcPr>
+                </a:tc>
+                <a:tc>
+                  <a:txBody>
+                    <a:bodyPr/>
+                    <a:lstStyle/>
+                    <a:p>
+                      <a:pPr lvl="0">
+                        <a:buNone/>
+                      </a:pPr>
+                      <a:endParaRPr lang="en-US" dirty="0"/>
+                    </a:p>
+                  </a:txBody>
+                  <a:tcPr>
+                    <a:lnL w="12700">
+                      <a:solidFill>
+                        <a:schemeClr val="tx1"/>
+                      </a:solidFill>
+                    </a:lnL>
+                    <a:lnR w="12700">
+                      <a:solidFill>
+                        <a:schemeClr val="tx1"/>
+                      </a:solidFill>
+                    </a:lnR>
+                    <a:lnT w="12700">
+                      <a:solidFill>
+                        <a:schemeClr val="tx1"/>
+                      </a:solidFill>
+                    </a:lnT>
+                    <a:lnB w="12700">
+                      <a:solidFill>
+                        <a:schemeClr val="tx1"/>
+                      </a:solidFill>
+                    </a:lnB>
+                    <a:solidFill>
+                      <a:schemeClr val="accent5"/>
+                    </a:solidFill>
+                  </a:tcPr>
+                </a:tc>
+                <a:extLst>
+                  <a:ext uri="{0D108BD9-81ED-4DB2-BD59-A6C34878D82A}">
+                    <a16:rowId xmlns:a16="http://schemas.microsoft.com/office/drawing/2014/main" val="1903823015"/>
+                  </a:ext>
+                </a:extLst>
+              </a:tr>
+              <a:tr h="382487">
+                <a:tc>
+                  <a:txBody>
+                    <a:bodyPr/>
+                    <a:lstStyle/>
+                    <a:p>
+                      <a:endParaRPr lang="en-US" dirty="0">
+                        <a:solidFill>
+                          <a:schemeClr val="accent6">
+                            <a:lumMod val="75000"/>
+                          </a:schemeClr>
+                        </a:solidFill>
+                      </a:endParaRPr>
+                    </a:p>
+                  </a:txBody>
+                  <a:tcPr>
+                    <a:lnL w="12700">
+                      <a:solidFill>
+                        <a:schemeClr val="tx1"/>
+                      </a:solidFill>
+                    </a:lnL>
+                    <a:lnR w="12700">
+                      <a:solidFill>
+                        <a:schemeClr val="tx1"/>
+                      </a:solidFill>
+                    </a:lnR>
+                    <a:lnT w="12700">
+                      <a:solidFill>
+                        <a:schemeClr val="tx1"/>
+                      </a:solidFill>
+                    </a:lnT>
+                    <a:lnB w="12700">
+                      <a:solidFill>
+                        <a:schemeClr val="tx1"/>
+                      </a:solidFill>
+                    </a:lnB>
+                    <a:solidFill>
+                      <a:schemeClr val="accent6">
+                        <a:lumMod val="75000"/>
+                      </a:schemeClr>
+                    </a:solidFill>
+                  </a:tcPr>
+                </a:tc>
+                <a:tc>
+                  <a:txBody>
+                    <a:bodyPr/>
+                    <a:lstStyle/>
+                    <a:p>
+                      <a:endParaRPr lang="en-US" dirty="0">
+                        <a:solidFill>
+                          <a:schemeClr val="bg1"/>
+                        </a:solidFill>
+                      </a:endParaRPr>
+                    </a:p>
+                  </a:txBody>
+                  <a:tcPr>
+                    <a:lnL w="12700">
+                      <a:solidFill>
+                        <a:schemeClr val="tx1"/>
+                      </a:solidFill>
+                    </a:lnL>
+                    <a:lnR w="12700">
+                      <a:solidFill>
+                        <a:schemeClr val="tx1"/>
+                      </a:solidFill>
+                    </a:lnR>
+                    <a:lnT w="12700">
+                      <a:solidFill>
+                        <a:schemeClr val="tx1"/>
+                      </a:solidFill>
+                    </a:lnT>
+                    <a:lnB w="12700">
+                      <a:solidFill>
+                        <a:schemeClr val="tx1"/>
+                      </a:solidFill>
+                    </a:lnB>
+                    <a:solidFill>
+                      <a:schemeClr val="accent2">
+                        <a:lumMod val="20000"/>
+                        <a:lumOff val="80000"/>
+                      </a:schemeClr>
+                    </a:solidFill>
+                  </a:tcPr>
+                </a:tc>
+                <a:tc>
+                  <a:txBody>
+                    <a:bodyPr/>
+                    <a:lstStyle/>
+                    <a:p>
+                      <a:endParaRPr lang="en-US" dirty="0">
+                        <a:solidFill>
+                          <a:schemeClr val="bg1"/>
+                        </a:solidFill>
+                      </a:endParaRPr>
+                    </a:p>
+                  </a:txBody>
+                  <a:tcPr>
+                    <a:lnL w="12700">
+                      <a:solidFill>
+                        <a:schemeClr val="tx1"/>
+                      </a:solidFill>
+                    </a:lnL>
+                    <a:lnR w="12700">
+                      <a:solidFill>
+                        <a:schemeClr val="tx1"/>
+                      </a:solidFill>
+                    </a:lnR>
+                    <a:lnT w="12700">
+                      <a:solidFill>
+                        <a:schemeClr val="tx1"/>
+                      </a:solidFill>
+                    </a:lnT>
+                    <a:lnB w="12700">
+                      <a:solidFill>
+                        <a:schemeClr val="tx1"/>
+                      </a:solidFill>
+                    </a:lnB>
+                    <a:solidFill>
+                      <a:schemeClr val="accent2">
+                        <a:lumMod val="20000"/>
+                        <a:lumOff val="80000"/>
+                      </a:schemeClr>
+                    </a:solidFill>
+                  </a:tcPr>
+                </a:tc>
+                <a:tc>
+                  <a:txBody>
+                    <a:bodyPr/>
+                    <a:lstStyle/>
+                    <a:p>
+                      <a:endParaRPr lang="en-US" dirty="0">
+                        <a:solidFill>
+                          <a:schemeClr val="bg1"/>
+                        </a:solidFill>
+                      </a:endParaRPr>
+                    </a:p>
+                  </a:txBody>
+                  <a:tcPr>
+                    <a:lnL w="12700">
+                      <a:solidFill>
+                        <a:schemeClr val="tx1"/>
+                      </a:solidFill>
+                    </a:lnL>
+                    <a:lnR w="12700">
+                      <a:solidFill>
+                        <a:schemeClr val="tx1"/>
+                      </a:solidFill>
+                    </a:lnR>
+                    <a:lnT w="12700">
+                      <a:solidFill>
+                        <a:schemeClr val="tx1"/>
+                      </a:solidFill>
+                    </a:lnT>
+                    <a:lnB w="12700">
+                      <a:solidFill>
+                        <a:schemeClr val="tx1"/>
+                      </a:solidFill>
+                    </a:lnB>
+                    <a:solidFill>
+                      <a:srgbClr val="FF0000"/>
+                    </a:solidFill>
+                  </a:tcPr>
+                </a:tc>
+                <a:tc>
+                  <a:txBody>
+                    <a:bodyPr/>
+                    <a:lstStyle/>
+                    <a:p>
+                      <a:endParaRPr lang="en-US" dirty="0">
+                        <a:solidFill>
+                          <a:schemeClr val="accent2"/>
+                        </a:solidFill>
+                      </a:endParaRPr>
+                    </a:p>
+                  </a:txBody>
+                  <a:tcPr>
+                    <a:lnL w="12700">
+                      <a:solidFill>
+                        <a:schemeClr val="tx1"/>
+                      </a:solidFill>
+                    </a:lnL>
+                    <a:lnR w="12700">
+                      <a:solidFill>
+                        <a:schemeClr val="tx1"/>
+                      </a:solidFill>
+                    </a:lnR>
+                    <a:lnT w="12700">
+                      <a:solidFill>
+                        <a:schemeClr val="tx1"/>
+                      </a:solidFill>
+                    </a:lnT>
+                    <a:lnB w="12700">
+                      <a:solidFill>
+                        <a:schemeClr val="tx1"/>
+                      </a:solidFill>
+                    </a:lnB>
+                    <a:solidFill>
+                      <a:schemeClr val="accent2">
+                        <a:lumMod val="20000"/>
+                        <a:lumOff val="80000"/>
+                      </a:schemeClr>
+                    </a:solidFill>
+                  </a:tcPr>
+                </a:tc>
+                <a:tc>
+                  <a:txBody>
+                    <a:bodyPr/>
+                    <a:lstStyle/>
+                    <a:p>
+                      <a:endParaRPr lang="en-US" dirty="0">
+                        <a:solidFill>
+                          <a:schemeClr val="accent2"/>
+                        </a:solidFill>
+                      </a:endParaRPr>
+                    </a:p>
+                  </a:txBody>
+                  <a:tcPr>
+                    <a:lnL w="12700">
+                      <a:solidFill>
+                        <a:schemeClr val="tx1"/>
+                      </a:solidFill>
+                    </a:lnL>
+                    <a:lnR w="12700">
+                      <a:solidFill>
+                        <a:schemeClr val="tx1"/>
+                      </a:solidFill>
+                    </a:lnR>
+                    <a:lnT w="12700">
+                      <a:solidFill>
+                        <a:schemeClr val="tx1"/>
+                      </a:solidFill>
+                    </a:lnT>
+                    <a:lnB w="12700">
+                      <a:solidFill>
+                        <a:schemeClr val="tx1"/>
+                      </a:solidFill>
+                    </a:lnB>
+                    <a:solidFill>
+                      <a:schemeClr val="accent2"/>
+                    </a:solidFill>
+                  </a:tcPr>
+                </a:tc>
+                <a:tc>
+                  <a:txBody>
+                    <a:bodyPr/>
+                    <a:lstStyle/>
+                    <a:p>
+                      <a:endParaRPr lang="en-US"/>
+                    </a:p>
+                  </a:txBody>
+                  <a:tcPr>
+                    <a:lnL w="12700">
+                      <a:solidFill>
+                        <a:schemeClr val="tx1"/>
+                      </a:solidFill>
+                    </a:lnL>
+                    <a:lnR w="12700">
+                      <a:solidFill>
+                        <a:schemeClr val="tx1"/>
+                      </a:solidFill>
+                    </a:lnR>
+                    <a:lnT w="12700">
+                      <a:solidFill>
+                        <a:schemeClr val="tx1"/>
+                      </a:solidFill>
+                    </a:lnT>
+                    <a:lnB w="12700">
+                      <a:solidFill>
+                        <a:schemeClr val="tx1"/>
+                      </a:solidFill>
+                    </a:lnB>
+                    <a:solidFill>
+                      <a:schemeClr val="accent2"/>
+                    </a:solidFill>
+                  </a:tcPr>
+                </a:tc>
+                <a:tc>
+                  <a:txBody>
+                    <a:bodyPr/>
+                    <a:lstStyle/>
+                    <a:p>
+                      <a:endParaRPr lang="en-US"/>
+                    </a:p>
+                  </a:txBody>
+                  <a:tcPr>
+                    <a:lnL w="12700">
+                      <a:solidFill>
+                        <a:schemeClr val="tx1"/>
+                      </a:solidFill>
+                    </a:lnL>
+                    <a:lnR w="12700">
+                      <a:solidFill>
+                        <a:schemeClr val="tx1"/>
+                      </a:solidFill>
+                    </a:lnR>
+                    <a:lnT w="12700">
+                      <a:solidFill>
+                        <a:schemeClr val="tx1"/>
+                      </a:solidFill>
+                    </a:lnT>
+                    <a:lnB w="12700">
+                      <a:solidFill>
+                        <a:schemeClr val="tx1"/>
+                      </a:solidFill>
+                    </a:lnB>
+                    <a:solidFill>
+                      <a:schemeClr val="accent2">
+                        <a:lumMod val="20000"/>
+                        <a:lumOff val="80000"/>
+                      </a:schemeClr>
+                    </a:solidFill>
+                  </a:tcPr>
+                </a:tc>
+                <a:tc>
+                  <a:txBody>
+                    <a:bodyPr/>
+                    <a:lstStyle/>
+                    <a:p>
+                      <a:endParaRPr lang="en-US" dirty="0"/>
+                    </a:p>
+                  </a:txBody>
+                  <a:tcPr>
+                    <a:lnL w="12700">
+                      <a:solidFill>
+                        <a:schemeClr val="tx1"/>
+                      </a:solidFill>
+                    </a:lnL>
+                    <a:lnR w="12700">
+                      <a:solidFill>
+                        <a:schemeClr val="tx1"/>
+                      </a:solidFill>
+                    </a:lnR>
+                    <a:lnT w="12700">
+                      <a:solidFill>
+                        <a:schemeClr val="tx1"/>
+                      </a:solidFill>
+                    </a:lnT>
+                    <a:lnB w="12700">
+                      <a:solidFill>
+                        <a:schemeClr val="tx1"/>
+                      </a:solidFill>
+                    </a:lnB>
+                    <a:solidFill>
+                      <a:schemeClr val="accent2">
+                        <a:lumMod val="20000"/>
+                        <a:lumOff val="80000"/>
+                      </a:schemeClr>
+                    </a:solidFill>
+                  </a:tcPr>
+                </a:tc>
+                <a:tc>
+                  <a:txBody>
+                    <a:bodyPr/>
+                    <a:lstStyle/>
+                    <a:p>
+                      <a:pPr lvl="0">
+                        <a:buNone/>
+                      </a:pPr>
+                      <a:endParaRPr lang="en-US" dirty="0"/>
+                    </a:p>
+                  </a:txBody>
+                  <a:tcPr>
+                    <a:lnL w="12700">
+                      <a:solidFill>
+                        <a:schemeClr val="tx1"/>
+                      </a:solidFill>
+                    </a:lnL>
+                    <a:lnR w="12700">
+                      <a:solidFill>
+                        <a:schemeClr val="tx1"/>
+                      </a:solidFill>
+                    </a:lnR>
+                    <a:lnT w="12700">
+                      <a:solidFill>
+                        <a:schemeClr val="tx1"/>
+                      </a:solidFill>
+                    </a:lnT>
+                    <a:lnB w="12700">
+                      <a:solidFill>
+                        <a:schemeClr val="tx1"/>
+                      </a:solidFill>
+                    </a:lnB>
+                    <a:solidFill>
+                      <a:schemeClr val="accent5"/>
+                    </a:solidFill>
+                  </a:tcPr>
+                </a:tc>
+                <a:extLst>
+                  <a:ext uri="{0D108BD9-81ED-4DB2-BD59-A6C34878D82A}">
+                    <a16:rowId xmlns:a16="http://schemas.microsoft.com/office/drawing/2014/main" val="3267636995"/>
+                  </a:ext>
+                </a:extLst>
+              </a:tr>
+              <a:tr h="382487">
+                <a:tc>
+                  <a:txBody>
+                    <a:bodyPr/>
+                    <a:lstStyle/>
+                    <a:p>
+                      <a:endParaRPr lang="en-US" dirty="0">
+                        <a:solidFill>
+                          <a:schemeClr val="accent6">
+                            <a:lumMod val="75000"/>
+                          </a:schemeClr>
+                        </a:solidFill>
+                      </a:endParaRPr>
+                    </a:p>
+                  </a:txBody>
+                  <a:tcPr>
+                    <a:lnL w="12700">
+                      <a:solidFill>
+                        <a:schemeClr val="tx1"/>
+                      </a:solidFill>
+                    </a:lnL>
+                    <a:lnR w="12700">
+                      <a:solidFill>
+                        <a:schemeClr val="tx1"/>
+                      </a:solidFill>
+                    </a:lnR>
+                    <a:lnT w="12700">
+                      <a:solidFill>
+                        <a:schemeClr val="tx1"/>
+                      </a:solidFill>
+                    </a:lnT>
+                    <a:lnB w="12700">
+                      <a:solidFill>
+                        <a:schemeClr val="tx1"/>
+                      </a:solidFill>
+                    </a:lnB>
+                    <a:solidFill>
+                      <a:schemeClr val="accent6">
+                        <a:lumMod val="75000"/>
+                      </a:schemeClr>
+                    </a:solidFill>
+                  </a:tcPr>
+                </a:tc>
+                <a:tc>
+                  <a:txBody>
+                    <a:bodyPr/>
+                    <a:lstStyle/>
+                    <a:p>
+                      <a:endParaRPr lang="en-US" dirty="0">
+                        <a:solidFill>
+                          <a:schemeClr val="bg1"/>
+                        </a:solidFill>
+                      </a:endParaRPr>
+                    </a:p>
+                  </a:txBody>
+                  <a:tcPr>
+                    <a:lnL w="12700">
+                      <a:solidFill>
+                        <a:schemeClr val="tx1"/>
+                      </a:solidFill>
+                    </a:lnL>
+                    <a:lnR w="12700">
+                      <a:solidFill>
+                        <a:schemeClr val="tx1"/>
+                      </a:solidFill>
+                    </a:lnR>
+                    <a:lnT w="12700">
+                      <a:solidFill>
+                        <a:schemeClr val="tx1"/>
+                      </a:solidFill>
+                    </a:lnT>
+                    <a:lnB w="12700">
+                      <a:solidFill>
+                        <a:schemeClr val="tx1"/>
+                      </a:solidFill>
+                    </a:lnB>
+                    <a:solidFill>
+                      <a:schemeClr val="accent2">
+                        <a:lumMod val="20000"/>
+                        <a:lumOff val="80000"/>
+                      </a:schemeClr>
+                    </a:solidFill>
+                  </a:tcPr>
+                </a:tc>
+                <a:tc>
+                  <a:txBody>
+                    <a:bodyPr/>
+                    <a:lstStyle/>
+                    <a:p>
+                      <a:endParaRPr lang="en-US" dirty="0">
+                        <a:solidFill>
+                          <a:schemeClr val="bg1"/>
+                        </a:solidFill>
+                      </a:endParaRPr>
+                    </a:p>
+                  </a:txBody>
+                  <a:tcPr>
+                    <a:lnL w="12700">
+                      <a:solidFill>
+                        <a:schemeClr val="tx1"/>
+                      </a:solidFill>
+                    </a:lnL>
+                    <a:lnR w="12700">
+                      <a:solidFill>
+                        <a:schemeClr val="tx1"/>
+                      </a:solidFill>
+                    </a:lnR>
+                    <a:lnT w="12700">
+                      <a:solidFill>
+                        <a:schemeClr val="tx1"/>
+                      </a:solidFill>
+                    </a:lnT>
+                    <a:lnB w="12700">
+                      <a:solidFill>
+                        <a:schemeClr val="tx1"/>
+                      </a:solidFill>
+                    </a:lnB>
+                    <a:solidFill>
+                      <a:schemeClr val="accent2">
+                        <a:lumMod val="20000"/>
+                        <a:lumOff val="80000"/>
+                      </a:schemeClr>
+                    </a:solidFill>
+                  </a:tcPr>
+                </a:tc>
+                <a:tc>
+                  <a:txBody>
+                    <a:bodyPr/>
+                    <a:lstStyle/>
+                    <a:p>
+                      <a:endParaRPr lang="en-US" dirty="0">
+                        <a:solidFill>
+                          <a:schemeClr val="bg1"/>
+                        </a:solidFill>
+                      </a:endParaRPr>
+                    </a:p>
+                  </a:txBody>
+                  <a:tcPr>
+                    <a:lnL w="12700">
+                      <a:solidFill>
+                        <a:schemeClr val="tx1"/>
+                      </a:solidFill>
+                    </a:lnL>
+                    <a:lnR w="12700">
+                      <a:solidFill>
+                        <a:schemeClr val="tx1"/>
+                      </a:solidFill>
+                    </a:lnR>
+                    <a:lnT w="12700">
+                      <a:solidFill>
+                        <a:schemeClr val="tx1"/>
+                      </a:solidFill>
+                    </a:lnT>
+                    <a:lnB w="12700">
+                      <a:solidFill>
+                        <a:schemeClr val="tx1"/>
+                      </a:solidFill>
+                    </a:lnB>
+                    <a:solidFill>
+                      <a:srgbClr val="FF0000"/>
+                    </a:solidFill>
+                  </a:tcPr>
+                </a:tc>
+                <a:tc>
+                  <a:txBody>
+                    <a:bodyPr/>
+                    <a:lstStyle/>
+                    <a:p>
+                      <a:endParaRPr lang="en-US" dirty="0">
+                        <a:solidFill>
+                          <a:schemeClr val="accent2"/>
+                        </a:solidFill>
+                      </a:endParaRPr>
+                    </a:p>
+                  </a:txBody>
+                  <a:tcPr>
+                    <a:lnL w="12700">
+                      <a:solidFill>
+                        <a:schemeClr val="tx1"/>
+                      </a:solidFill>
+                    </a:lnL>
+                    <a:lnR w="12700">
+                      <a:solidFill>
+                        <a:schemeClr val="tx1"/>
+                      </a:solidFill>
+                    </a:lnR>
+                    <a:lnT w="12700">
+                      <a:solidFill>
+                        <a:schemeClr val="tx1"/>
+                      </a:solidFill>
+                    </a:lnT>
+                    <a:lnB w="12700">
+                      <a:solidFill>
+                        <a:schemeClr val="tx1"/>
+                      </a:solidFill>
+                    </a:lnB>
+                    <a:solidFill>
+                      <a:schemeClr val="accent2">
+                        <a:lumMod val="20000"/>
+                        <a:lumOff val="80000"/>
+                      </a:schemeClr>
+                    </a:solidFill>
+                  </a:tcPr>
+                </a:tc>
+                <a:tc>
+                  <a:txBody>
+                    <a:bodyPr/>
+                    <a:lstStyle/>
+                    <a:p>
+                      <a:endParaRPr lang="en-US" dirty="0">
+                        <a:solidFill>
+                          <a:schemeClr val="accent2"/>
+                        </a:solidFill>
+                      </a:endParaRPr>
+                    </a:p>
+                  </a:txBody>
+                  <a:tcPr>
+                    <a:lnL w="12700">
+                      <a:solidFill>
+                        <a:schemeClr val="tx1"/>
+                      </a:solidFill>
+                    </a:lnL>
+                    <a:lnR w="12700">
+                      <a:solidFill>
+                        <a:schemeClr val="tx1"/>
+                      </a:solidFill>
+                    </a:lnR>
+                    <a:lnT w="12700">
+                      <a:solidFill>
+                        <a:schemeClr val="tx1"/>
+                      </a:solidFill>
+                    </a:lnT>
+                    <a:lnB w="12700">
+                      <a:solidFill>
+                        <a:schemeClr val="tx1"/>
+                      </a:solidFill>
+                    </a:lnB>
+                    <a:solidFill>
+                      <a:schemeClr val="accent2"/>
+                    </a:solidFill>
+                  </a:tcPr>
+                </a:tc>
+                <a:tc>
+                  <a:txBody>
+                    <a:bodyPr/>
+                    <a:lstStyle/>
+                    <a:p>
+                      <a:endParaRPr lang="en-US"/>
+                    </a:p>
+                  </a:txBody>
+                  <a:tcPr>
+                    <a:lnL w="12700">
+                      <a:solidFill>
+                        <a:schemeClr val="tx1"/>
+                      </a:solidFill>
+                    </a:lnL>
+                    <a:lnR w="12700">
+                      <a:solidFill>
+                        <a:schemeClr val="tx1"/>
+                      </a:solidFill>
+                    </a:lnR>
+                    <a:lnT w="12700">
+                      <a:solidFill>
+                        <a:schemeClr val="tx1"/>
+                      </a:solidFill>
+                    </a:lnT>
+                    <a:lnB w="12700">
+                      <a:solidFill>
+                        <a:schemeClr val="tx1"/>
+                      </a:solidFill>
+                    </a:lnB>
+                    <a:solidFill>
+                      <a:schemeClr val="accent2"/>
+                    </a:solidFill>
+                  </a:tcPr>
+                </a:tc>
+                <a:tc>
+                  <a:txBody>
+                    <a:bodyPr/>
+                    <a:lstStyle/>
+                    <a:p>
+                      <a:endParaRPr lang="en-US"/>
+                    </a:p>
+                  </a:txBody>
+                  <a:tcPr>
+                    <a:lnL w="12700">
+                      <a:solidFill>
+                        <a:schemeClr val="tx1"/>
+                      </a:solidFill>
+                    </a:lnL>
+                    <a:lnR w="12700">
+                      <a:solidFill>
+                        <a:schemeClr val="tx1"/>
+                      </a:solidFill>
+                    </a:lnR>
+                    <a:lnT w="12700">
+                      <a:solidFill>
+                        <a:schemeClr val="tx1"/>
+                      </a:solidFill>
+                    </a:lnT>
+                    <a:lnB w="12700">
+                      <a:solidFill>
+                        <a:schemeClr val="tx1"/>
+                      </a:solidFill>
+                    </a:lnB>
+                    <a:solidFill>
+                      <a:schemeClr val="accent2">
+                        <a:lumMod val="20000"/>
+                        <a:lumOff val="80000"/>
+                      </a:schemeClr>
+                    </a:solidFill>
+                  </a:tcPr>
+                </a:tc>
+                <a:tc>
+                  <a:txBody>
+                    <a:bodyPr/>
+                    <a:lstStyle/>
+                    <a:p>
+                      <a:endParaRPr lang="en-US" dirty="0"/>
+                    </a:p>
+                  </a:txBody>
+                  <a:tcPr>
+                    <a:lnL w="12700">
+                      <a:solidFill>
+                        <a:schemeClr val="tx1"/>
+                      </a:solidFill>
+                    </a:lnL>
+                    <a:lnR w="12700">
+                      <a:solidFill>
+                        <a:schemeClr val="tx1"/>
+                      </a:solidFill>
+                    </a:lnR>
+                    <a:lnT w="12700">
+                      <a:solidFill>
+                        <a:schemeClr val="tx1"/>
+                      </a:solidFill>
+                    </a:lnT>
+                    <a:lnB w="12700">
+                      <a:solidFill>
+                        <a:schemeClr val="tx1"/>
+                      </a:solidFill>
+                    </a:lnB>
+                    <a:solidFill>
+                      <a:schemeClr val="accent2">
+                        <a:lumMod val="20000"/>
+                        <a:lumOff val="80000"/>
+                      </a:schemeClr>
+                    </a:solidFill>
+                  </a:tcPr>
+                </a:tc>
+                <a:tc>
+                  <a:txBody>
+                    <a:bodyPr/>
+                    <a:lstStyle/>
+                    <a:p>
+                      <a:pPr lvl="0">
+                        <a:buNone/>
+                      </a:pPr>
+                      <a:endParaRPr lang="en-US" dirty="0"/>
+                    </a:p>
+                  </a:txBody>
+                  <a:tcPr>
+                    <a:lnL w="12700">
+                      <a:solidFill>
+                        <a:schemeClr val="tx1"/>
+                      </a:solidFill>
+                    </a:lnL>
+                    <a:lnR w="12700">
+                      <a:solidFill>
+                        <a:schemeClr val="tx1"/>
+                      </a:solidFill>
+                    </a:lnR>
+                    <a:lnT w="12700">
+                      <a:solidFill>
+                        <a:schemeClr val="tx1"/>
+                      </a:solidFill>
+                    </a:lnT>
+                    <a:lnB w="12700">
+                      <a:solidFill>
+                        <a:schemeClr val="tx1"/>
+                      </a:solidFill>
+                    </a:lnB>
+                    <a:solidFill>
+                      <a:schemeClr val="accent5"/>
+                    </a:solidFill>
+                  </a:tcPr>
+                </a:tc>
+                <a:extLst>
+                  <a:ext uri="{0D108BD9-81ED-4DB2-BD59-A6C34878D82A}">
+                    <a16:rowId xmlns:a16="http://schemas.microsoft.com/office/drawing/2014/main" val="2201873550"/>
+                  </a:ext>
+                </a:extLst>
+              </a:tr>
+              <a:tr h="382487">
+                <a:tc>
+                  <a:txBody>
+                    <a:bodyPr/>
+                    <a:lstStyle/>
+                    <a:p>
+                      <a:endParaRPr lang="en-US" dirty="0">
+                        <a:solidFill>
+                          <a:schemeClr val="accent6">
+                            <a:lumMod val="75000"/>
+                          </a:schemeClr>
+                        </a:solidFill>
+                      </a:endParaRPr>
+                    </a:p>
+                  </a:txBody>
+                  <a:tcPr>
+                    <a:lnL w="12700">
+                      <a:solidFill>
+                        <a:schemeClr val="tx1"/>
+                      </a:solidFill>
+                    </a:lnL>
+                    <a:lnR w="12700">
+                      <a:solidFill>
+                        <a:schemeClr val="tx1"/>
+                      </a:solidFill>
+                    </a:lnR>
+                    <a:lnT w="12700">
+                      <a:solidFill>
+                        <a:schemeClr val="tx1"/>
+                      </a:solidFill>
+                    </a:lnT>
+                    <a:lnB w="12700">
+                      <a:solidFill>
+                        <a:schemeClr val="tx1"/>
+                      </a:solidFill>
+                    </a:lnB>
+                    <a:solidFill>
+                      <a:schemeClr val="accent6">
+                        <a:lumMod val="75000"/>
+                      </a:schemeClr>
+                    </a:solidFill>
+                  </a:tcPr>
+                </a:tc>
+                <a:tc>
+                  <a:txBody>
+                    <a:bodyPr/>
+                    <a:lstStyle/>
+                    <a:p>
+                      <a:endParaRPr lang="en-US" dirty="0">
+                        <a:solidFill>
+                          <a:schemeClr val="bg1"/>
+                        </a:solidFill>
+                      </a:endParaRPr>
+                    </a:p>
+                  </a:txBody>
+                  <a:tcPr>
+                    <a:lnL w="12700">
+                      <a:solidFill>
+                        <a:schemeClr val="tx1"/>
+                      </a:solidFill>
+                    </a:lnL>
+                    <a:lnR w="12700">
+                      <a:solidFill>
+                        <a:schemeClr val="tx1"/>
+                      </a:solidFill>
+                    </a:lnR>
+                    <a:lnT w="12700">
+                      <a:solidFill>
+                        <a:schemeClr val="tx1"/>
+                      </a:solidFill>
+                    </a:lnT>
+                    <a:lnB w="12700">
+                      <a:solidFill>
+                        <a:schemeClr val="tx1"/>
+                      </a:solidFill>
+                    </a:lnB>
+                    <a:solidFill>
+                      <a:schemeClr val="accent2">
+                        <a:lumMod val="20000"/>
+                        <a:lumOff val="80000"/>
+                      </a:schemeClr>
+                    </a:solidFill>
+                  </a:tcPr>
+                </a:tc>
+                <a:tc>
+                  <a:txBody>
+                    <a:bodyPr/>
+                    <a:lstStyle/>
+                    <a:p>
+                      <a:endParaRPr lang="en-US" dirty="0">
+                        <a:solidFill>
+                          <a:schemeClr val="bg1"/>
+                        </a:solidFill>
+                      </a:endParaRPr>
+                    </a:p>
+                  </a:txBody>
+                  <a:tcPr>
+                    <a:lnL w="12700">
+                      <a:solidFill>
+                        <a:schemeClr val="tx1"/>
+                      </a:solidFill>
+                    </a:lnL>
+                    <a:lnR w="12700">
+                      <a:solidFill>
+                        <a:schemeClr val="tx1"/>
+                      </a:solidFill>
+                    </a:lnR>
+                    <a:lnT w="12700">
+                      <a:solidFill>
+                        <a:schemeClr val="tx1"/>
+                      </a:solidFill>
+                    </a:lnT>
+                    <a:lnB w="12700">
+                      <a:solidFill>
+                        <a:schemeClr val="tx1"/>
+                      </a:solidFill>
+                    </a:lnB>
+                    <a:solidFill>
+                      <a:schemeClr val="accent2">
+                        <a:lumMod val="20000"/>
+                        <a:lumOff val="80000"/>
+                      </a:schemeClr>
+                    </a:solidFill>
+                  </a:tcPr>
+                </a:tc>
+                <a:tc>
+                  <a:txBody>
+                    <a:bodyPr/>
+                    <a:lstStyle/>
+                    <a:p>
+                      <a:endParaRPr lang="en-US" dirty="0">
+                        <a:solidFill>
+                          <a:schemeClr val="bg1"/>
+                        </a:solidFill>
+                      </a:endParaRPr>
+                    </a:p>
+                  </a:txBody>
+                  <a:tcPr>
+                    <a:lnL w="12700">
+                      <a:solidFill>
+                        <a:schemeClr val="tx1"/>
+                      </a:solidFill>
+                    </a:lnL>
+                    <a:lnR w="12700">
+                      <a:solidFill>
+                        <a:schemeClr val="tx1"/>
+                      </a:solidFill>
+                    </a:lnR>
+                    <a:lnT w="12700">
+                      <a:solidFill>
+                        <a:schemeClr val="tx1"/>
+                      </a:solidFill>
+                    </a:lnT>
+                    <a:lnB w="12700">
+                      <a:solidFill>
+                        <a:schemeClr val="tx1"/>
+                      </a:solidFill>
+                    </a:lnB>
+                    <a:solidFill>
+                      <a:srgbClr val="FF0000"/>
+                    </a:solidFill>
+                  </a:tcPr>
+                </a:tc>
+                <a:tc>
+                  <a:txBody>
+                    <a:bodyPr/>
+                    <a:lstStyle/>
+                    <a:p>
+                      <a:endParaRPr lang="en-US" dirty="0">
+                        <a:solidFill>
+                          <a:schemeClr val="accent2"/>
+                        </a:solidFill>
+                      </a:endParaRPr>
+                    </a:p>
+                  </a:txBody>
+                  <a:tcPr>
+                    <a:lnL w="12700">
+                      <a:solidFill>
+                        <a:schemeClr val="tx1"/>
+                      </a:solidFill>
+                    </a:lnL>
+                    <a:lnR w="12700">
+                      <a:solidFill>
+                        <a:schemeClr val="tx1"/>
+                      </a:solidFill>
+                    </a:lnR>
+                    <a:lnT w="12700">
+                      <a:solidFill>
+                        <a:schemeClr val="tx1"/>
+                      </a:solidFill>
+                    </a:lnT>
+                    <a:lnB w="12700">
+                      <a:solidFill>
+                        <a:schemeClr val="tx1"/>
+                      </a:solidFill>
+                    </a:lnB>
+                    <a:solidFill>
+                      <a:schemeClr val="accent2">
+                        <a:lumMod val="20000"/>
+                        <a:lumOff val="80000"/>
+                      </a:schemeClr>
+                    </a:solidFill>
+                  </a:tcPr>
+                </a:tc>
+                <a:tc>
+                  <a:txBody>
+                    <a:bodyPr/>
+                    <a:lstStyle/>
+                    <a:p>
+                      <a:endParaRPr lang="en-US" dirty="0">
+                        <a:solidFill>
+                          <a:schemeClr val="accent2"/>
+                        </a:solidFill>
+                      </a:endParaRPr>
+                    </a:p>
+                  </a:txBody>
+                  <a:tcPr>
+                    <a:lnL w="12700">
+                      <a:solidFill>
+                        <a:schemeClr val="tx1"/>
+                      </a:solidFill>
+                    </a:lnL>
+                    <a:lnR w="12700">
+                      <a:solidFill>
+                        <a:schemeClr val="tx1"/>
+                      </a:solidFill>
+                    </a:lnR>
+                    <a:lnT w="12700">
+                      <a:solidFill>
+                        <a:schemeClr val="tx1"/>
+                      </a:solidFill>
+                    </a:lnT>
+                    <a:lnB w="12700">
+                      <a:solidFill>
+                        <a:schemeClr val="tx1"/>
+                      </a:solidFill>
+                    </a:lnB>
+                    <a:solidFill>
+                      <a:schemeClr val="accent2"/>
+                    </a:solidFill>
+                  </a:tcPr>
+                </a:tc>
+                <a:tc>
+                  <a:txBody>
+                    <a:bodyPr/>
+                    <a:lstStyle/>
+                    <a:p>
+                      <a:endParaRPr lang="en-US"/>
+                    </a:p>
+                  </a:txBody>
+                  <a:tcPr>
+                    <a:lnL w="12700">
+                      <a:solidFill>
+                        <a:schemeClr val="tx1"/>
+                      </a:solidFill>
+                    </a:lnL>
+                    <a:lnR w="12700">
+                      <a:solidFill>
+                        <a:schemeClr val="tx1"/>
+                      </a:solidFill>
+                    </a:lnR>
+                    <a:lnT w="12700">
+                      <a:solidFill>
+                        <a:schemeClr val="tx1"/>
+                      </a:solidFill>
+                    </a:lnT>
+                    <a:lnB w="12700">
+                      <a:solidFill>
+                        <a:schemeClr val="tx1"/>
+                      </a:solidFill>
+                    </a:lnB>
+                    <a:solidFill>
+                      <a:schemeClr val="accent2"/>
+                    </a:solidFill>
+                  </a:tcPr>
+                </a:tc>
+                <a:tc>
+                  <a:txBody>
+                    <a:bodyPr/>
+                    <a:lstStyle/>
+                    <a:p>
+                      <a:endParaRPr lang="en-US"/>
+                    </a:p>
+                  </a:txBody>
+                  <a:tcPr>
+                    <a:lnL w="12700">
+                      <a:solidFill>
+                        <a:schemeClr val="tx1"/>
+                      </a:solidFill>
+                    </a:lnL>
+                    <a:lnR w="12700">
+                      <a:solidFill>
+                        <a:schemeClr val="tx1"/>
+                      </a:solidFill>
+                    </a:lnR>
+                    <a:lnT w="12700">
+                      <a:solidFill>
+                        <a:schemeClr val="tx1"/>
+                      </a:solidFill>
+                    </a:lnT>
+                    <a:lnB w="12700">
+                      <a:solidFill>
+                        <a:schemeClr val="tx1"/>
+                      </a:solidFill>
+                    </a:lnB>
+                    <a:solidFill>
+                      <a:schemeClr val="accent2">
+                        <a:lumMod val="20000"/>
+                        <a:lumOff val="80000"/>
+                      </a:schemeClr>
+                    </a:solidFill>
+                  </a:tcPr>
+                </a:tc>
+                <a:tc>
+                  <a:txBody>
+                    <a:bodyPr/>
+                    <a:lstStyle/>
+                    <a:p>
+                      <a:endParaRPr lang="en-US" dirty="0"/>
+                    </a:p>
+                  </a:txBody>
+                  <a:tcPr>
+                    <a:lnL w="12700">
+                      <a:solidFill>
+                        <a:schemeClr val="tx1"/>
+                      </a:solidFill>
+                    </a:lnL>
+                    <a:lnR w="12700">
+                      <a:solidFill>
+                        <a:schemeClr val="tx1"/>
+                      </a:solidFill>
+                    </a:lnR>
+                    <a:lnT w="12700">
+                      <a:solidFill>
+                        <a:schemeClr val="tx1"/>
+                      </a:solidFill>
+                    </a:lnT>
+                    <a:lnB w="12700">
+                      <a:solidFill>
+                        <a:schemeClr val="tx1"/>
+                      </a:solidFill>
+                    </a:lnB>
+                    <a:solidFill>
+                      <a:schemeClr val="accent2">
+                        <a:lumMod val="20000"/>
+                        <a:lumOff val="80000"/>
+                      </a:schemeClr>
+                    </a:solidFill>
+                  </a:tcPr>
+                </a:tc>
+                <a:tc>
+                  <a:txBody>
+                    <a:bodyPr/>
+                    <a:lstStyle/>
+                    <a:p>
+                      <a:pPr lvl="0">
+                        <a:buNone/>
+                      </a:pPr>
+                      <a:endParaRPr lang="en-US" dirty="0"/>
+                    </a:p>
+                  </a:txBody>
+                  <a:tcPr>
+                    <a:lnL w="12700">
+                      <a:solidFill>
+                        <a:schemeClr val="tx1"/>
+                      </a:solidFill>
+                    </a:lnL>
+                    <a:lnR w="12700">
+                      <a:solidFill>
+                        <a:schemeClr val="tx1"/>
+                      </a:solidFill>
+                    </a:lnR>
+                    <a:lnT w="12700">
+                      <a:solidFill>
+                        <a:schemeClr val="tx1"/>
+                      </a:solidFill>
+                    </a:lnT>
+                    <a:lnB w="12700">
+                      <a:solidFill>
+                        <a:schemeClr val="tx1"/>
+                      </a:solidFill>
+                    </a:lnB>
+                    <a:solidFill>
+                      <a:schemeClr val="accent5"/>
+                    </a:solidFill>
+                  </a:tcPr>
+                </a:tc>
+                <a:extLst>
+                  <a:ext uri="{0D108BD9-81ED-4DB2-BD59-A6C34878D82A}">
+                    <a16:rowId xmlns:a16="http://schemas.microsoft.com/office/drawing/2014/main" val="2409827645"/>
+                  </a:ext>
+                </a:extLst>
+              </a:tr>
+              <a:tr h="382487">
+                <a:tc>
+                  <a:txBody>
+                    <a:bodyPr/>
+                    <a:lstStyle/>
+                    <a:p>
+                      <a:endParaRPr lang="en-US" dirty="0">
+                        <a:solidFill>
+                          <a:schemeClr val="accent6">
+                            <a:lumMod val="75000"/>
+                          </a:schemeClr>
+                        </a:solidFill>
+                      </a:endParaRPr>
+                    </a:p>
+                  </a:txBody>
+                  <a:tcPr>
+                    <a:lnL w="12700">
+                      <a:solidFill>
+                        <a:schemeClr val="tx1"/>
+                      </a:solidFill>
+                    </a:lnL>
+                    <a:lnR w="12700">
+                      <a:solidFill>
+                        <a:schemeClr val="tx1"/>
+                      </a:solidFill>
+                    </a:lnR>
+                    <a:lnT w="12700">
+                      <a:solidFill>
+                        <a:schemeClr val="tx1"/>
+                      </a:solidFill>
+                    </a:lnT>
+                    <a:lnB w="12700">
+                      <a:solidFill>
+                        <a:schemeClr val="tx1"/>
+                      </a:solidFill>
+                    </a:lnB>
+                    <a:solidFill>
+                      <a:schemeClr val="accent6">
+                        <a:lumMod val="75000"/>
+                      </a:schemeClr>
+                    </a:solidFill>
+                  </a:tcPr>
+                </a:tc>
+                <a:tc>
+                  <a:txBody>
+                    <a:bodyPr/>
+                    <a:lstStyle/>
+                    <a:p>
+                      <a:endParaRPr lang="en-US" dirty="0">
+                        <a:solidFill>
+                          <a:schemeClr val="bg1"/>
+                        </a:solidFill>
+                      </a:endParaRPr>
+                    </a:p>
+                  </a:txBody>
+                  <a:tcPr>
+                    <a:lnL w="12700">
+                      <a:solidFill>
+                        <a:schemeClr val="tx1"/>
+                      </a:solidFill>
+                    </a:lnL>
+                    <a:lnR w="12700">
+                      <a:solidFill>
+                        <a:schemeClr val="tx1"/>
+                      </a:solidFill>
+                    </a:lnR>
+                    <a:lnT w="12700">
+                      <a:solidFill>
+                        <a:schemeClr val="tx1"/>
+                      </a:solidFill>
+                    </a:lnT>
+                    <a:lnB w="12700">
+                      <a:solidFill>
+                        <a:schemeClr val="tx1"/>
+                      </a:solidFill>
+                    </a:lnB>
+                    <a:solidFill>
+                      <a:schemeClr val="accent2">
+                        <a:lumMod val="20000"/>
+                        <a:lumOff val="80000"/>
+                      </a:schemeClr>
+                    </a:solidFill>
+                  </a:tcPr>
+                </a:tc>
+                <a:tc>
+                  <a:txBody>
+                    <a:bodyPr/>
+                    <a:lstStyle/>
+                    <a:p>
+                      <a:endParaRPr lang="en-US" dirty="0">
+                        <a:solidFill>
+                          <a:schemeClr val="bg1"/>
+                        </a:solidFill>
+                      </a:endParaRPr>
+                    </a:p>
+                  </a:txBody>
+                  <a:tcPr>
+                    <a:lnL w="12700">
+                      <a:solidFill>
+                        <a:schemeClr val="tx1"/>
+                      </a:solidFill>
+                    </a:lnL>
+                    <a:lnR w="12700">
+                      <a:solidFill>
+                        <a:schemeClr val="tx1"/>
+                      </a:solidFill>
+                    </a:lnR>
+                    <a:lnT w="12700">
+                      <a:solidFill>
+                        <a:schemeClr val="tx1"/>
+                      </a:solidFill>
+                    </a:lnT>
+                    <a:lnB w="12700">
+                      <a:solidFill>
+                        <a:schemeClr val="tx1"/>
+                      </a:solidFill>
+                    </a:lnB>
+                    <a:solidFill>
+                      <a:schemeClr val="accent2">
+                        <a:lumMod val="20000"/>
+                        <a:lumOff val="80000"/>
+                      </a:schemeClr>
+                    </a:solidFill>
+                  </a:tcPr>
+                </a:tc>
+                <a:tc>
+                  <a:txBody>
+                    <a:bodyPr/>
+                    <a:lstStyle/>
+                    <a:p>
+                      <a:endParaRPr lang="en-US" dirty="0">
+                        <a:solidFill>
+                          <a:schemeClr val="bg1"/>
+                        </a:solidFill>
+                      </a:endParaRPr>
+                    </a:p>
+                  </a:txBody>
+                  <a:tcPr>
+                    <a:lnL w="12700">
+                      <a:solidFill>
+                        <a:schemeClr val="tx1"/>
+                      </a:solidFill>
+                    </a:lnL>
+                    <a:lnR w="12700">
+                      <a:solidFill>
+                        <a:schemeClr val="tx1"/>
+                      </a:solidFill>
+                    </a:lnR>
+                    <a:lnT w="12700">
+                      <a:solidFill>
+                        <a:schemeClr val="tx1"/>
+                      </a:solidFill>
+                    </a:lnT>
+                    <a:lnB w="12700">
+                      <a:solidFill>
+                        <a:schemeClr val="tx1"/>
+                      </a:solidFill>
+                    </a:lnB>
+                    <a:solidFill>
+                      <a:srgbClr val="FF0000"/>
+                    </a:solidFill>
+                  </a:tcPr>
+                </a:tc>
+                <a:tc>
+                  <a:txBody>
+                    <a:bodyPr/>
+                    <a:lstStyle/>
+                    <a:p>
+                      <a:endParaRPr lang="en-US" dirty="0">
+                        <a:solidFill>
+                          <a:schemeClr val="accent2"/>
+                        </a:solidFill>
+                      </a:endParaRPr>
+                    </a:p>
+                  </a:txBody>
+                  <a:tcPr>
+                    <a:lnL w="12700">
+                      <a:solidFill>
+                        <a:schemeClr val="tx1"/>
+                      </a:solidFill>
+                    </a:lnL>
+                    <a:lnR w="12700">
+                      <a:solidFill>
+                        <a:schemeClr val="tx1"/>
+                      </a:solidFill>
+                    </a:lnR>
+                    <a:lnT w="12700">
+                      <a:solidFill>
+                        <a:schemeClr val="tx1"/>
+                      </a:solidFill>
+                    </a:lnT>
+                    <a:lnB w="12700">
+                      <a:solidFill>
+                        <a:schemeClr val="tx1"/>
+                      </a:solidFill>
+                    </a:lnB>
+                    <a:solidFill>
+                      <a:schemeClr val="accent2">
+                        <a:lumMod val="20000"/>
+                        <a:lumOff val="80000"/>
+                      </a:schemeClr>
+                    </a:solidFill>
+                  </a:tcPr>
+                </a:tc>
+                <a:tc>
+                  <a:txBody>
+                    <a:bodyPr/>
+                    <a:lstStyle/>
+                    <a:p>
+                      <a:endParaRPr lang="en-US" dirty="0">
+                        <a:solidFill>
+                          <a:schemeClr val="accent2"/>
+                        </a:solidFill>
+                      </a:endParaRPr>
+                    </a:p>
+                  </a:txBody>
+                  <a:tcPr>
+                    <a:lnL w="12700">
+                      <a:solidFill>
+                        <a:schemeClr val="tx1"/>
+                      </a:solidFill>
+                    </a:lnL>
+                    <a:lnR w="12700">
+                      <a:solidFill>
+                        <a:schemeClr val="tx1"/>
+                      </a:solidFill>
+                    </a:lnR>
+                    <a:lnT w="12700">
+                      <a:solidFill>
+                        <a:schemeClr val="tx1"/>
+                      </a:solidFill>
+                    </a:lnT>
+                    <a:lnB w="12700">
+                      <a:solidFill>
+                        <a:schemeClr val="tx1"/>
+                      </a:solidFill>
+                    </a:lnB>
+                    <a:solidFill>
+                      <a:schemeClr val="accent2"/>
+                    </a:solidFill>
+                  </a:tcPr>
+                </a:tc>
+                <a:tc>
+                  <a:txBody>
+                    <a:bodyPr/>
+                    <a:lstStyle/>
+                    <a:p>
+                      <a:endParaRPr lang="en-US"/>
+                    </a:p>
+                  </a:txBody>
+                  <a:tcPr>
+                    <a:lnL w="12700">
+                      <a:solidFill>
+                        <a:schemeClr val="tx1"/>
+                      </a:solidFill>
+                    </a:lnL>
+                    <a:lnR w="12700">
+                      <a:solidFill>
+                        <a:schemeClr val="tx1"/>
+                      </a:solidFill>
+                    </a:lnR>
+                    <a:lnT w="12700">
+                      <a:solidFill>
+                        <a:schemeClr val="tx1"/>
+                      </a:solidFill>
+                    </a:lnT>
+                    <a:lnB w="12700">
+                      <a:solidFill>
+                        <a:schemeClr val="tx1"/>
+                      </a:solidFill>
+                    </a:lnB>
+                    <a:solidFill>
+                      <a:schemeClr val="accent2"/>
+                    </a:solidFill>
+                  </a:tcPr>
+                </a:tc>
+                <a:tc>
+                  <a:txBody>
+                    <a:bodyPr/>
+                    <a:lstStyle/>
+                    <a:p>
+                      <a:endParaRPr lang="en-US"/>
+                    </a:p>
+                  </a:txBody>
+                  <a:tcPr>
+                    <a:lnL w="12700">
+                      <a:solidFill>
+                        <a:schemeClr val="tx1"/>
+                      </a:solidFill>
+                    </a:lnL>
+                    <a:lnR w="12700">
+                      <a:solidFill>
+                        <a:schemeClr val="tx1"/>
+                      </a:solidFill>
+                    </a:lnR>
+                    <a:lnT w="12700">
+                      <a:solidFill>
+                        <a:schemeClr val="tx1"/>
+                      </a:solidFill>
+                    </a:lnT>
+                    <a:lnB w="12700">
+                      <a:solidFill>
+                        <a:schemeClr val="tx1"/>
+                      </a:solidFill>
+                    </a:lnB>
+                    <a:solidFill>
+                      <a:schemeClr val="accent2">
+                        <a:lumMod val="20000"/>
+                        <a:lumOff val="80000"/>
+                      </a:schemeClr>
+                    </a:solidFill>
+                  </a:tcPr>
+                </a:tc>
+                <a:tc>
+                  <a:txBody>
+                    <a:bodyPr/>
+                    <a:lstStyle/>
+                    <a:p>
+                      <a:endParaRPr lang="en-US" dirty="0"/>
+                    </a:p>
+                  </a:txBody>
+                  <a:tcPr>
+                    <a:lnL w="12700">
+                      <a:solidFill>
+                        <a:schemeClr val="tx1"/>
+                      </a:solidFill>
+                    </a:lnL>
+                    <a:lnR w="12700">
+                      <a:solidFill>
+                        <a:schemeClr val="tx1"/>
+                      </a:solidFill>
+                    </a:lnR>
+                    <a:lnT w="12700">
+                      <a:solidFill>
+                        <a:schemeClr val="tx1"/>
+                      </a:solidFill>
+                    </a:lnT>
+                    <a:lnB w="12700">
+                      <a:solidFill>
+                        <a:schemeClr val="tx1"/>
+                      </a:solidFill>
+                    </a:lnB>
+                    <a:solidFill>
+                      <a:schemeClr val="accent2">
+                        <a:lumMod val="20000"/>
+                        <a:lumOff val="80000"/>
+                      </a:schemeClr>
+                    </a:solidFill>
+                  </a:tcPr>
+                </a:tc>
+                <a:tc>
+                  <a:txBody>
+                    <a:bodyPr/>
+                    <a:lstStyle/>
+                    <a:p>
+                      <a:pPr lvl="0">
+                        <a:buNone/>
+                      </a:pPr>
+                      <a:endParaRPr lang="en-US" dirty="0"/>
+                    </a:p>
+                  </a:txBody>
+                  <a:tcPr>
+                    <a:lnL w="12700">
+                      <a:solidFill>
+                        <a:schemeClr val="tx1"/>
+                      </a:solidFill>
+                    </a:lnL>
+                    <a:lnR w="12700">
+                      <a:solidFill>
+                        <a:schemeClr val="tx1"/>
+                      </a:solidFill>
+                    </a:lnR>
+                    <a:lnT w="12700">
+                      <a:solidFill>
+                        <a:schemeClr val="tx1"/>
+                      </a:solidFill>
+                    </a:lnT>
+                    <a:lnB w="12700">
+                      <a:solidFill>
+                        <a:schemeClr val="tx1"/>
+                      </a:solidFill>
+                    </a:lnB>
+                    <a:solidFill>
+                      <a:schemeClr val="accent5"/>
+                    </a:solidFill>
+                  </a:tcPr>
+                </a:tc>
+                <a:extLst>
+                  <a:ext uri="{0D108BD9-81ED-4DB2-BD59-A6C34878D82A}">
+                    <a16:rowId xmlns:a16="http://schemas.microsoft.com/office/drawing/2014/main" val="2390283269"/>
+                  </a:ext>
+                </a:extLst>
+              </a:tr>
+              <a:tr h="382487">
+                <a:tc>
+                  <a:txBody>
+                    <a:bodyPr/>
+                    <a:lstStyle/>
+                    <a:p>
+                      <a:endParaRPr lang="en-US" dirty="0">
+                        <a:solidFill>
+                          <a:schemeClr val="accent6">
+                            <a:lumMod val="75000"/>
+                          </a:schemeClr>
+                        </a:solidFill>
+                      </a:endParaRPr>
+                    </a:p>
+                  </a:txBody>
+                  <a:tcPr>
+                    <a:lnL w="12700">
+                      <a:solidFill>
+                        <a:schemeClr val="tx1"/>
+                      </a:solidFill>
+                    </a:lnL>
+                    <a:lnR w="12700">
+                      <a:solidFill>
+                        <a:schemeClr val="tx1"/>
+                      </a:solidFill>
+                    </a:lnR>
+                    <a:lnT w="12700">
+                      <a:solidFill>
+                        <a:schemeClr val="tx1"/>
+                      </a:solidFill>
+                    </a:lnT>
+                    <a:lnB w="12700">
+                      <a:solidFill>
+                        <a:schemeClr val="tx1"/>
+                      </a:solidFill>
+                    </a:lnB>
+                    <a:solidFill>
+                      <a:schemeClr val="accent6">
+                        <a:lumMod val="75000"/>
+                      </a:schemeClr>
+                    </a:solidFill>
+                  </a:tcPr>
+                </a:tc>
+                <a:tc>
+                  <a:txBody>
+                    <a:bodyPr/>
+                    <a:lstStyle/>
+                    <a:p>
+                      <a:endParaRPr lang="en-US" dirty="0">
+                        <a:solidFill>
+                          <a:schemeClr val="bg1"/>
+                        </a:solidFill>
+                      </a:endParaRPr>
+                    </a:p>
+                  </a:txBody>
+                  <a:tcPr>
+                    <a:lnL w="12700">
+                      <a:solidFill>
+                        <a:schemeClr val="tx1"/>
+                      </a:solidFill>
+                    </a:lnL>
+                    <a:lnR w="12700">
+                      <a:solidFill>
+                        <a:schemeClr val="tx1"/>
+                      </a:solidFill>
+                    </a:lnR>
+                    <a:lnT w="12700">
+                      <a:solidFill>
+                        <a:schemeClr val="tx1"/>
+                      </a:solidFill>
+                    </a:lnT>
+                    <a:lnB w="12700">
+                      <a:solidFill>
+                        <a:schemeClr val="tx1"/>
+                      </a:solidFill>
+                    </a:lnB>
+                    <a:solidFill>
+                      <a:schemeClr val="accent2">
+                        <a:lumMod val="20000"/>
+                        <a:lumOff val="80000"/>
+                      </a:schemeClr>
+                    </a:solidFill>
+                  </a:tcPr>
+                </a:tc>
+                <a:tc>
+                  <a:txBody>
+                    <a:bodyPr/>
+                    <a:lstStyle/>
+                    <a:p>
+                      <a:endParaRPr lang="en-US" dirty="0">
+                        <a:solidFill>
+                          <a:schemeClr val="bg1"/>
+                        </a:solidFill>
+                      </a:endParaRPr>
+                    </a:p>
+                  </a:txBody>
+                  <a:tcPr>
+                    <a:lnL w="12700">
+                      <a:solidFill>
+                        <a:schemeClr val="tx1"/>
+                      </a:solidFill>
+                    </a:lnL>
+                    <a:lnR w="12700">
+                      <a:solidFill>
+                        <a:schemeClr val="tx1"/>
+                      </a:solidFill>
+                    </a:lnR>
+                    <a:lnT w="12700">
+                      <a:solidFill>
+                        <a:schemeClr val="tx1"/>
+                      </a:solidFill>
+                    </a:lnT>
+                    <a:lnB w="12700">
+                      <a:solidFill>
+                        <a:schemeClr val="tx1"/>
+                      </a:solidFill>
+                    </a:lnB>
+                    <a:solidFill>
+                      <a:schemeClr val="accent2">
+                        <a:lumMod val="20000"/>
+                        <a:lumOff val="80000"/>
+                      </a:schemeClr>
+                    </a:solidFill>
+                  </a:tcPr>
+                </a:tc>
+                <a:tc>
+                  <a:txBody>
+                    <a:bodyPr/>
+                    <a:lstStyle/>
+                    <a:p>
+                      <a:endParaRPr lang="en-US" dirty="0">
+                        <a:solidFill>
+                          <a:schemeClr val="bg1"/>
+                        </a:solidFill>
+                      </a:endParaRPr>
+                    </a:p>
+                  </a:txBody>
+                  <a:tcPr>
+                    <a:lnL w="12700">
+                      <a:solidFill>
+                        <a:schemeClr val="tx1"/>
+                      </a:solidFill>
+                    </a:lnL>
+                    <a:lnR w="12700">
+                      <a:solidFill>
+                        <a:schemeClr val="tx1"/>
+                      </a:solidFill>
+                    </a:lnR>
+                    <a:lnT w="12700">
+                      <a:solidFill>
+                        <a:schemeClr val="tx1"/>
+                      </a:solidFill>
+                    </a:lnT>
+                    <a:lnB w="12700">
+                      <a:solidFill>
+                        <a:schemeClr val="tx1"/>
+                      </a:solidFill>
+                    </a:lnB>
+                    <a:solidFill>
+                      <a:srgbClr val="FF0000"/>
+                    </a:solidFill>
+                  </a:tcPr>
+                </a:tc>
+                <a:tc>
+                  <a:txBody>
+                    <a:bodyPr/>
+                    <a:lstStyle/>
+                    <a:p>
+                      <a:endParaRPr lang="en-US" dirty="0">
+                        <a:solidFill>
+                          <a:schemeClr val="accent2"/>
+                        </a:solidFill>
+                      </a:endParaRPr>
+                    </a:p>
+                  </a:txBody>
+                  <a:tcPr>
+                    <a:lnL w="12700">
+                      <a:solidFill>
+                        <a:schemeClr val="tx1"/>
+                      </a:solidFill>
+                    </a:lnL>
+                    <a:lnR w="12700">
+                      <a:solidFill>
+                        <a:schemeClr val="tx1"/>
+                      </a:solidFill>
+                    </a:lnR>
+                    <a:lnT w="12700">
+                      <a:solidFill>
+                        <a:schemeClr val="tx1"/>
+                      </a:solidFill>
+                    </a:lnT>
+                    <a:lnB w="12700">
+                      <a:solidFill>
+                        <a:schemeClr val="tx1"/>
+                      </a:solidFill>
+                    </a:lnB>
+                    <a:solidFill>
+                      <a:schemeClr val="accent2">
+                        <a:lumMod val="20000"/>
+                        <a:lumOff val="80000"/>
+                      </a:schemeClr>
+                    </a:solidFill>
+                  </a:tcPr>
+                </a:tc>
+                <a:tc>
+                  <a:txBody>
+                    <a:bodyPr/>
+                    <a:lstStyle/>
+                    <a:p>
+                      <a:endParaRPr lang="en-US" dirty="0">
+                        <a:solidFill>
+                          <a:schemeClr val="accent2"/>
+                        </a:solidFill>
+                      </a:endParaRPr>
+                    </a:p>
+                  </a:txBody>
+                  <a:tcPr>
+                    <a:lnL w="12700">
+                      <a:solidFill>
+                        <a:schemeClr val="tx1"/>
+                      </a:solidFill>
+                    </a:lnL>
+                    <a:lnR w="12700">
+                      <a:solidFill>
+                        <a:schemeClr val="tx1"/>
+                      </a:solidFill>
+                    </a:lnR>
+                    <a:lnT w="12700">
+                      <a:solidFill>
+                        <a:schemeClr val="tx1"/>
+                      </a:solidFill>
+                    </a:lnT>
+                    <a:lnB w="12700">
+                      <a:solidFill>
+                        <a:schemeClr val="tx1"/>
+                      </a:solidFill>
+                    </a:lnB>
+                    <a:solidFill>
+                      <a:schemeClr val="accent2"/>
+                    </a:solidFill>
+                  </a:tcPr>
+                </a:tc>
+                <a:tc>
+                  <a:txBody>
+                    <a:bodyPr/>
+                    <a:lstStyle/>
+                    <a:p>
+                      <a:endParaRPr lang="en-US"/>
+                    </a:p>
+                  </a:txBody>
+                  <a:tcPr>
+                    <a:lnL w="12700">
+                      <a:solidFill>
+                        <a:schemeClr val="tx1"/>
+                      </a:solidFill>
+                    </a:lnL>
+                    <a:lnR w="12700">
+                      <a:solidFill>
+                        <a:schemeClr val="tx1"/>
+                      </a:solidFill>
+                    </a:lnR>
+                    <a:lnT w="12700">
+                      <a:solidFill>
+                        <a:schemeClr val="tx1"/>
+                      </a:solidFill>
+                    </a:lnT>
+                    <a:lnB w="12700">
+                      <a:solidFill>
+                        <a:schemeClr val="tx1"/>
+                      </a:solidFill>
+                    </a:lnB>
+                    <a:solidFill>
+                      <a:schemeClr val="accent2"/>
+                    </a:solidFill>
+                  </a:tcPr>
+                </a:tc>
+                <a:tc>
+                  <a:txBody>
+                    <a:bodyPr/>
+                    <a:lstStyle/>
+                    <a:p>
+                      <a:endParaRPr lang="en-US"/>
+                    </a:p>
+                  </a:txBody>
+                  <a:tcPr>
+                    <a:lnL w="12700">
+                      <a:solidFill>
+                        <a:schemeClr val="tx1"/>
+                      </a:solidFill>
+                    </a:lnL>
+                    <a:lnR w="12700">
+                      <a:solidFill>
+                        <a:schemeClr val="tx1"/>
+                      </a:solidFill>
+                    </a:lnR>
+                    <a:lnT w="12700">
+                      <a:solidFill>
+                        <a:schemeClr val="tx1"/>
+                      </a:solidFill>
+                    </a:lnT>
+                    <a:lnB w="12700">
+                      <a:solidFill>
+                        <a:schemeClr val="tx1"/>
+                      </a:solidFill>
+                    </a:lnB>
+                    <a:solidFill>
+                      <a:schemeClr val="accent2">
+                        <a:lumMod val="20000"/>
+                        <a:lumOff val="80000"/>
+                      </a:schemeClr>
+                    </a:solidFill>
+                  </a:tcPr>
+                </a:tc>
+                <a:tc>
+                  <a:txBody>
+                    <a:bodyPr/>
+                    <a:lstStyle/>
+                    <a:p>
+                      <a:endParaRPr lang="en-US" dirty="0"/>
+                    </a:p>
+                  </a:txBody>
+                  <a:tcPr>
+                    <a:lnL w="12700">
+                      <a:solidFill>
+                        <a:schemeClr val="tx1"/>
+                      </a:solidFill>
+                    </a:lnL>
+                    <a:lnR w="12700">
+                      <a:solidFill>
+                        <a:schemeClr val="tx1"/>
+                      </a:solidFill>
+                    </a:lnR>
+                    <a:lnT w="12700">
+                      <a:solidFill>
+                        <a:schemeClr val="tx1"/>
+                      </a:solidFill>
+                    </a:lnT>
+                    <a:lnB w="12700">
+                      <a:solidFill>
+                        <a:schemeClr val="tx1"/>
+                      </a:solidFill>
+                    </a:lnB>
+                    <a:solidFill>
+                      <a:schemeClr val="accent2">
+                        <a:lumMod val="20000"/>
+                        <a:lumOff val="80000"/>
+                      </a:schemeClr>
+                    </a:solidFill>
+                  </a:tcPr>
+                </a:tc>
+                <a:tc>
+                  <a:txBody>
+                    <a:bodyPr/>
+                    <a:lstStyle/>
+                    <a:p>
+                      <a:pPr lvl="0">
+                        <a:buNone/>
+                      </a:pPr>
+                      <a:endParaRPr lang="en-US" dirty="0"/>
+                    </a:p>
+                  </a:txBody>
+                  <a:tcPr>
+                    <a:lnL w="12700">
+                      <a:solidFill>
+                        <a:schemeClr val="tx1"/>
+                      </a:solidFill>
+                    </a:lnL>
+                    <a:lnR w="12700">
+                      <a:solidFill>
+                        <a:schemeClr val="tx1"/>
+                      </a:solidFill>
+                    </a:lnR>
+                    <a:lnT w="12700">
+                      <a:solidFill>
+                        <a:schemeClr val="tx1"/>
+                      </a:solidFill>
+                    </a:lnT>
+                    <a:lnB w="12700">
+                      <a:solidFill>
+                        <a:schemeClr val="tx1"/>
+                      </a:solidFill>
+                    </a:lnB>
+                    <a:solidFill>
+                      <a:schemeClr val="accent5"/>
+                    </a:solidFill>
+                  </a:tcPr>
+                </a:tc>
+                <a:extLst>
+                  <a:ext uri="{0D108BD9-81ED-4DB2-BD59-A6C34878D82A}">
+                    <a16:rowId xmlns:a16="http://schemas.microsoft.com/office/drawing/2014/main" val="2023899322"/>
+                  </a:ext>
+                </a:extLst>
+              </a:tr>
+              <a:tr h="382487">
+                <a:tc>
+                  <a:txBody>
+                    <a:bodyPr/>
+                    <a:lstStyle/>
+                    <a:p>
+                      <a:endParaRPr lang="en-US" dirty="0">
+                        <a:solidFill>
+                          <a:schemeClr val="accent6">
+                            <a:lumMod val="75000"/>
+                          </a:schemeClr>
+                        </a:solidFill>
+                      </a:endParaRPr>
+                    </a:p>
+                  </a:txBody>
+                  <a:tcPr>
+                    <a:lnL w="12700">
+                      <a:solidFill>
+                        <a:schemeClr val="tx1"/>
+                      </a:solidFill>
+                    </a:lnL>
+                    <a:lnR w="12700">
+                      <a:solidFill>
+                        <a:schemeClr val="tx1"/>
+                      </a:solidFill>
+                    </a:lnR>
+                    <a:lnT w="12700">
+                      <a:solidFill>
+                        <a:schemeClr val="tx1"/>
+                      </a:solidFill>
+                    </a:lnT>
+                    <a:lnB w="12700">
+                      <a:solidFill>
+                        <a:schemeClr val="tx1"/>
+                      </a:solidFill>
+                    </a:lnB>
+                    <a:solidFill>
+                      <a:schemeClr val="accent6">
+                        <a:lumMod val="75000"/>
+                      </a:schemeClr>
+                    </a:solidFill>
+                  </a:tcPr>
+                </a:tc>
+                <a:tc>
+                  <a:txBody>
+                    <a:bodyPr/>
+                    <a:lstStyle/>
+                    <a:p>
+                      <a:endParaRPr lang="en-US" dirty="0">
+                        <a:solidFill>
+                          <a:schemeClr val="bg1"/>
+                        </a:solidFill>
+                      </a:endParaRPr>
+                    </a:p>
+                  </a:txBody>
+                  <a:tcPr>
+                    <a:lnL w="12700">
+                      <a:solidFill>
+                        <a:schemeClr val="tx1"/>
+                      </a:solidFill>
+                    </a:lnL>
+                    <a:lnR w="12700">
+                      <a:solidFill>
+                        <a:schemeClr val="tx1"/>
+                      </a:solidFill>
+                    </a:lnR>
+                    <a:lnT w="12700">
+                      <a:solidFill>
+                        <a:schemeClr val="tx1"/>
+                      </a:solidFill>
+                    </a:lnT>
+                    <a:lnB w="12700">
+                      <a:solidFill>
+                        <a:schemeClr val="tx1"/>
+                      </a:solidFill>
+                    </a:lnB>
+                    <a:solidFill>
+                      <a:schemeClr val="accent2">
+                        <a:lumMod val="20000"/>
+                        <a:lumOff val="80000"/>
+                      </a:schemeClr>
+                    </a:solidFill>
+                  </a:tcPr>
+                </a:tc>
+                <a:tc>
+                  <a:txBody>
+                    <a:bodyPr/>
+                    <a:lstStyle/>
+                    <a:p>
+                      <a:endParaRPr lang="en-US" dirty="0">
+                        <a:solidFill>
+                          <a:schemeClr val="bg1"/>
+                        </a:solidFill>
+                      </a:endParaRPr>
+                    </a:p>
+                  </a:txBody>
+                  <a:tcPr>
+                    <a:lnL w="12700">
+                      <a:solidFill>
+                        <a:schemeClr val="tx1"/>
+                      </a:solidFill>
+                    </a:lnL>
+                    <a:lnR w="12700">
+                      <a:solidFill>
+                        <a:schemeClr val="tx1"/>
+                      </a:solidFill>
+                    </a:lnR>
+                    <a:lnT w="12700">
+                      <a:solidFill>
+                        <a:schemeClr val="tx1"/>
+                      </a:solidFill>
+                    </a:lnT>
+                    <a:lnB w="12700">
+                      <a:solidFill>
+                        <a:schemeClr val="tx1"/>
+                      </a:solidFill>
+                    </a:lnB>
+                    <a:solidFill>
+                      <a:schemeClr val="accent2">
+                        <a:lumMod val="20000"/>
+                        <a:lumOff val="80000"/>
+                      </a:schemeClr>
+                    </a:solidFill>
+                  </a:tcPr>
+                </a:tc>
+                <a:tc>
+                  <a:txBody>
+                    <a:bodyPr/>
+                    <a:lstStyle/>
+                    <a:p>
+                      <a:endParaRPr lang="en-US" dirty="0">
+                        <a:solidFill>
+                          <a:schemeClr val="bg1"/>
+                        </a:solidFill>
+                      </a:endParaRPr>
+                    </a:p>
+                  </a:txBody>
+                  <a:tcPr>
+                    <a:lnL w="12700">
+                      <a:solidFill>
+                        <a:schemeClr val="tx1"/>
+                      </a:solidFill>
+                    </a:lnL>
+                    <a:lnR w="12700">
+                      <a:solidFill>
+                        <a:schemeClr val="tx1"/>
+                      </a:solidFill>
+                    </a:lnR>
+                    <a:lnT w="12700">
+                      <a:solidFill>
+                        <a:schemeClr val="tx1"/>
+                      </a:solidFill>
+                    </a:lnT>
+                    <a:lnB w="12700">
+                      <a:solidFill>
+                        <a:schemeClr val="tx1"/>
+                      </a:solidFill>
+                    </a:lnB>
+                    <a:solidFill>
+                      <a:srgbClr val="FF0000"/>
+                    </a:solidFill>
+                  </a:tcPr>
+                </a:tc>
+                <a:tc>
+                  <a:txBody>
+                    <a:bodyPr/>
+                    <a:lstStyle/>
+                    <a:p>
+                      <a:endParaRPr lang="en-US" dirty="0">
+                        <a:solidFill>
+                          <a:schemeClr val="accent2"/>
+                        </a:solidFill>
+                      </a:endParaRPr>
+                    </a:p>
+                  </a:txBody>
+                  <a:tcPr>
+                    <a:lnL w="12700">
+                      <a:solidFill>
+                        <a:schemeClr val="tx1"/>
+                      </a:solidFill>
+                    </a:lnL>
+                    <a:lnR w="12700">
+                      <a:solidFill>
+                        <a:schemeClr val="tx1"/>
+                      </a:solidFill>
+                    </a:lnR>
+                    <a:lnT w="12700">
+                      <a:solidFill>
+                        <a:schemeClr val="tx1"/>
+                      </a:solidFill>
+                    </a:lnT>
+                    <a:lnB w="12700">
+                      <a:solidFill>
+                        <a:schemeClr val="tx1"/>
+                      </a:solidFill>
+                    </a:lnB>
+                    <a:solidFill>
+                      <a:schemeClr val="accent2">
+                        <a:lumMod val="20000"/>
+                        <a:lumOff val="80000"/>
+                      </a:schemeClr>
+                    </a:solidFill>
+                  </a:tcPr>
+                </a:tc>
+                <a:tc>
+                  <a:txBody>
+                    <a:bodyPr/>
+                    <a:lstStyle/>
+                    <a:p>
+                      <a:endParaRPr lang="en-US" dirty="0">
+                        <a:solidFill>
+                          <a:schemeClr val="accent2"/>
+                        </a:solidFill>
+                      </a:endParaRPr>
+                    </a:p>
+                  </a:txBody>
+                  <a:tcPr>
+                    <a:lnL w="12700">
+                      <a:solidFill>
+                        <a:schemeClr val="tx1"/>
+                      </a:solidFill>
+                    </a:lnL>
+                    <a:lnR w="12700">
+                      <a:solidFill>
+                        <a:schemeClr val="tx1"/>
+                      </a:solidFill>
+                    </a:lnR>
+                    <a:lnT w="12700">
+                      <a:solidFill>
+                        <a:schemeClr val="tx1"/>
+                      </a:solidFill>
+                    </a:lnT>
+                    <a:lnB w="12700">
+                      <a:solidFill>
+                        <a:schemeClr val="tx1"/>
+                      </a:solidFill>
+                    </a:lnB>
+                    <a:solidFill>
+                      <a:schemeClr val="accent2"/>
+                    </a:solidFill>
+                  </a:tcPr>
+                </a:tc>
+                <a:tc>
+                  <a:txBody>
+                    <a:bodyPr/>
+                    <a:lstStyle/>
+                    <a:p>
+                      <a:endParaRPr lang="en-US"/>
+                    </a:p>
+                  </a:txBody>
+                  <a:tcPr>
+                    <a:lnL w="12700">
+                      <a:solidFill>
+                        <a:schemeClr val="tx1"/>
+                      </a:solidFill>
+                    </a:lnL>
+                    <a:lnR w="12700">
+                      <a:solidFill>
+                        <a:schemeClr val="tx1"/>
+                      </a:solidFill>
+                    </a:lnR>
+                    <a:lnT w="12700">
+                      <a:solidFill>
+                        <a:schemeClr val="tx1"/>
+                      </a:solidFill>
+                    </a:lnT>
+                    <a:lnB w="12700">
+                      <a:solidFill>
+                        <a:schemeClr val="tx1"/>
+                      </a:solidFill>
+                    </a:lnB>
+                    <a:solidFill>
+                      <a:schemeClr val="accent2"/>
+                    </a:solidFill>
+                  </a:tcPr>
+                </a:tc>
+                <a:tc>
+                  <a:txBody>
+                    <a:bodyPr/>
+                    <a:lstStyle/>
+                    <a:p>
+                      <a:endParaRPr lang="en-US"/>
+                    </a:p>
+                  </a:txBody>
+                  <a:tcPr>
+                    <a:lnL w="12700">
+                      <a:solidFill>
+                        <a:schemeClr val="tx1"/>
+                      </a:solidFill>
+                    </a:lnL>
+                    <a:lnR w="12700">
+                      <a:solidFill>
+                        <a:schemeClr val="tx1"/>
+                      </a:solidFill>
+                    </a:lnR>
+                    <a:lnT w="12700">
+                      <a:solidFill>
+                        <a:schemeClr val="tx1"/>
+                      </a:solidFill>
+                    </a:lnT>
+                    <a:lnB w="12700">
+                      <a:solidFill>
+                        <a:schemeClr val="tx1"/>
+                      </a:solidFill>
+                    </a:lnB>
+                    <a:solidFill>
+                      <a:schemeClr val="accent2">
+                        <a:lumMod val="20000"/>
+                        <a:lumOff val="80000"/>
+                      </a:schemeClr>
+                    </a:solidFill>
+                  </a:tcPr>
+                </a:tc>
+                <a:tc>
+                  <a:txBody>
+                    <a:bodyPr/>
+                    <a:lstStyle/>
+                    <a:p>
+                      <a:endParaRPr lang="en-US" dirty="0"/>
+                    </a:p>
+                  </a:txBody>
+                  <a:tcPr>
+                    <a:lnL w="12700">
+                      <a:solidFill>
+                        <a:schemeClr val="tx1"/>
+                      </a:solidFill>
+                    </a:lnL>
+                    <a:lnR w="12700">
+                      <a:solidFill>
+                        <a:schemeClr val="tx1"/>
+                      </a:solidFill>
+                    </a:lnR>
+                    <a:lnT w="12700">
+                      <a:solidFill>
+                        <a:schemeClr val="tx1"/>
+                      </a:solidFill>
+                    </a:lnT>
+                    <a:lnB w="12700">
+                      <a:solidFill>
+                        <a:schemeClr val="tx1"/>
+                      </a:solidFill>
+                    </a:lnB>
+                    <a:solidFill>
+                      <a:schemeClr val="accent2">
+                        <a:lumMod val="20000"/>
+                        <a:lumOff val="80000"/>
+                      </a:schemeClr>
+                    </a:solidFill>
+                  </a:tcPr>
+                </a:tc>
+                <a:tc>
+                  <a:txBody>
+                    <a:bodyPr/>
+                    <a:lstStyle/>
+                    <a:p>
+                      <a:pPr lvl="0">
+                        <a:buNone/>
+                      </a:pPr>
+                      <a:endParaRPr lang="en-US" dirty="0"/>
+                    </a:p>
+                  </a:txBody>
+                  <a:tcPr>
+                    <a:lnL w="12700">
+                      <a:solidFill>
+                        <a:schemeClr val="tx1"/>
+                      </a:solidFill>
+                    </a:lnL>
+                    <a:lnR w="12700">
+                      <a:solidFill>
+                        <a:schemeClr val="tx1"/>
+                      </a:solidFill>
+                    </a:lnR>
+                    <a:lnT w="12700">
+                      <a:solidFill>
+                        <a:schemeClr val="tx1"/>
+                      </a:solidFill>
+                    </a:lnT>
+                    <a:lnB w="12700">
+                      <a:solidFill>
+                        <a:schemeClr val="tx1"/>
+                      </a:solidFill>
+                    </a:lnB>
+                    <a:solidFill>
+                      <a:schemeClr val="accent5"/>
+                    </a:solidFill>
+                  </a:tcPr>
+                </a:tc>
+                <a:extLst>
+                  <a:ext uri="{0D108BD9-81ED-4DB2-BD59-A6C34878D82A}">
+                    <a16:rowId xmlns:a16="http://schemas.microsoft.com/office/drawing/2014/main" val="2623155306"/>
+                  </a:ext>
+                </a:extLst>
+              </a:tr>
+              <a:tr h="382487">
+                <a:tc>
+                  <a:txBody>
+                    <a:bodyPr/>
+                    <a:lstStyle/>
+                    <a:p>
+                      <a:pPr lvl="0">
+                        <a:buNone/>
+                      </a:pPr>
+                      <a:endParaRPr lang="en-US" dirty="0">
+                        <a:solidFill>
+                          <a:schemeClr val="accent6">
+                            <a:lumMod val="75000"/>
+                          </a:schemeClr>
+                        </a:solidFill>
+                      </a:endParaRPr>
+                    </a:p>
+                  </a:txBody>
+                  <a:tcPr>
+                    <a:lnL w="12700">
+                      <a:solidFill>
+                        <a:schemeClr val="tx1"/>
+                      </a:solidFill>
+                    </a:lnL>
+                    <a:lnR w="12700">
+                      <a:solidFill>
+                        <a:schemeClr val="tx1"/>
+                      </a:solidFill>
+                    </a:lnR>
+                    <a:lnT w="12700">
+                      <a:solidFill>
+                        <a:schemeClr val="tx1"/>
+                      </a:solidFill>
+                    </a:lnT>
+                    <a:lnB w="12700">
+                      <a:solidFill>
+                        <a:schemeClr val="tx1"/>
+                      </a:solidFill>
+                    </a:lnB>
+                    <a:solidFill>
+                      <a:schemeClr val="accent6">
+                        <a:lumMod val="75000"/>
+                      </a:schemeClr>
+                    </a:solidFill>
+                  </a:tcPr>
+                </a:tc>
+                <a:tc>
+                  <a:txBody>
+                    <a:bodyPr/>
+                    <a:lstStyle/>
+                    <a:p>
+                      <a:pPr lvl="0">
+                        <a:buNone/>
+                      </a:pPr>
+                      <a:endParaRPr lang="en-US" dirty="0">
+                        <a:solidFill>
+                          <a:schemeClr val="bg1"/>
+                        </a:solidFill>
+                      </a:endParaRPr>
+                    </a:p>
+                  </a:txBody>
+                  <a:tcPr>
+                    <a:lnL w="12700">
+                      <a:solidFill>
+                        <a:schemeClr val="tx1"/>
+                      </a:solidFill>
+                    </a:lnL>
+                    <a:lnR w="12700">
+                      <a:solidFill>
+                        <a:schemeClr val="tx1"/>
+                      </a:solidFill>
+                    </a:lnR>
+                    <a:lnT w="12700">
+                      <a:solidFill>
+                        <a:schemeClr val="tx1"/>
+                      </a:solidFill>
+                    </a:lnT>
+                    <a:lnB w="12700">
+                      <a:solidFill>
+                        <a:schemeClr val="tx1"/>
+                      </a:solidFill>
+                    </a:lnB>
+                    <a:solidFill>
+                      <a:schemeClr val="accent2">
+                        <a:lumMod val="20000"/>
+                        <a:lumOff val="80000"/>
+                      </a:schemeClr>
+                    </a:solidFill>
+                  </a:tcPr>
+                </a:tc>
+                <a:tc>
+                  <a:txBody>
+                    <a:bodyPr/>
+                    <a:lstStyle/>
+                    <a:p>
+                      <a:pPr lvl="0">
+                        <a:buNone/>
+                      </a:pPr>
+                      <a:endParaRPr lang="en-US" dirty="0">
+                        <a:solidFill>
+                          <a:schemeClr val="bg1"/>
+                        </a:solidFill>
+                      </a:endParaRPr>
+                    </a:p>
+                  </a:txBody>
+                  <a:tcPr>
+                    <a:lnL w="12700">
+                      <a:solidFill>
+                        <a:schemeClr val="tx1"/>
+                      </a:solidFill>
+                    </a:lnL>
+                    <a:lnR w="12700">
+                      <a:solidFill>
+                        <a:schemeClr val="tx1"/>
+                      </a:solidFill>
+                    </a:lnR>
+                    <a:lnT w="12700">
+                      <a:solidFill>
+                        <a:schemeClr val="tx1"/>
+                      </a:solidFill>
+                    </a:lnT>
+                    <a:lnB w="12700">
+                      <a:solidFill>
+                        <a:schemeClr val="tx1"/>
+                      </a:solidFill>
+                    </a:lnB>
+                    <a:solidFill>
+                      <a:schemeClr val="accent2">
+                        <a:lumMod val="20000"/>
+                        <a:lumOff val="80000"/>
+                      </a:schemeClr>
+                    </a:solidFill>
+                  </a:tcPr>
+                </a:tc>
+                <a:tc>
+                  <a:txBody>
+                    <a:bodyPr/>
+                    <a:lstStyle/>
+                    <a:p>
+                      <a:pPr lvl="0">
+                        <a:buNone/>
+                      </a:pPr>
+                      <a:endParaRPr lang="en-US" dirty="0">
+                        <a:solidFill>
+                          <a:schemeClr val="bg1"/>
+                        </a:solidFill>
+                      </a:endParaRPr>
+                    </a:p>
+                  </a:txBody>
+                  <a:tcPr>
+                    <a:lnL w="12700">
+                      <a:solidFill>
+                        <a:schemeClr val="tx1"/>
+                      </a:solidFill>
+                    </a:lnL>
+                    <a:lnR w="12700">
+                      <a:solidFill>
+                        <a:schemeClr val="tx1"/>
+                      </a:solidFill>
+                    </a:lnR>
+                    <a:lnT w="12700">
+                      <a:solidFill>
+                        <a:schemeClr val="tx1"/>
+                      </a:solidFill>
+                    </a:lnT>
+                    <a:lnB w="12700">
+                      <a:solidFill>
+                        <a:schemeClr val="tx1"/>
+                      </a:solidFill>
+                    </a:lnB>
+                    <a:solidFill>
+                      <a:srgbClr val="FF0000"/>
+                    </a:solidFill>
+                  </a:tcPr>
+                </a:tc>
+                <a:tc>
+                  <a:txBody>
+                    <a:bodyPr/>
+                    <a:lstStyle/>
+                    <a:p>
+                      <a:pPr lvl="0">
+                        <a:buNone/>
+                      </a:pPr>
+                      <a:endParaRPr lang="en-US" dirty="0">
+                        <a:solidFill>
+                          <a:schemeClr val="accent2"/>
+                        </a:solidFill>
+                      </a:endParaRPr>
+                    </a:p>
+                  </a:txBody>
+                  <a:tcPr>
+                    <a:lnL w="12700">
+                      <a:solidFill>
+                        <a:schemeClr val="tx1"/>
+                      </a:solidFill>
+                    </a:lnL>
+                    <a:lnR w="12700">
+                      <a:solidFill>
+                        <a:schemeClr val="tx1"/>
+                      </a:solidFill>
+                    </a:lnR>
+                    <a:lnT w="12700">
+                      <a:solidFill>
+                        <a:schemeClr val="tx1"/>
+                      </a:solidFill>
+                    </a:lnT>
+                    <a:lnB w="12700">
+                      <a:solidFill>
+                        <a:schemeClr val="tx1"/>
+                      </a:solidFill>
+                    </a:lnB>
+                    <a:solidFill>
+                      <a:schemeClr val="accent2">
+                        <a:lumMod val="20000"/>
+                        <a:lumOff val="80000"/>
+                      </a:schemeClr>
+                    </a:solidFill>
+                  </a:tcPr>
+                </a:tc>
+                <a:tc>
+                  <a:txBody>
+                    <a:bodyPr/>
+                    <a:lstStyle/>
+                    <a:p>
+                      <a:pPr lvl="0">
+                        <a:buNone/>
+                      </a:pPr>
+                      <a:endParaRPr lang="en-US" dirty="0">
+                        <a:solidFill>
+                          <a:schemeClr val="accent2"/>
+                        </a:solidFill>
+                      </a:endParaRPr>
+                    </a:p>
+                  </a:txBody>
+                  <a:tcPr>
+                    <a:lnL w="12700">
+                      <a:solidFill>
+                        <a:schemeClr val="tx1"/>
+                      </a:solidFill>
+                    </a:lnL>
+                    <a:lnR w="12700">
+                      <a:solidFill>
+                        <a:schemeClr val="tx1"/>
+                      </a:solidFill>
+                    </a:lnR>
+                    <a:lnT w="12700">
+                      <a:solidFill>
+                        <a:schemeClr val="tx1"/>
+                      </a:solidFill>
+                    </a:lnT>
+                    <a:lnB w="12700">
+                      <a:solidFill>
+                        <a:schemeClr val="tx1"/>
+                      </a:solidFill>
+                    </a:lnB>
+                    <a:solidFill>
+                      <a:schemeClr val="accent2"/>
+                    </a:solidFill>
+                  </a:tcPr>
+                </a:tc>
+                <a:tc>
+                  <a:txBody>
+                    <a:bodyPr/>
+                    <a:lstStyle/>
+                    <a:p>
+                      <a:pPr lvl="0">
+                        <a:buNone/>
+                      </a:pPr>
+                      <a:endParaRPr lang="en-US" dirty="0"/>
+                    </a:p>
+                  </a:txBody>
+                  <a:tcPr>
+                    <a:lnL w="12700">
+                      <a:solidFill>
+                        <a:schemeClr val="tx1"/>
+                      </a:solidFill>
+                    </a:lnL>
+                    <a:lnR w="12700">
+                      <a:solidFill>
+                        <a:schemeClr val="tx1"/>
+                      </a:solidFill>
+                    </a:lnR>
+                    <a:lnT w="12700">
+                      <a:solidFill>
+                        <a:schemeClr val="tx1"/>
+                      </a:solidFill>
+                    </a:lnT>
+                    <a:lnB w="12700">
+                      <a:solidFill>
+                        <a:schemeClr val="tx1"/>
+                      </a:solidFill>
+                    </a:lnB>
+                    <a:solidFill>
+                      <a:schemeClr val="accent2"/>
+                    </a:solidFill>
+                  </a:tcPr>
+                </a:tc>
+                <a:tc>
+                  <a:txBody>
+                    <a:bodyPr/>
+                    <a:lstStyle/>
+                    <a:p>
+                      <a:pPr lvl="0">
+                        <a:buNone/>
+                      </a:pPr>
+                      <a:endParaRPr lang="en-US" dirty="0"/>
+                    </a:p>
+                  </a:txBody>
+                  <a:tcPr>
+                    <a:lnL w="12700">
+                      <a:solidFill>
+                        <a:schemeClr val="tx1"/>
+                      </a:solidFill>
+                    </a:lnL>
+                    <a:lnR w="12700">
+                      <a:solidFill>
+                        <a:schemeClr val="tx1"/>
+                      </a:solidFill>
+                    </a:lnR>
+                    <a:lnT w="12700">
+                      <a:solidFill>
+                        <a:schemeClr val="tx1"/>
+                      </a:solidFill>
+                    </a:lnT>
+                    <a:lnB w="12700">
+                      <a:solidFill>
+                        <a:schemeClr val="tx1"/>
+                      </a:solidFill>
+                    </a:lnB>
+                    <a:solidFill>
+                      <a:schemeClr val="accent2">
+                        <a:lumMod val="20000"/>
+                        <a:lumOff val="80000"/>
+                      </a:schemeClr>
+                    </a:solidFill>
+                  </a:tcPr>
+                </a:tc>
+                <a:tc>
+                  <a:txBody>
+                    <a:bodyPr/>
+                    <a:lstStyle/>
+                    <a:p>
+                      <a:pPr lvl="0">
+                        <a:buNone/>
+                      </a:pPr>
+                      <a:endParaRPr lang="en-US" dirty="0"/>
+                    </a:p>
+                  </a:txBody>
+                  <a:tcPr>
+                    <a:lnL w="12700">
+                      <a:solidFill>
+                        <a:schemeClr val="tx1"/>
+                      </a:solidFill>
+                    </a:lnL>
+                    <a:lnR w="12700">
+                      <a:solidFill>
+                        <a:schemeClr val="tx1"/>
+                      </a:solidFill>
+                    </a:lnR>
+                    <a:lnT w="12700">
+                      <a:solidFill>
+                        <a:schemeClr val="tx1"/>
+                      </a:solidFill>
+                    </a:lnT>
+                    <a:lnB w="12700">
+                      <a:solidFill>
+                        <a:schemeClr val="tx1"/>
+                      </a:solidFill>
+                    </a:lnB>
+                    <a:solidFill>
+                      <a:schemeClr val="accent2">
+                        <a:lumMod val="20000"/>
+                        <a:lumOff val="80000"/>
+                      </a:schemeClr>
+                    </a:solidFill>
+                  </a:tcPr>
+                </a:tc>
+                <a:tc>
+                  <a:txBody>
+                    <a:bodyPr/>
+                    <a:lstStyle/>
+                    <a:p>
+                      <a:pPr lvl="0">
+                        <a:buNone/>
+                      </a:pPr>
+                      <a:endParaRPr lang="en-US" dirty="0"/>
+                    </a:p>
+                  </a:txBody>
+                  <a:tcPr>
+                    <a:lnL w="12700">
+                      <a:solidFill>
+                        <a:schemeClr val="tx1"/>
+                      </a:solidFill>
+                    </a:lnL>
+                    <a:lnR w="12700">
+                      <a:solidFill>
+                        <a:schemeClr val="tx1"/>
+                      </a:solidFill>
+                    </a:lnR>
+                    <a:lnT w="12700">
+                      <a:solidFill>
+                        <a:schemeClr val="tx1"/>
+                      </a:solidFill>
+                    </a:lnT>
+                    <a:lnB w="12700">
+                      <a:solidFill>
+                        <a:schemeClr val="tx1"/>
+                      </a:solidFill>
+                    </a:lnB>
+                    <a:solidFill>
+                      <a:schemeClr val="accent5"/>
+                    </a:solidFill>
+                  </a:tcPr>
+                </a:tc>
+                <a:extLst>
+                  <a:ext uri="{0D108BD9-81ED-4DB2-BD59-A6C34878D82A}">
+                    <a16:rowId xmlns:a16="http://schemas.microsoft.com/office/drawing/2014/main" val="2830582722"/>
+                  </a:ext>
+                </a:extLst>
+              </a:tr>
+              <a:tr h="382487">
+                <a:tc>
+                  <a:txBody>
+                    <a:bodyPr/>
+                    <a:lstStyle/>
+                    <a:p>
+                      <a:pPr lvl="0">
+                        <a:buNone/>
+                      </a:pPr>
+                      <a:endParaRPr lang="en-US" dirty="0">
+                        <a:solidFill>
+                          <a:schemeClr val="accent6">
+                            <a:lumMod val="75000"/>
+                          </a:schemeClr>
+                        </a:solidFill>
+                      </a:endParaRPr>
+                    </a:p>
+                  </a:txBody>
+                  <a:tcPr>
+                    <a:lnL w="12700">
+                      <a:solidFill>
+                        <a:schemeClr val="tx1"/>
+                      </a:solidFill>
+                    </a:lnL>
+                    <a:lnR w="12700">
+                      <a:solidFill>
+                        <a:schemeClr val="tx1"/>
+                      </a:solidFill>
+                    </a:lnR>
+                    <a:lnT w="12700">
+                      <a:solidFill>
+                        <a:schemeClr val="tx1"/>
+                      </a:solidFill>
+                    </a:lnT>
+                    <a:lnB w="12700">
+                      <a:solidFill>
+                        <a:schemeClr val="tx1"/>
+                      </a:solidFill>
+                    </a:lnB>
+                    <a:solidFill>
+                      <a:schemeClr val="accent6">
+                        <a:lumMod val="75000"/>
+                      </a:schemeClr>
+                    </a:solidFill>
+                  </a:tcPr>
+                </a:tc>
+                <a:tc>
+                  <a:txBody>
+                    <a:bodyPr/>
+                    <a:lstStyle/>
+                    <a:p>
+                      <a:pPr lvl="0">
+                        <a:buNone/>
+                      </a:pPr>
+                      <a:endParaRPr lang="en-US" dirty="0">
+                        <a:solidFill>
+                          <a:schemeClr val="bg1"/>
+                        </a:solidFill>
+                      </a:endParaRPr>
+                    </a:p>
+                  </a:txBody>
+                  <a:tcPr>
+                    <a:lnL w="12700">
+                      <a:solidFill>
+                        <a:schemeClr val="tx1"/>
+                      </a:solidFill>
+                    </a:lnL>
+                    <a:lnR w="12700">
+                      <a:solidFill>
+                        <a:schemeClr val="tx1"/>
+                      </a:solidFill>
+                    </a:lnR>
+                    <a:lnT w="12700">
+                      <a:solidFill>
+                        <a:schemeClr val="tx1"/>
+                      </a:solidFill>
+                    </a:lnT>
+                    <a:lnB w="12700">
+                      <a:solidFill>
+                        <a:schemeClr val="tx1"/>
+                      </a:solidFill>
+                    </a:lnB>
+                    <a:solidFill>
+                      <a:schemeClr val="accent2">
+                        <a:lumMod val="20000"/>
+                        <a:lumOff val="80000"/>
+                      </a:schemeClr>
+                    </a:solidFill>
+                  </a:tcPr>
+                </a:tc>
+                <a:tc>
+                  <a:txBody>
+                    <a:bodyPr/>
+                    <a:lstStyle/>
+                    <a:p>
+                      <a:pPr lvl="0">
+                        <a:buNone/>
+                      </a:pPr>
+                      <a:endParaRPr lang="en-US" dirty="0">
+                        <a:solidFill>
+                          <a:schemeClr val="bg1"/>
+                        </a:solidFill>
+                      </a:endParaRPr>
+                    </a:p>
+                  </a:txBody>
+                  <a:tcPr>
+                    <a:lnL w="12700">
+                      <a:solidFill>
+                        <a:schemeClr val="tx1"/>
+                      </a:solidFill>
+                    </a:lnL>
+                    <a:lnR w="12700">
+                      <a:solidFill>
+                        <a:schemeClr val="tx1"/>
+                      </a:solidFill>
+                    </a:lnR>
+                    <a:lnT w="12700">
+                      <a:solidFill>
+                        <a:schemeClr val="tx1"/>
+                      </a:solidFill>
+                    </a:lnT>
+                    <a:lnB w="12700">
+                      <a:solidFill>
+                        <a:schemeClr val="tx1"/>
+                      </a:solidFill>
+                    </a:lnB>
+                    <a:solidFill>
+                      <a:schemeClr val="accent2">
+                        <a:lumMod val="20000"/>
+                        <a:lumOff val="80000"/>
+                      </a:schemeClr>
+                    </a:solidFill>
+                  </a:tcPr>
+                </a:tc>
+                <a:tc>
+                  <a:txBody>
+                    <a:bodyPr/>
+                    <a:lstStyle/>
+                    <a:p>
+                      <a:pPr lvl="0">
+                        <a:buNone/>
+                      </a:pPr>
+                      <a:endParaRPr lang="en-US" dirty="0">
+                        <a:solidFill>
+                          <a:schemeClr val="bg1"/>
+                        </a:solidFill>
+                      </a:endParaRPr>
+                    </a:p>
+                  </a:txBody>
+                  <a:tcPr>
+                    <a:lnL w="12700">
+                      <a:solidFill>
+                        <a:schemeClr val="tx1"/>
+                      </a:solidFill>
+                    </a:lnL>
+                    <a:lnR w="12700">
+                      <a:solidFill>
+                        <a:schemeClr val="tx1"/>
+                      </a:solidFill>
+                    </a:lnR>
+                    <a:lnT w="12700">
+                      <a:solidFill>
+                        <a:schemeClr val="tx1"/>
+                      </a:solidFill>
+                    </a:lnT>
+                    <a:lnB w="12700">
+                      <a:solidFill>
+                        <a:schemeClr val="tx1"/>
+                      </a:solidFill>
+                    </a:lnB>
+                    <a:solidFill>
+                      <a:srgbClr val="FF0000"/>
+                    </a:solidFill>
+                  </a:tcPr>
+                </a:tc>
+                <a:tc>
+                  <a:txBody>
+                    <a:bodyPr/>
+                    <a:lstStyle/>
+                    <a:p>
+                      <a:pPr lvl="0">
+                        <a:buNone/>
+                      </a:pPr>
+                      <a:endParaRPr lang="en-US" dirty="0">
+                        <a:solidFill>
+                          <a:schemeClr val="accent2"/>
+                        </a:solidFill>
+                      </a:endParaRPr>
+                    </a:p>
+                  </a:txBody>
+                  <a:tcPr>
+                    <a:lnL w="12700">
+                      <a:solidFill>
+                        <a:schemeClr val="tx1"/>
+                      </a:solidFill>
+                    </a:lnL>
+                    <a:lnR w="12700">
+                      <a:solidFill>
+                        <a:schemeClr val="tx1"/>
+                      </a:solidFill>
+                    </a:lnR>
+                    <a:lnT w="12700">
+                      <a:solidFill>
+                        <a:schemeClr val="tx1"/>
+                      </a:solidFill>
+                    </a:lnT>
+                    <a:lnB w="12700">
+                      <a:solidFill>
+                        <a:schemeClr val="tx1"/>
+                      </a:solidFill>
+                    </a:lnB>
+                    <a:solidFill>
+                      <a:schemeClr val="accent2">
+                        <a:lumMod val="20000"/>
+                        <a:lumOff val="80000"/>
+                      </a:schemeClr>
+                    </a:solidFill>
+                  </a:tcPr>
+                </a:tc>
+                <a:tc>
+                  <a:txBody>
+                    <a:bodyPr/>
+                    <a:lstStyle/>
+                    <a:p>
+                      <a:pPr lvl="0">
+                        <a:buNone/>
+                      </a:pPr>
+                      <a:endParaRPr lang="en-US" dirty="0">
+                        <a:solidFill>
+                          <a:schemeClr val="accent2"/>
+                        </a:solidFill>
+                      </a:endParaRPr>
+                    </a:p>
+                  </a:txBody>
+                  <a:tcPr>
+                    <a:lnL w="12700">
+                      <a:solidFill>
+                        <a:schemeClr val="tx1"/>
+                      </a:solidFill>
+                    </a:lnL>
+                    <a:lnR w="12700">
+                      <a:solidFill>
+                        <a:schemeClr val="tx1"/>
+                      </a:solidFill>
+                    </a:lnR>
+                    <a:lnT w="12700">
+                      <a:solidFill>
+                        <a:schemeClr val="tx1"/>
+                      </a:solidFill>
+                    </a:lnT>
+                    <a:lnB w="12700">
+                      <a:solidFill>
+                        <a:schemeClr val="tx1"/>
+                      </a:solidFill>
+                    </a:lnB>
+                    <a:solidFill>
+                      <a:schemeClr val="accent2"/>
+                    </a:solidFill>
+                  </a:tcPr>
+                </a:tc>
+                <a:tc>
+                  <a:txBody>
+                    <a:bodyPr/>
+                    <a:lstStyle/>
+                    <a:p>
+                      <a:pPr lvl="0">
+                        <a:buNone/>
+                      </a:pPr>
+                      <a:endParaRPr lang="en-US" dirty="0"/>
+                    </a:p>
+                  </a:txBody>
+                  <a:tcPr>
+                    <a:lnL w="12700">
+                      <a:solidFill>
+                        <a:schemeClr val="tx1"/>
+                      </a:solidFill>
+                    </a:lnL>
+                    <a:lnR w="12700">
+                      <a:solidFill>
+                        <a:schemeClr val="tx1"/>
+                      </a:solidFill>
+                    </a:lnR>
+                    <a:lnT w="12700">
+                      <a:solidFill>
+                        <a:schemeClr val="tx1"/>
+                      </a:solidFill>
+                    </a:lnT>
+                    <a:lnB w="12700">
+                      <a:solidFill>
+                        <a:schemeClr val="tx1"/>
+                      </a:solidFill>
+                    </a:lnB>
+                    <a:solidFill>
+                      <a:schemeClr val="accent2"/>
+                    </a:solidFill>
+                  </a:tcPr>
+                </a:tc>
+                <a:tc>
+                  <a:txBody>
+                    <a:bodyPr/>
+                    <a:lstStyle/>
+                    <a:p>
+                      <a:pPr lvl="0">
+                        <a:buNone/>
+                      </a:pPr>
+                      <a:endParaRPr lang="en-US" dirty="0"/>
+                    </a:p>
+                  </a:txBody>
+                  <a:tcPr>
+                    <a:lnL w="12700">
+                      <a:solidFill>
+                        <a:schemeClr val="tx1"/>
+                      </a:solidFill>
+                    </a:lnL>
+                    <a:lnR w="12700">
+                      <a:solidFill>
+                        <a:schemeClr val="tx1"/>
+                      </a:solidFill>
+                    </a:lnR>
+                    <a:lnT w="12700">
+                      <a:solidFill>
+                        <a:schemeClr val="tx1"/>
+                      </a:solidFill>
+                    </a:lnT>
+                    <a:lnB w="12700">
+                      <a:solidFill>
+                        <a:schemeClr val="tx1"/>
+                      </a:solidFill>
+                    </a:lnB>
+                    <a:solidFill>
+                      <a:schemeClr val="accent2">
+                        <a:lumMod val="20000"/>
+                        <a:lumOff val="80000"/>
+                      </a:schemeClr>
+                    </a:solidFill>
+                  </a:tcPr>
+                </a:tc>
+                <a:tc>
+                  <a:txBody>
+                    <a:bodyPr/>
+                    <a:lstStyle/>
+                    <a:p>
+                      <a:pPr lvl="0">
+                        <a:buNone/>
+                      </a:pPr>
+                      <a:endParaRPr lang="en-US" dirty="0"/>
+                    </a:p>
+                  </a:txBody>
+                  <a:tcPr>
+                    <a:lnL w="12700">
+                      <a:solidFill>
+                        <a:schemeClr val="tx1"/>
+                      </a:solidFill>
+                    </a:lnL>
+                    <a:lnR w="12700">
+                      <a:solidFill>
+                        <a:schemeClr val="tx1"/>
+                      </a:solidFill>
+                    </a:lnR>
+                    <a:lnT w="12700">
+                      <a:solidFill>
+                        <a:schemeClr val="tx1"/>
+                      </a:solidFill>
+                    </a:lnT>
+                    <a:lnB w="12700">
+                      <a:solidFill>
+                        <a:schemeClr val="tx1"/>
+                      </a:solidFill>
+                    </a:lnB>
+                    <a:solidFill>
+                      <a:schemeClr val="accent2">
+                        <a:lumMod val="20000"/>
+                        <a:lumOff val="80000"/>
+                      </a:schemeClr>
+                    </a:solidFill>
+                  </a:tcPr>
+                </a:tc>
+                <a:tc>
+                  <a:txBody>
+                    <a:bodyPr/>
+                    <a:lstStyle/>
+                    <a:p>
+                      <a:pPr lvl="0">
+                        <a:buNone/>
+                      </a:pPr>
+                      <a:endParaRPr lang="en-US" dirty="0"/>
+                    </a:p>
+                  </a:txBody>
+                  <a:tcPr>
+                    <a:lnL w="12700">
+                      <a:solidFill>
+                        <a:schemeClr val="tx1"/>
+                      </a:solidFill>
+                    </a:lnL>
+                    <a:lnR w="12700">
+                      <a:solidFill>
+                        <a:schemeClr val="tx1"/>
+                      </a:solidFill>
+                    </a:lnR>
+                    <a:lnT w="12700">
+                      <a:solidFill>
+                        <a:schemeClr val="tx1"/>
+                      </a:solidFill>
+                    </a:lnT>
+                    <a:lnB w="12700">
+                      <a:solidFill>
+                        <a:schemeClr val="tx1"/>
+                      </a:solidFill>
+                    </a:lnB>
+                    <a:solidFill>
+                      <a:schemeClr val="accent5"/>
+                    </a:solidFill>
+                  </a:tcPr>
+                </a:tc>
+                <a:extLst>
+                  <a:ext uri="{0D108BD9-81ED-4DB2-BD59-A6C34878D82A}">
+                    <a16:rowId xmlns:a16="http://schemas.microsoft.com/office/drawing/2014/main" val="3786614076"/>
+                  </a:ext>
+                </a:extLst>
+              </a:tr>
+              <a:tr h="382487">
+                <a:tc>
+                  <a:txBody>
+                    <a:bodyPr/>
+                    <a:lstStyle/>
+                    <a:p>
+                      <a:endParaRPr lang="en-US" dirty="0">
+                        <a:solidFill>
+                          <a:schemeClr val="accent6">
+                            <a:lumMod val="75000"/>
+                          </a:schemeClr>
+                        </a:solidFill>
+                      </a:endParaRPr>
+                    </a:p>
+                  </a:txBody>
+                  <a:tcPr>
+                    <a:lnL w="12700">
+                      <a:solidFill>
+                        <a:schemeClr val="tx1"/>
+                      </a:solidFill>
+                    </a:lnL>
+                    <a:lnR w="12700">
+                      <a:solidFill>
+                        <a:schemeClr val="tx1"/>
+                      </a:solidFill>
+                    </a:lnR>
+                    <a:lnT w="12700">
+                      <a:solidFill>
+                        <a:schemeClr val="tx1"/>
+                      </a:solidFill>
+                    </a:lnT>
+                    <a:lnB w="12700">
+                      <a:solidFill>
+                        <a:schemeClr val="tx1"/>
+                      </a:solidFill>
+                    </a:lnB>
+                    <a:solidFill>
+                      <a:schemeClr val="accent6">
+                        <a:lumMod val="75000"/>
+                      </a:schemeClr>
+                    </a:solidFill>
+                  </a:tcPr>
+                </a:tc>
+                <a:tc>
+                  <a:txBody>
+                    <a:bodyPr/>
+                    <a:lstStyle/>
+                    <a:p>
+                      <a:endParaRPr lang="en-US" dirty="0">
+                        <a:solidFill>
+                          <a:schemeClr val="bg1"/>
+                        </a:solidFill>
+                      </a:endParaRPr>
+                    </a:p>
+                  </a:txBody>
+                  <a:tcPr>
+                    <a:lnL w="12700">
+                      <a:solidFill>
+                        <a:schemeClr val="tx1"/>
+                      </a:solidFill>
+                    </a:lnL>
+                    <a:lnR w="12700">
+                      <a:solidFill>
+                        <a:schemeClr val="tx1"/>
+                      </a:solidFill>
+                    </a:lnR>
+                    <a:lnT w="12700">
+                      <a:solidFill>
+                        <a:schemeClr val="tx1"/>
+                      </a:solidFill>
+                    </a:lnT>
+                    <a:lnB w="12700">
+                      <a:solidFill>
+                        <a:schemeClr val="tx1"/>
+                      </a:solidFill>
+                    </a:lnB>
+                    <a:solidFill>
+                      <a:schemeClr val="accent2">
+                        <a:lumMod val="20000"/>
+                        <a:lumOff val="80000"/>
+                      </a:schemeClr>
+                    </a:solidFill>
+                  </a:tcPr>
+                </a:tc>
+                <a:tc>
+                  <a:txBody>
+                    <a:bodyPr/>
+                    <a:lstStyle/>
+                    <a:p>
+                      <a:endParaRPr lang="en-US" dirty="0">
+                        <a:solidFill>
+                          <a:schemeClr val="bg1"/>
+                        </a:solidFill>
+                      </a:endParaRPr>
+                    </a:p>
+                  </a:txBody>
+                  <a:tcPr>
+                    <a:lnL w="12700">
+                      <a:solidFill>
+                        <a:schemeClr val="tx1"/>
+                      </a:solidFill>
+                    </a:lnL>
+                    <a:lnR w="12700">
+                      <a:solidFill>
+                        <a:schemeClr val="tx1"/>
+                      </a:solidFill>
+                    </a:lnR>
+                    <a:lnT w="12700">
+                      <a:solidFill>
+                        <a:schemeClr val="tx1"/>
+                      </a:solidFill>
+                    </a:lnT>
+                    <a:lnB w="12700">
+                      <a:solidFill>
+                        <a:schemeClr val="tx1"/>
+                      </a:solidFill>
+                    </a:lnB>
+                    <a:solidFill>
+                      <a:schemeClr val="accent2">
+                        <a:lumMod val="20000"/>
+                        <a:lumOff val="80000"/>
+                      </a:schemeClr>
+                    </a:solidFill>
+                  </a:tcPr>
+                </a:tc>
+                <a:tc>
+                  <a:txBody>
+                    <a:bodyPr/>
+                    <a:lstStyle/>
+                    <a:p>
+                      <a:endParaRPr lang="en-US" dirty="0">
+                        <a:solidFill>
+                          <a:schemeClr val="bg1"/>
+                        </a:solidFill>
+                      </a:endParaRPr>
+                    </a:p>
+                  </a:txBody>
+                  <a:tcPr>
+                    <a:lnL w="12700">
+                      <a:solidFill>
+                        <a:schemeClr val="tx1"/>
+                      </a:solidFill>
+                    </a:lnL>
+                    <a:lnR w="12700">
+                      <a:solidFill>
+                        <a:schemeClr val="tx1"/>
+                      </a:solidFill>
+                    </a:lnR>
+                    <a:lnT w="12700">
+                      <a:solidFill>
+                        <a:schemeClr val="tx1"/>
+                      </a:solidFill>
+                    </a:lnT>
+                    <a:lnB w="12700">
+                      <a:solidFill>
+                        <a:schemeClr val="tx1"/>
+                      </a:solidFill>
+                    </a:lnB>
+                    <a:solidFill>
+                      <a:srgbClr val="FF0000"/>
+                    </a:solidFill>
+                  </a:tcPr>
+                </a:tc>
+                <a:tc>
+                  <a:txBody>
+                    <a:bodyPr/>
+                    <a:lstStyle/>
+                    <a:p>
+                      <a:endParaRPr lang="en-US" dirty="0">
+                        <a:solidFill>
+                          <a:schemeClr val="accent2"/>
+                        </a:solidFill>
+                      </a:endParaRPr>
+                    </a:p>
+                  </a:txBody>
+                  <a:tcPr>
+                    <a:lnL w="12700">
+                      <a:solidFill>
+                        <a:schemeClr val="tx1"/>
+                      </a:solidFill>
+                    </a:lnL>
+                    <a:lnR w="12700">
+                      <a:solidFill>
+                        <a:schemeClr val="tx1"/>
+                      </a:solidFill>
+                    </a:lnR>
+                    <a:lnT w="12700">
+                      <a:solidFill>
+                        <a:schemeClr val="tx1"/>
+                      </a:solidFill>
+                    </a:lnT>
+                    <a:lnB w="12700">
+                      <a:solidFill>
+                        <a:schemeClr val="tx1"/>
+                      </a:solidFill>
+                    </a:lnB>
+                    <a:solidFill>
+                      <a:schemeClr val="accent2">
+                        <a:lumMod val="20000"/>
+                        <a:lumOff val="80000"/>
+                      </a:schemeClr>
+                    </a:solidFill>
+                  </a:tcPr>
+                </a:tc>
+                <a:tc>
+                  <a:txBody>
+                    <a:bodyPr/>
+                    <a:lstStyle/>
+                    <a:p>
+                      <a:endParaRPr lang="en-US" dirty="0">
+                        <a:solidFill>
+                          <a:schemeClr val="accent2"/>
+                        </a:solidFill>
+                      </a:endParaRPr>
+                    </a:p>
+                  </a:txBody>
+                  <a:tcPr>
+                    <a:lnL w="12700">
+                      <a:solidFill>
+                        <a:schemeClr val="tx1"/>
+                      </a:solidFill>
+                    </a:lnL>
+                    <a:lnR w="12700">
+                      <a:solidFill>
+                        <a:schemeClr val="tx1"/>
+                      </a:solidFill>
+                    </a:lnR>
+                    <a:lnT w="12700">
+                      <a:solidFill>
+                        <a:schemeClr val="tx1"/>
+                      </a:solidFill>
+                    </a:lnT>
+                    <a:lnB w="12700">
+                      <a:solidFill>
+                        <a:schemeClr val="tx1"/>
+                      </a:solidFill>
+                    </a:lnB>
+                    <a:solidFill>
+                      <a:schemeClr val="accent2"/>
+                    </a:solidFill>
+                  </a:tcPr>
+                </a:tc>
+                <a:tc>
+                  <a:txBody>
+                    <a:bodyPr/>
+                    <a:lstStyle/>
+                    <a:p>
+                      <a:endParaRPr lang="en-US"/>
+                    </a:p>
+                  </a:txBody>
+                  <a:tcPr>
+                    <a:lnL w="12700">
+                      <a:solidFill>
+                        <a:schemeClr val="tx1"/>
+                      </a:solidFill>
+                    </a:lnL>
+                    <a:lnR w="12700">
+                      <a:solidFill>
+                        <a:schemeClr val="tx1"/>
+                      </a:solidFill>
+                    </a:lnR>
+                    <a:lnT w="12700">
+                      <a:solidFill>
+                        <a:schemeClr val="tx1"/>
+                      </a:solidFill>
+                    </a:lnT>
+                    <a:lnB w="12700">
+                      <a:solidFill>
+                        <a:schemeClr val="tx1"/>
+                      </a:solidFill>
+                    </a:lnB>
+                    <a:solidFill>
+                      <a:schemeClr val="accent2"/>
+                    </a:solidFill>
+                  </a:tcPr>
+                </a:tc>
+                <a:tc>
+                  <a:txBody>
+                    <a:bodyPr/>
+                    <a:lstStyle/>
+                    <a:p>
+                      <a:endParaRPr lang="en-US"/>
+                    </a:p>
+                  </a:txBody>
+                  <a:tcPr>
+                    <a:lnL w="12700">
+                      <a:solidFill>
+                        <a:schemeClr val="tx1"/>
+                      </a:solidFill>
+                    </a:lnL>
+                    <a:lnR w="12700">
+                      <a:solidFill>
+                        <a:schemeClr val="tx1"/>
+                      </a:solidFill>
+                    </a:lnR>
+                    <a:lnT w="12700">
+                      <a:solidFill>
+                        <a:schemeClr val="tx1"/>
+                      </a:solidFill>
+                    </a:lnT>
+                    <a:lnB w="12700">
+                      <a:solidFill>
+                        <a:schemeClr val="tx1"/>
+                      </a:solidFill>
+                    </a:lnB>
+                    <a:solidFill>
+                      <a:schemeClr val="accent2">
+                        <a:lumMod val="20000"/>
+                        <a:lumOff val="80000"/>
+                      </a:schemeClr>
+                    </a:solidFill>
+                  </a:tcPr>
+                </a:tc>
+                <a:tc>
+                  <a:txBody>
+                    <a:bodyPr/>
+                    <a:lstStyle/>
+                    <a:p>
+                      <a:endParaRPr lang="en-US" dirty="0"/>
+                    </a:p>
+                  </a:txBody>
+                  <a:tcPr>
+                    <a:lnL w="12700">
+                      <a:solidFill>
+                        <a:schemeClr val="tx1"/>
+                      </a:solidFill>
+                    </a:lnL>
+                    <a:lnR w="12700">
+                      <a:solidFill>
+                        <a:schemeClr val="tx1"/>
+                      </a:solidFill>
+                    </a:lnR>
+                    <a:lnT w="12700">
+                      <a:solidFill>
+                        <a:schemeClr val="tx1"/>
+                      </a:solidFill>
+                    </a:lnT>
+                    <a:lnB w="12700">
+                      <a:solidFill>
+                        <a:schemeClr val="tx1"/>
+                      </a:solidFill>
+                    </a:lnB>
+                    <a:solidFill>
+                      <a:schemeClr val="accent2">
+                        <a:lumMod val="20000"/>
+                        <a:lumOff val="80000"/>
+                      </a:schemeClr>
+                    </a:solidFill>
+                  </a:tcPr>
+                </a:tc>
+                <a:tc>
+                  <a:txBody>
+                    <a:bodyPr/>
+                    <a:lstStyle/>
+                    <a:p>
+                      <a:pPr lvl="0">
+                        <a:buNone/>
+                      </a:pPr>
+                      <a:endParaRPr lang="en-US" dirty="0"/>
+                    </a:p>
+                  </a:txBody>
+                  <a:tcPr>
+                    <a:lnL w="12700">
+                      <a:solidFill>
+                        <a:schemeClr val="tx1"/>
+                      </a:solidFill>
+                    </a:lnL>
+                    <a:lnR w="12700">
+                      <a:solidFill>
+                        <a:schemeClr val="tx1"/>
+                      </a:solidFill>
+                    </a:lnR>
+                    <a:lnT w="12700">
+                      <a:solidFill>
+                        <a:schemeClr val="tx1"/>
+                      </a:solidFill>
+                    </a:lnT>
+                    <a:lnB w="12700">
+                      <a:solidFill>
+                        <a:schemeClr val="tx1"/>
+                      </a:solidFill>
+                    </a:lnB>
+                    <a:solidFill>
+                      <a:schemeClr val="accent5"/>
+                    </a:solidFill>
+                  </a:tcPr>
+                </a:tc>
+                <a:extLst>
+                  <a:ext uri="{0D108BD9-81ED-4DB2-BD59-A6C34878D82A}">
+                    <a16:rowId xmlns:a16="http://schemas.microsoft.com/office/drawing/2014/main" val="650091705"/>
+                  </a:ext>
+                </a:extLst>
+              </a:tr>
+            </a:tbl>
+          </a:graphicData>
+        </a:graphic>
+      </p:graphicFrame>
+      <p:pic>
+        <p:nvPicPr>
+          <p:cNvPr id="6" name="Graphic 5" descr="Chevron arrows with solid fill">
+            <a:extLst>
+              <a:ext uri="{FF2B5EF4-FFF2-40B4-BE49-F238E27FC236}">
+                <a16:creationId xmlns:a16="http://schemas.microsoft.com/office/drawing/2014/main" id="{F068CE8F-0DD8-A5F6-E614-368C194BF044}"/>
+              </a:ext>
+            </a:extLst>
+          </p:cNvPr>
+          <p:cNvPicPr>
+            <a:picLocks noChangeAspect="1"/>
+          </p:cNvPicPr>
+          <p:nvPr/>
+        </p:nvPicPr>
+        <p:blipFill>
+          <a:blip r:embed="rId2">
+            <a:extLst>
+              <a:ext uri="{96DAC541-7B7A-43D3-8B79-37D633B846F1}">
+                <asvg:svgBlip xmlns:asvg="http://schemas.microsoft.com/office/drawing/2016/SVG/main" r:embed="rId3"/>
+              </a:ext>
+            </a:extLst>
+          </a:blip>
+          <a:stretch>
+            <a:fillRect/>
+          </a:stretch>
+        </p:blipFill>
+        <p:spPr>
+          <a:xfrm>
+            <a:off x="5582771" y="3139888"/>
+            <a:ext cx="589430" cy="589430"/>
+          </a:xfrm>
+          <a:prstGeom prst="rect">
+            <a:avLst/>
+          </a:prstGeom>
+        </p:spPr>
+      </p:pic>
+      <p:pic>
+        <p:nvPicPr>
+          <p:cNvPr id="7" name="Graphic 6" descr="Chevron arrows with solid fill">
+            <a:extLst>
+              <a:ext uri="{FF2B5EF4-FFF2-40B4-BE49-F238E27FC236}">
+                <a16:creationId xmlns:a16="http://schemas.microsoft.com/office/drawing/2014/main" id="{3B400661-C361-5FFC-111D-B998DA170BBF}"/>
+              </a:ext>
+            </a:extLst>
+          </p:cNvPr>
+          <p:cNvPicPr>
+            <a:picLocks noChangeAspect="1"/>
+          </p:cNvPicPr>
+          <p:nvPr/>
+        </p:nvPicPr>
+        <p:blipFill>
+          <a:blip r:embed="rId4">
+            <a:extLst>
+              <a:ext uri="{96DAC541-7B7A-43D3-8B79-37D633B846F1}">
+                <asvg:svgBlip xmlns:asvg="http://schemas.microsoft.com/office/drawing/2016/SVG/main" r:embed="rId5"/>
+              </a:ext>
+            </a:extLst>
+          </a:blip>
+          <a:stretch>
+            <a:fillRect/>
+          </a:stretch>
+        </p:blipFill>
+        <p:spPr>
+          <a:xfrm>
+            <a:off x="9146241" y="3106270"/>
+            <a:ext cx="589430" cy="600636"/>
+          </a:xfrm>
+          <a:prstGeom prst="rect">
+            <a:avLst/>
+          </a:prstGeom>
+        </p:spPr>
+      </p:pic>
+      <p:sp>
+        <p:nvSpPr>
+          <p:cNvPr id="8" name="TextBox 7">
+            <a:extLst>
+              <a:ext uri="{FF2B5EF4-FFF2-40B4-BE49-F238E27FC236}">
+                <a16:creationId xmlns:a16="http://schemas.microsoft.com/office/drawing/2014/main" id="{1D0C27AE-63BF-49A4-0BA8-4AE4C3BB6191}"/>
+              </a:ext>
+            </a:extLst>
+          </p:cNvPr>
+          <p:cNvSpPr txBox="1"/>
+          <p:nvPr/>
+        </p:nvSpPr>
+        <p:spPr>
+          <a:xfrm>
+            <a:off x="4975412" y="1232647"/>
+            <a:ext cx="7586380" cy="276999"/>
+          </a:xfrm>
+          <a:prstGeom prst="rect">
+            <a:avLst/>
+          </a:prstGeom>
+          <a:noFill/>
+          <a:ln>
+            <a:solidFill>
+              <a:schemeClr val="bg1"/>
+            </a:solidFill>
+          </a:ln>
+        </p:spPr>
+        <p:txBody>
+          <a:bodyPr rot="0" spcFirstLastPara="0" vertOverflow="overflow" horzOverflow="overflow" vert="horz" wrap="square" lIns="91440" tIns="45720" rIns="91440" bIns="45720" numCol="1" spcCol="0" rtlCol="0" fromWordArt="0" anchor="t" anchorCtr="0" forceAA="0" compatLnSpc="1">
+            <a:prstTxWarp prst="textNoShape">
+              <a:avLst/>
+            </a:prstTxWarp>
+            <a:spAutoFit/>
+          </a:bodyPr>
+          <a:lstStyle/>
+          <a:p>
+            <a:r>
+              <a:rPr lang="en-US" sz="1200" dirty="0">
+                <a:solidFill>
+                  <a:schemeClr val="accent6">
+                    <a:lumMod val="75000"/>
+                  </a:schemeClr>
+                </a:solidFill>
+              </a:rPr>
+              <a:t>GFP(10 cells)           </a:t>
+            </a:r>
+            <a:r>
+              <a:rPr lang="en-US" sz="1200" dirty="0" err="1">
+                <a:solidFill>
+                  <a:srgbClr val="FF0000"/>
+                </a:solidFill>
+              </a:rPr>
+              <a:t>mCherry</a:t>
+            </a:r>
+            <a:r>
+              <a:rPr lang="en-US" sz="1200" dirty="0">
+                <a:solidFill>
+                  <a:srgbClr val="FF0000"/>
+                </a:solidFill>
+              </a:rPr>
+              <a:t> (10cells) </a:t>
+            </a:r>
+            <a:r>
+              <a:rPr lang="en-US" sz="1200" dirty="0">
+                <a:solidFill>
+                  <a:schemeClr val="accent6">
+                    <a:lumMod val="75000"/>
+                  </a:schemeClr>
+                </a:solidFill>
+              </a:rPr>
+              <a:t>  </a:t>
+            </a:r>
+            <a:r>
+              <a:rPr lang="en-US" sz="1200" dirty="0" err="1">
+                <a:solidFill>
+                  <a:schemeClr val="accent2"/>
+                </a:solidFill>
+              </a:rPr>
+              <a:t>mCherry</a:t>
+            </a:r>
+            <a:r>
+              <a:rPr lang="en-US" sz="1200" dirty="0">
+                <a:solidFill>
+                  <a:schemeClr val="accent2"/>
+                </a:solidFill>
+              </a:rPr>
+              <a:t>-Inhibitor </a:t>
+            </a:r>
+            <a:r>
+              <a:rPr lang="en-US" sz="1200" dirty="0">
+                <a:solidFill>
+                  <a:schemeClr val="accent6">
+                    <a:lumMod val="75000"/>
+                  </a:schemeClr>
+                </a:solidFill>
+              </a:rPr>
+              <a:t>                </a:t>
+            </a:r>
+            <a:r>
+              <a:rPr lang="en-US" sz="1200" dirty="0">
+                <a:solidFill>
+                  <a:schemeClr val="accent5"/>
+                </a:solidFill>
+              </a:rPr>
+              <a:t>inhibitor(10 cells)</a:t>
+            </a:r>
+          </a:p>
+        </p:txBody>
+      </p:sp>
+      <p:pic>
+        <p:nvPicPr>
+          <p:cNvPr id="11" name="Graphic 10" descr="Chevron arrows with solid fill">
+            <a:extLst>
+              <a:ext uri="{FF2B5EF4-FFF2-40B4-BE49-F238E27FC236}">
+                <a16:creationId xmlns:a16="http://schemas.microsoft.com/office/drawing/2014/main" id="{08AA1F4C-DA0D-B18D-DC09-DF33BFB5A208}"/>
+              </a:ext>
+            </a:extLst>
+          </p:cNvPr>
+          <p:cNvPicPr>
+            <a:picLocks noChangeAspect="1"/>
+          </p:cNvPicPr>
+          <p:nvPr/>
+        </p:nvPicPr>
+        <p:blipFill>
+          <a:blip r:embed="rId6">
+            <a:extLst>
+              <a:ext uri="{96DAC541-7B7A-43D3-8B79-37D633B846F1}">
+                <asvg:svgBlip xmlns:asvg="http://schemas.microsoft.com/office/drawing/2016/SVG/main" r:embed="rId7"/>
+              </a:ext>
+            </a:extLst>
+          </a:blip>
+          <a:stretch>
+            <a:fillRect/>
+          </a:stretch>
+        </p:blipFill>
+        <p:spPr>
+          <a:xfrm>
+            <a:off x="7434424" y="3161826"/>
+            <a:ext cx="567018" cy="544606"/>
+          </a:xfrm>
+          <a:prstGeom prst="rect">
+            <a:avLst/>
+          </a:prstGeom>
+        </p:spPr>
+      </p:pic>
+      <p:pic>
+        <p:nvPicPr>
+          <p:cNvPr id="12" name="Graphic 11" descr="Chevron arrows with solid fill">
+            <a:extLst>
+              <a:ext uri="{FF2B5EF4-FFF2-40B4-BE49-F238E27FC236}">
+                <a16:creationId xmlns:a16="http://schemas.microsoft.com/office/drawing/2014/main" id="{187285A9-71DD-96CE-DB01-0D8AFE5AAAF4}"/>
+              </a:ext>
+            </a:extLst>
+          </p:cNvPr>
+          <p:cNvPicPr>
+            <a:picLocks noChangeAspect="1"/>
+          </p:cNvPicPr>
+          <p:nvPr/>
+        </p:nvPicPr>
+        <p:blipFill>
+          <a:blip r:embed="rId8">
+            <a:extLst>
+              <a:ext uri="{96DAC541-7B7A-43D3-8B79-37D633B846F1}">
+                <asvg:svgBlip xmlns:asvg="http://schemas.microsoft.com/office/drawing/2016/SVG/main" r:embed="rId9"/>
+              </a:ext>
+            </a:extLst>
+          </a:blip>
+          <a:stretch>
+            <a:fillRect/>
+          </a:stretch>
+        </p:blipFill>
+        <p:spPr>
+          <a:xfrm>
+            <a:off x="8171330" y="3162301"/>
+            <a:ext cx="589431" cy="567018"/>
+          </a:xfrm>
+          <a:prstGeom prst="rect">
+            <a:avLst/>
+          </a:prstGeom>
+        </p:spPr>
+      </p:pic>
+      <p:sp>
+        <p:nvSpPr>
+          <p:cNvPr id="14" name="TextBox 13">
+            <a:extLst>
+              <a:ext uri="{FF2B5EF4-FFF2-40B4-BE49-F238E27FC236}">
+                <a16:creationId xmlns:a16="http://schemas.microsoft.com/office/drawing/2014/main" id="{4C6C5042-8B80-0A37-55F5-14944CC177F2}"/>
+              </a:ext>
+            </a:extLst>
+          </p:cNvPr>
+          <p:cNvSpPr txBox="1"/>
+          <p:nvPr/>
+        </p:nvSpPr>
+        <p:spPr>
+          <a:xfrm>
+            <a:off x="560294" y="818029"/>
+            <a:ext cx="4011704" cy="7879080"/>
+          </a:xfrm>
+          <a:prstGeom prst="rect">
+            <a:avLst/>
+          </a:prstGeom>
+          <a:noFill/>
+        </p:spPr>
+        <p:txBody>
+          <a:bodyPr rot="0" spcFirstLastPara="0" vertOverflow="overflow" horzOverflow="overflow" vert="horz" wrap="square" lIns="91440" tIns="45720" rIns="91440" bIns="45720" numCol="1" spcCol="0" rtlCol="0" fromWordArt="0" anchor="t" anchorCtr="0" forceAA="0" compatLnSpc="1">
+            <a:prstTxWarp prst="textNoShape">
+              <a:avLst/>
+            </a:prstTxWarp>
+            <a:spAutoFit/>
+          </a:bodyPr>
+          <a:lstStyle/>
+          <a:p>
+            <a:r>
+              <a:rPr lang="en-US" sz="2000" b="1" dirty="0"/>
+              <a:t>Sim_pythpn5-sim2</a:t>
+            </a:r>
+          </a:p>
+          <a:p>
+            <a:endParaRPr lang="en-US" dirty="0"/>
+          </a:p>
+          <a:p>
+            <a:pPr marL="285750" indent="-285750">
+              <a:buFont typeface="Arial,Sans-Serif"/>
+              <a:buChar char="•"/>
+            </a:pPr>
+            <a:r>
+              <a:rPr lang="en-US" dirty="0">
+                <a:latin typeface="Arial"/>
+                <a:ea typeface="+mn-lt"/>
+                <a:cs typeface="Arial"/>
+              </a:rPr>
+              <a:t>The first 10 cells from left produce GFP (</a:t>
+            </a:r>
+            <a:r>
+              <a:rPr lang="en-US" dirty="0" err="1">
+                <a:latin typeface="Arial"/>
+                <a:ea typeface="+mn-lt"/>
+                <a:cs typeface="Arial"/>
+              </a:rPr>
+              <a:t>GFP_cells</a:t>
+            </a:r>
+            <a:r>
+              <a:rPr lang="en-US" dirty="0">
+                <a:latin typeface="Arial"/>
+                <a:ea typeface="+mn-lt"/>
+                <a:cs typeface="Arial"/>
+              </a:rPr>
+              <a:t> 2)</a:t>
+            </a:r>
+          </a:p>
+          <a:p>
+            <a:pPr marL="285750" indent="-285750">
+              <a:buFont typeface="Arial"/>
+              <a:buChar char="•"/>
+            </a:pPr>
+            <a:endParaRPr lang="en-US" dirty="0">
+              <a:ea typeface="+mn-lt"/>
+              <a:cs typeface="+mn-lt"/>
+            </a:endParaRPr>
+          </a:p>
+          <a:p>
+            <a:pPr marL="285750" indent="-285750">
+              <a:buFont typeface="Arial"/>
+              <a:buChar char="•"/>
+            </a:pPr>
+            <a:endParaRPr lang="en-US" dirty="0">
+              <a:ea typeface="+mn-lt"/>
+              <a:cs typeface="+mn-lt"/>
+            </a:endParaRPr>
+          </a:p>
+          <a:p>
+            <a:pPr marL="285750" indent="-285750">
+              <a:buFont typeface="Arial"/>
+              <a:buChar char="•"/>
+            </a:pPr>
+            <a:r>
+              <a:rPr lang="en-US" dirty="0">
+                <a:ea typeface="+mn-lt"/>
+                <a:cs typeface="+mn-lt"/>
+              </a:rPr>
+              <a:t>The third 10 cells from the left produce </a:t>
+            </a:r>
+            <a:r>
+              <a:rPr lang="en-US" dirty="0" err="1">
+                <a:ea typeface="+mn-lt"/>
+                <a:cs typeface="+mn-lt"/>
+              </a:rPr>
+              <a:t>mCherry</a:t>
+            </a:r>
+            <a:r>
+              <a:rPr lang="en-US" dirty="0">
+                <a:ea typeface="+mn-lt"/>
+                <a:cs typeface="+mn-lt"/>
+              </a:rPr>
+              <a:t> as soon as they are activated with GFP (</a:t>
+            </a:r>
+            <a:r>
+              <a:rPr lang="en-US" dirty="0" err="1">
+                <a:ea typeface="+mn-lt"/>
+                <a:cs typeface="+mn-lt"/>
+              </a:rPr>
+              <a:t>MC_cells</a:t>
+            </a:r>
+            <a:r>
+              <a:rPr lang="en-US" dirty="0">
+                <a:ea typeface="+mn-lt"/>
+                <a:cs typeface="+mn-lt"/>
+              </a:rPr>
+              <a:t> 0.4)</a:t>
+            </a:r>
+            <a:endParaRPr lang="en-US" dirty="0"/>
+          </a:p>
+          <a:p>
+            <a:endParaRPr lang="en-US" dirty="0"/>
+          </a:p>
+          <a:p>
+            <a:pPr marL="285750" indent="-285750">
+              <a:buFont typeface="Arial"/>
+              <a:buChar char="•"/>
+            </a:pPr>
+            <a:r>
+              <a:rPr lang="en-US" dirty="0"/>
+              <a:t>Each cell is able to trap GFP (</a:t>
+            </a:r>
+            <a:r>
+              <a:rPr lang="en-US" dirty="0" err="1"/>
+              <a:t>A_cells</a:t>
+            </a:r>
+            <a:r>
+              <a:rPr lang="en-US" dirty="0"/>
+              <a:t> 0.5)</a:t>
+            </a:r>
+          </a:p>
+          <a:p>
+            <a:endParaRPr lang="en-US" dirty="0"/>
+          </a:p>
+          <a:p>
+            <a:pPr marL="285750" indent="-285750">
+              <a:buFont typeface="Arial"/>
+              <a:buChar char="•"/>
+            </a:pPr>
+            <a:endParaRPr lang="en-US" dirty="0"/>
+          </a:p>
+          <a:p>
+            <a:pPr marL="285750" indent="-285750">
+              <a:buFont typeface="Arial"/>
+              <a:buChar char="•"/>
+            </a:pPr>
+            <a:r>
+              <a:rPr lang="en-US" dirty="0"/>
+              <a:t>The 10 cells from right produce anti </a:t>
+            </a:r>
+            <a:r>
+              <a:rPr lang="en-US" dirty="0" err="1"/>
+              <a:t>mCherry</a:t>
+            </a:r>
+            <a:r>
+              <a:rPr lang="en-US" dirty="0"/>
+              <a:t>(</a:t>
+            </a:r>
+            <a:r>
+              <a:rPr lang="en-US" dirty="0" err="1"/>
+              <a:t>I_cells</a:t>
+            </a:r>
+            <a:r>
+              <a:rPr lang="en-US" dirty="0"/>
+              <a:t> 2)</a:t>
+            </a:r>
+          </a:p>
+          <a:p>
+            <a:endParaRPr lang="en-US" dirty="0"/>
+          </a:p>
+          <a:p>
+            <a:pPr marL="285750" indent="-285750">
+              <a:buFont typeface="Arial"/>
+              <a:buChar char="•"/>
+            </a:pPr>
+            <a:endParaRPr lang="en-US" dirty="0"/>
+          </a:p>
+          <a:p>
+            <a:pPr marL="285750" indent="-285750">
+              <a:buFont typeface="Arial"/>
+              <a:buChar char="•"/>
+            </a:pPr>
+            <a:r>
+              <a:rPr lang="en-US" dirty="0"/>
+              <a:t>Simulation duration: 1-50 </a:t>
+            </a:r>
+          </a:p>
+          <a:p>
+            <a:endParaRPr lang="en-US" dirty="0"/>
+          </a:p>
+          <a:p>
+            <a:endParaRPr lang="en-US" dirty="0"/>
+          </a:p>
+          <a:p>
+            <a:endParaRPr lang="en-US" dirty="0"/>
+          </a:p>
+          <a:p>
+            <a:endParaRPr lang="en-US" dirty="0"/>
+          </a:p>
+          <a:p>
+            <a:endParaRPr lang="en-US" dirty="0"/>
+          </a:p>
+          <a:p>
+            <a:endParaRPr lang="en-US" dirty="0"/>
+          </a:p>
+          <a:p>
+            <a:endParaRPr lang="en-US" dirty="0"/>
+          </a:p>
+        </p:txBody>
+      </p:sp>
+      <p:pic>
+        <p:nvPicPr>
+          <p:cNvPr id="2" name="Graphic 1" descr="Chevron arrows with solid fill">
+            <a:extLst>
+              <a:ext uri="{FF2B5EF4-FFF2-40B4-BE49-F238E27FC236}">
+                <a16:creationId xmlns:a16="http://schemas.microsoft.com/office/drawing/2014/main" id="{F04901BE-7C0C-95DA-B200-191363192D31}"/>
+              </a:ext>
+            </a:extLst>
+          </p:cNvPr>
+          <p:cNvPicPr>
+            <a:picLocks noChangeAspect="1"/>
+          </p:cNvPicPr>
+          <p:nvPr/>
+        </p:nvPicPr>
+        <p:blipFill>
+          <a:blip r:embed="rId10">
+            <a:extLst>
+              <a:ext uri="{96DAC541-7B7A-43D3-8B79-37D633B846F1}">
+                <asvg:svgBlip xmlns:asvg="http://schemas.microsoft.com/office/drawing/2016/SVG/main" r:embed="rId11"/>
+              </a:ext>
+            </a:extLst>
+          </a:blip>
+          <a:stretch>
+            <a:fillRect/>
+          </a:stretch>
+        </p:blipFill>
+        <p:spPr>
+          <a:xfrm>
+            <a:off x="6455725" y="3218804"/>
+            <a:ext cx="510988" cy="443753"/>
+          </a:xfrm>
+          <a:prstGeom prst="rect">
+            <a:avLst/>
+          </a:prstGeom>
+        </p:spPr>
+      </p:pic>
+      <p:pic>
+        <p:nvPicPr>
+          <p:cNvPr id="3" name="Graphic 2" descr="Chevron arrows with solid fill">
+            <a:extLst>
+              <a:ext uri="{FF2B5EF4-FFF2-40B4-BE49-F238E27FC236}">
+                <a16:creationId xmlns:a16="http://schemas.microsoft.com/office/drawing/2014/main" id="{E3FD6F83-8633-3696-262B-59383034501C}"/>
+              </a:ext>
+            </a:extLst>
+          </p:cNvPr>
+          <p:cNvPicPr>
+            <a:picLocks noChangeAspect="1"/>
+          </p:cNvPicPr>
+          <p:nvPr/>
+        </p:nvPicPr>
+        <p:blipFill>
+          <a:blip r:embed="rId12">
+            <a:extLst>
+              <a:ext uri="{96DAC541-7B7A-43D3-8B79-37D633B846F1}">
+                <asvg:svgBlip xmlns:asvg="http://schemas.microsoft.com/office/drawing/2016/SVG/main" r:embed="rId13"/>
+              </a:ext>
+            </a:extLst>
+          </a:blip>
+          <a:stretch>
+            <a:fillRect/>
+          </a:stretch>
+        </p:blipFill>
+        <p:spPr>
+          <a:xfrm>
+            <a:off x="6840828" y="3196392"/>
+            <a:ext cx="589429" cy="477371"/>
+          </a:xfrm>
+          <a:prstGeom prst="rect">
+            <a:avLst/>
+          </a:prstGeom>
+        </p:spPr>
+      </p:pic>
+      <p:sp>
+        <p:nvSpPr>
+          <p:cNvPr id="5" name="TextBox 4">
+            <a:extLst>
+              <a:ext uri="{FF2B5EF4-FFF2-40B4-BE49-F238E27FC236}">
+                <a16:creationId xmlns:a16="http://schemas.microsoft.com/office/drawing/2014/main" id="{4932D9F1-1F1C-2CEF-2637-F7318FCFDA08}"/>
+              </a:ext>
+            </a:extLst>
+          </p:cNvPr>
+          <p:cNvSpPr txBox="1"/>
+          <p:nvPr/>
+        </p:nvSpPr>
+        <p:spPr>
+          <a:xfrm>
+            <a:off x="5847993" y="5373151"/>
+            <a:ext cx="2353553" cy="369332"/>
+          </a:xfrm>
+          <a:prstGeom prst="rect">
+            <a:avLst/>
+          </a:prstGeom>
+          <a:noFill/>
+        </p:spPr>
+        <p:txBody>
+          <a:bodyPr wrap="square" rtlCol="0">
+            <a:spAutoFit/>
+          </a:bodyPr>
+          <a:lstStyle/>
+          <a:p>
+            <a:r>
+              <a:rPr lang="de-DE" dirty="0">
+                <a:solidFill>
+                  <a:schemeClr val="accent2">
+                    <a:lumMod val="60000"/>
+                    <a:lumOff val="40000"/>
+                  </a:schemeClr>
+                </a:solidFill>
+              </a:rPr>
+              <a:t>Anchor</a:t>
+            </a:r>
+            <a:endParaRPr lang="en-US" dirty="0">
+              <a:solidFill>
+                <a:schemeClr val="accent2">
+                  <a:lumMod val="60000"/>
+                  <a:lumOff val="40000"/>
+                </a:schemeClr>
+              </a:solidFill>
+            </a:endParaRPr>
+          </a:p>
+        </p:txBody>
+      </p:sp>
+    </p:spTree>
+    <p:extLst>
+      <p:ext uri="{BB962C8B-B14F-4D97-AF65-F5344CB8AC3E}">
+        <p14:creationId xmlns:p14="http://schemas.microsoft.com/office/powerpoint/2010/main" val="2002774492"/>
+      </p:ext>
+    </p:extLst>
+  </p:cSld>
+  <p:clrMapOvr>
+    <a:masterClrMapping/>
+  </p:clrMapOvr>
+</p:sld>
+</file>
+
+<file path=ppt/slides/slide7.xml><?xml version="1.0" encoding="utf-8"?>
 <p:sld xmlns:a="http://schemas.openxmlformats.org/drawingml/2006/main" xmlns:r="http://schemas.openxmlformats.org/officeDocument/2006/relationships" xmlns:p="http://schemas.openxmlformats.org/presentationml/2006/main">
   <p:cSld>
     <p:spTree>

--- a/sim_system.pptx
+++ b/sim_system.pptx
@@ -272,7 +272,7 @@
           <a:p>
             <a:fld id="{9CF77F1B-567A-495B-BCED-32BA57B01AB8}" type="datetimeFigureOut">
               <a:rPr lang="en-US" smtClean="0"/>
-              <a:t>5/12/2024</a:t>
+              <a:t>5/14/2024</a:t>
             </a:fld>
             <a:endParaRPr lang="en-US"/>
           </a:p>
@@ -470,7 +470,7 @@
           <a:p>
             <a:fld id="{9CF77F1B-567A-495B-BCED-32BA57B01AB8}" type="datetimeFigureOut">
               <a:rPr lang="en-US" smtClean="0"/>
-              <a:t>5/12/2024</a:t>
+              <a:t>5/14/2024</a:t>
             </a:fld>
             <a:endParaRPr lang="en-US"/>
           </a:p>
@@ -678,7 +678,7 @@
           <a:p>
             <a:fld id="{9CF77F1B-567A-495B-BCED-32BA57B01AB8}" type="datetimeFigureOut">
               <a:rPr lang="en-US" smtClean="0"/>
-              <a:t>5/12/2024</a:t>
+              <a:t>5/14/2024</a:t>
             </a:fld>
             <a:endParaRPr lang="en-US"/>
           </a:p>
@@ -882,7 +882,7 @@
           <a:p>
             <a:fld id="{846CE7D5-CF57-46EF-B807-FDD0502418D4}" type="datetimeFigureOut">
               <a:rPr lang="en-US" smtClean="0"/>
-              <a:t>5/12/2024</a:t>
+              <a:t>5/14/2024</a:t>
             </a:fld>
             <a:endParaRPr lang="en-US"/>
           </a:p>
@@ -1052,7 +1052,7 @@
           <a:p>
             <a:fld id="{846CE7D5-CF57-46EF-B807-FDD0502418D4}" type="datetimeFigureOut">
               <a:rPr lang="en-US" smtClean="0"/>
-              <a:t>5/12/2024</a:t>
+              <a:t>5/14/2024</a:t>
             </a:fld>
             <a:endParaRPr lang="en-US"/>
           </a:p>
@@ -1298,7 +1298,7 @@
           <a:p>
             <a:fld id="{846CE7D5-CF57-46EF-B807-FDD0502418D4}" type="datetimeFigureOut">
               <a:rPr lang="en-US" smtClean="0"/>
-              <a:t>5/12/2024</a:t>
+              <a:t>5/14/2024</a:t>
             </a:fld>
             <a:endParaRPr lang="en-US"/>
           </a:p>
@@ -1530,7 +1530,7 @@
           <a:p>
             <a:fld id="{846CE7D5-CF57-46EF-B807-FDD0502418D4}" type="datetimeFigureOut">
               <a:rPr lang="en-US" smtClean="0"/>
-              <a:t>5/12/2024</a:t>
+              <a:t>5/14/2024</a:t>
             </a:fld>
             <a:endParaRPr lang="en-US"/>
           </a:p>
@@ -1897,7 +1897,7 @@
           <a:p>
             <a:fld id="{846CE7D5-CF57-46EF-B807-FDD0502418D4}" type="datetimeFigureOut">
               <a:rPr lang="en-US" smtClean="0"/>
-              <a:t>5/12/2024</a:t>
+              <a:t>5/14/2024</a:t>
             </a:fld>
             <a:endParaRPr lang="en-US"/>
           </a:p>
@@ -2015,7 +2015,7 @@
           <a:p>
             <a:fld id="{846CE7D5-CF57-46EF-B807-FDD0502418D4}" type="datetimeFigureOut">
               <a:rPr lang="en-US" smtClean="0"/>
-              <a:t>5/12/2024</a:t>
+              <a:t>5/14/2024</a:t>
             </a:fld>
             <a:endParaRPr lang="en-US"/>
           </a:p>
@@ -2110,7 +2110,7 @@
           <a:p>
             <a:fld id="{846CE7D5-CF57-46EF-B807-FDD0502418D4}" type="datetimeFigureOut">
               <a:rPr lang="en-US" smtClean="0"/>
-              <a:t>5/12/2024</a:t>
+              <a:t>5/14/2024</a:t>
             </a:fld>
             <a:endParaRPr lang="en-US"/>
           </a:p>
@@ -2387,7 +2387,7 @@
           <a:p>
             <a:fld id="{846CE7D5-CF57-46EF-B807-FDD0502418D4}" type="datetimeFigureOut">
               <a:rPr lang="en-US" smtClean="0"/>
-              <a:t>5/12/2024</a:t>
+              <a:t>5/14/2024</a:t>
             </a:fld>
             <a:endParaRPr lang="en-US"/>
           </a:p>
@@ -2573,7 +2573,7 @@
           <a:p>
             <a:fld id="{9CF77F1B-567A-495B-BCED-32BA57B01AB8}" type="datetimeFigureOut">
               <a:rPr lang="en-US" smtClean="0"/>
-              <a:t>5/12/2024</a:t>
+              <a:t>5/14/2024</a:t>
             </a:fld>
             <a:endParaRPr lang="en-US"/>
           </a:p>
@@ -2842,7 +2842,7 @@
           <a:p>
             <a:fld id="{846CE7D5-CF57-46EF-B807-FDD0502418D4}" type="datetimeFigureOut">
               <a:rPr lang="en-US" smtClean="0"/>
-              <a:t>5/12/2024</a:t>
+              <a:t>5/14/2024</a:t>
             </a:fld>
             <a:endParaRPr lang="en-US"/>
           </a:p>
@@ -3012,7 +3012,7 @@
           <a:p>
             <a:fld id="{846CE7D5-CF57-46EF-B807-FDD0502418D4}" type="datetimeFigureOut">
               <a:rPr lang="en-US" smtClean="0"/>
-              <a:t>5/12/2024</a:t>
+              <a:t>5/14/2024</a:t>
             </a:fld>
             <a:endParaRPr lang="en-US"/>
           </a:p>
@@ -3192,7 +3192,7 @@
           <a:p>
             <a:fld id="{846CE7D5-CF57-46EF-B807-FDD0502418D4}" type="datetimeFigureOut">
               <a:rPr lang="en-US" smtClean="0"/>
-              <a:t>5/12/2024</a:t>
+              <a:t>5/14/2024</a:t>
             </a:fld>
             <a:endParaRPr lang="en-US"/>
           </a:p>
@@ -3455,7 +3455,7 @@
           <a:p>
             <a:fld id="{9CF77F1B-567A-495B-BCED-32BA57B01AB8}" type="datetimeFigureOut">
               <a:rPr lang="en-US" smtClean="0"/>
-              <a:t>5/12/2024</a:t>
+              <a:t>5/14/2024</a:t>
             </a:fld>
             <a:endParaRPr lang="en-US"/>
           </a:p>
@@ -3720,7 +3720,7 @@
           <a:p>
             <a:fld id="{9CF77F1B-567A-495B-BCED-32BA57B01AB8}" type="datetimeFigureOut">
               <a:rPr lang="en-US" smtClean="0"/>
-              <a:t>5/12/2024</a:t>
+              <a:t>5/14/2024</a:t>
             </a:fld>
             <a:endParaRPr lang="en-US"/>
           </a:p>
@@ -4132,7 +4132,7 @@
           <a:p>
             <a:fld id="{9CF77F1B-567A-495B-BCED-32BA57B01AB8}" type="datetimeFigureOut">
               <a:rPr lang="en-US" smtClean="0"/>
-              <a:t>5/12/2024</a:t>
+              <a:t>5/14/2024</a:t>
             </a:fld>
             <a:endParaRPr lang="en-US"/>
           </a:p>
@@ -4273,7 +4273,7 @@
           <a:p>
             <a:fld id="{9CF77F1B-567A-495B-BCED-32BA57B01AB8}" type="datetimeFigureOut">
               <a:rPr lang="en-US" smtClean="0"/>
-              <a:t>5/12/2024</a:t>
+              <a:t>5/14/2024</a:t>
             </a:fld>
             <a:endParaRPr lang="en-US"/>
           </a:p>
@@ -4386,7 +4386,7 @@
           <a:p>
             <a:fld id="{9CF77F1B-567A-495B-BCED-32BA57B01AB8}" type="datetimeFigureOut">
               <a:rPr lang="en-US" smtClean="0"/>
-              <a:t>5/12/2024</a:t>
+              <a:t>5/14/2024</a:t>
             </a:fld>
             <a:endParaRPr lang="en-US"/>
           </a:p>
@@ -4697,7 +4697,7 @@
           <a:p>
             <a:fld id="{9CF77F1B-567A-495B-BCED-32BA57B01AB8}" type="datetimeFigureOut">
               <a:rPr lang="en-US" smtClean="0"/>
-              <a:t>5/12/2024</a:t>
+              <a:t>5/14/2024</a:t>
             </a:fld>
             <a:endParaRPr lang="en-US"/>
           </a:p>
@@ -4985,7 +4985,7 @@
           <a:p>
             <a:fld id="{9CF77F1B-567A-495B-BCED-32BA57B01AB8}" type="datetimeFigureOut">
               <a:rPr lang="en-US" smtClean="0"/>
-              <a:t>5/12/2024</a:t>
+              <a:t>5/14/2024</a:t>
             </a:fld>
             <a:endParaRPr lang="en-US"/>
           </a:p>
@@ -5226,7 +5226,7 @@
           <a:p>
             <a:fld id="{9CF77F1B-567A-495B-BCED-32BA57B01AB8}" type="datetimeFigureOut">
               <a:rPr lang="en-US" smtClean="0"/>
-              <a:t>5/12/2024</a:t>
+              <a:t>5/14/2024</a:t>
             </a:fld>
             <a:endParaRPr lang="en-US"/>
           </a:p>
@@ -5778,7 +5778,7 @@
           <a:p>
             <a:fld id="{846CE7D5-CF57-46EF-B807-FDD0502418D4}" type="datetimeFigureOut">
               <a:rPr lang="en-US" smtClean="0"/>
-              <a:t>5/12/2024</a:t>
+              <a:t>5/14/2024</a:t>
             </a:fld>
             <a:endParaRPr lang="en-US"/>
           </a:p>
@@ -24002,7 +24002,23 @@
                   <a:schemeClr val="accent5"/>
                 </a:solidFill>
               </a:rPr>
-              <a:t>inhibitor(10 cells)</a:t>
+              <a:t>inhibitor(anti-</a:t>
+            </a:r>
+            <a:r>
+              <a:rPr lang="en-US" sz="1200" dirty="0" err="1">
+                <a:solidFill>
+                  <a:schemeClr val="accent5"/>
+                </a:solidFill>
+              </a:rPr>
+              <a:t>mCherry</a:t>
+            </a:r>
+            <a:r>
+              <a:rPr lang="en-US" sz="1200" dirty="0">
+                <a:solidFill>
+                  <a:schemeClr val="accent5"/>
+                </a:solidFill>
+              </a:rPr>
+              <a:t>)(10 cells)</a:t>
             </a:r>
           </a:p>
         </p:txBody>
@@ -28667,7 +28683,23 @@
                   <a:schemeClr val="accent5"/>
                 </a:solidFill>
               </a:rPr>
-              <a:t>inhibitor(10 cells)</a:t>
+              <a:t>inhibitor(anti-</a:t>
+            </a:r>
+            <a:r>
+              <a:rPr lang="en-US" sz="1200" dirty="0" err="1">
+                <a:solidFill>
+                  <a:schemeClr val="accent5"/>
+                </a:solidFill>
+              </a:rPr>
+              <a:t>mCherry</a:t>
+            </a:r>
+            <a:r>
+              <a:rPr lang="en-US" sz="1200" dirty="0">
+                <a:solidFill>
+                  <a:schemeClr val="accent5"/>
+                </a:solidFill>
+              </a:rPr>
+              <a:t>)(10 cells)</a:t>
             </a:r>
           </a:p>
         </p:txBody>
@@ -28885,7 +28917,15 @@
             </a:pPr>
             <a:r>
               <a:rPr lang="en-US" dirty="0"/>
-              <a:t>Each cell is able to trap GFP (</a:t>
+              <a:t>Each cell is able to trap </a:t>
+            </a:r>
+            <a:r>
+              <a:rPr lang="en-US" dirty="0" err="1"/>
+              <a:t>mCherry</a:t>
+            </a:r>
+            <a:r>
+              <a:rPr lang="en-US" dirty="0"/>
+              <a:t> (</a:t>
             </a:r>
             <a:r>
               <a:rPr lang="en-US" dirty="0" err="1"/>
@@ -29062,7 +29102,7 @@
         <p:spPr>
           <a:xfrm>
             <a:off x="5847993" y="5373151"/>
-            <a:ext cx="2353553" cy="369332"/>
+            <a:ext cx="4210407" cy="369332"/>
           </a:xfrm>
           <a:prstGeom prst="rect">
             <a:avLst/>
@@ -29084,7 +29124,29 @@
                   </a:schemeClr>
                 </a:solidFill>
               </a:rPr>
-              <a:t>Anchor</a:t>
+              <a:t>Anchor (traps </a:t>
+            </a:r>
+            <a:r>
+              <a:rPr lang="de-DE" dirty="0" err="1">
+                <a:solidFill>
+                  <a:schemeClr val="accent2">
+                    <a:lumMod val="60000"/>
+                    <a:lumOff val="40000"/>
+                  </a:schemeClr>
+                </a:solidFill>
+              </a:rPr>
+              <a:t>mCherry</a:t>
+            </a:r>
+            <a:r>
+              <a:rPr lang="de-DE" dirty="0">
+                <a:solidFill>
+                  <a:schemeClr val="accent2">
+                    <a:lumMod val="60000"/>
+                    <a:lumOff val="40000"/>
+                  </a:schemeClr>
+                </a:solidFill>
+              </a:rPr>
+              <a:t>)</a:t>
             </a:r>
             <a:endParaRPr lang="en-US" dirty="0">
               <a:solidFill>
@@ -29142,7 +29204,7 @@
         <p:spPr>
           <a:xfrm>
             <a:off x="537882" y="694764"/>
-            <a:ext cx="9984440" cy="5262979"/>
+            <a:ext cx="9984440" cy="6740307"/>
           </a:xfrm>
           <a:prstGeom prst="rect">
             <a:avLst/>
@@ -29292,6 +29354,53 @@
               <a:rPr lang="en-US" sz="2400" b="1" dirty="0"/>
               <a:t>Genetic Algorithms</a:t>
             </a:r>
+          </a:p>
+          <a:p>
+            <a:r>
+              <a:rPr lang="en-US" sz="2400" b="1" dirty="0"/>
+              <a:t>     - </a:t>
+            </a:r>
+            <a:r>
+              <a:rPr lang="en-US" sz="1800" b="0" i="0" dirty="0">
+                <a:solidFill>
+                  <a:srgbClr val="000000"/>
+                </a:solidFill>
+                <a:effectLst/>
+                <a:latin typeface="AdvOTf0129623"/>
+              </a:rPr>
+              <a:t>Gene regulatory mechanisms (GRMs</a:t>
+            </a:r>
+            <a:r>
+              <a:rPr lang="en-US" sz="2400" dirty="0"/>
+              <a:t> )</a:t>
+            </a:r>
+          </a:p>
+          <a:p>
+            <a:r>
+              <a:rPr lang="en-US" sz="2400" dirty="0"/>
+              <a:t>     - </a:t>
+            </a:r>
+            <a:r>
+              <a:rPr lang="en-US" sz="1800" b="0" i="0" dirty="0">
+                <a:solidFill>
+                  <a:srgbClr val="000000"/>
+                </a:solidFill>
+                <a:effectLst/>
+                <a:latin typeface="AdvOT34fe1490.B"/>
+              </a:rPr>
+              <a:t>Reza Mousavi1 &amp; Daniel Lobo</a:t>
+            </a:r>
+            <a:r>
+              <a:rPr lang="en-US" sz="2400" dirty="0"/>
+              <a:t> </a:t>
+            </a:r>
+            <a:br>
+              <a:rPr lang="en-US" sz="2400" dirty="0"/>
+            </a:br>
+            <a:br>
+              <a:rPr lang="en-US" sz="2400" dirty="0"/>
+            </a:br>
+            <a:endParaRPr lang="en-US" sz="2400" b="1" dirty="0"/>
           </a:p>
           <a:p>
             <a:pPr marL="285750" indent="-285750">

--- a/sim_system.pptx
+++ b/sim_system.pptx
@@ -29358,10 +29358,14 @@
           <a:p>
             <a:r>
               <a:rPr lang="en-US" sz="2400" b="1" dirty="0"/>
-              <a:t>     - </a:t>
-            </a:r>
-            <a:r>
-              <a:rPr lang="en-US" sz="1800" b="0" i="0" dirty="0">
+              <a:t>     </a:t>
+            </a:r>
+            <a:r>
+              <a:rPr lang="en-US" b="1" dirty="0"/>
+              <a:t>- </a:t>
+            </a:r>
+            <a:r>
+              <a:rPr lang="en-US" b="0" i="0" dirty="0">
                 <a:solidFill>
                   <a:srgbClr val="000000"/>
                 </a:solidFill>
@@ -29371,17 +29375,37 @@
               <a:t>Gene regulatory mechanisms (GRMs</a:t>
             </a:r>
             <a:r>
-              <a:rPr lang="en-US" sz="2400" dirty="0"/>
+              <a:rPr lang="en-US" dirty="0"/>
               <a:t> )</a:t>
             </a:r>
           </a:p>
           <a:p>
             <a:r>
-              <a:rPr lang="en-US" sz="2400" dirty="0"/>
+              <a:rPr lang="en-US" dirty="0"/>
+              <a:t>     - reverse engineering </a:t>
+            </a:r>
+            <a:r>
+              <a:rPr lang="en-US" b="0" i="0" dirty="0">
+                <a:solidFill>
+                  <a:srgbClr val="000000"/>
+                </a:solidFill>
+                <a:effectLst/>
+                <a:latin typeface="AdvOTf0129623"/>
+              </a:rPr>
+              <a:t>Gene regulatory mechanisms (GRMs</a:t>
+            </a:r>
+            <a:r>
+              <a:rPr lang="en-US" dirty="0"/>
+              <a:t> )</a:t>
+            </a:r>
+          </a:p>
+          <a:p>
+            <a:r>
+              <a:rPr lang="en-US" dirty="0"/>
               <a:t>     - </a:t>
             </a:r>
             <a:r>
-              <a:rPr lang="en-US" sz="1800" b="0" i="0" dirty="0">
+              <a:rPr lang="en-US" b="0" i="0" dirty="0">
                 <a:solidFill>
                   <a:srgbClr val="000000"/>
                 </a:solidFill>
@@ -29391,16 +29415,16 @@
               <a:t>Reza Mousavi1 &amp; Daniel Lobo</a:t>
             </a:r>
             <a:r>
-              <a:rPr lang="en-US" sz="2400" dirty="0"/>
+              <a:rPr lang="en-US" dirty="0"/>
               <a:t> </a:t>
             </a:r>
             <a:br>
-              <a:rPr lang="en-US" sz="2400" dirty="0"/>
+              <a:rPr lang="en-US" dirty="0"/>
             </a:br>
             <a:br>
-              <a:rPr lang="en-US" sz="2400" dirty="0"/>
+              <a:rPr lang="en-US" dirty="0"/>
             </a:br>
-            <a:endParaRPr lang="en-US" sz="2400" b="1" dirty="0"/>
+            <a:endParaRPr lang="en-US" b="1" dirty="0"/>
           </a:p>
           <a:p>
             <a:pPr marL="285750" indent="-285750">

--- a/sim_system.pptx
+++ b/sim_system.pptx
@@ -21,6 +21,7 @@
     <p:sldId id="277" r:id="rId15"/>
     <p:sldId id="278" r:id="rId16"/>
     <p:sldId id="279" r:id="rId17"/>
+    <p:sldId id="280" r:id="rId18"/>
   </p:sldIdLst>
   <p:sldSz cx="12192000" cy="6858000"/>
   <p:notesSz cx="6858000" cy="9144000"/>
@@ -134,6 +135,702 @@
 </p:cmAuthorLst>
 </file>
 
+<file path=ppt/ink/ink1.xml><?xml version="1.0" encoding="utf-8"?>
+<inkml:ink xmlns:inkml="http://www.w3.org/2003/InkML">
+  <inkml:definitions>
+    <inkml:context xml:id="ctx0">
+      <inkml:inkSource xml:id="inkSrc0">
+        <inkml:traceFormat>
+          <inkml:channel name="X" type="integer" min="-2.14748E9" max="2.14748E9" units="cm"/>
+          <inkml:channel name="Y" type="integer" min="-2.14748E9" max="2.14748E9" units="cm"/>
+        </inkml:traceFormat>
+        <inkml:channelProperties>
+          <inkml:channelProperty channel="X" name="resolution" value="1000" units="1/cm"/>
+          <inkml:channelProperty channel="Y" name="resolution" value="1000" units="1/cm"/>
+        </inkml:channelProperties>
+      </inkml:inkSource>
+      <inkml:timestamp xml:id="ts0" timeString="2024-07-03T07:47:31.924"/>
+    </inkml:context>
+    <inkml:brush xml:id="br0">
+      <inkml:brushProperty name="width" value="0.1" units="cm"/>
+      <inkml:brushProperty name="height" value="0.2" units="cm"/>
+      <inkml:brushProperty name="color" value="#FFFC00"/>
+      <inkml:brushProperty name="tip" value="rectangle"/>
+      <inkml:brushProperty name="rasterOp" value="maskPen"/>
+      <inkml:brushProperty name="ignorePressure" value="1"/>
+    </inkml:brush>
+  </inkml:definitions>
+  <inkml:trace contextRef="#ctx0" brushRef="#br0">550 0,'-2'0,"0"1,0-1,0 1,1 0,-1-1,0 1,1 0,-1 0,0 0,1 0,-1 0,1 0,0 1,-1-1,1 1,0-1,0 0,0 1,-1 1,-16 33,10-17,0 1,-1-2,-1 1,-12 17,1-7,-37 43,55-66,-1-1,1 1,0 0,1 0,-1 0,1 0,0 0,1 1,-2 6,-4 18,-11 13,14-36,0 0,1 1,0 0,0-1,1 1,0 0,0 0,0 15,2-13,-2 0,0 0,0 0,-1 0,0 0,-1-1,-9 20,8-20,0 1,1-1,1 1,-1 0,2 0,-1 0,0 20,3-19,0 0,0 0,0 0,-1 0,0 0,-1 0,-7 21,-1-3,1-1,1 2,2-1,1 1,1-1,1 48,3-68,-2 0,1 0,-1-1,-1 1,0 0,-4 10,2-8,1 0,0 0,-1 14,-18 127,20-136,-1 1,0-1,-10 26,7-23,1 0,-3 21,3 0,1 71,4-100,0 0,-1 0,0-1,-4 12,2-11,2 0,-1 0,0 23,4 32,-2 66,-1-123,0 0,-1 0,-7 17,1-2,6-18,0-2</inkml:trace>
+</inkml:ink>
+</file>
+
+<file path=ppt/ink/ink10.xml><?xml version="1.0" encoding="utf-8"?>
+<inkml:ink xmlns:inkml="http://www.w3.org/2003/InkML">
+  <inkml:definitions>
+    <inkml:context xml:id="ctx0">
+      <inkml:inkSource xml:id="inkSrc0">
+        <inkml:traceFormat>
+          <inkml:channel name="X" type="integer" min="-2.14748E9" max="2.14748E9" units="cm"/>
+          <inkml:channel name="Y" type="integer" min="-2.14748E9" max="2.14748E9" units="cm"/>
+        </inkml:traceFormat>
+        <inkml:channelProperties>
+          <inkml:channelProperty channel="X" name="resolution" value="1000" units="1/cm"/>
+          <inkml:channelProperty channel="Y" name="resolution" value="1000" units="1/cm"/>
+        </inkml:channelProperties>
+      </inkml:inkSource>
+      <inkml:timestamp xml:id="ts0" timeString="2024-07-03T07:48:57.635"/>
+    </inkml:context>
+    <inkml:brush xml:id="br0">
+      <inkml:brushProperty name="width" value="0.1" units="cm"/>
+      <inkml:brushProperty name="height" value="0.2" units="cm"/>
+      <inkml:brushProperty name="color" value="#969696"/>
+      <inkml:brushProperty name="tip" value="rectangle"/>
+      <inkml:brushProperty name="rasterOp" value="maskPen"/>
+      <inkml:brushProperty name="ignorePressure" value="1"/>
+    </inkml:brush>
+  </inkml:definitions>
+  <inkml:trace contextRef="#ctx0" brushRef="#br0">28 1504,'1'-14,"1"1,0-1,5-20,-3 21,-1-1,-1 1,2-25,-4 33,0-5,0 0,-1 0,-3-17,3 25,0-1,1 1,-1-1,0 1,-1-1,1 1,0 0,-1-1,1 1,-1 0,0 0,0 0,1 0,-1 1,-1-1,1 0,0 1,-5-3,6 3,0 1,0-1,0 1,1-1,-1 0,0 0,0 1,0-1,1 0,-1 0,0 0,1 0,-1 0,1 0,-1 0,1 0,-1 0,1 0,0 0,0 0,-1 0,1 0,0 0,0-1,0 1,0 0,0 0,1 0,-1 0,0-1,15-42,-3 9,-11-41,-2 59,1 0,1 0,0 0,4-19,7-5,-8 29,0-1,-1 0,-1 0,0 1,1-20,-4-3,2-1,7-49,4-9,-10 74,-1 0,-1-27,-1 29,1 1,1 0,0 0,4-17,13-19,-14 44,0 0,-1 0,0 0,0-1,-1 0,0 1,-1-1,0-10,-13-48,8 53,1 0,0 0,0-25,4-31,-1 61</inkml:trace>
+</inkml:ink>
+</file>
+
+<file path=ppt/ink/ink11.xml><?xml version="1.0" encoding="utf-8"?>
+<inkml:ink xmlns:inkml="http://www.w3.org/2003/InkML">
+  <inkml:definitions>
+    <inkml:context xml:id="ctx0">
+      <inkml:inkSource xml:id="inkSrc0">
+        <inkml:traceFormat>
+          <inkml:channel name="X" type="integer" min="-2.14748E9" max="2.14748E9" units="cm"/>
+          <inkml:channel name="Y" type="integer" min="-2.14748E9" max="2.14748E9" units="cm"/>
+        </inkml:traceFormat>
+        <inkml:channelProperties>
+          <inkml:channelProperty channel="X" name="resolution" value="1000" units="1/cm"/>
+          <inkml:channelProperty channel="Y" name="resolution" value="1000" units="1/cm"/>
+        </inkml:channelProperties>
+      </inkml:inkSource>
+      <inkml:timestamp xml:id="ts0" timeString="2024-07-03T07:49:02.337"/>
+    </inkml:context>
+    <inkml:brush xml:id="br0">
+      <inkml:brushProperty name="width" value="0.1" units="cm"/>
+      <inkml:brushProperty name="height" value="0.2" units="cm"/>
+      <inkml:brushProperty name="color" value="#969696"/>
+      <inkml:brushProperty name="tip" value="rectangle"/>
+      <inkml:brushProperty name="rasterOp" value="maskPen"/>
+      <inkml:brushProperty name="ignorePressure" value="1"/>
+    </inkml:brush>
+  </inkml:definitions>
+  <inkml:trace contextRef="#ctx0" brushRef="#br0">0 59,'1'-1,"-1"-1,0 1,1 0,-1 0,1 0,-1 0,1 0,-1 0,1 0,0 0,0 0,-1 0,1 1,0-1,0 0,0 0,0 1,0-1,0 1,0-1,0 1,0-1,0 1,1-1,-1 1,0 0,0 0,0 0,2-1,38-2,-39 3,634 1,-626-1,0-1,0-1,0 0,14-5,-14 4,0 1,0 0,0 0,15-1,199-8,-212 11,-2 0</inkml:trace>
+</inkml:ink>
+</file>
+
+<file path=ppt/ink/ink12.xml><?xml version="1.0" encoding="utf-8"?>
+<inkml:ink xmlns:inkml="http://www.w3.org/2003/InkML">
+  <inkml:definitions>
+    <inkml:context xml:id="ctx0">
+      <inkml:inkSource xml:id="inkSrc0">
+        <inkml:traceFormat>
+          <inkml:channel name="X" type="integer" min="-2.14748E9" max="2.14748E9" units="cm"/>
+          <inkml:channel name="Y" type="integer" min="-2.14748E9" max="2.14748E9" units="cm"/>
+        </inkml:traceFormat>
+        <inkml:channelProperties>
+          <inkml:channelProperty channel="X" name="resolution" value="1000" units="1/cm"/>
+          <inkml:channelProperty channel="Y" name="resolution" value="1000" units="1/cm"/>
+        </inkml:channelProperties>
+      </inkml:inkSource>
+      <inkml:timestamp xml:id="ts0" timeString="2024-07-03T07:49:11.243"/>
+    </inkml:context>
+    <inkml:brush xml:id="br0">
+      <inkml:brushProperty name="width" value="0.1" units="cm"/>
+      <inkml:brushProperty name="height" value="0.2" units="cm"/>
+      <inkml:brushProperty name="color" value="#969696"/>
+      <inkml:brushProperty name="tip" value="rectangle"/>
+      <inkml:brushProperty name="rasterOp" value="maskPen"/>
+      <inkml:brushProperty name="ignorePressure" value="1"/>
+    </inkml:brush>
+  </inkml:definitions>
+  <inkml:trace contextRef="#ctx0" brushRef="#br0">1 0,'9'86,"-5"-60,-4-18,1 1,1-1,0 0,0 0,5 13,-5-14,1 0,-1 0,-1 0,1 0,-1 10,0-10,0 0,0 1,1-1,0 0,4 11,-2-8,-1 0,0 0,0 0,-1 1,-1-1,1 1,-2-1,0 12,2 18,10 13,-9-44,-1 1,0-1,0 1,1 16,-4 5,2 1,1-1,2 0,8 37,-8-46,-1-1,-1 1,-2 0,-2 39,0-1,0 20,4 87,2-123,4 64,-9 33,1-131</inkml:trace>
+</inkml:ink>
+</file>
+
+<file path=ppt/ink/ink13.xml><?xml version="1.0" encoding="utf-8"?>
+<inkml:ink xmlns:inkml="http://www.w3.org/2003/InkML">
+  <inkml:definitions>
+    <inkml:context xml:id="ctx0">
+      <inkml:inkSource xml:id="inkSrc0">
+        <inkml:traceFormat>
+          <inkml:channel name="X" type="integer" min="-2.14748E9" max="2.14748E9" units="cm"/>
+          <inkml:channel name="Y" type="integer" min="-2.14748E9" max="2.14748E9" units="cm"/>
+        </inkml:traceFormat>
+        <inkml:channelProperties>
+          <inkml:channelProperty channel="X" name="resolution" value="1000" units="1/cm"/>
+          <inkml:channelProperty channel="Y" name="resolution" value="1000" units="1/cm"/>
+        </inkml:channelProperties>
+      </inkml:inkSource>
+      <inkml:timestamp xml:id="ts0" timeString="2024-07-03T07:49:14.983"/>
+    </inkml:context>
+    <inkml:brush xml:id="br0">
+      <inkml:brushProperty name="width" value="0.1" units="cm"/>
+      <inkml:brushProperty name="height" value="0.2" units="cm"/>
+      <inkml:brushProperty name="color" value="#969696"/>
+      <inkml:brushProperty name="tip" value="rectangle"/>
+      <inkml:brushProperty name="rasterOp" value="maskPen"/>
+      <inkml:brushProperty name="ignorePressure" value="1"/>
+    </inkml:brush>
+  </inkml:definitions>
+  <inkml:trace contextRef="#ctx0" brushRef="#br0">1269 1,'-2'0,"-37"0,1 1,-40 7,-6-1,7-2,51-3,0-1,-40-3,47 0,-1 1,1 1,0 1,-1 1,-36 7,40-4,-1-2,1 0,-1 0,0-2,-29 0,-65 1,-84-4,153-3,-45-2,-19-5,96 12</inkml:trace>
+</inkml:ink>
+</file>
+
+<file path=ppt/ink/ink14.xml><?xml version="1.0" encoding="utf-8"?>
+<inkml:ink xmlns:inkml="http://www.w3.org/2003/InkML">
+  <inkml:definitions>
+    <inkml:context xml:id="ctx0">
+      <inkml:inkSource xml:id="inkSrc0">
+        <inkml:traceFormat>
+          <inkml:channel name="X" type="integer" min="-2.14748E9" max="2.14748E9" units="cm"/>
+          <inkml:channel name="Y" type="integer" min="-2.14748E9" max="2.14748E9" units="cm"/>
+        </inkml:traceFormat>
+        <inkml:channelProperties>
+          <inkml:channelProperty channel="X" name="resolution" value="1000" units="1/cm"/>
+          <inkml:channelProperty channel="Y" name="resolution" value="1000" units="1/cm"/>
+        </inkml:channelProperties>
+      </inkml:inkSource>
+      <inkml:timestamp xml:id="ts0" timeString="2024-07-03T07:49:31.248"/>
+    </inkml:context>
+    <inkml:brush xml:id="br0">
+      <inkml:brushProperty name="width" value="0.1" units="cm"/>
+      <inkml:brushProperty name="height" value="0.2" units="cm"/>
+      <inkml:brushProperty name="color" value="#969696"/>
+      <inkml:brushProperty name="tip" value="rectangle"/>
+      <inkml:brushProperty name="rasterOp" value="maskPen"/>
+      <inkml:brushProperty name="ignorePressure" value="1"/>
+    </inkml:brush>
+  </inkml:definitions>
+  <inkml:trace contextRef="#ctx0" brushRef="#br0">62 1320,'-1'-1,"-1"1,1-1,-1 1,1-1,-1 1,1-1,-1 0,1 0,-1 0,1 0,0 0,0 0,-1 0,1 0,0-1,0 1,0 0,0-1,1 1,-1-1,0 1,0-1,1 1,-1-2,-12-41,12 41,-7-52,2 0,2 0,5-83,1 44,10-11,-12 85,1 0,1 0,1 0,8-29,-7 35,0 1,-1-1,0 0,-1 1,-1-1,0-22,-2-10,2-84,4 89,2-24,-7 54,0 0,1-1,1 1,0 0,0 0,1 1,7-21,-8 27,0 0,1 0,-1 0,1 0,-1 0,1 0,0 0,1 1,-1 0,1-1,-1 1,1 0,0 1,0-1,0 1,1 0,-1 0,0 0,1 0,6-1,21 0,-1 0,1 2,41 4,1-1,-55-1,0 1,29 7,-28-5,0-1,23 2,282-6,-313-1,1 0,-1-1,0-1,0 0,-1-1,1 0,17-11,-29 16,5-3,1 0,0 1,0 0,0 0,0 0,0 1,0-1,1 1,-1 1,0-1,9 2,-363-2,162 2,207 1,37 7,-18-3,6 1,-18-2,-1-1,35-1,-51-3,1-1,0 2,0 0,0 0,0 1,-1 0,1 1,-1 0,0 1,0 0,0 1,0 1,-1-1,0 1,0 1,0 0,12 12,-7-5,-8-7,1 0,-1 0,-1 1,1 0,8 14,-14-20,0-1,-1 1,1 0,0 0,-1 0,1-1,-1 1,0 0,1 0,-1 0,0 0,0 0,-1-1,1 1,0 0,0 0,-1 0,1 0,-1-1,0 1,1 0,-1 0,0-1,0 1,0-1,0 1,-1-1,1 1,0-1,0 1,-1-1,1 0,-1 0,1 0,-1 0,-2 1,-1 1,1-1,-1 0,0 0,0 0,1-1,-1 1,0-1,0 0,0-1,-1 1,-6-1,-59-9,32 3,26 4,0-1,0-1,-17-6,-32-9,-92 1,106 14,1 1,-60 6,18-1,44-4,29 1,0 0,0 1,0 1,0 0,-24 6,36-6,0 1,-1 0,1 0,0 1,1-1,-1 1,0 0,1-1,-1 2,1-1,0 0,0 1,0-1,1 1,-1 0,-2 6,2-3,0 0,0 1,0-1,1 1,1-1,-1 1,1 0,0 14,1-20,0 0,1 0,-1 0,0-1,1 1,0 0,-1 0,1-1,0 1,0 0,0-1,0 1,0-1,0 1,0-1,1 1,-1-1,0 0,1 0,-1 0,1 1,-1-2,1 1,0 0,0 0,2 0,6 3,0-1,0-1,18 3,-5-1,23 3,1-2,0-2,77-4,-36-1,-58 1,1-2,56-14,-26 5,-44 10,0 1,27 1,-29 0,-1 0,1 0,29-6,-19 2,0 1,0 2,0 0,46 6,-64-4,-1 0,0 1,0 0,0 0,-1 0,1 1,-1 0,1 0,5 4,-10-6,0 0,0 0,0 0,0-1,0 1,0 0,-1 0,1 0,0 0,0 0,-1 1,1-1,-1 0,1 0,-1 0,1 1,-1-1,0 0,1 2,-2-2,1 1,-1-1,1 0,-1 0,0 1,1-1,-1 0,0 0,0 0,0 0,0 0,0 0,0 0,0 0,0-1,0 1,0 0,0 0,-1-1,1 1,0-1,0 1,-2-1,-7 4,0-2,-1 1,1-1,-1-1,1 0,-1 0,1-1,-1-1,1 1,-1-2,1 1,-1-2,1 1,0-1,0-1,0 0,1 0,-13-8,-20-10,-62-22,94 40,-2 0,1 1,-1 1,1 0,-1 1,0 0,0 0,-16 3,13-2,0 1,0-2,-27-4,9-5,26 7,0 1,-1 0,0 0,0 1,-15-2,-45 3,-88 2,149-1,1 0,-1 0,0 1,1 0,-1 1,1 0,-1 0,1 0,0 0,-7 7,-7 5,-26 28,26-23,17-16,0-1,0 1,1 0,-1 0,1 0,0 0,1 0,-1 0,1 0,-1 1,1-1,1 1,-2 7,2-3,-1-1,1 1,1 0,0-1,0 1,3 11,-3-16,1-1,-1 0,1 1,0-1,0 0,0 0,0 0,0 0,1 0,-1-1,1 1,0-1,-1 1,1-1,0 0,1 0,-1 0,0-1,1 1,-1-1,0 0,1 0,0 0,5 1,10 0,-1-1,1 0,33-4,-11 1,8 3,-14 0,0-1,0-1,0-3,0 0,67-19,-79 15,0 0,1 1,0 2,0 0,0 2,38-1,31 2,61 4,-148 0,-1-1,1 1,0 0,-1 0,1 1,-1 0,0 0,0 0,0 0,4 5,-6-7,-1 1,0-1,0 1,0 0,0 0,-1-1,1 1,0 0,-1 1,1-1,-1 0,0 0,0 1,0-1,0 0,0 1,0-1,-1 1,1-1,-1 1,0 0,0-1,0 1,0 4,-1-6,0 1,1-1,-1 0,0 0,0 0,0 0,0 0,0 0,0 0,-1-1,1 1,0 0,0 0,-1-1,1 1,0-1,-1 1,1-1,0 0,-1 0,1 1,-1-1,-1 0,-39 0,29-1,-8 2,0 0,-35 9,39-7,-1 0,0 0,0-2,-23-1,35-2,0 0,0 0,0-1,0 0,0 0,1-1,-1 0,1 0,0 0,-7-8,-11-7,6 8,-1 1,0 1,0 0,-1 2,-37-11,34 15,0 0,0 2,0 0,-35 4,-2-1,-8-9,57 5,0 0,0 1,0 0,0 0,0 1,0 0,0 1,0 0,0 1,0 0,-15 6,14-2,0 1,1 1,0-1,0 2,-15 17,-16 14,32-32,0 0,1 0,0 1,-10 14,16-20,0 0,0 0,1 0,-1 0,1 0,-1 0,1 0,0 0,0 1,0-1,1 0,-1 1,1-1,0 0,-1 1,2-1,-1 1,0-1,1 0,0 4,1-4,-1-1,1 1,0-1,0 1,0-1,0 0,0 0,1 0,-1 0,0 0,1 0,0-1,-1 1,1-1,0 0,0 0,0 0,0 0,0 0,5 0,6 1,1-1,28 0,-35-1,83 1,-41 1,76-8,69-32,-51 3,-88 19,-28 10,0 1,1 2,-1 0,0 2,53 5,-73-3,-1 1,0 0,1 0,-1 1,0 0,11 6,21 9,-37-17,1 0,-1-1,1 1,-1 0,1 0,-1 1,0-1,0 0,1 1,-1 0,0-1,0 1,3 4,-4-3,0 0,1 0,-1 0,-1 0,1 1,0-1,-1 0,0 0,0 1,0-1,0 4,0-4,0-1,0 0,0 1,0-1,-1 1,1-1,-1 1,1-1,-1 0,0 0,0 1,0-1,0 0,-3 4,2-4,0-1,0 0,-1 1,1-1,0 0,-1 0,1-1,0 1,-1 0,1-1,-1 1,0-1,1 0,-5 0,-14 2,0 2,-41 11,-22 5,76-19,-1 0,0-1,0 0,0 0,1-1,-1 0,-15-4,-110-27,-11-4,137 33,0-1,1 0,-1 0,1 0,0-1,0 0,-8-8,9 7,-1 1,1 0,-1 0,0 0,0 1,0 0,0 1,-13-5,-112-26,112 31,0 1,0 1,0 1,-25 4,43-4,1 0,-1 1,0-1,1 1,-1-1,1 1,-1 0,1 0,-1 0,1 0,0 0,-1 0,1 0,0 0,0 0,0 1,-1-1,2 0,-1 1,-1 1,-16 40,16-37,0 0,0 0,0 0,-1-1,-6 10,-3-2,2 0,-1 1,2 0,-1 0,-7 18,16-29,0 0,-1 0,1 1,0-1,0 0,1 1,-1-1,1 1,-1-1,1 1,0-1,1 1,-1-1,1 1,-1-1,1 0,0 1,0-1,0 0,1 0,-1 1,1-1,0 0,0-1,0 1,0 0,0 0,1-1,-1 1,1-1,-1 0,5 3,-2-2,0-1,0 1,1-1,-1 0,1 0,-1 0,1-1,0 0,-1 0,10 0,64-3,-33 0,7-2,-1-2,0-2,74-22,-95 21,-20 6,0 0,0 0,1 1,-1 0,14 0,-16 2,0-1,-1-1,1 1,-1-2,0 1,13-6,-12 4,1 1,0 0,20-3,137 3,-89 5,-73-2,-1 1,1 0,-1 0,1 0,-1 1,0-1,0 1,1 0,-1 0,0 1,-1-1,1 1,0 0,-1 0,5 5,-3-3,1 0,-1-1,1 0,-1 0,1 0,9 3,-14-7,0 0,0 1,0-1,0 0,0 1,0-1,0 1,0-1,0 1,0-1,0 1,0-1,-1 1,1 0,0 0,0-1,-1 1,1 0,0 0,-1 0,1 0,-1 0,1 0,-1 0,1 0,-1 0,0 0,0 0,1 0,-1 0,0 0,0 0,0 0,0 0,0 0,0 0,-1 1,1-1,0 0,0 0,-1 1,-1 0,1 1,-1-1,1 0,-1 0,0 0,0 0,0 0,0 0,0-1,-1 1,1-1,0 0,-1 1,1-1,-5 1,-51 11,39-9,-1 0,-17 8,33-11,1 0,-1 0,0-1,0 1,1-1,-1 0,0 0,0 0,0 0,1 0,-1-1,0 0,1 0,-6-2,-5-3,0 0,-18-12,21 11,-1 1,1 0,-14-4,-29-1,45 10,1 0,-1 0,0-1,1 0,0-1,-1 1,1-2,0 1,0-1,1-1,-11-6,4 0,-1 0,0 2,-1-1,0 2,0 0,-1 1,0 1,0 1,-24-5,13 6,-1 1,0 2,-47 3,9 0,61-2,0 1,-1 0,1 0,0 1,0 0,1 0,-1 0,0 1,1 0,-1 0,-6 5,-8 7,-26 24,37-30,5-6,1 1,0 0,0 0,0 0,0 1,0-1,1 1,0-1,0 1,1 0,-1 0,1 0,-1 5,0 2,1 0,1 0,0 0,2 17,-2-27,0 1,1-1,0 0,0 1,0-1,0 0,0 0,0 0,0 0,0 0,1 0,-1 0,1 0,0-1,-1 1,1 0,0-1,0 0,0 1,0-1,0 0,1 0,-1 0,0 0,0 0,1-1,-1 1,0-1,4 1,10 1,-1-1,0-1,26-2,-14 1,2 2,0-2,0 0,0-2,-1-2,51-13,38-14,-45 13,-51 15,0 2,-1-1,1 2,0 1,26 3,13-1,1-3,66 2,-124 0,0-1,1 1,-1 0,0 0,0 0,0 0,0 0,0 1,0-1,-1 1,1 0,0 0,-1 0,1 0,2 4,2 2,-1 1,0-1,7 14,-9-14,1 0,0 0,0 0,9 9,-12-16,-1 1,1-1,0 1,-1-1,1 1,-1 0,1 0,-1 0,0 0,0 0,0 0,0 0,0 0,0 1,-1-1,1 0,-1 0,1 1,-1-1,0 0,0 1,0-1,-1 4,0-4,0 0,-1 1,1-1,-1 0,1 0,-1 0,0 0,0 0,0 0,0-1,0 1,0-1,0 1,-1-1,1 0,0 0,-1 0,1 0,-6 1,-7 3,-1-1,0-1,-28 3,36-6,0 0,0 0,-1-1,1 0,0 0,1-1,-1 0,0 0,-11-5,4 1,-1 0,-29-6,27 8,1-1,-24-10,29 12,0 0,0 0,-1 1,1 1,0 0,-1 1,1 0,-20 3,-12-1,-68-5,-113 6,182 2,-31 1,49-7,18 0,0 1,-1-1,0 1,1 1,-1-1,1 1,-8 3,14-4,0 0,1 0,-1 0,0 1,0-1,1 1,-1-1,0 0,0 1,1-1,-1 1,1 0,-1-1,0 1,1-1,-1 1,1 0,-1-1,1 1,0 0,-1 0,1-1,0 1,-1 0,1 0,0 0,0 1,0-1,0 1,1-1,-1 1,1-1,-1 1,1-1,-1 1,1-1,0 0,0 1,0-1,0 0,2 2,1 2,0-1,1 0,0 0,0-1,0 1,8 3,3-1,1-1,-1-1,1-1,0 0,24 1,89-5,-52-1,-57 2,0-2,0 0,-1-1,1-1,-1-1,29-10,-17 5,52-8,5-1,-66 12,0 1,0 1,1 1,0 1,26 0,-43 3,-4 1,-1-1,0 0,0 0,0 0,0 0,0 0,1 0,-1-1,0 1,0-1,0 1,0-1,3-1,-8 0,0 1,0 0,-1 0,1 0,0 1,-1-1,-6 1,-382-2,201 3,182-1</inkml:trace>
+</inkml:ink>
+</file>
+
+<file path=ppt/ink/ink15.xml><?xml version="1.0" encoding="utf-8"?>
+<inkml:ink xmlns:inkml="http://www.w3.org/2003/InkML">
+  <inkml:definitions>
+    <inkml:context xml:id="ctx0">
+      <inkml:inkSource xml:id="inkSrc0">
+        <inkml:traceFormat>
+          <inkml:channel name="X" type="integer" min="-2.14748E9" max="2.14748E9" units="cm"/>
+          <inkml:channel name="Y" type="integer" min="-2.14748E9" max="2.14748E9" units="cm"/>
+        </inkml:traceFormat>
+        <inkml:channelProperties>
+          <inkml:channelProperty channel="X" name="resolution" value="1000" units="1/cm"/>
+          <inkml:channelProperty channel="Y" name="resolution" value="1000" units="1/cm"/>
+        </inkml:channelProperties>
+      </inkml:inkSource>
+      <inkml:timestamp xml:id="ts0" timeString="2024-07-03T07:49:35.697"/>
+    </inkml:context>
+    <inkml:brush xml:id="br0">
+      <inkml:brushProperty name="width" value="0.1" units="cm"/>
+      <inkml:brushProperty name="height" value="0.2" units="cm"/>
+      <inkml:brushProperty name="color" value="#969696"/>
+      <inkml:brushProperty name="tip" value="rectangle"/>
+      <inkml:brushProperty name="rasterOp" value="maskPen"/>
+      <inkml:brushProperty name="ignorePressure" value="1"/>
+    </inkml:brush>
+  </inkml:definitions>
+  <inkml:trace contextRef="#ctx0" brushRef="#br0">210 33,'-130'13,"107"-9,-12 1,34-5,1 0,-1 0,0 0,0 0,0 0,0 0,0 0,0-1,0 1,0 0,1 0,-1-1,0 1,0 0,0-1,0 1,1-1,-1 1,0-1,1 0,-1 1,0-1,1 0,-1 1,0-1,1 0,-1 0,1-2,0 0,1 0,-1 1,1-1,0 1,-1-1,1 0,0 1,1 0,-1-1,0 1,1 0,-1-1,1 1,3-3,-3 5</inkml:trace>
+</inkml:ink>
+</file>
+
+<file path=ppt/ink/ink16.xml><?xml version="1.0" encoding="utf-8"?>
+<inkml:ink xmlns:inkml="http://www.w3.org/2003/InkML">
+  <inkml:definitions>
+    <inkml:context xml:id="ctx0">
+      <inkml:inkSource xml:id="inkSrc0">
+        <inkml:traceFormat>
+          <inkml:channel name="X" type="integer" min="-2.14748E9" max="2.14748E9" units="cm"/>
+          <inkml:channel name="Y" type="integer" min="-2.14748E9" max="2.14748E9" units="cm"/>
+        </inkml:traceFormat>
+        <inkml:channelProperties>
+          <inkml:channelProperty channel="X" name="resolution" value="1000" units="1/cm"/>
+          <inkml:channelProperty channel="Y" name="resolution" value="1000" units="1/cm"/>
+        </inkml:channelProperties>
+      </inkml:inkSource>
+      <inkml:timestamp xml:id="ts0" timeString="2024-07-03T07:49:37.613"/>
+    </inkml:context>
+    <inkml:brush xml:id="br0">
+      <inkml:brushProperty name="width" value="0.1" units="cm"/>
+      <inkml:brushProperty name="height" value="0.2" units="cm"/>
+      <inkml:brushProperty name="color" value="#969696"/>
+      <inkml:brushProperty name="tip" value="rectangle"/>
+      <inkml:brushProperty name="rasterOp" value="maskPen"/>
+      <inkml:brushProperty name="ignorePressure" value="1"/>
+    </inkml:brush>
+  </inkml:definitions>
+  <inkml:trace contextRef="#ctx0" brushRef="#br0">111 30,'-2'0,"-3"0,-2 0,-3 0,0 0,0-2,1 0,-1-1,0 1,1-1,0-1,3-1,-1 0,1 1</inkml:trace>
+</inkml:ink>
+</file>
+
+<file path=ppt/ink/ink17.xml><?xml version="1.0" encoding="utf-8"?>
+<inkml:ink xmlns:inkml="http://www.w3.org/2003/InkML">
+  <inkml:definitions>
+    <inkml:context xml:id="ctx0">
+      <inkml:inkSource xml:id="inkSrc0">
+        <inkml:traceFormat>
+          <inkml:channel name="X" type="integer" min="-2.14748E9" max="2.14748E9" units="cm"/>
+          <inkml:channel name="Y" type="integer" min="-2.14748E9" max="2.14748E9" units="cm"/>
+        </inkml:traceFormat>
+        <inkml:channelProperties>
+          <inkml:channelProperty channel="X" name="resolution" value="1000" units="1/cm"/>
+          <inkml:channelProperty channel="Y" name="resolution" value="1000" units="1/cm"/>
+        </inkml:channelProperties>
+      </inkml:inkSource>
+      <inkml:timestamp xml:id="ts0" timeString="2024-07-03T07:49:41.250"/>
+    </inkml:context>
+    <inkml:brush xml:id="br0">
+      <inkml:brushProperty name="width" value="0.1" units="cm"/>
+      <inkml:brushProperty name="height" value="0.2" units="cm"/>
+      <inkml:brushProperty name="color" value="#969696"/>
+      <inkml:brushProperty name="tip" value="rectangle"/>
+      <inkml:brushProperty name="rasterOp" value="maskPen"/>
+      <inkml:brushProperty name="ignorePressure" value="1"/>
+    </inkml:brush>
+  </inkml:definitions>
+  <inkml:trace contextRef="#ctx0" brushRef="#br0">13 175,'1'0,"0"-1,0 1,-1-1,1 1,0-1,-1 1,1-1,0 0,-1 1,1-1,-1 0,1 0,-1 1,1-1,-1 0,0 0,0 0,1 0,-1 1,0-1,0 0,0 0,0 0,0 0,0 0,0-1,1-30,-1 28,0-4,-1 1,0-1,0 1,-1 0,-5-14,4 13,1 0,0 0,0 0,-1-9,3 7</inkml:trace>
+</inkml:ink>
+</file>
+
+<file path=ppt/ink/ink18.xml><?xml version="1.0" encoding="utf-8"?>
+<inkml:ink xmlns:inkml="http://www.w3.org/2003/InkML">
+  <inkml:definitions>
+    <inkml:context xml:id="ctx0">
+      <inkml:inkSource xml:id="inkSrc0">
+        <inkml:traceFormat>
+          <inkml:channel name="X" type="integer" min="-2.14748E9" max="2.14748E9" units="cm"/>
+          <inkml:channel name="Y" type="integer" min="-2.14748E9" max="2.14748E9" units="cm"/>
+        </inkml:traceFormat>
+        <inkml:channelProperties>
+          <inkml:channelProperty channel="X" name="resolution" value="1000" units="1/cm"/>
+          <inkml:channelProperty channel="Y" name="resolution" value="1000" units="1/cm"/>
+        </inkml:channelProperties>
+      </inkml:inkSource>
+      <inkml:timestamp xml:id="ts0" timeString="2024-07-03T07:49:46.584"/>
+    </inkml:context>
+    <inkml:brush xml:id="br0">
+      <inkml:brushProperty name="width" value="0.1" units="cm"/>
+      <inkml:brushProperty name="height" value="0.2" units="cm"/>
+      <inkml:brushProperty name="color" value="#969696"/>
+      <inkml:brushProperty name="tip" value="rectangle"/>
+      <inkml:brushProperty name="rasterOp" value="maskPen"/>
+      <inkml:brushProperty name="ignorePressure" value="1"/>
+    </inkml:brush>
+  </inkml:definitions>
+  <inkml:trace contextRef="#ctx0" brushRef="#br0">71 1,'-2'0,"0"0,0 0,0 0,0 0,1 0,-1 0,0 1,0-1,0 1,0-1,0 1,0 0,0 0,1 0,-1 0,0 0,1 0,-1 0,0 0,-1 2,2 0,0 0,-1 0,1 0,0 0,1 0,-1 0,0 0,1 0,0 1,0-1,0 0,0 4,3 81,-5 120,-9-129,6-49,1 0,0 30,5-49</inkml:trace>
+</inkml:ink>
+</file>
+
+<file path=ppt/ink/ink19.xml><?xml version="1.0" encoding="utf-8"?>
+<inkml:ink xmlns:inkml="http://www.w3.org/2003/InkML">
+  <inkml:definitions>
+    <inkml:context xml:id="ctx0">
+      <inkml:inkSource xml:id="inkSrc0">
+        <inkml:traceFormat>
+          <inkml:channel name="X" type="integer" min="-2.14748E9" max="2.14748E9" units="cm"/>
+          <inkml:channel name="Y" type="integer" min="-2.14748E9" max="2.14748E9" units="cm"/>
+        </inkml:traceFormat>
+        <inkml:channelProperties>
+          <inkml:channelProperty channel="X" name="resolution" value="1000" units="1/cm"/>
+          <inkml:channelProperty channel="Y" name="resolution" value="1000" units="1/cm"/>
+        </inkml:channelProperties>
+      </inkml:inkSource>
+      <inkml:timestamp xml:id="ts0" timeString="2024-07-03T07:50:42.138"/>
+    </inkml:context>
+    <inkml:brush xml:id="br0">
+      <inkml:brushProperty name="width" value="0.1" units="cm"/>
+      <inkml:brushProperty name="height" value="0.2" units="cm"/>
+      <inkml:brushProperty name="color" value="#3366CC"/>
+      <inkml:brushProperty name="tip" value="rectangle"/>
+      <inkml:brushProperty name="rasterOp" value="maskPen"/>
+      <inkml:brushProperty name="ignorePressure" value="1"/>
+    </inkml:brush>
+  </inkml:definitions>
+  <inkml:trace contextRef="#ctx0" brushRef="#br0">24 1777,'-1'-5,"1"0,-1 0,0-1,-1 1,1 0,-1 0,-2-5,2 6,0 0,0 0,1 0,0 0,0-1,0 1,0 0,0-1,1 1,0 0,0-1,1-4,8-41,5-77,-13 93,-3-155,-9 133,8 48,1 0,0 0,0 0,1 0,0 0,1 0,0 0,0 0,1 0,1-9,25-82,-24 81,0 0,-2 0,0-1,0 1,-2 0,-3-21,-1-3,-2-45,6-26,3-92,15 110,-12 72,0-1,-1 0,0-33,-2 2,-1 37,0 0,-1-1,-1 0,-1 1,-4-19,6 36,0 1,0-1,0 1,0-1,0 0,0 1,0-1,-1 0,1 1,0-1,0 0,-1 1,1-1,0 1,-1-1,1 1,-1-1,1 1,0-1,-1 1,1-1,-1 1,1-1,-1 1,-1-1,-4 15,2 28,2-18,2-16,-1-1,1 0,0 1,0-1,1 1,0-1,2 9,-2-16,-1 0,1 0,-1 0,1 0,-1 0,0 0,1-1,-1 1,1 0,-1 0,0 0,1-1,-1 1,0 0,1-1,-1 1,0 0,1-1,-1 1,0 0,0-1,1 1,-1-1,0 1,0 0,0-1,1 1,-1-1,0 1,0 0,0-1,0 1,0-1,10-23,-9 21,8-21,-8 19,1 0,-1 0,1 0,0 0,5-6,-6 9,0 1,1 0,-1-1,0 1,1 0,-1 0,1 0,-1 0,1 0,0 0,-1 0,1 0,0 1,0-1,-1 1,1-1,0 1,0 0,3 0,125-11,4 1,-125 9,31-1,59 3,-56 1,44-4,-45-3,33-2,584 7,-657 0,0 0,-1 0,1 0,0 0,0 0,-1 0,1 1,0-1,0 0,-1 1,1 0,0-1,-1 1,1 0,-1 0,1 0,-1 0,1 0,-1 0,0 0,1 0,-1 0,0 1,0-1,0 1,1 2,0 0,-1 1,0 0,0 0,-1 0,1 0,-1 0,-1 8,1 12,11 94,-12-40,2 112,11-138,-9-44,0 0,-1 0,0 0,1 19,-4 349,2-362,1-1,0 1,1-1,7 21,-6-21,0 1,-1-1,0 1,1 22,-5 192,1-236</inkml:trace>
+</inkml:ink>
+</file>
+
+<file path=ppt/ink/ink2.xml><?xml version="1.0" encoding="utf-8"?>
+<inkml:ink xmlns:inkml="http://www.w3.org/2003/InkML">
+  <inkml:definitions>
+    <inkml:context xml:id="ctx0">
+      <inkml:inkSource xml:id="inkSrc0">
+        <inkml:traceFormat>
+          <inkml:channel name="X" type="integer" min="-2.14748E9" max="2.14748E9" units="cm"/>
+          <inkml:channel name="Y" type="integer" min="-2.14748E9" max="2.14748E9" units="cm"/>
+        </inkml:traceFormat>
+        <inkml:channelProperties>
+          <inkml:channelProperty channel="X" name="resolution" value="1000" units="1/cm"/>
+          <inkml:channelProperty channel="Y" name="resolution" value="1000" units="1/cm"/>
+        </inkml:channelProperties>
+      </inkml:inkSource>
+      <inkml:timestamp xml:id="ts0" timeString="2024-07-03T07:47:34.709"/>
+    </inkml:context>
+    <inkml:brush xml:id="br0">
+      <inkml:brushProperty name="width" value="0.1" units="cm"/>
+      <inkml:brushProperty name="height" value="0.2" units="cm"/>
+      <inkml:brushProperty name="color" value="#FFFC00"/>
+      <inkml:brushProperty name="tip" value="rectangle"/>
+      <inkml:brushProperty name="rasterOp" value="maskPen"/>
+      <inkml:brushProperty name="ignorePressure" value="1"/>
+    </inkml:brush>
+  </inkml:definitions>
+  <inkml:trace contextRef="#ctx0" brushRef="#br0">1 16,'2'1,"0"1,0-1,0 1,1-1,-1 0,0 0,1 0,-1-1,1 1,-1 0,1-1,0 0,2 1,41-1,-30-1,109-12,-72 14,83-10,-118 6,-1 1,1 1,0 1,0 0,32 5,-36 1,-12 1,-4-6,1 0,0 0,0-1,0 1,0 0,0 0,-1-1,1 1,0-1,-1 0,1 1,0-1,-1 0,1 1,-3-1,-6 0</inkml:trace>
+</inkml:ink>
+</file>
+
+<file path=ppt/ink/ink20.xml><?xml version="1.0" encoding="utf-8"?>
+<inkml:ink xmlns:inkml="http://www.w3.org/2003/InkML">
+  <inkml:definitions>
+    <inkml:context xml:id="ctx0">
+      <inkml:inkSource xml:id="inkSrc0">
+        <inkml:traceFormat>
+          <inkml:channel name="X" type="integer" min="-2.14748E9" max="2.14748E9" units="cm"/>
+          <inkml:channel name="Y" type="integer" min="-2.14748E9" max="2.14748E9" units="cm"/>
+        </inkml:traceFormat>
+        <inkml:channelProperties>
+          <inkml:channelProperty channel="X" name="resolution" value="1000" units="1/cm"/>
+          <inkml:channelProperty channel="Y" name="resolution" value="1000" units="1/cm"/>
+        </inkml:channelProperties>
+      </inkml:inkSource>
+      <inkml:timestamp xml:id="ts0" timeString="2024-07-03T07:50:50.505"/>
+    </inkml:context>
+    <inkml:brush xml:id="br0">
+      <inkml:brushProperty name="width" value="0.1" units="cm"/>
+      <inkml:brushProperty name="height" value="0.2" units="cm"/>
+      <inkml:brushProperty name="color" value="#3366CC"/>
+      <inkml:brushProperty name="tip" value="rectangle"/>
+      <inkml:brushProperty name="rasterOp" value="maskPen"/>
+      <inkml:brushProperty name="ignorePressure" value="1"/>
+    </inkml:brush>
+  </inkml:definitions>
+  <inkml:trace contextRef="#ctx0" brushRef="#br0">1328 1,'1'0,"0"1,0 0,0 0,0 0,0 0,0 0,0 0,0 0,-1 0,1 0,0 0,-1 1,1-1,-1 0,1 0,-1 1,1 1,7 24,-5 5,0 1,-3-1,-2 34,0 6,2 339,0-407,0 0,0-1,0 1,1 0,-1 0,1-1,0 1,0-1,1 1,-1-1,1 1,-1-1,1 0,4 6,-5-11,0-1,0 1,0-1,0 0,-1 1,1-1,-1 0,0 1,0-1,0-4,-2-20,1 20,1 0,-1 0,1 0,0 0,1 0,0 0,2-12,-2 19,-1-1,0 1,0 0,0 0,0-1,0 1,0 0,0-1,0 1,0 0,0 0,1-1,-1 1,0 0,0 0,0 0,0-1,1 1,-1 0,0 0,0 0,1 0,-1-1,0 1,0 0,1 0,-1 0,0 0,0 0,1 0,-1 0,0 0,0 0,1 0,-1 0,0 0,1 0,6 10,-1 16,-3 204,-6-115,16 9,-45-195,28 57,0-1,1 0,0 0,1 0,1 0,0 0,1-1,3-20,0 34,1 10,2 14,-6-21,8 28,-4-19,-1 1,-1 0,0-1,-1 1,1 16,-1 41,-3 52,2-119,0-1,0 1,0-1,0 1,0-1,0 1,0-1,0 1,0-1,0 0,-1 1,1-1,0 1,0-1,-1 1,1-1,0 1,0-1,-1 0,1 1,0-1,-1 0,1 1,-1-1,1 0,-1 1,1-1,0 0,-1 0,1 0,-1 1,1-1,-1 0,1 0,-1 0,1 0,-1 0,1 0,-1 0,1 0,-1 0,1 0,-1 0,0 0,-27-13,2 2,-21 5,-84-1,49 6,-83 2,59 12,41-2,48-7,1-1,0-1,-23 1,-290-3,224-13,77 14,18 0,0-1,0 0,0 0,0-1,0 0,0-1,0 0,0 0,-10-5,14 5,1 0,-1 0,0 0,0 1,0 0,0 0,0 1,-9 0,5 0</inkml:trace>
+</inkml:ink>
+</file>
+
+<file path=ppt/ink/ink21.xml><?xml version="1.0" encoding="utf-8"?>
+<inkml:ink xmlns:inkml="http://www.w3.org/2003/InkML">
+  <inkml:definitions>
+    <inkml:context xml:id="ctx0">
+      <inkml:inkSource xml:id="inkSrc0">
+        <inkml:traceFormat>
+          <inkml:channel name="X" type="integer" min="-2.14748E9" max="2.14748E9" units="cm"/>
+          <inkml:channel name="Y" type="integer" min="-2.14748E9" max="2.14748E9" units="cm"/>
+        </inkml:traceFormat>
+        <inkml:channelProperties>
+          <inkml:channelProperty channel="X" name="resolution" value="1000" units="1/cm"/>
+          <inkml:channelProperty channel="Y" name="resolution" value="1000" units="1/cm"/>
+        </inkml:channelProperties>
+      </inkml:inkSource>
+      <inkml:timestamp xml:id="ts0" timeString="2024-07-03T07:51:17.284"/>
+    </inkml:context>
+    <inkml:brush xml:id="br0">
+      <inkml:brushProperty name="width" value="0.1" units="cm"/>
+      <inkml:brushProperty name="height" value="0.2" units="cm"/>
+      <inkml:brushProperty name="color" value="#3366CC"/>
+      <inkml:brushProperty name="tip" value="rectangle"/>
+      <inkml:brushProperty name="rasterOp" value="maskPen"/>
+      <inkml:brushProperty name="ignorePressure" value="1"/>
+    </inkml:brush>
+  </inkml:definitions>
+  <inkml:trace contextRef="#ctx0" brushRef="#br0">72 1611,'1'0,"0"-1,0 1,-1-1,1 1,0-1,-1 0,1 1,0-1,-1 0,1 0,-1 1,1-1,-1 0,1 0,-1 0,0 1,1-1,-1 0,0 0,0 0,0 0,0 0,0 0,0 0,0 0,0-1,1-31,-1 29,0-608,-12 483,11 118,0 1,0-1,-1 0,-5-18,-2-5,6 14,1-1,0-22,-3-26,2 32,1 0,3-38,1 13,-2 54,1 1,1-1,0 1,0-1,5-13,5-14,12-45,-24 77,1 1,0-1,0 1,0-1,0 1,0 0,0-1,1 1,-1 0,1 0,-1 0,1 0,0 0,0 0,0 1,0-1,0 0,0 1,1 0,-1-1,5 0,0 0,1 0,0 1,0 0,0 1,15 0,-17 0,488 2,-298-2,-91-12,-85 10,-1 0,0-1,0-1,27-8,8-3,-5-1,-38 12,0 1,0-1,18-2,-25 6,0 0,1 0,-1 0,0 0,1 1,-1-1,0 1,1 0,-1 1,0-1,0 1,0 0,5 2,1 2,-8-5,1 0,-1 0,0 0,0 0,0 0,0 1,0-1,0 1,0-1,0 1,0 0,-1 0,1-1,-1 1,1 0,-1 1,0-1,0 0,0 0,0 1,0-1,0 0,0 1,-1-1,0 0,1 1,-1-1,0 1,0-1,-1 4,-5 78,-1-25,7 85,1-189,1 29,-2 0,0 0,0 0,-1 0,-1 1,-1-1,-1 0,-9-28,-17-11,18 37,-16-39,28 54,-1 1,-1 0,1 0,0 0,-1 0,1 0,-1 0,1 0,-1 0,0 1,0-1,0 1,0-1,0 1,0 0,0 0,0 0,0 0,-1 0,1 0,0 0,-5 0,-4 0,-1 0,0 0,-21 3,24-1,-1-1,0 1,1-2,-17-2,-8-4,0 2,-1 1,1 2,-40 2,-193 10,162-10,-9 2,104 0,0 1,0 0,0 1,0 0,1 0,0 1,0 1,-15 10,3-1,-33 17,19-11,11-8,20-12,0 1,1-1,-1 1,1 0,-1 0,1 0,0 0,0 1,0 0,0-1,0 1,1 0,-1 0,1 0,0 1,0-1,0 1,0-1,0 1,1-1,0 1,-2 7,-6 24,6-26,1 0,0-1,0 1,0 0,1 0,1 9,0-16,0 0,0 0,1-1,-1 1,1 0,-1-1,1 1,0 0,0-1,0 1,0-1,0 1,0-1,0 1,0-1,0 0,1 1,-1-1,0 0,1 0,-1 0,1 0,0-1,-1 1,1 0,0 0,-1-1,1 1,0-1,0 0,-1 0,1 1,0-1,0 0,2-1,176 1,-76-2,-65 0,78-14,-79 9,0 2,49-1,-70 6,0-2,0 0,0-2,20-5,-20 4,-1 1,1 1,1 0,19 0,48 5,124-4,-205 2,0 0,-1-1,1 0,-1 0,1 0,-1 0,1-1,-1 0,0 1,0-1,0 0,0 0,0-1,0 1,0-1,-1 1,1-1,-1 0,3-4,-4 5,0 1,0-1,-1-1,1 1,0 0,-1 0,1 0,-1 0,0 0,0 0,0-1,0 1,0 0,0 0,-1 0,1 0,-1 0,1 0,-1-1,0 1,0 0,0 1,0-1,0 0,0 0,0 0,-1 1,1-1,-1 0,1 1,-1 0,0-1,-2-1,1 1,0 0,-1 1,1-1,-1 0,0 1,1 0,-1 0,0 0,0 0,0 1,-5-1,-51 3,27 0,14 0,0 1,0 0,1 2,-37 13,54-18,-22 6,0-1,0-1,-1-1,1-1,-39-2,-39 4,-180 12,227-17,-60 2,110 0,0 0,0 0,0 0,1 1,-1 0,0-1,1 1,-1 1,1-1,0 0,0 1,-1 0,2 0,-6 5,1 0,1 1,0 0,0 0,-7 14,13-22,0-1,-1 1,1 0,0-1,-1 1,1 0,0-1,0 1,0 0,0-1,0 1,0 0,0-1,0 1,0 0,0-1,0 1,0 0,0-1,1 1,-1-1,0 1,0 0,1-1,-1 1,0-1,1 2,18 6,34-8,-42-1,138 0,146-9,-61 6,-135 5,-12 12,-71-12,-1 2,0 0,0 1,0 0,0 1,26 14,-36-16,1 1,-1-1,1 1,-1 1,0-1,-1 1,1 0,-1 0,0 0,0 0,0 1,-1-1,0 1,5 12,-7-15,0 0,0 0,-1 0,1 0,0 0,-1 0,0 0,0 0,0 0,0 0,0 0,0 0,-1 0,0 0,1 0,-1 0,0 0,-1 0,1 0,0-1,-1 1,0 0,1-1,-1 1,0-1,0 0,-1 0,1 1,0-2,-1 1,1 0,-1 0,-3 1,-7 4,-1-1,-1 0,1-1,-16 3,25-7,1 0,-1 0,1 0,-1-1,0 1,1-1,-1 0,1-1,-1 1,0-1,1 0,-1 0,1 0,-1-1,1 0,0 1,-7-5,-22-26,28 27,1 0,-1 0,0 1,0-1,-1 1,1 0,-1 0,0 1,0 0,-13-5,16 7,-1-1,0 0,1-1,-1 1,1 0,0-1,0 0,0 0,0 0,1 0,-1 0,-2-5,-19-19,7 12,15 12,0 1,0 0,-1-1,1 1,-1 0,0 0,0 1,0-1,0 1,0-1,0 1,0 0,0 0,0 0,-1 0,1 1,0 0,-5-1,-48-1,0 2,0 3,-75 12,-74 24,98-16,97-21,1-1,0 0,-1-1,1 0,-12-1,14 0,0 0,0 1,0 0,1 0,-1 1,0 0,0 0,0 0,1 1,-10 3,13-2,0-1,-1 1,1-1,0 1,0 0,0 0,1 0,-1 0,1 1,-3 5,4-9,1 1,-1 0,1 0,-1 0,1 0,0 0,-1 0,1 0,0 0,0 0,0 0,-1 0,1 0,0 0,1 0,-1 0,0 0,0 0,0 0,0-1,1 1,-1 0,0 0,1 0,-1 0,1 0,-1 0,1 0,0-1,-1 1,1 0,0 0,-1-1,1 1,0-1,0 1,0-1,0 1,-1-1,1 1,0-1,0 1,0-1,0 0,0 0,2 1,18 2,0 0,1-2,0 0,39-4,3 0,0 3,0-3,76-13,107-27,-204 34,-29 5,1 1,0 1,28-2,65-2,-73 3,-1 1,45 3,-78-1,1 0,-1 0,1 1,-1-1,0 1,1-1,-1 1,1-1,-1 1,0 0,1-1,-1 1,0 0,0 0,0 0,0 0,0 0,0 0,0 1,0-1,0 0,0 0,-1 1,2 2,0 2,0 0,-1 1,0-1,1 12,-2-13,1 1,0-1,0 0,0 1,3 8,27 36,4 9,-34-57,0 0,0 0,0 1,0-1,-1 0,1 0,0 0,-1 1,0-1,1 0,-1 1,0-1,0 0,-1 1,1-1,0 0,-1 1,1-1,-1 0,0 0,0 0,0 1,0-1,0 0,-2 2,1-2,0 0,-1 0,0 0,1 0,-1-1,0 1,0-1,0 0,0 0,0 0,0 0,-1 0,1-1,0 1,0-1,-1 0,-3 0,-2 0,0-1,0 0,0 0,0-1,1 0,-1 0,0-1,1 0,-1-1,1 0,-13-8,2-3,0 0,0-2,-16-19,29 31,0 1,0 0,0 0,-1 0,1 1,-1 0,0 0,1 0,-1 1,-11-2,-1 0,1 1,-38-1,35 4,-26-1,1 1,0 2,0 3,-66 15,37-3,40-9,-51 17,76-22,-1-1,1 0,-1 0,0-1,-16 0,-25 3,29-1,11-3,1 2,-1 0,0 0,1 1,-15 6,25-9,-1 1,1 0,-1 0,0 0,1 0,0 0,-1 0,1 0,0 0,-1 1,1-1,0 0,0 1,0-1,0 1,0-1,1 1,-1-1,0 1,1 0,-1-1,1 1,0 0,-1 0,1-1,0 1,0 0,0 0,0-1,0 1,1 0,-1 0,0-1,1 1,-1 0,1-1,0 1,0-1,-1 1,1-1,0 1,2 2,0-1,-1 1,1 0,0-1,0 0,0 0,1 0,-1 0,1 0,-1 0,1-1,0 0,0 0,0 0,0 0,1-1,-1 1,0-1,1 0,5 0,10 1,0-1,1-1,21-2,2 0,66 3,117-2,-157-4,36-2,-86 7,-1-2,33-7,-33 5,1 0,36 0,13 3,50 3,-116-2,1 1,0 0,-1 0,1 1,-1-1,0 1,1 0,-1 0,0 0,0 0,0 0,-1 1,1-1,3 5,35 47,-22-26,-18-27,0 0,0 0,0 0,0 0,0 1,0-1,0 0,0 0,-1 1,1-1,-1 0,1 1,-1-1,1 1,-1-1,0 1,0-1,0 1,1-1,-1 1,-1-1,1 1,0-1,0 0,-1 1,1-1,0 1,-1-1,0 0,0 3,-1-3,0 0,1 0,-1 0,0 0,0 0,1-1,-1 1,0 0,0-1,0 0,0 1,0-1,0 0,0 0,1 0,-1 0,0 0,0-1,0 1,0 0,0-1,0 0,-2 0,0-2,0 0,0 1,1-1,-1-1,1 1,0 0,0-1,0 0,0 1,0-1,1 0,0-1,-3-7,-15-20,14 24,0 0,-1 1,1 0,-2 0,1 1,-1 0,0 0,0 1,0 0,-14-5,-6-4,-39-22,33 15,24 18,1 0,-1 1,1 0,-1 0,0 1,0 0,0 1,0 0,1 0,-15 3,-16-1,-9-2,27-2,1 2,0 0,0 2,0 0,-1 1,-38 12,-57 18,108-31,-1 0,0 0,1-1,-11 0,13-2,1 2,-1-1,0 1,1 0,-1 0,0 1,1 0,0 0,-1 0,-7 5,-17 10,21-12,-1 1,1 1,-12 8,-28 23,30-23,-36 33,55-47,1-1,-1 1,0 0,1-1,-1 1,1-1,-1 1,1 0,-1 0,1-1,0 1,-1 0,1 0,0-1,0 1,-1 0,1 0,0 0,0 0,0-1,0 1,0 0,0 0,0 0,0 0,1-1,-1 1,0 0,1 1,0 0,1 0,-1-1,1 1,-1-1,1 1,0-1,-1 0,1 1,0-1,0 0,3 1,6 2,1 0,0 0,14 1,18 0,1-2,-1-2,47-5,-80 4,186-23,-129 12,115-3,-125 12,79-13,-78 7,76-1,-130 8,-1 1,1 0,-1 1,0-1,1 1,-1 0,0 0,6 2,-9-2,1 0,-1 0,0 0,0 0,1 1,-1-1,0 0,0 1,-1-1,1 1,0-1,0 1,-1-1,1 1,-1 0,1-1,-1 1,0 0,0-1,1 1,-1 0,-1 0,1-1,0 3,-3 116,3-119,-1 0,1 1,-1-1,1 1,-1-1,0 0,0 0,1 1,-1-1,0 0,0 0,0 0,0 0,-1 0,1 0,0 0,0-1,0 1,-1 0,1-1,0 1,-1 0,1-1,-1 0,1 1,-1-1,1 0,-1 0,1 0,-2 0,-56 0,44-1,2 0,-4 2,0-2,0 0,0-1,0-1,0 0,-30-11,31 9,0 1,0 1,0 0,-1 1,1 1,-25 1,-17-2,-79-18,102 14,2 2,-1 2,-60 4,23 0,36-2,-5-1,-46 6,72-3,0 1,0 0,0 1,1 0,-1 1,-24 13,31-14,-1 0,1 1,-1 0,1 1,1-1,-12 13,16-16,1 0,-1 0,1 0,0 0,0 1,0-1,0 0,0 0,1 1,-1-1,0 0,1 1,0-1,0 1,0-1,0 0,0 1,0-1,0 1,1-1,-1 0,1 1,0-1,0 0,0 1,0-1,0 0,0 0,1 0,2 3,-1-2,0 0,0 0,0 0,1 0,-1 0,1-1,0 0,0 0,0 0,0 0,0-1,0 1,0-1,1 0,6 1,10 0,-1-1,22 0,-27-2,20 1,0-2,0-2,36-9,-47 9,1 2,45-1,16-1,226-43,-273 41,47-1,-50 5,-19 1,5-1,1 1,36 4,-53-3,0 1,0 0,0 1,0 0,-1 0,1 0,0 0,-1 1,0 0,1 0,-1 0,0 1,-1 0,7 6,-8-7,5 5,-1 1,1 0,-1 0,-1 0,9 17,-14-23,0-1,0 0,-1 1,1-1,0 1,-1-1,0 1,1-1,-1 1,0 0,0-1,-1 1,1-1,0 1,-1-1,0 1,0-1,1 1,-1-1,-1 0,1 1,0-1,0 0,-1 0,1 0,-1 0,0 0,0 0,0 0,0-1,-3 3,-3 2,-1-1,1 0,-1 0,1-1,-1 0,-1-1,1 0,0-1,-1 1,1-2,-1 1,0-2,0 1,1-1,-13-2,1 0,0-2,1-1,0 0,0-2,0 0,-19-11,15 9,-1 1,0 0,-1 2,0 1,0 1,-32-1,17 1,-39-3,49 8,-1-3,-45-6,47 5,0 0,1 2,-56 6,75-3,-1 0,1 1,0 1,-18 8,-1 0,20-8,0 0,0 0,1 1,0 0,0 1,0-1,-8 10,13-13,1 0,-1 0,1 0,0 1,0-1,0 1,1-1,-1 1,1 0,-1 0,1 0,0 0,0 0,0 0,0 0,1 0,-1 0,1 0,0 1,0-1,0 0,0 0,1 0,-1 0,2 6,-1-8,0 1,0-1,0 0,1 0,-1 0,0 0,0 1,1-2,-1 1,1 0,-1 0,1 0,-1-1,1 1,-1-1,1 1,-1-1,1 0,0 1,-1-1,1 0,0 0,-1 0,1 0,0 0,-1-1,1 1,1-1,48-12,254-91,-272 94,1 1,-1 2,57-5,-28 5,63-14,-76 10,0 3,88-3,-83 10,44 3,-97-2,-1 0,1 0,0 0,-1 0,1 0,0 0,-1 1,1-1,0 0,-1 0,1 1,-1-1,1 0,-1 1,1-1,0 1,-1-1,0 0,1 1,-1 0,1-1,-1 1,1-1,-1 1,0-1,0 1,1 0,-1-1,0 1,0 0,1-1,-1 1,0 0,0-1,0 1,0 0,0-1,0 1,0 0,0-1,-1 1,1 0,0-1,0 1,-1 0,1 0,-20 39,10-22,9-12,-1 0,0 0,1 0,0-1,1 2,-1-1,1 0,0 0,1 0,-1 0,1 0,0 0,1-1,-1 1,5 9,2 12,-7-22,1 1,-1-1,0 1,-1 0,1 0,-1-1,0 1,-1 0,1-1,-1 1,-2 7,2-10,-1 0,1 1,-1-1,0 0,0 0,0 0,0-1,0 1,-1 0,1-1,-1 0,0 1,1-1,-1 0,0 0,0-1,-1 1,-5 2,5-2,0 0,0-1,-1 1,1-1,0 0,-1 0,1 0,-1-1,1 0,-1 1,1-1,-1-1,1 1,-1-1,1 0,0 0,-1 0,1 0,0-1,0 0,0 0,0 0,0 0,0-1,-5-4,-6-2,0 2,-1 0,1 0,-1 2,0 0,-1 1,1 0,-1 1,-25 0,35 1,0 0,-1 0,1 0,0-1,1 0,-1 0,-10-8,-30-12,30 20,0 0,0 1,1 0,-1 1,-31 4,0-2,18 1,1 1,-42 9,1 7,69-19,-1 1,0 0,1-1,-1 1,1 0,-1 0,1 0,-1 0,1 0,0 1,0-1,0 0,-1 1,1-1,0 0,1 1,-1-1,0 1,0 0,1-1,-1 1,1 0,-1-1,1 1,0 0,-1 0,1-1,0 1,0 0,0 0,1 3,-1-3,0 1,0-1,1 1,-1-1,1 1,-1-1,1 1,0-1,0 1,0-1,0 0,0 0,1 1,-1-1,1 0,-1 0,1 0,0 0,0-1,0 1,0 0,2 0,6 2,0-2,1 1,-1-2,1 1,-1-1,1-1,0 0,-1-1,1 1,13-4,10-4,59-19,-73 19,1 1,1 1,-1 1,1 1,0 1,42-1,-35 4,-4 0,-51 6,-217 30,-209 27,445-63,0-1,0 1,0-2,0 1,0-1,0 0,0 0,0-1,1 0,-1 0,1-1,0 0,0 0,-8-7,-10-5,22 14,0 1,-1-1,1 0,0 0,0 0,1-1,-1 1,0 0,1-1,-1 1,1-1,0 1,0-1,0 0,0 0,0 1,1-1,-1-3,0-8,0 0,2-25,0 29,0-1,-2 0,-1-19,0 19,-7-17,9 28,0 0,0 0,0-1,0 1,-1 0,1 0,0 0,0 0,0 0,0-1,-1 1,1 0,0 0,0 0,-1 0,1 0,0 0,0 0,0 0,-1 0,1 0,0 0,0 0,-1 0,1 0,0 0,0 0,-1 0,1 0,0 0,0 0,0 0,-1 0,1 1,0-1,-12 14,9-8,1 0,-1-1,1 1,1 0,-1 0,1 0,0 0,0 11,3 56,0-30,-19-97,7 30,-11-51,19 67,0 0,-1 1,1-1,-8-12,10 18,-1 1,1-1,-1 0,0 1,0-1,0 1,0-1,0 1,0 0,0-1,0 1,0 0,-1 0,1 0,-1 0,1 0,-1 0,1 0,-1 0,1 1,-1-1,1 1,-1-1,0 1,0-1,1 1,-3 0,3 0,0 1,0-1,0 1,1-1,-1 1,0-1,0 1,1 0,-1-1,0 1,1 0,-1 0,1 0,-1-1,1 1,-1 0,1 0,0 0,-1 0,1 0,0 1,-5 26,1-6,4-20,-1-1,1 1,-1-1,1 0,-1 1,1-1,-1 0,0 1,0-1,0 0,1 0,-1 0,-2 2,2-3,1 0,0-1,-1 1,1 0,0-1,-1 1,1-1,0 1,-1 0,1-1,0 1,0-1,0 1,-1-1,1 1,0-1,0 1,0 0,0-1,0 1,0-1,0 1,0-1,0 1,0-2,0-53,0 45,11-120,-8 83,-5-56,0 55,5-48,0 82,1 25,1 25,-3-14,7 136,-10-104,11 80,-6-88,-2 0,-4 50,0-14,2-76,-1 0,0 0,0 0,0 0,-1-1,0 1,0-1,-1 1,1-1,-4 6,-12 27,18-37,-1 0,1 0,0 0,-1 0,1 0,0 0,0 0,0 0,0 0,0 0,0 0,0 0,0 0,0 0,1 0,-1 0,0 0,1 0,-1 0,0 0,1 0,-1 0,1-1,0 1,-1 0,1 0,0-1,0 2,2 0,-1-1,1 0,-1 0,1 0,-1 0,1 0,-1 0,1-1,0 1,4-1,2 0,0 0,0 0,0-1,0 0,17-5,-14 2,0 0,0 0,0 1,23-2,12-6,-39 8,0 0,0 1,0 1,0 0,10-1,430 3,-343 11,-29-14,83 4,-151-1,0 0,0 1,-1 1,1-1,11 7,20 5,-19-11,-1 0,1-2,0 0,31-4,5 1,-51 1,0 1,0-1,1 0,-1-1,0 1,-1-1,1 0,0 0,0-1,-1 1,1-1,4-4,-6 5,-1 1,-1-1,1 1,0-1,0 0,0 0,-1 0,1 0,-1 0,0 0,0 0,1 0,-1 0,-1-1,1 1,0-1,0 1,-1 0,0-1,1 1,-1-1,0 1,0-1,0 1,0-1,-1 1,0-5,0 6,0 0,1 0,-1 0,0 0,0 0,0 0,0 0,0 0,0 0,0 0,0 1,0-1,0 0,-1 1,1-1,0 1,0-1,-1 1,1 0,-2-1,-33-3,14 1,-21-11,31 9</inkml:trace>
+</inkml:ink>
+</file>
+
+<file path=ppt/ink/ink22.xml><?xml version="1.0" encoding="utf-8"?>
+<inkml:ink xmlns:inkml="http://www.w3.org/2003/InkML">
+  <inkml:definitions>
+    <inkml:context xml:id="ctx0">
+      <inkml:inkSource xml:id="inkSrc0">
+        <inkml:traceFormat>
+          <inkml:channel name="X" type="integer" min="-2.14748E9" max="2.14748E9" units="cm"/>
+          <inkml:channel name="Y" type="integer" min="-2.14748E9" max="2.14748E9" units="cm"/>
+        </inkml:traceFormat>
+        <inkml:channelProperties>
+          <inkml:channelProperty channel="X" name="resolution" value="1000" units="1/cm"/>
+          <inkml:channelProperty channel="Y" name="resolution" value="1000" units="1/cm"/>
+        </inkml:channelProperties>
+      </inkml:inkSource>
+      <inkml:timestamp xml:id="ts0" timeString="2024-07-03T07:52:31.262"/>
+    </inkml:context>
+    <inkml:brush xml:id="br0">
+      <inkml:brushProperty name="width" value="0.1" units="cm"/>
+      <inkml:brushProperty name="height" value="0.2" units="cm"/>
+      <inkml:brushProperty name="color" value="#E6E6E6"/>
+      <inkml:brushProperty name="tip" value="rectangle"/>
+      <inkml:brushProperty name="rasterOp" value="maskPen"/>
+      <inkml:brushProperty name="ignorePressure" value="1"/>
+    </inkml:brush>
+  </inkml:definitions>
+  <inkml:trace contextRef="#ctx0" brushRef="#br0">40 73,'11'46,"-11"-40,2 9,-1-1,0 0,-1 0,-1 1,-1-1,0 0,0 0,-9 23,3-15,1 0,1 0,1 1,1 0,1 0,1 0,1 0,1 0,3 29,-3-51,0-1,0 1,0-1,0 1,0 0,0-1,0 1,0-1,0 1,1 0,-1-1,0 1,0-1,0 1,1-1,-1 1,0-1,1 1,-1-1,0 1,1-1,-1 0,0 1,1-1,-1 1,1-1,-1 0,1 1,0-1,0 0,0 0,0-1,0 1,0 0,-1-1,1 1,0 0,0-1,0 0,-1 1,1-1,0 1,0-1,-1 0,1 1,0-2,27-39,-23 33,-5 9,0-1,1 0,-1 1,1-1,-1 1,0-1,1 1,-1-1,0 1,1-1,-1 1,0-1,0 1,0-1,0 1,1-1,-1 1,0-1,0 1,0-1,0 1,0-1,0 1,0 0,0-1,-1 1,1-1,0 1,1 24,-2 40,1-9,-9 73,8-105,-3 17,4-39,0-1,-1 1,1 0,-1 0,1 0,-1-1,0 1,0 0,0-1,0 1,0-1,0 1,0-1,0 1,-1-1,-1 2,3-3,0 0,-1 1,1-1,0 0,0 0,-1 0,1 0,0 0,0 0,-1 0,1 0,0 0,0 0,-1 0,1 0,0 0,0 0,-1 0,1 0,0 0,0 0,-1 0,1 0,0 0,0-1,-1 1,1 0,0 0,0 0,0 0,-1 0,1-1,0 1,0 0,0 0,0 0,-1-1,-4-13,2-14,3 23,1 0,0 0,0 1,0-1,1 0,4-7,-4 7,0 0,0 1,-1-1,1 0,-1 0,0 0,0-6,3-16,-4 26,0 1,0-1,0 0,0 0,0 1,0-1,1 0,-1 0,0 1,0-1,1 0,-1 0,0 1,1-1,-1 0,0 1,1-1,-1 1,1-1,-1 1,1-1,0 1,-1-1,1 1,-1-1,1 1,0-1,-1 1,1 0,1-1,-1 2,0 0,-1-1,1 1,0 0,-1 0,1 0,-1 0,1 0,-1 0,0 0,1 0,-1 0,0 0,0 0,0 0,0 0,1 0,-1 0,-1 1,1 28,0-24,-13 220,15-131,-4 116,-3-169,-2 45,6-21,3 56,-1-114,1 0,0 0,0-1,1 1,4 9,-3-10,-1 0,-1 0,1 0,-1 0,-1 1,2 10,-4 14,0-25,1 0,-1-1,1 1,1-1,-1 1,1 0,2 7,-3-13,1-1,-1 1,1-1,-1 1,0 0,1-1,-1 1,1-1,0 1,-1-1,1 0,-1 1,1-1,0 1,-1-1,1 0,0 1,-1-1,1 0,0 0,-1 0,1 0,0 0,0 0,-1 0,1 0,0 0,-1 0,1 0,0 0,0 0,0-1,30-10,-14 5,15-6,-27 10,0 0,0 0,0 0,1 0,-1 1,1 0,7-1,283 2,-133 1,-34 11,-87-10,52 8,-53-4,53 0,-88-6,46 0,66-9,-87 6,-1 1,42 4,-36 0,42-4,-77 2,0 0,0-1,0 1,0 0,0 0,1 0,-1-1,0 1,0-1,0 1,0-1,0 1,0-1,0 0,0 1,-1-1,1 0,0 0,0 1,0-1,-1 0,1 0,-1 0,1 0,0 0,-1 0,0 0,1 0,-1 0,0-1,1 1,-1 0,0 0,0 0,0 0,0 0,0-1,0 1,0 0,0 0,-1 0,1 0,-1-1,0-3,0 0,-1 1,0-1,0 1,0-1,0 1,-1 0,-5-7,5 7,1-1,0 1,0-1,0 1,0-1,1 0,-1 0,1 0,1 0,-1 0,1 0,0 0,1-10,-5-30,-5-29,5 23,-1-1,5-100,2 62,5-1,-3 63,18-79,-18 85,0-1,-2 0,0 0,-2 1,0-1,-7-41,3 3,4 48,0-1,-1 1,-4-17,1 6,2 0,0 0,1 0,4-29,-2-5,12-48,-13 92,-1-21,2-1,8-47,-7 74,-1-1,0 0,0 0,-1 0,0 0,0 0,-1 0,-3-11,3 19,0 1,0 0,0-1,0 1,0 0,-1 0,1 0,0 0,-1 0,1 0,0 0,-1 1,1-1,-1 0,0 1,1-1,-1 1,1 0,-1-1,0 1,1 0,-4 0,-45 2,31 0,-114 10,-17 0,83-11,-65-3,90-3,-34-1,-1-1,47 3,-5 0,3-1,-41 1,-32-8,-13 10,-118 5,233-3,1 1,-1-1,0 1,1 0,-1 0,0 0,1 0,-1 0,1 1,-1-1,1 1,0-1,0 1,0 0,0 0,0 0,0 0,0 0,1 1,-1-1,1 0,-1 1,1-1,0 1,0 0,0-1,0 1,1 0,-1 0,1-1,0 1,-1 0,1 0,0 0,1-1,-1 1,0 0,1 0,0-1,0 1,-1 0,2-1,-1 1,0-1,0 1,1-1,-1 1,1-1,0 0,0 0,0 0,0 0,0 0,0-1,0 1,1 0,-1-1,1 0,-1 1,1-1,-1 0,6 1,14 1,1-1,-1-1,1 0,24-4,13 1,30 3,99-2,-137-4,40-2,4 9,137-4,-189-3,30-2,31-5,-84 12,-5-1,-1 1,30 5,-41-5,0 1,-1 0,1 0,0 0,-1 0,1 1,-1 0,0-1,1 1,-1 1,0-1,0 0,0 1,0-1,-1 1,1 0,2 4,-3-1,1 1,-2 0,1 0,-1 0,0 0,0 0,-1 0,0 1,0-1,-1 0,0 0,0 0,0 0,-1 0,0 0,-1-1,-3 8,5-12,-1 0,0-1,0 1,0-1,0 1,0-1,0 0,-1 0,1 0,0 0,-1 0,1 0,-1 0,1-1,-1 1,1-1,-4 0,-50-1,34 0,-39 1,-40-2,25-13,32 5,-11 3,1 3,-105 4,61 2,-58 6,98-4,7 1,-32 1,24-7,-82 2,140-1,0 1,0-1,0 0,-1 0,1 0,0 1,0-1,0 0,0 1,0-1,0 1,0-1,0 1,0 0,0-1,0 1,0 0,1 0,-1-1,0 1,0 0,1 0,-1 0,1 0,-1 0,1 0,-1 0,1 0,-1 0,1 0,0 1,0-1,0 0,-1 0,1 0,0 0,0 0,1 1,-1-1,0 0,0 0,0 0,1 0,-1 0,1 0,-1 0,1 0,0 1,0 2,1 1,0-2,0 1,1 0,-1 0,1-1,-1 1,1-1,0 0,0 0,7 5,0-2,1 0,0 0,0-2,1 1,0-1,-1-1,1 0,16 2,1-3,113 6,104-18,-208 7,171-7,-72 9,118 2,-191 6,-59-6,-1-1,1 1,-1 0,0 1,0-1,0 1,0 0,0 0,0 0,0 1,-1-1,5 5,-6-3,0-1,0 1,0 0,-1 0,0 1,0-1,0 0,-1 0,1 0,-1 1,0-1,0 0,-1 5,3 25,-2-32,0-1,1 1,-1-1,0 0,0 1,0-1,0 1,0-1,0 1,-1-1,1 0,0 1,-1-1,1 0,-1 1,0-1,1 0,-1 0,0 1,0-1,-1 2,0-1,-1-1,1 1,0-1,-1 1,1-1,-1 0,1 0,-1 0,0 0,-5 1,-8 0,1-1,-1-1,-23-1,19 0,-33 2,35 0,0-1,0 0,-1-1,-30-6,-42-33,56 30,0 1,0 2,-1 2,-52-2,-466 8,547-1,-1 0,1 0,0 1,0 0,0 0,0 1,0 0,-8 4,13-5,0 0,0 0,0 1,0-1,0 1,0-1,0 1,0 0,1 0,-1 0,0 0,1 0,0 0,0 0,-1 1,1-1,0 0,1 1,-1-1,0 0,1 1,-1-1,1 1,0-1,0 6,0 0,0 0,1 0,0 0,3 13,-2-17,-1-1,0 1,1-1,0 0,0 0,0 0,0 0,0 0,1 0,-1-1,1 1,4 3,0-1,0 0,1-1,-1 0,1 0,0 0,0-1,0-1,1 1,-1-1,0-1,15 2,36 2,111-3,-82-4,-62 1,0-2,28-5,17-3,3 2,132-6,-131 14,73 3,-138-1,-1 1,1 1,-1 0,0 0,0 1,15 8,7 3,-26-11,1 0,-1 1,0 0,0 0,0 0,0 0,-1 1,0-1,0 1,-1 0,4 8,-7-14,0 0,0 1,0-1,0 0,0 0,0 0,0 1,0-1,0 0,0 0,0 1,0-1,0 0,0 0,0 0,0 1,0-1,0 0,0 0,0 1,0-1,0 0,0 0,-1 0,1 0,0 1,0-1,0 0,0 0,0 0,-1 0,1 1,0-1,0 0,0 0,-1 0,1 0,0 0,0 0,-1 0,1 0,-16 2,-20-5,34 3,-37-5,1-2,0-2,-44-15,74 20,0 0,1 0,0-1,0 1,-7-7,8 6,0 0,0 1,0-1,0 2,-1-1,0 1,-10-4,-16-2,-1 2,1 1,-1 2,0 1,-37 2,56 1,0 1,0-2,0 0,0-1,0 0,-25-8,28 6,-1 2,0-1,0 2,-1 0,1 0,-23 3,21-1,0-1,-1 0,1-1,-25-5,18 3,-1 0,1 1,-1 2,-37 3,38-2,21-1,-19 0,-1 2,1 0,-1 1,-31 10,48-12,0 0,0 1,0 0,0 0,0 0,0 0,0 1,0-1,1 1,0 0,-1 0,1 0,0 1,0-1,1 1,-1 0,1-1,0 1,0 0,0 0,0 1,1-1,0 0,0 0,0 1,0-1,0 8,1-6,-1 0,1 0,1 1,-1-1,1 0,0 0,0 0,1 0,0 0,0 0,3 6,-2-9,-1 0,0 0,1 0,0-1,0 1,0-1,0 1,0-1,0 0,0 0,1-1,-1 1,1-1,-1 1,1-1,0 0,0-1,-1 1,6 0,25 2,69-4,-39 0,89-11,506 12,-554 12,-94-11,-1 0,1 1,-1 0,1 0,-1 1,0 0,0 1,0 0,14 9,-21-10,0 0,0 0,0 0,0 0,-1 0,1 0,-1 1,0-1,0 1,0 0,-1-1,1 1,-1 0,0 0,1 4,-2-5,1-1,-1 0,0 0,0 0,0 0,-1 0,1 0,0 0,-1 0,0 0,1 0,-1 0,0 0,0 0,0 0,0-1,0 1,0 0,-1-1,1 1,0-1,-1 1,0-1,1 1,-1-1,0 0,1 0,-1 0,0 0,0 0,-4 1,-5 1,-1-1,0 0,0-1,0 0,0-1,-19-2,-23 2,-35 10,-22 1,102-12,0-1,0 1,1-2,-1 1,1-1,-1 0,1-1,0 0,0 0,0-1,-12-9,-32-17,41 28,0 0,0 1,0 0,0 1,-1 0,1 1,-1 1,-17 2,-14-1,-37-1,-96-3,128-3,-23-1,-31 4,-91 4,190-1,0 0,0-1,1 1,-1 0,0 0,0 0,0 1,1-1,-1 1,1-1,-1 1,1 0,0 0,0 0,-1 0,1 0,1 1,-1-1,0 1,1-1,-1 1,1 0,0-1,-1 1,0 4,1-4,1-1,-1 1,1 0,-1-1,1 1,0-1,0 1,0 0,0-1,1 1,-1 0,1-1,-1 1,1-1,0 1,0-1,0 0,1 1,-1-1,0 0,1 0,-1 1,1-1,0-1,0 1,0 0,0 0,0-1,3 3,9 3,0-1,0 0,1-1,-1-1,1 0,0-1,28 3,115-5,-86-2,100-12,-25 12,197 10,-326-7,2 0,0 0,0 2,-1 0,30 10,-39-8,0-1,0 1,-1 1,9 7,-13-9,0 0,0-1,1 0,-1 0,1-1,0 0,0 1,0-2,0 1,1-1,-1 0,0 0,1-1,8 1,-9-2,33 3,-39-3,1 0,0 0,-1 0,1 0,-1 0,1 1,0-1,-1 0,1 0,-1 0,1 1,-1-1,1 0,-1 1,1-1,-1 1,1-1,-1 0,0 1,1-1,-1 1,0-1,1 1,-1-1,0 1,1-1,-1 1,0 0,0-1,0 1,0-1,0 1,1-1,-1 1,0 0,0-1,0 1,-1 0,1-1,0 1,0-1,0 1,0-1,0 1,-1 0,1-1,0 1,-1-1,1 1,0-1,-1 1,1-1,0 0,-1 1,-2 2,1 0,-1-1,0 0,0 0,1 0,-1 0,0 0,-1 0,1-1,0 1,0-1,-1 0,-5 1,-53 7,42-6,-29 1,-76-4,56-1,61 1,0-1,0-1,0 1,0-1,-9-4,8 3,1 1,-1-1,1 2,-15-2,9 2,0-1,0 0,0-1,1-1,0 0,-1-1,1 0,1 0,-17-11,23 13,-1 1,1-1,-1 1,0 1,0-1,0 1,0 0,-7 0,-63 4,29-1,-412-2,455 0,0 0,-1 0,1 1,0-1,0 1,0 1,-1-1,1 1,1 0,-1 0,-5 3,9-4,-1 0,1 0,0 0,0 1,-1-1,1 0,0 1,0-1,1 1,-1 0,0-1,0 1,1-1,-1 1,1 0,-1 0,1-1,0 1,0 0,0 0,0 0,0-1,0 1,0 0,0 0,1-1,-1 1,1 0,-1 0,1-1,0 1,0-1,0 1,-1 0,3 0,0 3,0 0,0-1,1 0,0 0,0 0,0 0,0-1,1 1,0-1,-1 0,1 0,0-1,0 0,0 0,6 2,10 2,0 0,32 3,-12-3,0-2,0-1,0-2,51-6,8-3,143 7,-108 3,330-2,-462 0,1 0,-1 0,1 0,0 1,-1 0,1 0,-1 0,1 0,-1 0,1 1,-1-1,0 1,0 0,0 0,6 5,-8-6,0 1,0-1,0 1,-1-1,1 1,0-1,-1 1,1-1,-1 1,1 0,-1-1,0 1,1 0,-1 0,0-1,0 1,0 0,-1 0,1-1,0 1,-1 0,1-1,-1 1,1 0,-1-1,0 1,0-1,1 1,-1-1,0 1,-1-1,1 0,0 0,0 1,-2 0,-1 1,1 0,-1 0,0-1,0 0,0 1,0-1,-1-1,1 1,-7 1,-43 9,18-8,-1-2,-62-4,22 0,39 0,1-2,-56-13,74 14,13 2,-27-6,0 1,-52-1,-222-5,230 7,-39-2,75 7,25-2,0 2,-1 0,1 1,0 1,0 0,-31 9,45-11,0 1,0 0,0 0,0 0,0 0,0 0,0 0,1 0,-1 1,0-1,1 0,-1 1,1 0,-1-1,1 1,0 0,0 0,0-1,0 1,0 0,0 0,1 0,-1 0,0 0,1 0,0 1,-1-1,1 0,0 0,0 0,0 0,1 0,-1 1,0-1,2 3,-1-1,1-1,-1 1,1-1,0 0,0 1,0-1,0 0,1 0,0 0,-1-1,1 1,0 0,0-1,0 0,0 0,1 0,-1 0,1 0,3 0,27 11,-23-9,0 0,-1-1,1 0,0 0,1-1,16 0,645-3,-548 14,-88-13,2-1,-1 2,42 7,-65-5,0-1,0 1,21 7,-32-9,-1 0,1 1,-1-1,0 1,0 0,1 0,-1 0,-1 0,1 0,0 1,-1 0,1-1,-1 1,1 0,2 6,-5-9,0 1,0-1,0 1,0 0,0-1,0 1,0 0,0-1,-1 1,1 0,0-1,0 1,-1-1,1 1,0 0,-1-1,1 1,0-1,-1 1,1-1,-1 1,1-1,-1 1,1-1,-1 0,1 1,-1-1,1 0,-1 1,0-1,1 0,-1 0,0 0,1 1,-1-1,1 0,-1 0,-1 0,-29 6,29-5,-125 11,-220-7,189-7,64 3,-101-3,160-1,-107-5,25 8,107 0</inkml:trace>
+</inkml:ink>
+</file>
+
+<file path=ppt/ink/ink23.xml><?xml version="1.0" encoding="utf-8"?>
+<inkml:ink xmlns:inkml="http://www.w3.org/2003/InkML">
+  <inkml:definitions>
+    <inkml:context xml:id="ctx0">
+      <inkml:inkSource xml:id="inkSrc0">
+        <inkml:traceFormat>
+          <inkml:channel name="X" type="integer" min="-2.14748E9" max="2.14748E9" units="cm"/>
+          <inkml:channel name="Y" type="integer" min="-2.14748E9" max="2.14748E9" units="cm"/>
+        </inkml:traceFormat>
+        <inkml:channelProperties>
+          <inkml:channelProperty channel="X" name="resolution" value="1000" units="1/cm"/>
+          <inkml:channelProperty channel="Y" name="resolution" value="1000" units="1/cm"/>
+        </inkml:channelProperties>
+      </inkml:inkSource>
+      <inkml:timestamp xml:id="ts0" timeString="2024-07-03T07:53:17.823"/>
+    </inkml:context>
+    <inkml:brush xml:id="br0">
+      <inkml:brushProperty name="width" value="0.1" units="cm"/>
+      <inkml:brushProperty name="height" value="0.2" units="cm"/>
+      <inkml:brushProperty name="color" value="#00B44B"/>
+      <inkml:brushProperty name="tip" value="rectangle"/>
+      <inkml:brushProperty name="rasterOp" value="maskPen"/>
+      <inkml:brushProperty name="ignorePressure" value="1"/>
+    </inkml:brush>
+  </inkml:definitions>
+  <inkml:trace contextRef="#ctx0" brushRef="#br0">26 98,'7'75,"-3"-42,-2 2,-2 43,-1-28,1-50,0-1,0 1,0 0,0 0,0 0,-1 0,1 0,0 0,0 0,0 0,0 0,0 0,0 0,-1 0,1 0,0 0,0 0,0 0,0 0,0 0,-1 0,1 0,0 0,0 0,0 0,0 0,0 0,-1 0,1 0,0 0,0 0,0 0,0 0,0 0,0 1,0-1,0 0,-1 0,1 0,0 0,0 0,0 0,0 0,0 1,0-1,0 0,0 0,0 0,0 0,0 0,0 1,0-1,0 0,0 0,0 0,0 0,0 0,0 0,0 1,0-1,0 0,0 0,0 0,-11-17,7 10,0-1,1 1,0-1,-2-8,3-20,2-61,2 35,20 116,-19-16,-2-27,0 1,0-1,1 1,4 12,-1-1,-1-1,-1 1,-1 0,0 0,-2 0,-3 23,1 17,3-26,8 42,-8-70,-4-31,-6-46,10 67,-1-1,0 1,0 0,0 0,0 0,0 0,0-1,0 1,-1 0,1 0,0 0,-1 0,1 0,-1 0,1 0,-1-1,1 1,-1 1,0-1,1 0,-1 0,0 0,0 0,-1-1,-6 7,3 14,5-5,1-1,0 1,0-1,2 0,0 0,6 18,-5-16,1 1,-2 0,3 30,6 72,-15-90,-1-24,-5-18,4 5,2 9,3 18,8 35,-7-49,2 20,-2-1,-1 37,-1-43,0 0,2 0,0 0,1 0,0-1,9 28,-8-28,0 1,0-1,-2 0,0 1,0-1,-4 27,1 9,2-40,1-1,0 0,1 0,0 1,0-1,9 20,-10-23,1 0,-1 0,0 0,-1 0,0 0,-1 8,0-5,1 0,0 0,3 14,-3-22,1-1,-1 1,1-1,0 1,0-1,0 1,0-1,1 0,-1 1,0-1,1 0,0 0,-1 0,1 0,0-1,0 1,0 0,3 1,3 0,0-1,1 0,-1 0,0-1,1 0,-1-1,0 0,1 0,-1-1,10-1,17 0,0 2,6 0,0-1,44-7,-54 4,0 2,54 3,-23 1,44 10,-67-13,0 2,0 2,72 13,-88-12,0-1,-1-2,1 0,33-3,4 0,-58 2,4 0,0 0,-1 0,1-1,0 1,0-1,0 0,8-3,-13 3,0 0,1 0,-1 0,0 0,0 0,0 0,0 0,0-1,0 1,0 0,0-1,0 1,-1 0,1-1,-1 1,1-1,-1 1,1-1,-1 1,0-1,0 0,0 1,0-1,0 1,0-1,0 1,0-1,0 1,-1-1,1 1,-1-1,1 1,-2-3,-3-22,0 0,2 0,1 0,2 0,4-48,-3 66,0 0,1 0,1 0,-1 0,7-12,-6 13,0 1,-1-1,1 0,-1 0,-1 0,1 0,0-14,-3-16,0 24,0 0,1 0,0 0,1 0,1 0,0 0,0 1,1-1,1 1,7-19,-8 26,0-1,-1 0,0 0,0 0,-1-1,0 1,0 0,0-9,-3-57,0 26,0-54,4-105,10 152,-9 44,0 0,-1-1,0 1,1-19,-6-91,5-115,14 157,-16 76,0 0,0 1,0-1,0 0,0 0,-1 1,1-1,0 0,0 1,-1-1,1 0,0 0,-1 1,1-1,-1 1,1-1,-1 0,1 1,-1-1,1 1,-1-1,0 1,1-1,-1 1,1 0,-1-1,0 1,0 0,1-1,-1 1,0 0,0 0,1 0,-1 0,0 0,0 0,1 0,-1 0,0 0,-1 0,-41 1,33-1,-132 12,102-9,1-2,-46-5,27-7,47 7,-1 1,1 1,-1 0,-14 0,-17 3,0-3,0-1,-52-11,79 11,-1 1,-34 1,32 1,1-1,-25-3,-64-12,63 13,-1 2,-53 5,88-3,0 2,1-1,-1 2,0-1,-16 9,-18 7,40-17,1 1,1-1,-1 0,0 1,0-1,1 1,0 0,-1-1,1 1,0 1,1-1,-1 0,-1 4,-1 1,0 0,1 0,0 0,-2 14,5-21,0 0,0 0,0 0,0 1,0-1,0 0,1 0,-1 0,0 0,1 0,-1 0,1-1,-1 1,1 0,0 0,-1 0,1 0,0 0,-1-1,1 1,0 0,0-1,0 1,0-1,-1 1,1-1,0 1,0-1,0 1,0-1,0 0,0 0,1 1,-1-1,0 0,0 0,1 0,50-1,-39 0,45 1,-20 0,70-9,-71 5,1 1,65 5,-25 0,86-12,83 6,-132 6,-45-3,74 3,-141-2,-1 0,1 1,-1 0,0-1,1 1,-1 0,0 0,0 0,0 1,1-1,-1 0,0 1,-1-1,1 1,0 0,0 0,-1 0,1 0,-1 0,0 0,1 0,-1 0,0 0,0 1,0-1,-1 0,1 1,-1-1,1 0,-1 1,0-1,0 1,0-1,0 1,0-1,0 1,-1-1,1 0,-1 1,0-1,1 0,-1 1,0-1,-1 0,1 0,0 0,-1 0,1 0,-1 0,1 0,-3 1,-1 1,0 0,-1-1,1 0,-1 0,1 0,-1-1,0 0,-12 3,-54 6,54-8,-302 31,316-34,-1-1,1 0,0 1,0-2,0 1,0 0,-1-1,2 0,-1 0,0 0,0 0,-4-4,3 2,-1 1,0 0,1 0,-1 0,-9-2,-18-1,-1 1,0 2,-54 2,-324 1,409 0,0 1,0 0,0-1,0 1,0 1,0-1,0 0,0 1,0 0,0-1,1 1,-1 0,1 1,-1-1,1 0,0 1,0-1,0 1,0 0,1-1,-1 1,-1 5,0-4,2 0,-1 0,0 1,1-1,0 0,0 1,0-1,0 0,1 1,0-1,0 1,0-1,0 1,1-1,-1 1,3 5,-2-7,1 0,0-1,0 1,0-1,0 1,0-1,0 0,0 0,1 0,-1 0,1 0,0 0,-1-1,1 0,0 1,0-1,0 0,0 0,0 0,0-1,6 1,8 1,-1-1,1-1,16-2,-4 0,40 3,-39 0,0-1,0-1,0-2,47-9,-47 6,1 2,0 1,0 1,58 5,-12-1,-7 5,-20-1,-19-3,46 13,1-1,-70-13,-1 1,0-1,1 1,-1 1,-1-1,1 1,0 0,-1 1,0-1,0 1,9 10,23 16,-38-31,1 0,-1 0,0 0,1 0,-1 0,1 0,-1 0,0 0,1 0,-1 0,1 0,-1 0,0 0,1 0,-1 0,1 0,-1 0,0-1,1 1,-1 0,0 0,1 0,-1-1,0 1,1 0,-1 0,0-1,1 1,-1 0,0-1,0 1,0 0,1-1,-1 1,0-1,0 1,0 0,0-1,0 1,0-1,1 1,-1 0,0-1,0 1,0-1,-1 1,7-30,-5 21,0 5,0 0,0 0,0 0,0 0,0 0,0 1,1-1,0 0,0 1,0-1,5-6,-7 10,0 0,1 0,-1 0,0 0,0 0,0 0,0 0,1 0,-1 0,0 0,0 0,0 0,1 0,-1 0,0 0,0 0,0 0,1 1,-1-1,0 0,0 0,0 0,0 0,1 0,-1 0,0 0,0 1,0-1,0 0,0 0,1 0,-1 0,0 1,0-1,0 0,0 0,0 0,0 1,0-1,0 0,0 0,0 0,0 1,0-1,0 0,0 0,0 0,0 1,0-1,0 0,0 0,0 0,0 0,0 1,0-1,0 0,0 0,-1 0,1 1,0-1,-4 14,0-9,0 1,-1-1,0 0,0 0,0-1,-1 0,1 0,-1 0,0 0,0-1,-1 0,1 0,0-1,-1 0,-8 2,-4 0,0 0,-1-1,1-1,-23-1,-309 10,326-11,-13 0,1-1,-45-7,49 4,0 2,-66 3,27 1,9-3,-68 2,130 0,-1-1,1 0,0 0,0 1,0-1,0 0,-1 1,1-1,0 1,0-1,0 1,0 0,0 0,0-1,0 1,0 0,1 0,-1 0,0 0,0 0,1 0,-1 0,0 0,1 0,-1 0,1 0,0 1,-1-1,1 0,0 0,0 0,0 1,0-1,0 0,0 0,0 0,0 1,0-1,1 2,-1 0,1 0,-1-1,1 1,0-1,0 1,0-1,0 1,1-1,-1 1,0-1,1 0,0 0,-1 0,1 0,0 0,0 0,4 2,6 0,1 0,0-1,0 0,0-1,1-1,-1 0,0 0,1-2,18-2,16 2,-21 1,1-1,-1 0,0-2,42-10,-47 8,1 2,-1 1,1 1,0 1,24 3,15-1,-34-2,18-1,84 11,13 2,-78-9,29 9,-88-10,0 0,0 0,0 1,0 0,0 0,-1 1,0-1,0 1,0 0,0 0,0 1,-1 0,5 5,-6-6,-1-3,-1 0,0 1,1-1,-1 0,0 1,0-1,0 1,0 0,-1-1,1 1,0 0,-1-1,1 1,-1 0,1 0,-1-1,0 1,0 0,0 0,0 0,0 0,0-1,0 1,-1 0,1 0,-1-1,1 1,-1 0,0 0,-1 1,1-1,-1 1,0-1,0 0,0 0,0 0,0 0,-1 0,1-1,0 1,-1-1,1 1,-1-1,0 0,1 0,-1 0,0-1,0 1,-2 0,-149 18,139-17,0 0,0 0,0-2,-1 0,1-1,0 0,0-1,0-1,0 0,-14-6,10 2,-1 1,1 0,-1 2,-32-4,4-3,40 8,0 1,0 0,0 0,-15-1,-432 15,445-12,3 0,-1 0,1 1,0 0,-1 0,1 0,0 1,0 0,0 0,0 1,0 0,-11 7,-25 8,37-16,1 0,-1 0,0 0,1 1,-1 0,1 0,0 0,-9 8,13-10,0 0,0 0,0-1,1 1,-1 1,0-1,1 0,-1 0,1 0,-1 0,1 0,-1 0,1 1,0-1,0 0,-1 0,1 1,0-1,0 0,0 0,1 1,-1-1,0 0,1 2,0-1,0 1,0-1,1 0,-1 0,1-1,-1 1,1 0,0 0,0-1,0 1,0-1,2 2,3 1,1 0,0 0,1-1,-1 0,17 4,53 1,0-2,106-7,-64-1,479 2,-595 0,-1 0,1 1,-1 0,1 0,-1 0,1 0,-1 0,1 1,-1-1,0 1,0 0,0 0,0 0,0 0,0 1,-1-1,1 1,-1 0,1 0,-1 0,0 0,0 0,1 3,-1-1,0-1,0 0,0 1,-1 0,1-1,-1 1,0 0,-1-1,1 1,-1 0,0 0,0 0,-1-1,1 1,-1 0,0 0,-2 5,2-8,0 0,-1 0,1 0,0 0,-1-1,1 1,-1-1,1 1,-1-1,0 1,1-1,-1 0,0 0,0 0,0 0,0 0,0 0,0-1,0 1,0-1,-1 1,-3-1,-7 1,0 0,-24-3,4 1,19 2,1 1,-1 1,-22 8,25-7,0-1,0 0,-1 0,1-1,-22 0,27-2,-1-2,0 1,1-1,-1 0,-11-6,-19-5,-13 3,-1 1,0 3,-60 1,-8-8,30 11,-127 5,212-2,1 0,-1 0,0 0,1 1,-1-1,1 1,0 0,0 0,-1 0,1 1,1-1,-1 1,0-1,0 1,1 0,0 0,0 0,0 1,0-1,0 0,0 1,1-1,-2 7,2-8,0 0,0 1,1-1,-1 0,0 1,1-1,0 0,0 1,0-1,0 1,0-1,0 1,1-1,-1 0,1 1,-1-1,1 0,0 1,0-1,0 0,0 0,0 0,1 0,-1 0,1 0,-1 0,1 0,0-1,0 1,0-1,0 1,0-1,0 0,0 1,0-1,0 0,3 0,25 7,0-1,1-2,61 3,95-12,-116 0,69-3,232 7,-365 0,0 1,0 0,0 0,0 1,0-1,0 2,0-1,-1 1,1 0,7 5,-10-6,-1 0,0 0,0 0,0 1,0-1,0 1,-1 0,1 0,-1 0,0 0,1 0,-1 0,-1 1,1-1,-1 1,1 0,-1-1,0 1,0 0,0 4,0-4,-1 0,0-1,0 1,-1-1,1 1,-1-1,0 1,0-1,0 1,0-1,0 0,-1 1,1-1,-1 0,0 0,0 0,0 0,-1-1,1 1,-1-1,-2 4,0-3,0 0,0-1,0 1,-1-1,1 0,0 0,-1-1,1 1,-1-1,0-1,1 1,-11-1,-37 3,-73 11,105-11,-24 1,0-3,-1-1,-62-9,38 3,62 4,1 1,-1-1,1 0,0-1,0 0,0 0,0 0,-7-6,6 4,-1 0,0 1,1 0,-16-4,-57-3,57 8,-24-1,0 2,-70 6,116-4,-1 1,1-1,-1 1,1-1,0 1,-1 0,1 0,-1 0,1 0,0 0,0 1,0-1,0 1,0-1,0 1,0 0,0 0,1 0,-1 0,1 0,-1 0,1 0,0 0,0 1,0-1,0 0,0 1,1-1,-1 1,1-1,-1 1,1-1,0 1,0-1,0 1,0-1,1 1,-1-1,0 1,1-1,0 1,0-1,0 1,0-1,0 0,0 0,1 0,-1 1,1-1,-1 0,1-1,2 4,3 1,0 0,0 0,0 0,1-1,-1 0,1-1,0 0,1 0,-1-1,1 1,0-2,-1 1,1-2,0 1,1-1,-1 0,0-1,11-1,-4 0,1-1,-1-1,0-1,-1-1,1 0,-1 0,0-2,0 0,20-13,-24 12,0-1,17-16,2-3,-22 21,0 1,0 0,1 0,0 1,0 0,0 0,1 1,-1 1,1-1,0 2,0-1,0 1,1 1,-1 0,0 0,16 2,1-1,0 0,40 6,-57-5,0 1,-1 1,1 0,0 1,-1-1,0 2,13 7,-8-4,1 1,0 1,-1 0,0 0,22 23,-31-26,0-2,0 1,1 0,0-1,0 0,0-1,1 1,0-1,0 0,0-1,0 0,0 0,1 0,-1-1,1 0,0-1,-1 1,1-2,0 1,9-1,-13 0,-1 0,0 0,0 0,0 1,0-1,0 1,0 0,0 0,0 0,6 3,-9-4,1 0,-1 1,1-1,-1 1,1-1,-1 0,0 1,1-1,-1 1,1 0,-1-1,0 1,0-1,1 1,-1-1,0 1,0 0,0-1,1 1,-1 0,0-1,0 2,-1-1,1 0,0 1,-1-1,1 1,-1-1,1 0,-1 1,0-1,0 0,0 0,1 0,-1 1,0-1,-2 1,0 0,0 1,-1 0,1-1,-1 0,0 0,1 0,-1-1,0 1,0-1,-6 1,-47 8,28-6,-23 8,36-8,0 0,0-1,0-1,-21 0,-1-3,-1-2,-47-10,82 11,0 1,-1-1,1 1,0-1,0-1,0 1,1-1,-1 1,-6-7,7 6,0 0,0 1,0-1,0 1,-1 0,1 0,-1 0,1 0,-1 1,0-1,0 1,1 0,-1 0,-6 0,-132 2,132-1</inkml:trace>
+</inkml:ink>
+</file>
+
+<file path=ppt/ink/ink24.xml><?xml version="1.0" encoding="utf-8"?>
+<inkml:ink xmlns:inkml="http://www.w3.org/2003/InkML">
+  <inkml:definitions>
+    <inkml:context xml:id="ctx0">
+      <inkml:inkSource xml:id="inkSrc0">
+        <inkml:traceFormat>
+          <inkml:channel name="X" type="integer" min="-2.14748E9" max="2.14748E9" units="cm"/>
+          <inkml:channel name="Y" type="integer" min="-2.14748E9" max="2.14748E9" units="cm"/>
+        </inkml:traceFormat>
+        <inkml:channelProperties>
+          <inkml:channelProperty channel="X" name="resolution" value="1000" units="1/cm"/>
+          <inkml:channelProperty channel="Y" name="resolution" value="1000" units="1/cm"/>
+        </inkml:channelProperties>
+      </inkml:inkSource>
+      <inkml:timestamp xml:id="ts0" timeString="2024-07-03T07:53:58.695"/>
+    </inkml:context>
+    <inkml:brush xml:id="br0">
+      <inkml:brushProperty name="width" value="0.1" units="cm"/>
+      <inkml:brushProperty name="height" value="0.2" units="cm"/>
+      <inkml:brushProperty name="color" value="#005422"/>
+      <inkml:brushProperty name="tip" value="rectangle"/>
+      <inkml:brushProperty name="rasterOp" value="maskPen"/>
+      <inkml:brushProperty name="ignorePressure" value="1"/>
+    </inkml:brush>
+  </inkml:definitions>
+  <inkml:trace contextRef="#ctx0" brushRef="#br0">0 37,'65'-2,"70"4,-82 10,-44-9,1-1,-1 0,1 0,17 1,206-4,-301-11,-35 1,128 12,-1 0,1-2,48-7,-23 2,-2-6,-40 9,1 1,-1 0,1 0,14-1,20 4,-157 11,31-13,-93 2,158 3,28 0,32 0,631-5,-668 1,1 0,-1 1,0-1,1 1,-1 0,0 0,0 1,0-1,6 4,-10-4,1 0,0 0,0 0,-1 1,1-1,0 1,-1-1,0 1,1-1,-1 1,0 0,0 0,0 0,0 0,0-1,0 1,0 1,-1-1,1 0,-1 0,0 0,1 0,-1 0,0 3,-1 8,0-1,-1 1,-1-1,-3 14,2-14,1 0,1 1,0-1,-1 18,3-17,0 1,-1-1,-1 0,0 0,-1 0,-6 18,5-15,1 1,1-1,1 0,1 1,0-1,2 18,0 18,0 9,-4 66,0-108,-1 0,-6 25,1-20,1-3,0 0,-4 31,-13 124,20-146,-10 35,0 5,9-48,-14 44,-4 13,7-10,7-32,-4 43,11-73,0 0,0 0,0 0,-1 0,0 0,0 0,-1-1,1 0,-8 9,6-9,1 0,0 1,0-1,1 0,0 1,0 0,0 0,1 0,-2 10,0 7,-1-1,-1 1,-1-1,-2 0,0-1,-16 29,7-14,6-1,11-29,-1 0,-1-1,1 1,-1-1,-4 9,-17 33,22-43,0 0,0 1,0-1,-1 0,1 0,-1 0,-1-1,1 1,-1-1,1 0,-1 0,0 0,-1 0,1-1,-1 1,0-1,1 0,-9 3,-39 10,48-15,0 0,0-1,0 1,0-1,0 0,0 0,0-1,0 1,0-1,0 0,-5-1,7 1,1 0,-1 0,1 0,-1 0,1 0,0-1,-1 1,1 0,0-1,0 1,0-1,0 1,0-1,0 0,-1-2,-8-34,9 32,-1 0,1 0,-1 1,0-1,0 1,-3-6,1 7,0 0,0 0,0 0,0 0,0 1,-1 0,-6-4,8 6,0-1,0 1,1-1,-1 0,0 0,1 0,-1 0,1 0,-1 0,1-1,0 1,0-1,0 0,1 0,-1 1,1-1,-1 0,1 0,0-1,0 1,-1-6,1 0,0 1,-1-1,0 0,-1 1,-5-13,0-9,6 24,1 1,-1-1,1 1,-1-1,-1 1,-4-8,3 4,0-1,0 0,1 0,1 0,-1 0,2-1,-1 1,1-13,-1 6,1-2,-1-2,-1 0,-6-21,7 35,0 0,-1 0,0 0,0 0,0 1,-1-1,0 1,0 0,-9-9,8 9,0 1,0-1,1-1,0 1,0-1,0 0,1 1,0-2,1 1,0 0,0 0,-2-10,2-8,0 1,3-37,-2-24,0 75,-2 0,1 0,-1 0,-6-12,-1-5,0 3,0 1,-19-30,19 35,6 11,1-1,0 0,0 0,1 0,0-1,0 1,1-1,-1-8,4-74,0 36,-3 42,-1 0,0 1,0-1,-2 0,1 1,-1 0,-1 0,-10-17,-10-31,22 51,1 0,0 0,-1-16,3 17,-1 0,0 0,-1 0,0 0,-5-13,3 9,2 0,-1 0,1 1,1-1,0 0,1 0,0 0,3-18,-1-14,-3-21,2-69,-1 132,1 1,-1 0,1-1,-1 1,1 0,0-1,-1 1,1 0,0 0,0-1,0 1,0 0,0 0,0 0,0 0,1 0,-1 1,0-1,0 0,1 0,-1 1,0-1,1 1,-1-1,1 1,-1 0,0-1,1 1,-1 0,4 0,8 0,-1-1,24 4,-15-2,661-1,-577 13,-85-13,-12-1,0 1,0 0,0 0,0 1,0 0,11 3,-17-3,0 0,0 0,0 0,0 0,-1 1,1-1,0 0,-1 1,1-1,0 1,-1 0,0-1,1 1,-1 0,0 0,0 0,0 0,0 0,0 0,-1 0,1 0,-1 0,1 1,-1-1,0 0,1 0,-2 5,1-3,0 0,0 0,0 0,-1 1,1-1,-1 0,-1 0,1 0,0 0,-1 0,0-1,0 1,-2 4,-1-2,0 0,-1-1,1 1,-1-1,0 0,-9 6,10-9,0 1,1-1,-1 0,0 0,0-1,0 1,0-1,0 0,-10 0,-53-2,32-1,-53 3,-75-3,155 1,0-1,0 0,0 0,1-1,-1 0,-9-6,8 5,0-1,-1 1,-18-4,-7 4,-1 2,-64 3,29 1,66-2,0 1,0-1,0 2,0-1,0 1,0 0,0 0,0 0,1 1,-1 0,1 0,0 0,0 1,0 0,-5 4,8-5,-1-1,1 1,-1 0,1 0,0 0,0 0,0 0,1 0,-1 0,1 1,-1-1,1 0,0 1,1-1,-1 1,1 0,-1-1,1 1,0-1,0 1,0 0,1-1,0 1,-1-1,1 1,0-1,2 4,-2-4,1-1,0 0,-1 0,1 0,0 0,0 0,0 0,0-1,0 1,1-1,-1 1,0-1,1 0,-1 0,1 0,-1 0,1 0,0-1,-1 1,1-1,4 0,9 2,1-2,23-2,-16 1,25 1,0-3,70-13,-95 12,0 2,34 0,-37 2,-1-1,1 0,39-9,-47 6,0 2,1 0,-1 1,1 0,-1 1,1 0,-1 1,1 1,-1 0,0 1,0 0,0 1,0 0,0 1,21 12,-31-14,1 0,-1 0,0 1,0-1,0 1,0-1,-1 1,1 0,3 8,-5-8,1 0,0 0,1 0,-1 0,1-1,0 1,0-1,0 0,0 1,5 2,5 3,12 6,-25-14,1-1,0 0,0 0,0 0,0 0,0 0,0-1,0 1,0 0,0 0,0-1,-1 1,1 0,0-1,0 1,0-1,-1 1,1-1,0 1,0-1,-1 0,1 1,0-1,-1 0,1 1,-1-1,1 0,-1 0,1 0,-1-1,5-7,-1 0,-1-1,0 0,0 1,2-18,-3 15,1 1,0 0,8-22,3 10,-8 21,-3 16,-3-7,-2 180,2-185,0 1,0 0,-1 0,1 0,-1 0,0 0,0 0,0-1,0 1,0 0,0-1,-1 1,0-1,1 1,-1-1,0 0,0 0,0 0,0 0,-1 0,1 0,0-1,-1 1,1-1,-1 1,0-1,0 0,1 0,-1 0,0 0,0-1,0 1,0-1,0 0,0 0,1 0,-1 0,0 0,0-1,0 1,0-1,0 0,0 0,1 0,-1 0,-5-3,-22-19,26 20,-1-1,1 0,-1 1,1 0,-1 0,0 0,0 1,0 0,-1 0,1 0,-1 1,1-1,-1 1,-8 0,-15 1,19 0,1 0,0 0,0-1,0 0,0 0,1-1,-13-4,2 1,0 1,-1 0,0 2,0 0,0 1,0 2,-25 2,-19-1,-14-3,-88 2,142 1,-1 1,1 1,0 1,-38 13,61-18,0 0,0 0,0 1,0-1,0 1,0-1,0 1,0-1,0 1,0 0,0-1,1 1,-1 0,0 0,0-1,1 1,-1 0,0 1,1-1,0-1,0 1,0 0,0-1,0 1,0-1,0 1,0-1,0 1,1-1,-1 1,0-1,0 1,1-1,-1 1,0-1,1 1,-1-1,0 0,1 1,-1-1,0 1,1-1,0 1,2 1,1 0,-1 0,1 0,0-1,-1 1,1-1,7 2,32 8,-34-8,1-1,-1 1,0-2,1 1,10-1,100-3,120 4,-236-1,1-1,-1 1,1 1,-1-1,0 1,1 0,-1 0,8 4,-9-3,2-1,-1 0,0 1,0-2,1 1,-1-1,1 1,8 0,45-2,-46-1,0 0,0 1,0 1,0 0,0 1,0 0,16 5,-20-4,1-1,-1 0,1-1,15 1,-17-2,0 1,-1 0,1 0,0 0,-1 0,1 1,-1 1,10 3,-12-4,0 0,-1 1,1-1,-1 0,0 1,0 0,0 0,3 4,-5-6,-1 0,1 1,-1-1,1 0,0 1,-1-1,0 1,1-1,-1 1,0-1,0 1,0-1,0 1,0-1,0 1,-1-1,1 1,0-1,-1 1,1-1,-1 1,1-1,-1 0,0 1,0-1,-1 2,-5 4,0 0,0 0,0-1,-1 0,0 0,-1-1,1 0,-1 0,0-1,-12 3,-6 6,18-9,0 0,0-1,0 0,-1 0,1-1,-1 0,0 0,1-2,-1 1,0-1,0 0,0-1,1 0,-19-5,5 2,0-2,1 0,-1-2,1 0,1-2,-27-15,41 22,-1 0,0 0,1 1,-1 0,0 0,-1 1,1 0,0 0,-16 2,-30-5,44 2,0 0,-1 1,1 0,-1 1,-18 2,25-1,1-1,-1 1,1 0,-1 1,1-1,0 1,0-1,-1 1,1 0,0 0,0 0,1 1,-1-1,0 1,1 0,0-1,-1 1,1 0,-3 6,-12 16,14-21,0 0,0 0,1 1,-1-1,1 1,-3 7,4-10,1 0,0 0,0 0,0 0,0 0,0 0,0 0,0 0,1 0,-1 0,1 0,-1 0,1 0,0 0,0-1,0 1,0 0,0 0,0-1,3 4,-2-2,1 0,0 0,0 0,0 0,0-1,1 1,-1-1,1 0,-1 0,1 0,0 0,0-1,0 1,6 0,1 0,1-1,-1 0,22-2,-5 0,0-1,0-1,41-10,-43 7,1 1,51-2,-63 5,0 1,0-2,0 0,0-1,24-9,-40 13,1 0,0 0,0 0,0 0,0 0,0 0,0 0,0 0,0 0,0 0,0 0,-1 0,1 0,0 0,0 0,0-1,0 1,0 0,0 0,0 0,0 0,0 0,0 0,0 0,0 0,0 0,0 0,0-1,0 1,0 0,0 0,0 0,0 0,0 0,0 0,0 0,0 0,0-1,0 1,0 0,0 0,0 0,0 0,0 0,0 0,0 0,0 0,0 0,0 0,0-1,0 1,0 0,0 0,1 0,-1 0,0 0,0 0,0 0,0 0,0 0,0 0,0 0,0 0,0 0,1 0,-1 0,0 0,-14-5,-16 0,15 3,0 0,0-2,1 1,-1-2,1 0,0 0,0-1,0-1,1-1,-22-16,17 10,0 1,-1 1,-28-14,36 22,0-1,-1 2,0-1,0 1,0 1,0 1,-23-2,19 3,6 0,0 0,0 0,0 1,-18 4,25-4,-1 0,1 1,-1-1,1 1,0 0,0 0,0 0,0 0,0 1,0-1,1 1,-1 0,1 0,0-1,0 2,-3 5,0-1,2 0,-1 0,1 0,1 1,-1-1,1 1,1 0,0-1,0 1,1 0,0 0,0 0,1 0,0-1,1 1,0 0,0-1,1 1,4 10,-4-15,0 0,0 0,0 0,0-1,1 1,-1-1,1 0,0 0,0 0,0 0,0-1,0 0,1 0,-1 0,1 0,-1-1,1 0,7 2,7-1,1-1,-1 0,29-4,3 1,10 3,-36 1,0-1,0-1,0-2,44-8,15-21,-29 14,-38 11,0 1,0 0,0 2,0-1,1 2,23 0,23-4,-34 2,-29 4,1 0,-1 0,0 0,0 0,1 0,-1 0,0 0,0 1,1-1,-1 0,0 1,0-1,0 1,0-1,0 1,0 0,0-1,0 1,0 0,0 0,0 0,0 0,0 0,0 0,0 1,1 1,-1 0,1 1,-1-1,0 0,0 1,0-1,-1 0,1 1,-1 5,1-4,-1-1,0 1,-1 0,1-1,-1 1,0 0,0-1,0 1,0-1,-1 1,0-1,0 0,0 0,-1 0,-3 5,-1-3,0 0,-1-1,0 1,0-2,-1 1,1-1,-1 0,0-1,-11 3,1-3,1 0,-1-1,-32-1,-145 10,181-11,-3-1,-1 1,0 0,1 2,-1 0,1 1,0 0,-1 2,-20 8,32-11,0 2,0-1,0 1,1 0,-1 0,1 0,-7 8,10-9,1 0,0 0,0 1,0-1,0 0,1 1,-1-1,1 1,0 0,0-1,0 1,1 0,-1 0,1 0,0-1,0 6,0-6,0 0,0 0,0 0,1 0,-1-1,1 1,0 0,0 0,0-1,0 1,0-1,0 1,1-1,-1 1,1-1,0 0,3 4,-1-3,-1-1,1 0,0 0,-1 0,1-1,0 1,0-1,0 0,0 0,0 0,8 0,11 1,0-1,0-2,0 0,0-1,31-7,-15-1,-1-2,46-20,-79 30,8-5,0 1,0 1,1 0,0 1,0 1,0 0,0 0,1 2,19-1,-33 2,0 0,-1 0,1 0,0 0,0 0,0 0,0 0,0 0,-1 0,1 1,0-1,0 0,0 1,0-1,-1 0,1 1,0-1,0 1,-1-1,1 1,0-1,-1 1,1 0,-1-1,1 1,0 0,-1-1,0 1,1 0,-1 0,1 0,-1-1,0 1,0 0,1 0,-1 0,0 0,0 0,0-1,0 1,0 0,0 0,0 0,0 0,-1 0,1 0,0-1,0 1,-1 0,1 0,0 0,-1-1,1 1,-1 0,0 0,-2 4,0 0,-1 0,1-1,-1 1,0-1,-9 7,5-6,0 0,-1 0,0-1,1-1,-1 1,-17 3,-62 8,56-10,15-2,0 0,0-1,0-1,-1-1,1 0,0-2,-18-2,25-1,0 0,0 0,0-1,1 0,0-1,-11-9,-20-15,34 28,-10-6,1-1,1 0,-1-1,2 0,0-1,0-1,-12-15,25 27,-1 0,0 0,1 0,-1 0,1 0,-1 0,0 0,0 0,0 1,1-1,-1 0,0 0,0 1,0-1,0 1,0-1,0 1,0-1,-1 1,1 0,-1-1,1 2,0-1,1 0,-1 1,0-1,1 1,-1-1,1 1,-1-1,1 1,-1 0,1-1,-1 1,1 0,0-1,-1 1,1 0,0 0,-1-1,1 1,0 0,0 0,0 1,-4 52,5-51,-1 6,0 28,10 66,-7-68,-3-28,1 0,-1 1,1-1,1 0,-1 0,4 9,-3-14,-1 1,0-1,0 0,1-1,-1 1,1 0,0 0,-1-1,1 1,0-1,0 1,0-1,0 0,0 1,0-1,1 0,-1-1,0 1,0 0,1-1,-1 1,1-1,-1 0,3 0,50 2,0-3,0-3,62-11,-95 12,40-8,-40 6,0 1,0 1,1 1,36 1,-57 1,-1 0,0 0,0 0,0 0,0 1,0-1,0 0,0 0,0 1,0-1,0 1,0-1,0 1,0-1,0 1,0 0,0-1,0 1,0 0,-1 0,1 0,0 0,-1-1,1 1,0 0,-1 0,1 0,-1 0,0 0,1 1,-1-1,0 0,0 0,1 0,-1 0,0 0,0 0,0 0,0 0,-1 1,1-1,0 0,0 0,-1 0,1 0,0 0,-1 0,1 0,-2 1,0 3,0 0,-1 0,0-1,0 1,0-1,0 0,-1 1,0-2,-4 5,-8 2,0-1,-1-1,-18 6,23-9,-16 5,-1-1,0-2,-1-1,-50 4,44-13,32 2,0 0,0 1,0 0,1-1,-1 1,0 1,0-1,-6 2,8-2,1 1,0 0,-1 0,1 0,0 0,0 0,0 0,0 0,0 0,0 1,0-1,0 0,0 1,0-1,1 0,-1 1,1-1,-1 1,1-1,-1 1,1-1,0 1,0 0,0-1,0 1,0 2,-2 16,1 1,1 0,1 0,5 26,-6-45,1 1,0 0,0-1,0 1,1-1,-1 1,1-1,-1 0,1 0,0 1,-1-1,1 0,0-1,1 1,-1 0,0 0,0-1,1 0,-1 1,1-1,-1 0,1 0,0 0,-1 0,1-1,0 1,5-1,7 1,-1-1,1-1,0 0,18-4,13-1,-42 5,0 1,0 0,0 0,-1 0,1 1,0-1,0 1,-1 0,8 3,-9-3,-1 0,0 0,0 1,1-1,-1 0,0 1,0-1,0 1,0-1,-1 1,1 0,0-1,-1 1,1 0,-1-1,1 1,-1 0,0 0,0 0,0-1,0 1,0 0,0 2,0 2,-1 1,1-1,-1 1,0-1,-1 1,0-1,0 0,0 0,0 0,-1 0,0 0,-1 0,1-1,-1 0,0 1,0-1,-1-1,-6 7,11-11,0 0,0 1,-1-1,1 0,-1 1,1-1,0 0,-1 1,1-1,-1 0,1 0,-1 0,1 1,0-1,-1 0,1 0,-1 0,1 0,-1 0,1 0,-1 0,1 0,-1 0,1 0,-1 0,1 0,-1 0,1-1,-1 1,1 0,0 0,-1 0,1-1,-1 1,-9-19,4-26,5 32,0 0,1 1,1-1,0 0,1 0,0 1,1-1,1 1,0 0,0 0,1 0,1 1,0-1,1 1,0 0,12-14,-9 11,2-1,-8 17,-3 11,-2-2,0-1,-1 0,-1 0,1 0,-2 0,1 0,-1-1,-9 16,-4 2,-30 38,42-58,0 0,-1-1,1 1,-1-1,-1 0,1-1,-1 1,0-1,0-1,0 1,-1-1,1 0,-1-1,0 0,0 0,-1-1,-15 3,16-4,1 0,0-1,0 0,-1 0,1-1,0 0,0 0,0 0,-11-5,15 5,0-1,0 1,0-1,0 0,1 0,-1 0,1-1,-1 1,1-1,0 1,0-1,0 0,0 1,1-1,-1 0,1 0,0 0,0-1,0 1,0 0,0 0,1 0,-1-5,-3-46,4-92,3 53,-4 77,0-22,0 37,1-1,1 0,-1 1,0-1,0 0,1 0,-1 1,1-1,-1 1,1-1,0 0,-1 1,1-1,0 1,2-2,-3 2,0 1,1 0,-1 0,1-1,-1 1,1 0,-1 0,1-1,-1 1,0 0,1 0,-1 0,1 0,0 0,-1 0,1 0,-1 0,1 0,-1 0,1 0,-1 0,1 0,-1 0,1 0,-1 0,1 1,-1-1,1 0,0 1,12 14,3 21,35 93,-12-34,-30-75,-7-17,0 0,-1 0,1 0,-1 0,1 0,-1 1,0-1,-1 1,1-1,-1 0,1 1,-1-1,0 1,0-1,-1 6,-3-9,-2-11,-2-11,2-2,2 0,0 0,2-1,0 1,3-29,-1 52,0-1,0 1,0 0,0 0,0 0,0 0,0 0,1-1,-1 1,0 0,1 0,-1 0,1 0,-1 0,1 0,-1 0,1 0,0 0,-1 0,1 0,0 1,0-1,0 0,0 0,0 1,1-2,-1 2,1 0,-1 0,1 0,-1 1,1-1,-1 0,1 0,-1 1,0-1,1 1,-1-1,1 1,-1 0,0-1,0 1,3 2,5 4,0 1,0 0,11 15,-16-17,0-1,-1 1,1 0,-2 1,1-1,-1 0,3 12,8 50,-12-59,1 11,-1 0,-1 22,0-23,-12-136,12-5,0 122,0 0,-1-1,1 1,0 0,0-1,0 1,0-1,0 1,0 0,0-1,0 1,0 0,0-1,0 1,1 0,-1-1,0 1,0 0,0-1,0 1,0 0,1-1,-1 1,0 0,0-1,1 1,-1 0,0 0,0-1,1 1,-1 0,0 0,1-1,8 12,8 32,-15-35,7 13,-2 0,0 0,3 25,-8-39,-2 1,1-1,-1 1,-1-1,1 1,-1-1,0 0,-1 1,0-1,0 0,0 0,-7 13,4-10,2-4,0 0,0 1,-1-1,1 0,-1-1,-1 1,1-1,-1 0,-9 8,13-13,1 1,-1-1,0 0,1 0,-1 0,0 0,1 0,-1 0,0 0,1 0,-1 0,0 0,1 0,-1 0,1 0,-1-1,0 1,1 0,-1 0,0-1,1 1,-1 0,1-1,-1 1,1-1,-1 1,1-1,-1 1,1-1,0 1,-1-1,1 1,0-1,-1 0,1 1,0-1,0 1,-1-1,1 0,0 1,0-1,0 0,0 1,0-2,-6-34,5 32,-4-71,5-96,2 64,1 77,0-1,2 1,2 0,18-54,-5 19,4-9,44-91,-24 76,-34 63,0-1,-2-1,-2 1,0-1,-1 0,-2-1,-1 1,-4-57,2 84,0 0,0 0,0 0,-1 0,1 0,0 0,-1 0,1 0,0 1,-1-1,1 0,-1 0,1 0,-1 1,0-1,1 0,-1 1,0-1,1 0,-1 1,0-1,0 1,0-1,0 1,1-1,-1 1,0 0,0 0,0-1,0 1,0 0,0 0,0 0,0 0,0 0,0 0,0 0,0 0,0 0,0 1,0-1,1 0,-1 0,0 1,-1 0,-8 2,0 1,1 0,-14 8,8-4,-12 3,1 1,0 1,1 1,1 2,-40 31,51-35,0 1,1-1,1 2,0 0,1 0,0 1,1 0,1 1,-9 20,16-32,-6 12,0 0,1 0,1 0,1 1,0 0,1 0,1 0,-1 20,4-24,-1 0,0-1,-1 1,-1 0,0-1,0 1,-8 20,6-21,1 1,1-1,-1 23,0-6,-2 22,5 87,2-57,-2-70</inkml:trace>
+</inkml:ink>
+</file>
+
+<file path=ppt/ink/ink3.xml><?xml version="1.0" encoding="utf-8"?>
+<inkml:ink xmlns:inkml="http://www.w3.org/2003/InkML">
+  <inkml:definitions>
+    <inkml:context xml:id="ctx0">
+      <inkml:inkSource xml:id="inkSrc0">
+        <inkml:traceFormat>
+          <inkml:channel name="X" type="integer" min="-2.14748E9" max="2.14748E9" units="cm"/>
+          <inkml:channel name="Y" type="integer" min="-2.14748E9" max="2.14748E9" units="cm"/>
+        </inkml:traceFormat>
+        <inkml:channelProperties>
+          <inkml:channelProperty channel="X" name="resolution" value="1000" units="1/cm"/>
+          <inkml:channelProperty channel="Y" name="resolution" value="1000" units="1/cm"/>
+        </inkml:channelProperties>
+      </inkml:inkSource>
+      <inkml:timestamp xml:id="ts0" timeString="2024-07-03T07:47:39.108"/>
+    </inkml:context>
+    <inkml:brush xml:id="br0">
+      <inkml:brushProperty name="width" value="0.1" units="cm"/>
+      <inkml:brushProperty name="height" value="0.2" units="cm"/>
+      <inkml:brushProperty name="color" value="#FFFC00"/>
+      <inkml:brushProperty name="tip" value="rectangle"/>
+      <inkml:brushProperty name="rasterOp" value="maskPen"/>
+      <inkml:brushProperty name="ignorePressure" value="1"/>
+    </inkml:brush>
+  </inkml:definitions>
+  <inkml:trace contextRef="#ctx0" brushRef="#br0">1 0,'0'1,"1"0,-1 0,1 0,-1 0,1 0,0 0,-1 0,1-1,0 1,0 0,-1 0,1-1,0 1,0 0,0-1,0 1,0-1,0 1,0-1,0 0,0 1,1-1,26 7,125 3,-114-6,0-2,-1-1,46-6,-31-7,-44 9,0 1,0 0,1 0,18-1,26 2,68 3,-79 3,43 2,-63-8,-13 0,1 1,0 0,-1 0,1 1,-1 1,1 0,-1 0,0 1,11 4,-19-6,-1 0,1-1,-1 1,1 0,-1-1,1 1,0-1,-1 0,1 0,0 1,-1-1,1 0,0 0,-1 0,1-1,0 1,-1 0,1-1,-1 1,1-1,0 1,-1-1,3-1,1-3</inkml:trace>
+</inkml:ink>
+</file>
+
+<file path=ppt/ink/ink4.xml><?xml version="1.0" encoding="utf-8"?>
+<inkml:ink xmlns:inkml="http://www.w3.org/2003/InkML">
+  <inkml:definitions>
+    <inkml:context xml:id="ctx0">
+      <inkml:inkSource xml:id="inkSrc0">
+        <inkml:traceFormat>
+          <inkml:channel name="X" type="integer" min="-2.14748E9" max="2.14748E9" units="cm"/>
+          <inkml:channel name="Y" type="integer" min="-2.14748E9" max="2.14748E9" units="cm"/>
+        </inkml:traceFormat>
+        <inkml:channelProperties>
+          <inkml:channelProperty channel="X" name="resolution" value="1000" units="1/cm"/>
+          <inkml:channelProperty channel="Y" name="resolution" value="1000" units="1/cm"/>
+        </inkml:channelProperties>
+      </inkml:inkSource>
+      <inkml:timestamp xml:id="ts0" timeString="2024-07-03T07:47:49.619"/>
+    </inkml:context>
+    <inkml:brush xml:id="br0">
+      <inkml:brushProperty name="width" value="0.1" units="cm"/>
+      <inkml:brushProperty name="height" value="0.2" units="cm"/>
+      <inkml:brushProperty name="color" value="#FFFC00"/>
+      <inkml:brushProperty name="tip" value="rectangle"/>
+      <inkml:brushProperty name="rasterOp" value="maskPen"/>
+      <inkml:brushProperty name="ignorePressure" value="1"/>
+    </inkml:brush>
+  </inkml:definitions>
+  <inkml:trace contextRef="#ctx0" brushRef="#br0">1 202,'0'-10,"1"0,0-1,1 1,0 0,0 1,1-1,1 0,0 1,0-1,0 1,1 0,7-9,-8 13,0 0,0 0,1 0,-1 0,1 1,0 0,0 0,1 0,-1 0,1 1,0 0,0 0,0 1,0 0,0 0,0 0,1 1,-1 0,12-1,-15 2,1 0,-1 0,0 0,0 0,0 0,0 1,0 0,1 0,-1 0,0 0,-1 0,1 0,0 1,0-1,0 1,-1 0,4 2,-3 0,0 1,0-1,-1 1,1-1,-1 1,0 0,0 0,-1 0,3 8,6 23,24 49,-17-56,-14-25,-1-1,1 1,-1 0,0 0,0 0,0 0,-1 0,1 1,0 7,0 5,1 1,0-1,1 0,1-1,0 1,1-1,16 29,4 11,-4-6,8 28,-27-72,-1 1,1 0,-1 0,0 0,-1 0,0 1,0-1,0 0,-1 8,5 36,1 8,-6-53,-1 0,1 1,1-1,-1 1,1-1,0 0,1 0,0 1,0-1,0 0,0 0,1-1,0 1,0 0,7 7,-6-9,0 1,-1 0,1 0,-1 0,0 0,0 1,-1-1,0 1,3 9,7 56,-11-58,0 1,2 0,0-1,0 1,7 14,-7-17,0 1,-1 0,0 0,-1 0,0 0,-1 0,0 0,-3 17,2 15,0-32,1-5,-1 1,1-1,1 1,-1-1,1 1,1-1,-1 0,1 1,0-1,1 0,0 0,5 10,-2-6,0 1,-1 1,-1-1,0 1,-1-1,4 24,3 13,-7-35,-1-1,-1 1,0 0,-1 18,-1-19,1-1,1 1,0 0,0-1,7 23,-4-20,-1 1,0 0,1 24,2 15,-3-11,-3-34</inkml:trace>
+</inkml:ink>
+</file>
+
+<file path=ppt/ink/ink5.xml><?xml version="1.0" encoding="utf-8"?>
+<inkml:ink xmlns:inkml="http://www.w3.org/2003/InkML">
+  <inkml:definitions>
+    <inkml:context xml:id="ctx0">
+      <inkml:inkSource xml:id="inkSrc0">
+        <inkml:traceFormat>
+          <inkml:channel name="X" type="integer" min="-2.14748E9" max="2.14748E9" units="cm"/>
+          <inkml:channel name="Y" type="integer" min="-2.14748E9" max="2.14748E9" units="cm"/>
+        </inkml:traceFormat>
+        <inkml:channelProperties>
+          <inkml:channelProperty channel="X" name="resolution" value="1000" units="1/cm"/>
+          <inkml:channelProperty channel="Y" name="resolution" value="1000" units="1/cm"/>
+        </inkml:channelProperties>
+      </inkml:inkSource>
+      <inkml:timestamp xml:id="ts0" timeString="2024-07-03T07:48:03.647"/>
+    </inkml:context>
+    <inkml:brush xml:id="br0">
+      <inkml:brushProperty name="width" value="0.1" units="cm"/>
+      <inkml:brushProperty name="height" value="0.2" units="cm"/>
+      <inkml:brushProperty name="color" value="#FFFC00"/>
+      <inkml:brushProperty name="tip" value="rectangle"/>
+      <inkml:brushProperty name="rasterOp" value="maskPen"/>
+      <inkml:brushProperty name="ignorePressure" value="1"/>
+    </inkml:brush>
+  </inkml:definitions>
+  <inkml:trace contextRef="#ctx0" brushRef="#br0">907 1697,'-471'0,"336"12,64-11,-75-3,142 2,1-1,-1 1,1-1,-1 0,1 0,-1-1,1 1,0-1,0 1,0-1,0 0,0 0,0 0,0-1,0 1,1-1,0 1,-1-1,1 0,-2-4,1 1,0 1,1-1,-1 0,1 0,1 0,-1 0,1 0,0 0,1 0,0-11,1 5,0 0,1 0,1 0,0 0,1 1,6-15,-8 20,1 0,-1 0,1 1,1 0,-1-1,1 1,0 0,0 1,0-1,1 1,0 0,0 0,10-6,-4 6,0 0,0 1,0 0,0 1,1 0,14 0,75 4,-40 0,-42-2,-6-1,0 1,1 0,-1 1,0 0,0 1,0 1,24 8,-35-11,-1 1,0-1,0 1,0 0,1 0,-1-1,0 1,0 0,0 0,0 0,0 0,-1 0,1 0,0 1,0-1,-1 0,1 0,-1 1,1-1,-1 0,1 0,-1 1,0-1,0 1,1-1,-1 0,0 1,0-1,-1 0,1 1,0-1,0 0,-1 1,1-1,0 0,-1 1,0-1,1 0,-1 0,0 1,1-1,-2 1,0 1,0 0,-1 0,1 0,-1 0,1 0,-1-1,0 0,0 1,0-1,0 0,0 0,-1-1,1 1,-7 2,-31 4,17-3,0 0,-49 2,32-6,24 0,0-1,-1 0,1-1,0-1,-25-5,125-5,78-2,-112 11,42-9,-54 7,31-1,62-6,-116 11,30 2,-43-1,0 0,0 0,0 1,0-1,0 0,0 0,0 1,0-1,0 0,0 1,0-1,0 1,0 0,0-1,-1 1,1-1,0 1,0 0,-1 0,1 0,0-1,-1 1,1 0,-1 0,1 0,-1 0,0 0,1 0,-1 0,0 0,1 0,-1 0,0 1,0 0,-1-1,1 0,-1 0,1 1,-1-1,1 0,-1 0,1 0,-1 0,0 0,0 0,0 0,1 0,-1 0,0 0,0 0,0-1,-1 1,1 0,0-1,-1 1,-31 13,24-11,-17 7,1-2,-1-1,0 0,-1-2,1-2,-1 0,-37-1,-103-3,171 1,209-11,-200 9,0 1,-1-2,1 0,-1 0,1-1,15-7,20-6,-36 13,5 0,-1-1,1-1,0 0,-1-2,-1 1,20-14,-34 21,0-1,-1 0,1 1,0-1,0 0,0 1,-1-1,1 0,0 0,-1 0,1 0,0 0,-1 0,0 0,1 0,-1 0,1 0,-1 0,0 0,0 0,0 0,1 0,-1 0,0 0,0 0,-1 0,1 0,0 0,0 0,0 0,-1-1,1 1,0 0,-1 0,1 1,-2-3,-2-2,-1-1,1 0,-1 1,-12-9,13 10,-1 0,1 0,-1 0,1-1,-4-5,6 6,0 1,-1 0,1-1,-1 1,1 0,-1 1,0-1,0 0,0 1,-1 0,1 0,-1 0,1 0,-1 0,1 1,-6-2,-7-1,1 1,-31-2,4 0,10 2,-1 1,-47 4,18-1,50 0,1 0,-1 1,-22 6,23-5,-1 0,1-1,0 0,-13 0,127-4,110 4,-202 0,1 0,-1 1,0 1,0 0,15 8,12 4,46 5,-80-19,0 0,-1 1,1-1,-1 1,0 0,0 0,0 0,0 1,0-1,-1 0,1 1,-1 0,2 5,21 55,-23-59,0 4,0 1,-1-1,0 1,-1-1,-1 19,1-19,-11-59,9 26,-1 1,-1 0,-1 0,-1 0,-2 0,-13-31,-6-22,13 30,11 35,1 7,1-1,-1 0,0 1,0 0,0-1,-5-6,5 10,0-1,1 0,-1 1,0 0,0-1,0 1,0 0,0 0,-1 0,1 0,0 1,0-1,-1 0,1 1,0 0,-1-1,-2 1,-57-2,-67 5,99 1,0 2,1 0,-31 12,20-6,27-8,0 1,0 1,-12 7,17-8,1-1,-1 0,-1 0,1-1,0 0,-1-1,0 1,0-2,-15 2,7-2,10-1,-1 1,1-1,-1-1,1 0,-15-3,21 4,-1-1,0 0,0 1,1-1,-1 0,0 0,1-1,-1 1,1 0,-1 0,1-1,0 1,0-1,0 1,-1-1,1 0,1 1,-1-1,0 0,0 0,1 1,-1-1,1 0,-1 0,1 0,0 0,0-3,-2-11,2-1,0 1,1 0,0 0,2 0,0 0,7-23,-8 34,-1 0,2 0,-1 0,0 1,1-1,0 1,0-1,0 1,1 0,0 0,-1 1,1-1,0 1,1 0,-1 0,1 0,-1 0,1 1,0 0,0 0,0 0,0 1,0-1,0 1,0 1,9-2,44-1,85-4,-134 8,1 1,-1-1,0 2,0-1,-1 1,1 0,0 1,12 7,-13-6,0-1,1 0,0 0,0-1,0 0,0-1,1 0,14 1,19-2,98-3,-139 2,0-1,0 1,0-1,0 1,-1-1,1 0,0 0,0 0,0 0,-1 0,1 0,0-1,-1 1,1 0,-1-1,1 1,-1-1,0 0,0 1,0-1,0 0,0 0,0 0,0 0,-1 0,1 0,-1 0,1 0,-1 0,0 0,1 0,-1 0,0 0,-1 0,1 0,0 0,-1 0,1 0,-1 0,1 0,-1 0,0 0,0 0,0 0,0 1,0-1,0 0,-1 1,1-1,0 1,-1-1,1 1,-1 0,0-1,1 1,-1 0,0 0,0 0,0 0,-4-1,-15 0,0 0,-1 1,0 1,-24 4,28-3,0 1,1 1,0 1,-32 11,28-7,-37 7,34-10,0 1,-25 12,-5 8,45-20,-1-1,0 0,0-1,-1 0,1 0,-1-1,-14 2,23-5,1 0,-1 0,1 0,-1-1,1 1,0-1,-1 1,1-1,-1 1,1-1,0 0,0 1,-1-1,1 0,0 0,0 0,0 0,0 0,0-1,0 1,0 0,0 0,1-1,-1 1,0 0,1-1,-1 1,1 0,-1-1,1 1,0-1,0 1,0-4,-2-7,1 0,0 0,2-13,-1 18,12-88,-11 88,-1 0,1 0,0-1,0 1,1 0,0 0,1 0,-1 0,1 1,0-1,1 1,4-7,-5 9,0 0,0 1,0-1,1 1,-1 0,1 0,-1 1,1-1,0 1,0-1,0 1,1 0,-1 1,0-1,1 1,-1 0,1 0,-1 0,10 0,52 0,124 4,-140 3,-30-4,0 0,-1 0,28-3,-46 1,0 0,0 0,0 0,0-1,1 1,-1 0,0-1,0 1,0-1,0 1,0-1,0 0,0 1,0-1,0 0,0 0,0 1,-1-1,1 0,0 0,-1 0,1 0,0 0,-1 0,1 0,-1 0,1 0,-1 0,0-1,1 1,-1 0,0 0,0 0,0 0,0-1,0 1,0 0,0 0,-1 0,1 0,0-1,0 1,-2-2,2 1,-1-1,0 1,0-1,0 1,0 0,-1-1,1 1,-1 0,1 0,-1 0,0 0,0 0,0 0,0 0,0 1,0-1,0 1,0-1,-4 0,0 0,-1 1,1 0,-1 0,1 0,-1 1,0 0,1 0,-1 1,1 0,-1 0,1 0,-1 1,1 0,-9 4,-2 3,0 1,0 0,-21 19,20-15,-1-1,-23 13,30-22,0 0,0-1,0-1,0 0,-21 1,21-2,10-1,0 1,0-1,0 0,0 0,0 0,0-1,-1 1,1 0,0-1,0 1,0-1,0 0,0 0,0 0,1 0,-1 0,0 0,0 0,1-1,-1 1,0 0,1-1,0 0,-1 1,1-1,0 0,0 1,0-1,0 0,0 0,0 0,1 0,-1 0,0 0,1-3,-2-9,0 0,1 1,1-1,3-22,-2 5,-2-12,-1-28,2 65,1-1,0 1,0 0,0 0,1-1,0 1,0 0,3-6,-2 7,0 1,1 0,-1 0,1 0,-1 0,1 0,1 1,-1 0,0 0,1 0,-1 0,1 1,0 0,0 0,0 0,0 0,0 1,0 0,6-1,13-1,0 2,-1 0,27 3,-3 0,-41-2,0 0,0-1,-1 1,1 0,0 1,-1-1,1 1,0 1,-1-1,1 1,-1-1,1 2,-1-1,0 1,8 5,-8-5,1 0,-1 0,1-1,-1 0,1 1,0-2,0 1,8 1,13 3,-26-6,-1 0,0 0,0 0,1 0,-1 0,0 0,0 0,1 0,-1 0,0 0,0 0,0 0,1 1,-1-1,0 0,0 0,0 0,1 0,-1 1,0-1,0 0,0 0,0 0,1 1,-1-1,0 0,0 0,0 0,0 1,0-1,0 0,0 0,0 1,0-1,0 0,0 0,0 1,0-1,0 0,0 0,0 1,0-1,0 0,0 0,0 1,0-1,0 0,-1 1,-13 12,-22 8,3-8,-1-2,-43 10,42-13,-6 5,31-9,0-1,0 0,0-1,0 0,-1 0,-13 0,-7-1,21 0,0 0,1-1,-1 0,0-1,0 0,-14-4,24 5,-1 0,1 0,-1 0,1 0,-1-1,1 1,-1 0,1 0,-1-1,1 1,0 0,-1-1,1 1,-1 0,1-1,0 1,0-1,-1 1,1-1,0 1,-1-1,1 1,0-1,0 1,0-1,0 1,0-1,-1 1,1-1,0 1,0-1,10-16,20-7,-18 16,0 0,1 1,0 0,0 1,1 1,0 0,-1 1,1 0,1 1,-1 1,0 0,28 1,-36 1,0 0,0 0,0 1,-1 0,1 0,0 0,9 4,-14-4,0 0,0-1,1 1,-1 0,0 0,0 0,0 0,0 0,0 0,0 1,0-1,0 0,-1 0,1 1,0-1,-1 0,1 1,-1-1,0 1,1-1,-1 1,0-1,0 0,0 1,0-1,0 1,0-1,0 1,0-1,-1 1,1-1,0 1,-1-1,0 0,1 1,-2 1,0 0,0 0,0 1,0-1,-1 0,1 0,-1 0,1-1,-1 1,0-1,0 1,-1-1,1 0,0 0,-1-1,-5 3,-61 18,60-19,8-2,0 0,0-1,0 1,0-1,0 1,-1-1,1 0,0 0,0 0,0 0,0 0,0 0,0 0,0-1,0 1,0-1,0 0,0 1,0-1,0 0,-2-2,2 1,0 0,1-1,0 1,-1-1,1 1,0-1,0 0,1 0,-1 1,0-1,1 0,0 0,-1 0,1 1,1-6,-1 0,1-1,0 1,1 0,0 0,0 0,1 0,0 0,0 1,1-1,0 1,0 0,9-11,-10 13,1 1,0-1,0 1,0 0,0 0,1 1,0-1,-1 1,1 0,1 0,-1 0,0 1,1 0,-1 0,1 0,-1 1,1 0,10-1,-15 2,0 0,0 0,0 0,0 0,-1 0,1 0,0 0,0 0,0 0,0 1,0-1,-1 0,1 1,0-1,0 0,-1 1,1-1,0 1,0-1,-1 1,1 0,-1-1,1 1,0 0,-1-1,1 1,-1 0,0 0,1-1,-1 1,1 0,-1 0,0 0,0 0,0-1,1 1,-1 0,0 0,0 0,0 0,0 1,-1 0,1 0,0 0,-1-1,0 1,1 0,-1 0,0 0,0 0,0-1,0 1,0 0,0-1,0 1,-1-1,1 1,-1-1,-1 2,-10 3,0 0,0-1,-1 0,1-1,-1-1,-17 3,30-6,-1 0,1 0,0 1,0-1,-1 0,1 0,0 0,0 0,-1 0,1-1,0 1,0 0,0-1,-1 1,1 0,0-1,0 0,0 1,0-1,0 1,0-1,0 0,0 0,0 0,0 0,-1-1,1 0,0-1,0 1,1 0,-1 0,0-1,1 1,0 0,-1-1,1 1,0-1,0 1,0 0,1-4,0 1,0 0,0 0,0 0,1 0,-1 0,1 0,1 0,-1 0,1 1,0-1,0 1,6-8,-6 10,0 1,1-1,-1 1,0 0,0 0,1 0,-1 0,1 0,6 1,-9-1,1 1,-1 0,0 0,0 0,1 0,-1 0,0 0,0 0,0 0,1 0,-1 1,0-1,0 1,0-1,0 1,0-1,0 1,1-1,-1 1,0 0,-1 0,1-1,0 1,0 0,0 0,0 0,-1 0,1 0,0 0,0 2,-1-2,0 1,0-1,-1 0,1 1,0-1,-1 0,1 0,-1 1,1-1,-1 0,0 0,0 0,1 0,-1 0,0 0,0 0,0 0,0 0,0 0,0-1,0 1,0 0,-3 1,-30 15,31-16,2 0,-1-1,1 1,0 0,0-1,-1 1,1-1,0 0,-1 1,1-1,0 0,-1 0,1 1,0-1,-1 0,1-1,0 1,-1 0,1 0,-1-1,1 1,0 0,0-1,-1 1,1-1,0 0,0 1,0-1,-1 0,1 0,0 0,0 0,0 0,1 0,-1 0,0 0,0 0,0 0,1-1,-1 1,1 0,-1 0,1-1,-1 1,1 0,0-1,-1 1,1 0,0-3,-1-10,0 1,1 0,1-1,2-14,-2 13,0 9,1 0,-1 1,1-1,0 0,1 1,-1-1,1 1,0 0,0 0,1 0,4-6,-6 9,0 0,0-1,0 1,0 0,0 0,0 1,0-1,1 0,-1 1,1-1,-1 1,1 0,-1 0,1 0,0 0,0 0,-1 1,1-1,0 1,0 0,0 0,0 0,0 0,-1 0,5 1,-6-1,0 1,0-1,0 0,0 1,0-1,0 0,0 1,0-1,-1 1,1 0,0-1,0 1,-1 0,1-1,0 1,-1 0,1 0,-1-1,1 1,-1 0,1 0,-1 0,1 0,-1 0,0 0,0 0,0 0,1 0,-1 0,0 0,0-1,0 1,0 0,0 0,-1 0,1 0,0 0,0 0,-1 0,1 0,0 0,-1 0,1 0,-1 0,0 1,-2 1,1 1,0-1,-1 0,0 0,0 0,0 0,0 0,0-1,-5 4,0-2,0 0,-1-1,1 0,-1 0,1-1,-1 0,-13 2,20-4,0 0,0 0,0 0,0 0,0 0,0 0,0 0,0-1,1 1,-1-1,0 1,0-1,0 0,1 0,-1 1,0-1,1 0,-1-1,1 1,-1 0,1 0,-1-1,1 1,0-1,0 1,0-1,0 1,0-1,0 0,0 0,0 1,1-1,-1 0,1 0,-1 0,1 0,0 0,0 0,0-3,-1-8,1 1,0-1,1 1,0 0,1-1,5-17,-6 27,0 1,0-1,0 1,1 0,-1-1,0 1,1 0,0 0,-1 0,1 0,0 0,0 0,0 1,1-1,-1 1,0-1,0 1,1 0,-1 0,1 0,-1 0,1 0,-1 1,1-1,0 1,-1-1,1 1,0 0,-1 0,1 0,0 1,-1-1,1 1,-1-1,1 1,4 2,-4-2,-1 0,1 1,-1-1,1 1,-1 0,0-1,0 1,1 0,-1 0,-1 1,1-1,0 0,0 1,-1-1,0 1,1-1,-1 1,0 0,0-1,0 1,-1 0,1 0,-1 0,1 4,-1-5,1 1,-1-1,0 1,0-1,0 1,0 0,0-1,-1 1,1-1,-1 1,0-1,1 1,-1-1,0 0,-1 1,1-1,0 0,-1 0,1 0,-1 0,1 0,-1 0,0 0,0-1,0 1,0 0,-4 1,5-3,1 1,-1-1,0 0,1 0,-1 0,0 1,0-1,1 0,-1 0,0 0,0 0,1 0,-1 0,0-1,0 1,1 0,-1 0,0 0,1-1,-1 1,0 0,1-1,-1 1,0-1,1 1,-1 0,0-2,0 0,-1 1,1-1,0 0,0 0,0 0,0 0,0 0,1 0,-2-4,1 1,1-1,-1 1,1 0,-1-1,2 1,-1 0,2-8,-2 11,1 0,0 1,0-1,0 0,0 1,0-1,0 1,0-1,0 1,1 0,-1-1,1 1,-1 0,1 0,-1 0,1 0,0 0,-1 0,1 1,0-1,0 1,-1-1,1 1,0-1,0 1,0 0,0 0,0 0,-1 0,1 0,0 0,3 1,1 0,0 1,0-1,0 1,0 0,-1 0,1 1,-1-1,9 7,-9-5,0-1,-1 1,0 0,1 1,-2-1,1 1,0 0,-1 0,0 0,0 0,-1 0,3 7,-4-8,0 0,0-1,0 1,-1 0,0-1,1 1,-1 0,-1 0,1-1,-1 1,1 0,-1-1,0 1,0-1,-1 1,1-1,-1 1,1-1,-1 0,-5 6,6-7,-1 0,0 0,-1 0,1 0,0-1,0 1,-1-1,1 1,-1-1,0 0,1 0,-1 0,0 0,1 0,-7 0,8-1,0 0,-1 0,1 0,0 0,-1 0,1 0,0 0,0 0,-1-1,1 1,0-1,0 1,-1-1,1 1,0-1,0 1,0-1,0 0,0 0,0 0,0 0,0 1,0-1,0 0,1-1,-1 1,0 0,1 0,-1 0,1 0,-1 0,1-1,-1 1,1 0,-1-3,1-4,-1-1,1 1,0 0,1-1,2-14,-3 21,1 1,-1-1,1 0,0 0,-1 0,1 0,0 0,0 0,1 1,-1-1,0 1,0-1,2-1,-2 2,0 1,0-1,0 1,0-1,1 1,-1 0,0-1,0 1,0 0,0 0,0 0,0 0,1 0,-1 0,0 0,0 0,0 0,0 1,0-1,0 0,0 1,0-1,1 1,-1-1,1 2,2 0,-1 1,1-1,-1 1,1 1,-1-1,0 0,0 1,-1-1,5 8,20 42,-18-34,0-2,0 0,-2 0,0 1,5 25,-11-42,-1 0,0 0,0-1,0 1,0 0,0 0,0-1,0 1,0 0,0 0,0-1,0 1,0 0,-1 0,1-1,0 1,-1 0,1-1,0 1,-1 0,1-1,-1 1,1-1,-1 1,1-1,-1 1,1-1,-1 1,0-1,1 1,-1-1,0 0,1 1,-1-1,0 0,1 0,-1 1,0-1,0 0,1 0,-1 0,0 0,0 0,1 0,-1 0,0 0,-1-1,0 1,0 0,-1-1,1 1,0-1,0 0,-1 0,1 0,0 0,0 0,0 0,0-1,0 1,1 0,-4-4,-2-6,0 0,1 0,1 0,0-1,-5-17,-13-66,17 69,1-4,-3-58,6 50,2 37,0 0,-1 0,1 0,0 0,0 0,0 0,0 0,-1 0,1 0,-1 0,1 1,0-1,-1 0,0 0,1 0,-1 0,1 1,-1-1,0 0,0 1,1-1,-1 0,0 1,0-1,0 1,0-1,0 1,0 0,0-1,1 1,-1 0,0 0,0-1,0 1,0 0,0 0,0 0,0 0,0 0,0 0,0 1,0-1,0 0,0 1,0-1,-1 1,-2 0,0 0,1 1,-1-1,1 1,0 0,-1 0,1 0,0 1,0-1,-5 6,4-3,1 0,0 0,0 0,0 0,0 0,1 1,0-1,0 1,0 0,1-1,0 1,-1 10,-1 8,-11 37,-3 19,14-67,0 1,-1 0,-1-1,-5 14,-8 20,-26 107,37-110,5-33,1 0,-1-1,-6 20,4-20</inkml:trace>
+</inkml:ink>
+</file>
+
+<file path=ppt/ink/ink6.xml><?xml version="1.0" encoding="utf-8"?>
+<inkml:ink xmlns:inkml="http://www.w3.org/2003/InkML">
+  <inkml:definitions>
+    <inkml:context xml:id="ctx0">
+      <inkml:inkSource xml:id="inkSrc0">
+        <inkml:traceFormat>
+          <inkml:channel name="X" type="integer" min="-2.14748E9" max="2.14748E9" units="cm"/>
+          <inkml:channel name="Y" type="integer" min="-2.14748E9" max="2.14748E9" units="cm"/>
+        </inkml:traceFormat>
+        <inkml:channelProperties>
+          <inkml:channelProperty channel="X" name="resolution" value="1000" units="1/cm"/>
+          <inkml:channelProperty channel="Y" name="resolution" value="1000" units="1/cm"/>
+        </inkml:channelProperties>
+      </inkml:inkSource>
+      <inkml:timestamp xml:id="ts0" timeString="2024-07-03T07:48:07.723"/>
+    </inkml:context>
+    <inkml:brush xml:id="br0">
+      <inkml:brushProperty name="width" value="0.1" units="cm"/>
+      <inkml:brushProperty name="height" value="0.2" units="cm"/>
+      <inkml:brushProperty name="color" value="#FFFC00"/>
+      <inkml:brushProperty name="tip" value="rectangle"/>
+      <inkml:brushProperty name="rasterOp" value="maskPen"/>
+      <inkml:brushProperty name="ignorePressure" value="1"/>
+    </inkml:brush>
+  </inkml:definitions>
+  <inkml:trace contextRef="#ctx0" brushRef="#br0">39 627,'-13'-12,"-5"-2,16 9,1 1,-1 0,1-1,1 1,-1-1,1 1,-1-1,1 0,1 1,-1-1,1 1,-1-1,1 1,1-1,1-3,3-9,2 0,14-24,4-7,2-25,7-18,-27 74,-1 0,-1-1,-1 0,5-29,7-4,-9 31,-6 17,-1 0,0 0,0 1,1-1,0 0,0 1,-1-1,1 1,1-1,-1 1,0 0,1 0,-1 0,1 0,-1 1,1-1,0 1,0-1,0 1,-1 0,1 0,0 0,1 1,-1-1,0 1,3-1,5 1</inkml:trace>
+</inkml:ink>
+</file>
+
+<file path=ppt/ink/ink7.xml><?xml version="1.0" encoding="utf-8"?>
+<inkml:ink xmlns:inkml="http://www.w3.org/2003/InkML">
+  <inkml:definitions>
+    <inkml:context xml:id="ctx0">
+      <inkml:inkSource xml:id="inkSrc0">
+        <inkml:traceFormat>
+          <inkml:channel name="X" type="integer" min="-2.14748E9" max="2.14748E9" units="cm"/>
+          <inkml:channel name="Y" type="integer" min="-2.14748E9" max="2.14748E9" units="cm"/>
+        </inkml:traceFormat>
+        <inkml:channelProperties>
+          <inkml:channelProperty channel="X" name="resolution" value="1000" units="1/cm"/>
+          <inkml:channelProperty channel="Y" name="resolution" value="1000" units="1/cm"/>
+        </inkml:channelProperties>
+      </inkml:inkSource>
+      <inkml:timestamp xml:id="ts0" timeString="2024-07-03T07:48:12.311"/>
+    </inkml:context>
+    <inkml:brush xml:id="br0">
+      <inkml:brushProperty name="width" value="0.1" units="cm"/>
+      <inkml:brushProperty name="height" value="0.2" units="cm"/>
+      <inkml:brushProperty name="color" value="#FFFC00"/>
+      <inkml:brushProperty name="tip" value="rectangle"/>
+      <inkml:brushProperty name="rasterOp" value="maskPen"/>
+      <inkml:brushProperty name="ignorePressure" value="1"/>
+    </inkml:brush>
+  </inkml:definitions>
+  <inkml:trace contextRef="#ctx0" brushRef="#br0">89 158,'-2'0,"0"-1,1 1,-1-1,1 1,-1-1,1 0,-1 1,1-1,0 0,-1 0,1 0,0 0,0 0,-1 0,1-1,0 1,0 0,0-1,1 1,-3-3,-14-35,14 31,-4-9,4 8,-1 0,0 1,0-1,-8-11,11 20,1 0,0-1,-1 1,1 0,-1-1,1 1,0 0,0 0,-1-1,1 1,0-1,0 1,-1 0,1-1,0 1,0 0,0-1,0 1,0-1,-1 1,1-1,0 1,0 0,0-1,0 1,0-1,0 1,1-1,-1 1,0 0,0-1,0 1,0-1,0 1,1-1,-1 1,0 0,0-1,0 1,1 0,-1-1,1 1,-1 0,1 0,0 0,0 0,-1 0,1 0,0 0,0 0,-1 1,1-1,0 0,-1 0,1 1,0-1,-1 1,1-1,-1 0,1 1,-1-1,1 1,-1 0,1-1,-1 1,1-1,-1 1,1 0,-1 0,8 14,-1 0,-1 1,0 0,-1 0,-1 0,0 1,-2 0,2 25,-3-33,1-1,0 0,0 0,1 0,4 9,8 23,9 34,-15-52,10 46,9 17,-17-53,-5-16,0-1,-2 1,0 0,0 1,-2-1,2 27,7 110,-11-143</inkml:trace>
+</inkml:ink>
+</file>
+
+<file path=ppt/ink/ink8.xml><?xml version="1.0" encoding="utf-8"?>
+<inkml:ink xmlns:inkml="http://www.w3.org/2003/InkML">
+  <inkml:definitions>
+    <inkml:context xml:id="ctx0">
+      <inkml:inkSource xml:id="inkSrc0">
+        <inkml:traceFormat>
+          <inkml:channel name="X" type="integer" min="-2.14748E9" max="2.14748E9" units="cm"/>
+          <inkml:channel name="Y" type="integer" min="-2.14748E9" max="2.14748E9" units="cm"/>
+        </inkml:traceFormat>
+        <inkml:channelProperties>
+          <inkml:channelProperty channel="X" name="resolution" value="1000" units="1/cm"/>
+          <inkml:channelProperty channel="Y" name="resolution" value="1000" units="1/cm"/>
+        </inkml:channelProperties>
+      </inkml:inkSource>
+      <inkml:timestamp xml:id="ts0" timeString="2024-07-03T07:48:17.950"/>
+    </inkml:context>
+    <inkml:brush xml:id="br0">
+      <inkml:brushProperty name="width" value="0.1" units="cm"/>
+      <inkml:brushProperty name="height" value="0.2" units="cm"/>
+      <inkml:brushProperty name="color" value="#FFFC00"/>
+      <inkml:brushProperty name="tip" value="rectangle"/>
+      <inkml:brushProperty name="rasterOp" value="maskPen"/>
+      <inkml:brushProperty name="ignorePressure" value="1"/>
+    </inkml:brush>
+  </inkml:definitions>
+  <inkml:trace contextRef="#ctx0" brushRef="#br0">808 39,'-19'0,"-21"-1,0 3,-41 6,6-5,44-3,26 0,10-1,16 3,0 0,31 7,-32-5,0-1,38 2,-49-6,-1 1,1-2,-1 1,1-1,-1-1,0 1,0-1,0-1,11-6,9-3,4 5,-31 8,-3 0,-18 1,-10-1,1-1,-1-2,-50-10,50 9,0 0,0 2,-59 4,21 0,56-1,0 0,1 1,-1 1,1 0,-15 6,-29 7,-29-4,50-7,26-3,-1-1,0 0,1-1,-1 1,0-2,0 1,0-1,-10-3,-66-23,93 25,-1 2</inkml:trace>
+</inkml:ink>
+</file>
+
+<file path=ppt/ink/ink9.xml><?xml version="1.0" encoding="utf-8"?>
+<inkml:ink xmlns:inkml="http://www.w3.org/2003/InkML">
+  <inkml:definitions>
+    <inkml:context xml:id="ctx0">
+      <inkml:inkSource xml:id="inkSrc0">
+        <inkml:traceFormat>
+          <inkml:channel name="X" type="integer" min="-2.14748E9" max="2.14748E9" units="cm"/>
+          <inkml:channel name="Y" type="integer" min="-2.14748E9" max="2.14748E9" units="cm"/>
+        </inkml:traceFormat>
+        <inkml:channelProperties>
+          <inkml:channelProperty channel="X" name="resolution" value="1000" units="1/cm"/>
+          <inkml:channelProperty channel="Y" name="resolution" value="1000" units="1/cm"/>
+        </inkml:channelProperties>
+      </inkml:inkSource>
+      <inkml:timestamp xml:id="ts0" timeString="2024-07-03T07:48:27.003"/>
+    </inkml:context>
+    <inkml:brush xml:id="br0">
+      <inkml:brushProperty name="width" value="0.1" units="cm"/>
+      <inkml:brushProperty name="height" value="0.2" units="cm"/>
+      <inkml:brushProperty name="color" value="#FFFC00"/>
+      <inkml:brushProperty name="tip" value="rectangle"/>
+      <inkml:brushProperty name="rasterOp" value="maskPen"/>
+      <inkml:brushProperty name="ignorePressure" value="1"/>
+    </inkml:brush>
+  </inkml:definitions>
+  <inkml:trace contextRef="#ctx0" brushRef="#br0">1 0,'0'0</inkml:trace>
+</inkml:ink>
+</file>
+
 <file path=ppt/slideLayouts/slideLayout1.xml><?xml version="1.0" encoding="utf-8"?>
 <p:sldLayout xmlns:a="http://schemas.openxmlformats.org/drawingml/2006/main" xmlns:r="http://schemas.openxmlformats.org/officeDocument/2006/relationships" xmlns:p="http://schemas.openxmlformats.org/presentationml/2006/main" type="title" preserve="1">
   <p:cSld name="Title Slide">
@@ -281,7 +978,7 @@
           <a:p>
             <a:fld id="{9CF77F1B-567A-495B-BCED-32BA57B01AB8}" type="datetimeFigureOut">
               <a:rPr lang="en-US" smtClean="0"/>
-              <a:t>5/25/2024</a:t>
+              <a:t>7/3/2024</a:t>
             </a:fld>
             <a:endParaRPr lang="en-US"/>
           </a:p>
@@ -479,7 +1176,7 @@
           <a:p>
             <a:fld id="{9CF77F1B-567A-495B-BCED-32BA57B01AB8}" type="datetimeFigureOut">
               <a:rPr lang="en-US" smtClean="0"/>
-              <a:t>5/25/2024</a:t>
+              <a:t>7/3/2024</a:t>
             </a:fld>
             <a:endParaRPr lang="en-US"/>
           </a:p>
@@ -687,7 +1384,7 @@
           <a:p>
             <a:fld id="{9CF77F1B-567A-495B-BCED-32BA57B01AB8}" type="datetimeFigureOut">
               <a:rPr lang="en-US" smtClean="0"/>
-              <a:t>5/25/2024</a:t>
+              <a:t>7/3/2024</a:t>
             </a:fld>
             <a:endParaRPr lang="en-US"/>
           </a:p>
@@ -891,7 +1588,7 @@
           <a:p>
             <a:fld id="{846CE7D5-CF57-46EF-B807-FDD0502418D4}" type="datetimeFigureOut">
               <a:rPr lang="en-US" smtClean="0"/>
-              <a:t>5/25/2024</a:t>
+              <a:t>7/3/2024</a:t>
             </a:fld>
             <a:endParaRPr lang="en-US"/>
           </a:p>
@@ -1061,7 +1758,7 @@
           <a:p>
             <a:fld id="{846CE7D5-CF57-46EF-B807-FDD0502418D4}" type="datetimeFigureOut">
               <a:rPr lang="en-US" smtClean="0"/>
-              <a:t>5/25/2024</a:t>
+              <a:t>7/3/2024</a:t>
             </a:fld>
             <a:endParaRPr lang="en-US"/>
           </a:p>
@@ -1307,7 +2004,7 @@
           <a:p>
             <a:fld id="{846CE7D5-CF57-46EF-B807-FDD0502418D4}" type="datetimeFigureOut">
               <a:rPr lang="en-US" smtClean="0"/>
-              <a:t>5/25/2024</a:t>
+              <a:t>7/3/2024</a:t>
             </a:fld>
             <a:endParaRPr lang="en-US"/>
           </a:p>
@@ -1539,7 +2236,7 @@
           <a:p>
             <a:fld id="{846CE7D5-CF57-46EF-B807-FDD0502418D4}" type="datetimeFigureOut">
               <a:rPr lang="en-US" smtClean="0"/>
-              <a:t>5/25/2024</a:t>
+              <a:t>7/3/2024</a:t>
             </a:fld>
             <a:endParaRPr lang="en-US"/>
           </a:p>
@@ -1906,7 +2603,7 @@
           <a:p>
             <a:fld id="{846CE7D5-CF57-46EF-B807-FDD0502418D4}" type="datetimeFigureOut">
               <a:rPr lang="en-US" smtClean="0"/>
-              <a:t>5/25/2024</a:t>
+              <a:t>7/3/2024</a:t>
             </a:fld>
             <a:endParaRPr lang="en-US"/>
           </a:p>
@@ -2024,7 +2721,7 @@
           <a:p>
             <a:fld id="{846CE7D5-CF57-46EF-B807-FDD0502418D4}" type="datetimeFigureOut">
               <a:rPr lang="en-US" smtClean="0"/>
-              <a:t>5/25/2024</a:t>
+              <a:t>7/3/2024</a:t>
             </a:fld>
             <a:endParaRPr lang="en-US"/>
           </a:p>
@@ -2119,7 +2816,7 @@
           <a:p>
             <a:fld id="{846CE7D5-CF57-46EF-B807-FDD0502418D4}" type="datetimeFigureOut">
               <a:rPr lang="en-US" smtClean="0"/>
-              <a:t>5/25/2024</a:t>
+              <a:t>7/3/2024</a:t>
             </a:fld>
             <a:endParaRPr lang="en-US"/>
           </a:p>
@@ -2396,7 +3093,7 @@
           <a:p>
             <a:fld id="{846CE7D5-CF57-46EF-B807-FDD0502418D4}" type="datetimeFigureOut">
               <a:rPr lang="en-US" smtClean="0"/>
-              <a:t>5/25/2024</a:t>
+              <a:t>7/3/2024</a:t>
             </a:fld>
             <a:endParaRPr lang="en-US"/>
           </a:p>
@@ -2582,7 +3279,7 @@
           <a:p>
             <a:fld id="{9CF77F1B-567A-495B-BCED-32BA57B01AB8}" type="datetimeFigureOut">
               <a:rPr lang="en-US" smtClean="0"/>
-              <a:t>5/25/2024</a:t>
+              <a:t>7/3/2024</a:t>
             </a:fld>
             <a:endParaRPr lang="en-US"/>
           </a:p>
@@ -2851,7 +3548,7 @@
           <a:p>
             <a:fld id="{846CE7D5-CF57-46EF-B807-FDD0502418D4}" type="datetimeFigureOut">
               <a:rPr lang="en-US" smtClean="0"/>
-              <a:t>5/25/2024</a:t>
+              <a:t>7/3/2024</a:t>
             </a:fld>
             <a:endParaRPr lang="en-US"/>
           </a:p>
@@ -3021,7 +3718,7 @@
           <a:p>
             <a:fld id="{846CE7D5-CF57-46EF-B807-FDD0502418D4}" type="datetimeFigureOut">
               <a:rPr lang="en-US" smtClean="0"/>
-              <a:t>5/25/2024</a:t>
+              <a:t>7/3/2024</a:t>
             </a:fld>
             <a:endParaRPr lang="en-US"/>
           </a:p>
@@ -3201,7 +3898,7 @@
           <a:p>
             <a:fld id="{846CE7D5-CF57-46EF-B807-FDD0502418D4}" type="datetimeFigureOut">
               <a:rPr lang="en-US" smtClean="0"/>
-              <a:t>5/25/2024</a:t>
+              <a:t>7/3/2024</a:t>
             </a:fld>
             <a:endParaRPr lang="en-US"/>
           </a:p>
@@ -3464,7 +4161,7 @@
           <a:p>
             <a:fld id="{9CF77F1B-567A-495B-BCED-32BA57B01AB8}" type="datetimeFigureOut">
               <a:rPr lang="en-US" smtClean="0"/>
-              <a:t>5/25/2024</a:t>
+              <a:t>7/3/2024</a:t>
             </a:fld>
             <a:endParaRPr lang="en-US"/>
           </a:p>
@@ -3729,7 +4426,7 @@
           <a:p>
             <a:fld id="{9CF77F1B-567A-495B-BCED-32BA57B01AB8}" type="datetimeFigureOut">
               <a:rPr lang="en-US" smtClean="0"/>
-              <a:t>5/25/2024</a:t>
+              <a:t>7/3/2024</a:t>
             </a:fld>
             <a:endParaRPr lang="en-US"/>
           </a:p>
@@ -4141,7 +4838,7 @@
           <a:p>
             <a:fld id="{9CF77F1B-567A-495B-BCED-32BA57B01AB8}" type="datetimeFigureOut">
               <a:rPr lang="en-US" smtClean="0"/>
-              <a:t>5/25/2024</a:t>
+              <a:t>7/3/2024</a:t>
             </a:fld>
             <a:endParaRPr lang="en-US"/>
           </a:p>
@@ -4282,7 +4979,7 @@
           <a:p>
             <a:fld id="{9CF77F1B-567A-495B-BCED-32BA57B01AB8}" type="datetimeFigureOut">
               <a:rPr lang="en-US" smtClean="0"/>
-              <a:t>5/25/2024</a:t>
+              <a:t>7/3/2024</a:t>
             </a:fld>
             <a:endParaRPr lang="en-US"/>
           </a:p>
@@ -4395,7 +5092,7 @@
           <a:p>
             <a:fld id="{9CF77F1B-567A-495B-BCED-32BA57B01AB8}" type="datetimeFigureOut">
               <a:rPr lang="en-US" smtClean="0"/>
-              <a:t>5/25/2024</a:t>
+              <a:t>7/3/2024</a:t>
             </a:fld>
             <a:endParaRPr lang="en-US"/>
           </a:p>
@@ -4706,7 +5403,7 @@
           <a:p>
             <a:fld id="{9CF77F1B-567A-495B-BCED-32BA57B01AB8}" type="datetimeFigureOut">
               <a:rPr lang="en-US" smtClean="0"/>
-              <a:t>5/25/2024</a:t>
+              <a:t>7/3/2024</a:t>
             </a:fld>
             <a:endParaRPr lang="en-US"/>
           </a:p>
@@ -4994,7 +5691,7 @@
           <a:p>
             <a:fld id="{9CF77F1B-567A-495B-BCED-32BA57B01AB8}" type="datetimeFigureOut">
               <a:rPr lang="en-US" smtClean="0"/>
-              <a:t>5/25/2024</a:t>
+              <a:t>7/3/2024</a:t>
             </a:fld>
             <a:endParaRPr lang="en-US"/>
           </a:p>
@@ -5235,7 +5932,7 @@
           <a:p>
             <a:fld id="{9CF77F1B-567A-495B-BCED-32BA57B01AB8}" type="datetimeFigureOut">
               <a:rPr lang="en-US" smtClean="0"/>
-              <a:t>5/25/2024</a:t>
+              <a:t>7/3/2024</a:t>
             </a:fld>
             <a:endParaRPr lang="en-US"/>
           </a:p>
@@ -5787,7 +6484,7 @@
           <a:p>
             <a:fld id="{846CE7D5-CF57-46EF-B807-FDD0502418D4}" type="datetimeFigureOut">
               <a:rPr lang="en-US" smtClean="0"/>
-              <a:t>5/25/2024</a:t>
+              <a:t>7/3/2024</a:t>
             </a:fld>
             <a:endParaRPr lang="en-US"/>
           </a:p>
@@ -22291,6 +22988,1727 @@
     <p:extLst>
       <p:ext uri="{BB962C8B-B14F-4D97-AF65-F5344CB8AC3E}">
         <p14:creationId xmlns:p14="http://schemas.microsoft.com/office/powerpoint/2010/main" val="1591651167"/>
+      </p:ext>
+    </p:extLst>
+  </p:cSld>
+  <p:clrMapOvr>
+    <a:masterClrMapping/>
+  </p:clrMapOvr>
+</p:sld>
+</file>
+
+<file path=ppt/slides/slide16.xml><?xml version="1.0" encoding="utf-8"?>
+<p:sld xmlns:a="http://schemas.openxmlformats.org/drawingml/2006/main" xmlns:r="http://schemas.openxmlformats.org/officeDocument/2006/relationships" xmlns:p="http://schemas.openxmlformats.org/presentationml/2006/main">
+  <p:cSld>
+    <p:spTree>
+      <p:nvGrpSpPr>
+        <p:cNvPr id="1" name=""/>
+        <p:cNvGrpSpPr/>
+        <p:nvPr/>
+      </p:nvGrpSpPr>
+      <p:grpSpPr>
+        <a:xfrm>
+          <a:off x="0" y="0"/>
+          <a:ext cx="0" cy="0"/>
+          <a:chOff x="0" y="0"/>
+          <a:chExt cx="0" cy="0"/>
+        </a:xfrm>
+      </p:grpSpPr>
+      <p:sp>
+        <p:nvSpPr>
+          <p:cNvPr id="2" name="Oval 1">
+            <a:extLst>
+              <a:ext uri="{FF2B5EF4-FFF2-40B4-BE49-F238E27FC236}">
+                <a16:creationId xmlns:a16="http://schemas.microsoft.com/office/drawing/2014/main" id="{414E96D1-9FD0-ECBE-21DE-BD49EEADA7EE}"/>
+              </a:ext>
+            </a:extLst>
+          </p:cNvPr>
+          <p:cNvSpPr/>
+          <p:nvPr/>
+        </p:nvSpPr>
+        <p:spPr>
+          <a:xfrm>
+            <a:off x="5486400" y="580104"/>
+            <a:ext cx="412955" cy="1238864"/>
+          </a:xfrm>
+          <a:prstGeom prst="ellipse">
+            <a:avLst/>
+          </a:prstGeom>
+          <a:solidFill>
+            <a:srgbClr val="FFC000"/>
+          </a:solidFill>
+        </p:spPr>
+        <p:style>
+          <a:lnRef idx="2">
+            <a:schemeClr val="accent1">
+              <a:shade val="15000"/>
+            </a:schemeClr>
+          </a:lnRef>
+          <a:fillRef idx="1">
+            <a:schemeClr val="accent1"/>
+          </a:fillRef>
+          <a:effectRef idx="0">
+            <a:schemeClr val="accent1"/>
+          </a:effectRef>
+          <a:fontRef idx="minor">
+            <a:schemeClr val="lt1"/>
+          </a:fontRef>
+        </p:style>
+        <p:txBody>
+          <a:bodyPr rtlCol="0" anchor="ctr"/>
+          <a:lstStyle/>
+          <a:p>
+            <a:pPr algn="ctr"/>
+            <a:endParaRPr lang="en-US"/>
+          </a:p>
+        </p:txBody>
+      </p:sp>
+      <p:sp>
+        <p:nvSpPr>
+          <p:cNvPr id="3" name="Oval 2">
+            <a:extLst>
+              <a:ext uri="{FF2B5EF4-FFF2-40B4-BE49-F238E27FC236}">
+                <a16:creationId xmlns:a16="http://schemas.microsoft.com/office/drawing/2014/main" id="{1A50D3AE-1CDA-F4CB-60AD-DB42B8072310}"/>
+              </a:ext>
+            </a:extLst>
+          </p:cNvPr>
+          <p:cNvSpPr/>
+          <p:nvPr/>
+        </p:nvSpPr>
+        <p:spPr>
+          <a:xfrm>
+            <a:off x="5397908" y="1818968"/>
+            <a:ext cx="589936" cy="4458928"/>
+          </a:xfrm>
+          <a:prstGeom prst="ellipse">
+            <a:avLst/>
+          </a:prstGeom>
+          <a:solidFill>
+            <a:schemeClr val="bg1"/>
+          </a:solidFill>
+        </p:spPr>
+        <p:style>
+          <a:lnRef idx="2">
+            <a:schemeClr val="accent1">
+              <a:shade val="15000"/>
+            </a:schemeClr>
+          </a:lnRef>
+          <a:fillRef idx="1">
+            <a:schemeClr val="accent1"/>
+          </a:fillRef>
+          <a:effectRef idx="0">
+            <a:schemeClr val="accent1"/>
+          </a:effectRef>
+          <a:fontRef idx="minor">
+            <a:schemeClr val="lt1"/>
+          </a:fontRef>
+        </p:style>
+        <p:txBody>
+          <a:bodyPr rtlCol="0" anchor="ctr"/>
+          <a:lstStyle/>
+          <a:p>
+            <a:pPr algn="ctr"/>
+            <a:endParaRPr lang="en-US"/>
+          </a:p>
+        </p:txBody>
+      </p:sp>
+      <p:cxnSp>
+        <p:nvCxnSpPr>
+          <p:cNvPr id="5" name="Straight Connector 4">
+            <a:extLst>
+              <a:ext uri="{FF2B5EF4-FFF2-40B4-BE49-F238E27FC236}">
+                <a16:creationId xmlns:a16="http://schemas.microsoft.com/office/drawing/2014/main" id="{A3A8540E-6B46-4F7F-253F-8F8723DC43DD}"/>
+              </a:ext>
+            </a:extLst>
+          </p:cNvPr>
+          <p:cNvCxnSpPr/>
+          <p:nvPr/>
+        </p:nvCxnSpPr>
+        <p:spPr>
+          <a:xfrm>
+            <a:off x="5455444" y="2683745"/>
+            <a:ext cx="481781" cy="0"/>
+          </a:xfrm>
+          <a:prstGeom prst="line">
+            <a:avLst/>
+          </a:prstGeom>
+          <a:ln>
+            <a:solidFill>
+              <a:schemeClr val="tx1"/>
+            </a:solidFill>
+          </a:ln>
+        </p:spPr>
+        <p:style>
+          <a:lnRef idx="2">
+            <a:schemeClr val="accent1"/>
+          </a:lnRef>
+          <a:fillRef idx="0">
+            <a:schemeClr val="accent1"/>
+          </a:fillRef>
+          <a:effectRef idx="1">
+            <a:schemeClr val="accent1"/>
+          </a:effectRef>
+          <a:fontRef idx="minor">
+            <a:schemeClr val="tx1"/>
+          </a:fontRef>
+        </p:style>
+      </p:cxnSp>
+      <p:cxnSp>
+        <p:nvCxnSpPr>
+          <p:cNvPr id="6" name="Straight Connector 5">
+            <a:extLst>
+              <a:ext uri="{FF2B5EF4-FFF2-40B4-BE49-F238E27FC236}">
+                <a16:creationId xmlns:a16="http://schemas.microsoft.com/office/drawing/2014/main" id="{D7141ACA-C7F5-1C69-9C1F-51A54431D20B}"/>
+              </a:ext>
+            </a:extLst>
+          </p:cNvPr>
+          <p:cNvCxnSpPr/>
+          <p:nvPr/>
+        </p:nvCxnSpPr>
+        <p:spPr>
+          <a:xfrm>
+            <a:off x="5455444" y="5410276"/>
+            <a:ext cx="481781" cy="0"/>
+          </a:xfrm>
+          <a:prstGeom prst="line">
+            <a:avLst/>
+          </a:prstGeom>
+          <a:ln>
+            <a:solidFill>
+              <a:schemeClr val="tx1"/>
+            </a:solidFill>
+          </a:ln>
+        </p:spPr>
+        <p:style>
+          <a:lnRef idx="2">
+            <a:schemeClr val="accent1"/>
+          </a:lnRef>
+          <a:fillRef idx="0">
+            <a:schemeClr val="accent1"/>
+          </a:fillRef>
+          <a:effectRef idx="1">
+            <a:schemeClr val="accent1"/>
+          </a:effectRef>
+          <a:fontRef idx="minor">
+            <a:schemeClr val="tx1"/>
+          </a:fontRef>
+        </p:style>
+      </p:cxnSp>
+      <p:cxnSp>
+        <p:nvCxnSpPr>
+          <p:cNvPr id="10" name="Straight Connector 9">
+            <a:extLst>
+              <a:ext uri="{FF2B5EF4-FFF2-40B4-BE49-F238E27FC236}">
+                <a16:creationId xmlns:a16="http://schemas.microsoft.com/office/drawing/2014/main" id="{A8A92F67-70B3-F049-7393-D7F86DC6C3B7}"/>
+              </a:ext>
+            </a:extLst>
+          </p:cNvPr>
+          <p:cNvCxnSpPr>
+            <a:cxnSpLocks/>
+          </p:cNvCxnSpPr>
+          <p:nvPr/>
+        </p:nvCxnSpPr>
+        <p:spPr>
+          <a:xfrm>
+            <a:off x="5417138" y="3325095"/>
+            <a:ext cx="545306" cy="0"/>
+          </a:xfrm>
+          <a:prstGeom prst="line">
+            <a:avLst/>
+          </a:prstGeom>
+          <a:ln>
+            <a:solidFill>
+              <a:schemeClr val="tx1"/>
+            </a:solidFill>
+          </a:ln>
+        </p:spPr>
+        <p:style>
+          <a:lnRef idx="2">
+            <a:schemeClr val="accent1"/>
+          </a:lnRef>
+          <a:fillRef idx="0">
+            <a:schemeClr val="accent1"/>
+          </a:fillRef>
+          <a:effectRef idx="1">
+            <a:schemeClr val="accent1"/>
+          </a:effectRef>
+          <a:fontRef idx="minor">
+            <a:schemeClr val="tx1"/>
+          </a:fontRef>
+        </p:style>
+      </p:cxnSp>
+      <p:cxnSp>
+        <p:nvCxnSpPr>
+          <p:cNvPr id="11" name="Straight Connector 10">
+            <a:extLst>
+              <a:ext uri="{FF2B5EF4-FFF2-40B4-BE49-F238E27FC236}">
+                <a16:creationId xmlns:a16="http://schemas.microsoft.com/office/drawing/2014/main" id="{A4A52D85-06A9-6F92-F343-1137BE55E086}"/>
+              </a:ext>
+            </a:extLst>
+          </p:cNvPr>
+          <p:cNvCxnSpPr>
+            <a:cxnSpLocks/>
+          </p:cNvCxnSpPr>
+          <p:nvPr/>
+        </p:nvCxnSpPr>
+        <p:spPr>
+          <a:xfrm>
+            <a:off x="5397908" y="4048995"/>
+            <a:ext cx="602456" cy="0"/>
+          </a:xfrm>
+          <a:prstGeom prst="line">
+            <a:avLst/>
+          </a:prstGeom>
+          <a:ln>
+            <a:solidFill>
+              <a:schemeClr val="tx1"/>
+            </a:solidFill>
+          </a:ln>
+        </p:spPr>
+        <p:style>
+          <a:lnRef idx="2">
+            <a:schemeClr val="accent1"/>
+          </a:lnRef>
+          <a:fillRef idx="0">
+            <a:schemeClr val="accent1"/>
+          </a:fillRef>
+          <a:effectRef idx="1">
+            <a:schemeClr val="accent1"/>
+          </a:effectRef>
+          <a:fontRef idx="minor">
+            <a:schemeClr val="tx1"/>
+          </a:fontRef>
+        </p:style>
+      </p:cxnSp>
+      <p:cxnSp>
+        <p:nvCxnSpPr>
+          <p:cNvPr id="12" name="Straight Connector 11">
+            <a:extLst>
+              <a:ext uri="{FF2B5EF4-FFF2-40B4-BE49-F238E27FC236}">
+                <a16:creationId xmlns:a16="http://schemas.microsoft.com/office/drawing/2014/main" id="{AB6BE936-1860-87F5-E721-8F67B1707237}"/>
+              </a:ext>
+            </a:extLst>
+          </p:cNvPr>
+          <p:cNvCxnSpPr>
+            <a:cxnSpLocks/>
+          </p:cNvCxnSpPr>
+          <p:nvPr/>
+        </p:nvCxnSpPr>
+        <p:spPr>
+          <a:xfrm>
+            <a:off x="5428658" y="4760195"/>
+            <a:ext cx="533786" cy="0"/>
+          </a:xfrm>
+          <a:prstGeom prst="line">
+            <a:avLst/>
+          </a:prstGeom>
+          <a:ln>
+            <a:solidFill>
+              <a:schemeClr val="tx1"/>
+            </a:solidFill>
+          </a:ln>
+        </p:spPr>
+        <p:style>
+          <a:lnRef idx="2">
+            <a:schemeClr val="accent1"/>
+          </a:lnRef>
+          <a:fillRef idx="0">
+            <a:schemeClr val="accent1"/>
+          </a:fillRef>
+          <a:effectRef idx="1">
+            <a:schemeClr val="accent1"/>
+          </a:effectRef>
+          <a:fontRef idx="minor">
+            <a:schemeClr val="tx1"/>
+          </a:fontRef>
+        </p:style>
+      </p:cxnSp>
+      <mc:AlternateContent xmlns:mc="http://schemas.openxmlformats.org/markup-compatibility/2006">
+        <mc:Choice xmlns:p14="http://schemas.microsoft.com/office/powerpoint/2010/main" Requires="p14">
+          <p:contentPart p14:bwMode="auto" r:id="rId2">
+            <p14:nvContentPartPr>
+              <p14:cNvPr id="19" name="Ink 18">
+                <a:extLst>
+                  <a:ext uri="{FF2B5EF4-FFF2-40B4-BE49-F238E27FC236}">
+                    <a16:creationId xmlns:a16="http://schemas.microsoft.com/office/drawing/2014/main" id="{2C4CABD7-11D2-F184-EAE0-8274A6EE6FFF}"/>
+                  </a:ext>
+                </a:extLst>
+              </p14:cNvPr>
+              <p14:cNvContentPartPr/>
+              <p14:nvPr/>
+            </p14:nvContentPartPr>
+            <p14:xfrm>
+              <a:off x="5496033" y="1875460"/>
+              <a:ext cx="198000" cy="775080"/>
+            </p14:xfrm>
+          </p:contentPart>
+        </mc:Choice>
+        <mc:Fallback>
+          <p:pic>
+            <p:nvPicPr>
+              <p:cNvPr id="19" name="Ink 18">
+                <a:extLst>
+                  <a:ext uri="{FF2B5EF4-FFF2-40B4-BE49-F238E27FC236}">
+                    <a16:creationId xmlns:a16="http://schemas.microsoft.com/office/drawing/2014/main" id="{2C4CABD7-11D2-F184-EAE0-8274A6EE6FFF}"/>
+                  </a:ext>
+                </a:extLst>
+              </p:cNvPr>
+              <p:cNvPicPr/>
+              <p:nvPr/>
+            </p:nvPicPr>
+            <p:blipFill>
+              <a:blip r:embed="rId3"/>
+              <a:stretch>
+                <a:fillRect/>
+              </a:stretch>
+            </p:blipFill>
+            <p:spPr>
+              <a:xfrm>
+                <a:off x="5478033" y="1839460"/>
+                <a:ext cx="233640" cy="846720"/>
+              </a:xfrm>
+              <a:prstGeom prst="rect">
+                <a:avLst/>
+              </a:prstGeom>
+            </p:spPr>
+          </p:pic>
+        </mc:Fallback>
+      </mc:AlternateContent>
+      <mc:AlternateContent xmlns:mc="http://schemas.openxmlformats.org/markup-compatibility/2006">
+        <mc:Choice xmlns:p14="http://schemas.microsoft.com/office/powerpoint/2010/main" Requires="p14">
+          <p:contentPart p14:bwMode="auto" r:id="rId4">
+            <p14:nvContentPartPr>
+              <p14:cNvPr id="20" name="Ink 19">
+                <a:extLst>
+                  <a:ext uri="{FF2B5EF4-FFF2-40B4-BE49-F238E27FC236}">
+                    <a16:creationId xmlns:a16="http://schemas.microsoft.com/office/drawing/2014/main" id="{2172FA06-8FDE-9FFC-DCC8-EB4195F25113}"/>
+                  </a:ext>
+                </a:extLst>
+              </p14:cNvPr>
+              <p14:cNvContentPartPr/>
+              <p14:nvPr/>
+            </p14:nvContentPartPr>
+            <p14:xfrm>
+              <a:off x="5515833" y="2623180"/>
+              <a:ext cx="204480" cy="10440"/>
+            </p14:xfrm>
+          </p:contentPart>
+        </mc:Choice>
+        <mc:Fallback>
+          <p:pic>
+            <p:nvPicPr>
+              <p:cNvPr id="20" name="Ink 19">
+                <a:extLst>
+                  <a:ext uri="{FF2B5EF4-FFF2-40B4-BE49-F238E27FC236}">
+                    <a16:creationId xmlns:a16="http://schemas.microsoft.com/office/drawing/2014/main" id="{2172FA06-8FDE-9FFC-DCC8-EB4195F25113}"/>
+                  </a:ext>
+                </a:extLst>
+              </p:cNvPr>
+              <p:cNvPicPr/>
+              <p:nvPr/>
+            </p:nvPicPr>
+            <p:blipFill>
+              <a:blip r:embed="rId5"/>
+              <a:stretch>
+                <a:fillRect/>
+              </a:stretch>
+            </p:blipFill>
+            <p:spPr>
+              <a:xfrm>
+                <a:off x="5498193" y="2587540"/>
+                <a:ext cx="240120" cy="82080"/>
+              </a:xfrm>
+              <a:prstGeom prst="rect">
+                <a:avLst/>
+              </a:prstGeom>
+            </p:spPr>
+          </p:pic>
+        </mc:Fallback>
+      </mc:AlternateContent>
+      <mc:AlternateContent xmlns:mc="http://schemas.openxmlformats.org/markup-compatibility/2006">
+        <mc:Choice xmlns:p14="http://schemas.microsoft.com/office/powerpoint/2010/main" Requires="p14">
+          <p:contentPart p14:bwMode="auto" r:id="rId6">
+            <p14:nvContentPartPr>
+              <p14:cNvPr id="21" name="Ink 20">
+                <a:extLst>
+                  <a:ext uri="{FF2B5EF4-FFF2-40B4-BE49-F238E27FC236}">
+                    <a16:creationId xmlns:a16="http://schemas.microsoft.com/office/drawing/2014/main" id="{CBF924DD-3521-5F63-CCDB-A3B274A6D910}"/>
+                  </a:ext>
+                </a:extLst>
+              </p14:cNvPr>
+              <p14:cNvContentPartPr/>
+              <p14:nvPr/>
+            </p14:nvContentPartPr>
+            <p14:xfrm>
+              <a:off x="5528433" y="2624620"/>
+              <a:ext cx="362880" cy="16560"/>
+            </p14:xfrm>
+          </p:contentPart>
+        </mc:Choice>
+        <mc:Fallback>
+          <p:pic>
+            <p:nvPicPr>
+              <p:cNvPr id="21" name="Ink 20">
+                <a:extLst>
+                  <a:ext uri="{FF2B5EF4-FFF2-40B4-BE49-F238E27FC236}">
+                    <a16:creationId xmlns:a16="http://schemas.microsoft.com/office/drawing/2014/main" id="{CBF924DD-3521-5F63-CCDB-A3B274A6D910}"/>
+                  </a:ext>
+                </a:extLst>
+              </p:cNvPr>
+              <p:cNvPicPr/>
+              <p:nvPr/>
+            </p:nvPicPr>
+            <p:blipFill>
+              <a:blip r:embed="rId7"/>
+              <a:stretch>
+                <a:fillRect/>
+              </a:stretch>
+            </p:blipFill>
+            <p:spPr>
+              <a:xfrm>
+                <a:off x="5510793" y="2588620"/>
+                <a:ext cx="398520" cy="88200"/>
+              </a:xfrm>
+              <a:prstGeom prst="rect">
+                <a:avLst/>
+              </a:prstGeom>
+            </p:spPr>
+          </p:pic>
+        </mc:Fallback>
+      </mc:AlternateContent>
+      <mc:AlternateContent xmlns:mc="http://schemas.openxmlformats.org/markup-compatibility/2006">
+        <mc:Choice xmlns:p14="http://schemas.microsoft.com/office/powerpoint/2010/main" Requires="p14">
+          <p:contentPart p14:bwMode="auto" r:id="rId8">
+            <p14:nvContentPartPr>
+              <p14:cNvPr id="22" name="Ink 21">
+                <a:extLst>
+                  <a:ext uri="{FF2B5EF4-FFF2-40B4-BE49-F238E27FC236}">
+                    <a16:creationId xmlns:a16="http://schemas.microsoft.com/office/drawing/2014/main" id="{A218B035-433E-CC79-438F-8CB2D8AF0F02}"/>
+                  </a:ext>
+                </a:extLst>
+              </p14:cNvPr>
+              <p14:cNvContentPartPr/>
+              <p14:nvPr/>
+            </p14:nvContentPartPr>
+            <p14:xfrm>
+              <a:off x="5638593" y="1887340"/>
+              <a:ext cx="250200" cy="707400"/>
+            </p14:xfrm>
+          </p:contentPart>
+        </mc:Choice>
+        <mc:Fallback>
+          <p:pic>
+            <p:nvPicPr>
+              <p:cNvPr id="22" name="Ink 21">
+                <a:extLst>
+                  <a:ext uri="{FF2B5EF4-FFF2-40B4-BE49-F238E27FC236}">
+                    <a16:creationId xmlns:a16="http://schemas.microsoft.com/office/drawing/2014/main" id="{A218B035-433E-CC79-438F-8CB2D8AF0F02}"/>
+                  </a:ext>
+                </a:extLst>
+              </p:cNvPr>
+              <p:cNvPicPr/>
+              <p:nvPr/>
+            </p:nvPicPr>
+            <p:blipFill>
+              <a:blip r:embed="rId9"/>
+              <a:stretch>
+                <a:fillRect/>
+              </a:stretch>
+            </p:blipFill>
+            <p:spPr>
+              <a:xfrm>
+                <a:off x="5620953" y="1851700"/>
+                <a:ext cx="285840" cy="779040"/>
+              </a:xfrm>
+              <a:prstGeom prst="rect">
+                <a:avLst/>
+              </a:prstGeom>
+            </p:spPr>
+          </p:pic>
+        </mc:Fallback>
+      </mc:AlternateContent>
+      <mc:AlternateContent xmlns:mc="http://schemas.openxmlformats.org/markup-compatibility/2006">
+        <mc:Choice xmlns:p14="http://schemas.microsoft.com/office/powerpoint/2010/main" Requires="p14">
+          <p:contentPart p14:bwMode="auto" r:id="rId10">
+            <p14:nvContentPartPr>
+              <p14:cNvPr id="23" name="Ink 22">
+                <a:extLst>
+                  <a:ext uri="{FF2B5EF4-FFF2-40B4-BE49-F238E27FC236}">
+                    <a16:creationId xmlns:a16="http://schemas.microsoft.com/office/drawing/2014/main" id="{C706E938-84CD-7562-C504-6118529BD48C}"/>
+                  </a:ext>
+                </a:extLst>
+              </p14:cNvPr>
+              <p14:cNvContentPartPr/>
+              <p14:nvPr/>
+            </p14:nvContentPartPr>
+            <p14:xfrm>
+              <a:off x="5532393" y="1954660"/>
+              <a:ext cx="326520" cy="615960"/>
+            </p14:xfrm>
+          </p:contentPart>
+        </mc:Choice>
+        <mc:Fallback>
+          <p:pic>
+            <p:nvPicPr>
+              <p:cNvPr id="23" name="Ink 22">
+                <a:extLst>
+                  <a:ext uri="{FF2B5EF4-FFF2-40B4-BE49-F238E27FC236}">
+                    <a16:creationId xmlns:a16="http://schemas.microsoft.com/office/drawing/2014/main" id="{C706E938-84CD-7562-C504-6118529BD48C}"/>
+                  </a:ext>
+                </a:extLst>
+              </p:cNvPr>
+              <p:cNvPicPr/>
+              <p:nvPr/>
+            </p:nvPicPr>
+            <p:blipFill>
+              <a:blip r:embed="rId11"/>
+              <a:stretch>
+                <a:fillRect/>
+              </a:stretch>
+            </p:blipFill>
+            <p:spPr>
+              <a:xfrm>
+                <a:off x="5514753" y="1918660"/>
+                <a:ext cx="362160" cy="687600"/>
+              </a:xfrm>
+              <a:prstGeom prst="rect">
+                <a:avLst/>
+              </a:prstGeom>
+            </p:spPr>
+          </p:pic>
+        </mc:Fallback>
+      </mc:AlternateContent>
+      <mc:AlternateContent xmlns:mc="http://schemas.openxmlformats.org/markup-compatibility/2006">
+        <mc:Choice xmlns:p14="http://schemas.microsoft.com/office/powerpoint/2010/main" Requires="p14">
+          <p:contentPart p14:bwMode="auto" r:id="rId12">
+            <p14:nvContentPartPr>
+              <p14:cNvPr id="24" name="Ink 23">
+                <a:extLst>
+                  <a:ext uri="{FF2B5EF4-FFF2-40B4-BE49-F238E27FC236}">
+                    <a16:creationId xmlns:a16="http://schemas.microsoft.com/office/drawing/2014/main" id="{A8FC1CEC-2521-A86F-7329-51067301F05C}"/>
+                  </a:ext>
+                </a:extLst>
+              </p14:cNvPr>
+              <p14:cNvContentPartPr/>
+              <p14:nvPr/>
+            </p14:nvContentPartPr>
+            <p14:xfrm>
+              <a:off x="5548593" y="2073100"/>
+              <a:ext cx="97920" cy="225720"/>
+            </p14:xfrm>
+          </p:contentPart>
+        </mc:Choice>
+        <mc:Fallback>
+          <p:pic>
+            <p:nvPicPr>
+              <p:cNvPr id="24" name="Ink 23">
+                <a:extLst>
+                  <a:ext uri="{FF2B5EF4-FFF2-40B4-BE49-F238E27FC236}">
+                    <a16:creationId xmlns:a16="http://schemas.microsoft.com/office/drawing/2014/main" id="{A8FC1CEC-2521-A86F-7329-51067301F05C}"/>
+                  </a:ext>
+                </a:extLst>
+              </p:cNvPr>
+              <p:cNvPicPr/>
+              <p:nvPr/>
+            </p:nvPicPr>
+            <p:blipFill>
+              <a:blip r:embed="rId13"/>
+              <a:stretch>
+                <a:fillRect/>
+              </a:stretch>
+            </p:blipFill>
+            <p:spPr>
+              <a:xfrm>
+                <a:off x="5530593" y="2037460"/>
+                <a:ext cx="133560" cy="297360"/>
+              </a:xfrm>
+              <a:prstGeom prst="rect">
+                <a:avLst/>
+              </a:prstGeom>
+            </p:spPr>
+          </p:pic>
+        </mc:Fallback>
+      </mc:AlternateContent>
+      <mc:AlternateContent xmlns:mc="http://schemas.openxmlformats.org/markup-compatibility/2006">
+        <mc:Choice xmlns:p14="http://schemas.microsoft.com/office/powerpoint/2010/main" Requires="p14">
+          <p:contentPart p14:bwMode="auto" r:id="rId14">
+            <p14:nvContentPartPr>
+              <p14:cNvPr id="25" name="Ink 24">
+                <a:extLst>
+                  <a:ext uri="{FF2B5EF4-FFF2-40B4-BE49-F238E27FC236}">
+                    <a16:creationId xmlns:a16="http://schemas.microsoft.com/office/drawing/2014/main" id="{96DF4FF6-A092-800D-29B0-0D1FD6C8A59D}"/>
+                  </a:ext>
+                </a:extLst>
+              </p14:cNvPr>
+              <p14:cNvContentPartPr/>
+              <p14:nvPr/>
+            </p14:nvContentPartPr>
+            <p14:xfrm>
+              <a:off x="5746593" y="1953940"/>
+              <a:ext cx="83160" cy="310320"/>
+            </p14:xfrm>
+          </p:contentPart>
+        </mc:Choice>
+        <mc:Fallback>
+          <p:pic>
+            <p:nvPicPr>
+              <p:cNvPr id="25" name="Ink 24">
+                <a:extLst>
+                  <a:ext uri="{FF2B5EF4-FFF2-40B4-BE49-F238E27FC236}">
+                    <a16:creationId xmlns:a16="http://schemas.microsoft.com/office/drawing/2014/main" id="{96DF4FF6-A092-800D-29B0-0D1FD6C8A59D}"/>
+                  </a:ext>
+                </a:extLst>
+              </p:cNvPr>
+              <p:cNvPicPr/>
+              <p:nvPr/>
+            </p:nvPicPr>
+            <p:blipFill>
+              <a:blip r:embed="rId15"/>
+              <a:stretch>
+                <a:fillRect/>
+              </a:stretch>
+            </p:blipFill>
+            <p:spPr>
+              <a:xfrm>
+                <a:off x="5728593" y="1918300"/>
+                <a:ext cx="118800" cy="381960"/>
+              </a:xfrm>
+              <a:prstGeom prst="rect">
+                <a:avLst/>
+              </a:prstGeom>
+            </p:spPr>
+          </p:pic>
+        </mc:Fallback>
+      </mc:AlternateContent>
+      <mc:AlternateContent xmlns:mc="http://schemas.openxmlformats.org/markup-compatibility/2006">
+        <mc:Choice xmlns:p14="http://schemas.microsoft.com/office/powerpoint/2010/main" Requires="p14">
+          <p:contentPart p14:bwMode="auto" r:id="rId16">
+            <p14:nvContentPartPr>
+              <p14:cNvPr id="26" name="Ink 25">
+                <a:extLst>
+                  <a:ext uri="{FF2B5EF4-FFF2-40B4-BE49-F238E27FC236}">
+                    <a16:creationId xmlns:a16="http://schemas.microsoft.com/office/drawing/2014/main" id="{792F89FC-FA28-4793-CA5F-92C6C72B7DC1}"/>
+                  </a:ext>
+                </a:extLst>
+              </p14:cNvPr>
+              <p14:cNvContentPartPr/>
+              <p14:nvPr/>
+            </p14:nvContentPartPr>
+            <p14:xfrm>
+              <a:off x="5555433" y="2614900"/>
+              <a:ext cx="313200" cy="27360"/>
+            </p14:xfrm>
+          </p:contentPart>
+        </mc:Choice>
+        <mc:Fallback>
+          <p:pic>
+            <p:nvPicPr>
+              <p:cNvPr id="26" name="Ink 25">
+                <a:extLst>
+                  <a:ext uri="{FF2B5EF4-FFF2-40B4-BE49-F238E27FC236}">
+                    <a16:creationId xmlns:a16="http://schemas.microsoft.com/office/drawing/2014/main" id="{792F89FC-FA28-4793-CA5F-92C6C72B7DC1}"/>
+                  </a:ext>
+                </a:extLst>
+              </p:cNvPr>
+              <p:cNvPicPr/>
+              <p:nvPr/>
+            </p:nvPicPr>
+            <p:blipFill>
+              <a:blip r:embed="rId17"/>
+              <a:stretch>
+                <a:fillRect/>
+              </a:stretch>
+            </p:blipFill>
+            <p:spPr>
+              <a:xfrm>
+                <a:off x="5537433" y="2578900"/>
+                <a:ext cx="348840" cy="99000"/>
+              </a:xfrm>
+              <a:prstGeom prst="rect">
+                <a:avLst/>
+              </a:prstGeom>
+            </p:spPr>
+          </p:pic>
+        </mc:Fallback>
+      </mc:AlternateContent>
+      <mc:AlternateContent xmlns:mc="http://schemas.openxmlformats.org/markup-compatibility/2006">
+        <mc:Choice xmlns:p14="http://schemas.microsoft.com/office/powerpoint/2010/main" Requires="p14">
+          <p:contentPart p14:bwMode="auto" r:id="rId18">
+            <p14:nvContentPartPr>
+              <p14:cNvPr id="27" name="Ink 26">
+                <a:extLst>
+                  <a:ext uri="{FF2B5EF4-FFF2-40B4-BE49-F238E27FC236}">
+                    <a16:creationId xmlns:a16="http://schemas.microsoft.com/office/drawing/2014/main" id="{526E10C6-7D55-8AAA-9EA3-E8D9B1D42B1A}"/>
+                  </a:ext>
+                </a:extLst>
+              </p14:cNvPr>
+              <p14:cNvContentPartPr/>
+              <p14:nvPr/>
+            </p14:nvContentPartPr>
+            <p14:xfrm>
+              <a:off x="5706273" y="2239420"/>
+              <a:ext cx="360" cy="360"/>
+            </p14:xfrm>
+          </p:contentPart>
+        </mc:Choice>
+        <mc:Fallback>
+          <p:pic>
+            <p:nvPicPr>
+              <p:cNvPr id="27" name="Ink 26">
+                <a:extLst>
+                  <a:ext uri="{FF2B5EF4-FFF2-40B4-BE49-F238E27FC236}">
+                    <a16:creationId xmlns:a16="http://schemas.microsoft.com/office/drawing/2014/main" id="{526E10C6-7D55-8AAA-9EA3-E8D9B1D42B1A}"/>
+                  </a:ext>
+                </a:extLst>
+              </p:cNvPr>
+              <p:cNvPicPr/>
+              <p:nvPr/>
+            </p:nvPicPr>
+            <p:blipFill>
+              <a:blip r:embed="rId19"/>
+              <a:stretch>
+                <a:fillRect/>
+              </a:stretch>
+            </p:blipFill>
+            <p:spPr>
+              <a:xfrm>
+                <a:off x="5688633" y="2203420"/>
+                <a:ext cx="36000" cy="72000"/>
+              </a:xfrm>
+              <a:prstGeom prst="rect">
+                <a:avLst/>
+              </a:prstGeom>
+            </p:spPr>
+          </p:pic>
+        </mc:Fallback>
+      </mc:AlternateContent>
+      <mc:AlternateContent xmlns:mc="http://schemas.openxmlformats.org/markup-compatibility/2006">
+        <mc:Choice xmlns:p14="http://schemas.microsoft.com/office/powerpoint/2010/main" Requires="p14">
+          <p:contentPart p14:bwMode="auto" r:id="rId20">
+            <p14:nvContentPartPr>
+              <p14:cNvPr id="28" name="Ink 27">
+                <a:extLst>
+                  <a:ext uri="{FF2B5EF4-FFF2-40B4-BE49-F238E27FC236}">
+                    <a16:creationId xmlns:a16="http://schemas.microsoft.com/office/drawing/2014/main" id="{5EF17FA4-40CA-7AF6-C72A-6770F716A46D}"/>
+                  </a:ext>
+                </a:extLst>
+              </p14:cNvPr>
+              <p14:cNvContentPartPr/>
+              <p14:nvPr/>
+            </p14:nvContentPartPr>
+            <p14:xfrm>
+              <a:off x="5438073" y="2735140"/>
+              <a:ext cx="48960" cy="541800"/>
+            </p14:xfrm>
+          </p:contentPart>
+        </mc:Choice>
+        <mc:Fallback>
+          <p:pic>
+            <p:nvPicPr>
+              <p:cNvPr id="28" name="Ink 27">
+                <a:extLst>
+                  <a:ext uri="{FF2B5EF4-FFF2-40B4-BE49-F238E27FC236}">
+                    <a16:creationId xmlns:a16="http://schemas.microsoft.com/office/drawing/2014/main" id="{5EF17FA4-40CA-7AF6-C72A-6770F716A46D}"/>
+                  </a:ext>
+                </a:extLst>
+              </p:cNvPr>
+              <p:cNvPicPr/>
+              <p:nvPr/>
+            </p:nvPicPr>
+            <p:blipFill>
+              <a:blip r:embed="rId21"/>
+              <a:stretch>
+                <a:fillRect/>
+              </a:stretch>
+            </p:blipFill>
+            <p:spPr>
+              <a:xfrm>
+                <a:off x="5420073" y="2699140"/>
+                <a:ext cx="84600" cy="613440"/>
+              </a:xfrm>
+              <a:prstGeom prst="rect">
+                <a:avLst/>
+              </a:prstGeom>
+            </p:spPr>
+          </p:pic>
+        </mc:Fallback>
+      </mc:AlternateContent>
+      <mc:AlternateContent xmlns:mc="http://schemas.openxmlformats.org/markup-compatibility/2006">
+        <mc:Choice xmlns:p14="http://schemas.microsoft.com/office/powerpoint/2010/main" Requires="p14">
+          <p:contentPart p14:bwMode="auto" r:id="rId22">
+            <p14:nvContentPartPr>
+              <p14:cNvPr id="29" name="Ink 28">
+                <a:extLst>
+                  <a:ext uri="{FF2B5EF4-FFF2-40B4-BE49-F238E27FC236}">
+                    <a16:creationId xmlns:a16="http://schemas.microsoft.com/office/drawing/2014/main" id="{9FC3DB2D-4531-DB82-5149-DE9CBA6D41E9}"/>
+                  </a:ext>
+                </a:extLst>
+              </p14:cNvPr>
+              <p14:cNvContentPartPr/>
+              <p14:nvPr/>
+            </p14:nvContentPartPr>
+            <p14:xfrm>
+              <a:off x="5507553" y="2713540"/>
+              <a:ext cx="389160" cy="21240"/>
+            </p14:xfrm>
+          </p:contentPart>
+        </mc:Choice>
+        <mc:Fallback>
+          <p:pic>
+            <p:nvPicPr>
+              <p:cNvPr id="29" name="Ink 28">
+                <a:extLst>
+                  <a:ext uri="{FF2B5EF4-FFF2-40B4-BE49-F238E27FC236}">
+                    <a16:creationId xmlns:a16="http://schemas.microsoft.com/office/drawing/2014/main" id="{9FC3DB2D-4531-DB82-5149-DE9CBA6D41E9}"/>
+                  </a:ext>
+                </a:extLst>
+              </p:cNvPr>
+              <p:cNvPicPr/>
+              <p:nvPr/>
+            </p:nvPicPr>
+            <p:blipFill>
+              <a:blip r:embed="rId23"/>
+              <a:stretch>
+                <a:fillRect/>
+              </a:stretch>
+            </p:blipFill>
+            <p:spPr>
+              <a:xfrm>
+                <a:off x="5489553" y="2677540"/>
+                <a:ext cx="424800" cy="92880"/>
+              </a:xfrm>
+              <a:prstGeom prst="rect">
+                <a:avLst/>
+              </a:prstGeom>
+            </p:spPr>
+          </p:pic>
+        </mc:Fallback>
+      </mc:AlternateContent>
+      <mc:AlternateContent xmlns:mc="http://schemas.openxmlformats.org/markup-compatibility/2006">
+        <mc:Choice xmlns:p14="http://schemas.microsoft.com/office/powerpoint/2010/main" Requires="p14">
+          <p:contentPart p14:bwMode="auto" r:id="rId24">
+            <p14:nvContentPartPr>
+              <p14:cNvPr id="30" name="Ink 29">
+                <a:extLst>
+                  <a:ext uri="{FF2B5EF4-FFF2-40B4-BE49-F238E27FC236}">
+                    <a16:creationId xmlns:a16="http://schemas.microsoft.com/office/drawing/2014/main" id="{5529BDE9-BFD8-4E71-2F36-E7ACFEFBB514}"/>
+                  </a:ext>
+                </a:extLst>
+              </p14:cNvPr>
+              <p14:cNvContentPartPr/>
+              <p14:nvPr/>
+            </p14:nvContentPartPr>
+            <p14:xfrm>
+              <a:off x="5896713" y="2747380"/>
+              <a:ext cx="47160" cy="537480"/>
+            </p14:xfrm>
+          </p:contentPart>
+        </mc:Choice>
+        <mc:Fallback>
+          <p:pic>
+            <p:nvPicPr>
+              <p:cNvPr id="30" name="Ink 29">
+                <a:extLst>
+                  <a:ext uri="{FF2B5EF4-FFF2-40B4-BE49-F238E27FC236}">
+                    <a16:creationId xmlns:a16="http://schemas.microsoft.com/office/drawing/2014/main" id="{5529BDE9-BFD8-4E71-2F36-E7ACFEFBB514}"/>
+                  </a:ext>
+                </a:extLst>
+              </p:cNvPr>
+              <p:cNvPicPr/>
+              <p:nvPr/>
+            </p:nvPicPr>
+            <p:blipFill>
+              <a:blip r:embed="rId25"/>
+              <a:stretch>
+                <a:fillRect/>
+              </a:stretch>
+            </p:blipFill>
+            <p:spPr>
+              <a:xfrm>
+                <a:off x="5879073" y="2711380"/>
+                <a:ext cx="82800" cy="609120"/>
+              </a:xfrm>
+              <a:prstGeom prst="rect">
+                <a:avLst/>
+              </a:prstGeom>
+            </p:spPr>
+          </p:pic>
+        </mc:Fallback>
+      </mc:AlternateContent>
+      <mc:AlternateContent xmlns:mc="http://schemas.openxmlformats.org/markup-compatibility/2006">
+        <mc:Choice xmlns:p14="http://schemas.microsoft.com/office/powerpoint/2010/main" Requires="p14">
+          <p:contentPart p14:bwMode="auto" r:id="rId26">
+            <p14:nvContentPartPr>
+              <p14:cNvPr id="31" name="Ink 30">
+                <a:extLst>
+                  <a:ext uri="{FF2B5EF4-FFF2-40B4-BE49-F238E27FC236}">
+                    <a16:creationId xmlns:a16="http://schemas.microsoft.com/office/drawing/2014/main" id="{B9F7BE39-525D-31DB-F8D2-D90B1AD93D31}"/>
+                  </a:ext>
+                </a:extLst>
+              </p14:cNvPr>
+              <p14:cNvContentPartPr/>
+              <p14:nvPr/>
+            </p14:nvContentPartPr>
+            <p14:xfrm>
+              <a:off x="5478393" y="3276220"/>
+              <a:ext cx="457200" cy="18000"/>
+            </p14:xfrm>
+          </p:contentPart>
+        </mc:Choice>
+        <mc:Fallback>
+          <p:pic>
+            <p:nvPicPr>
+              <p:cNvPr id="31" name="Ink 30">
+                <a:extLst>
+                  <a:ext uri="{FF2B5EF4-FFF2-40B4-BE49-F238E27FC236}">
+                    <a16:creationId xmlns:a16="http://schemas.microsoft.com/office/drawing/2014/main" id="{B9F7BE39-525D-31DB-F8D2-D90B1AD93D31}"/>
+                  </a:ext>
+                </a:extLst>
+              </p:cNvPr>
+              <p:cNvPicPr/>
+              <p:nvPr/>
+            </p:nvPicPr>
+            <p:blipFill>
+              <a:blip r:embed="rId27"/>
+              <a:stretch>
+                <a:fillRect/>
+              </a:stretch>
+            </p:blipFill>
+            <p:spPr>
+              <a:xfrm>
+                <a:off x="5460393" y="3240580"/>
+                <a:ext cx="492840" cy="89640"/>
+              </a:xfrm>
+              <a:prstGeom prst="rect">
+                <a:avLst/>
+              </a:prstGeom>
+            </p:spPr>
+          </p:pic>
+        </mc:Fallback>
+      </mc:AlternateContent>
+      <mc:AlternateContent xmlns:mc="http://schemas.openxmlformats.org/markup-compatibility/2006">
+        <mc:Choice xmlns:p14="http://schemas.microsoft.com/office/powerpoint/2010/main" Requires="p14">
+          <p:contentPart p14:bwMode="auto" r:id="rId28">
+            <p14:nvContentPartPr>
+              <p14:cNvPr id="32" name="Ink 31">
+                <a:extLst>
+                  <a:ext uri="{FF2B5EF4-FFF2-40B4-BE49-F238E27FC236}">
+                    <a16:creationId xmlns:a16="http://schemas.microsoft.com/office/drawing/2014/main" id="{C00E3808-ED2F-F0A5-A1BE-AC3F77081950}"/>
+                  </a:ext>
+                </a:extLst>
+              </p14:cNvPr>
+              <p14:cNvContentPartPr/>
+              <p14:nvPr/>
+            </p14:nvContentPartPr>
+            <p14:xfrm>
+              <a:off x="5476593" y="2776180"/>
+              <a:ext cx="442440" cy="484560"/>
+            </p14:xfrm>
+          </p:contentPart>
+        </mc:Choice>
+        <mc:Fallback>
+          <p:pic>
+            <p:nvPicPr>
+              <p:cNvPr id="32" name="Ink 31">
+                <a:extLst>
+                  <a:ext uri="{FF2B5EF4-FFF2-40B4-BE49-F238E27FC236}">
+                    <a16:creationId xmlns:a16="http://schemas.microsoft.com/office/drawing/2014/main" id="{C00E3808-ED2F-F0A5-A1BE-AC3F77081950}"/>
+                  </a:ext>
+                </a:extLst>
+              </p:cNvPr>
+              <p:cNvPicPr/>
+              <p:nvPr/>
+            </p:nvPicPr>
+            <p:blipFill>
+              <a:blip r:embed="rId29"/>
+              <a:stretch>
+                <a:fillRect/>
+              </a:stretch>
+            </p:blipFill>
+            <p:spPr>
+              <a:xfrm>
+                <a:off x="5458953" y="2740540"/>
+                <a:ext cx="478080" cy="556200"/>
+              </a:xfrm>
+              <a:prstGeom prst="rect">
+                <a:avLst/>
+              </a:prstGeom>
+            </p:spPr>
+          </p:pic>
+        </mc:Fallback>
+      </mc:AlternateContent>
+      <mc:AlternateContent xmlns:mc="http://schemas.openxmlformats.org/markup-compatibility/2006">
+        <mc:Choice xmlns:p14="http://schemas.microsoft.com/office/powerpoint/2010/main" Requires="p14">
+          <p:contentPart p14:bwMode="auto" r:id="rId30">
+            <p14:nvContentPartPr>
+              <p14:cNvPr id="33" name="Ink 32">
+                <a:extLst>
+                  <a:ext uri="{FF2B5EF4-FFF2-40B4-BE49-F238E27FC236}">
+                    <a16:creationId xmlns:a16="http://schemas.microsoft.com/office/drawing/2014/main" id="{F3CCA091-050B-1E37-D414-E056CA38F080}"/>
+                  </a:ext>
+                </a:extLst>
+              </p14:cNvPr>
+              <p14:cNvContentPartPr/>
+              <p14:nvPr/>
+            </p14:nvContentPartPr>
+            <p14:xfrm>
+              <a:off x="5440593" y="3256060"/>
+              <a:ext cx="75960" cy="19800"/>
+            </p14:xfrm>
+          </p:contentPart>
+        </mc:Choice>
+        <mc:Fallback>
+          <p:pic>
+            <p:nvPicPr>
+              <p:cNvPr id="33" name="Ink 32">
+                <a:extLst>
+                  <a:ext uri="{FF2B5EF4-FFF2-40B4-BE49-F238E27FC236}">
+                    <a16:creationId xmlns:a16="http://schemas.microsoft.com/office/drawing/2014/main" id="{F3CCA091-050B-1E37-D414-E056CA38F080}"/>
+                  </a:ext>
+                </a:extLst>
+              </p:cNvPr>
+              <p:cNvPicPr/>
+              <p:nvPr/>
+            </p:nvPicPr>
+            <p:blipFill>
+              <a:blip r:embed="rId31"/>
+              <a:stretch>
+                <a:fillRect/>
+              </a:stretch>
+            </p:blipFill>
+            <p:spPr>
+              <a:xfrm>
+                <a:off x="5422593" y="3220420"/>
+                <a:ext cx="111600" cy="91440"/>
+              </a:xfrm>
+              <a:prstGeom prst="rect">
+                <a:avLst/>
+              </a:prstGeom>
+            </p:spPr>
+          </p:pic>
+        </mc:Fallback>
+      </mc:AlternateContent>
+      <mc:AlternateContent xmlns:mc="http://schemas.openxmlformats.org/markup-compatibility/2006">
+        <mc:Choice xmlns:p14="http://schemas.microsoft.com/office/powerpoint/2010/main" Requires="p14">
+          <p:contentPart p14:bwMode="auto" r:id="rId32">
+            <p14:nvContentPartPr>
+              <p14:cNvPr id="34" name="Ink 33">
+                <a:extLst>
+                  <a:ext uri="{FF2B5EF4-FFF2-40B4-BE49-F238E27FC236}">
+                    <a16:creationId xmlns:a16="http://schemas.microsoft.com/office/drawing/2014/main" id="{B641B75C-5781-291C-FFE4-F54C642A78D8}"/>
+                  </a:ext>
+                </a:extLst>
+              </p14:cNvPr>
+              <p14:cNvContentPartPr/>
+              <p14:nvPr/>
+            </p14:nvContentPartPr>
+            <p14:xfrm>
+              <a:off x="5442393" y="3278380"/>
+              <a:ext cx="39960" cy="11160"/>
+            </p14:xfrm>
+          </p:contentPart>
+        </mc:Choice>
+        <mc:Fallback>
+          <p:pic>
+            <p:nvPicPr>
+              <p:cNvPr id="34" name="Ink 33">
+                <a:extLst>
+                  <a:ext uri="{FF2B5EF4-FFF2-40B4-BE49-F238E27FC236}">
+                    <a16:creationId xmlns:a16="http://schemas.microsoft.com/office/drawing/2014/main" id="{B641B75C-5781-291C-FFE4-F54C642A78D8}"/>
+                  </a:ext>
+                </a:extLst>
+              </p:cNvPr>
+              <p:cNvPicPr/>
+              <p:nvPr/>
+            </p:nvPicPr>
+            <p:blipFill>
+              <a:blip r:embed="rId33"/>
+              <a:stretch>
+                <a:fillRect/>
+              </a:stretch>
+            </p:blipFill>
+            <p:spPr>
+              <a:xfrm>
+                <a:off x="5424753" y="3242380"/>
+                <a:ext cx="75600" cy="82800"/>
+              </a:xfrm>
+              <a:prstGeom prst="rect">
+                <a:avLst/>
+              </a:prstGeom>
+            </p:spPr>
+          </p:pic>
+        </mc:Fallback>
+      </mc:AlternateContent>
+      <mc:AlternateContent xmlns:mc="http://schemas.openxmlformats.org/markup-compatibility/2006">
+        <mc:Choice xmlns:p14="http://schemas.microsoft.com/office/powerpoint/2010/main" Requires="p14">
+          <p:contentPart p14:bwMode="auto" r:id="rId34">
+            <p14:nvContentPartPr>
+              <p14:cNvPr id="35" name="Ink 34">
+                <a:extLst>
+                  <a:ext uri="{FF2B5EF4-FFF2-40B4-BE49-F238E27FC236}">
+                    <a16:creationId xmlns:a16="http://schemas.microsoft.com/office/drawing/2014/main" id="{46DEA18C-6389-9833-07C8-AF6B23B1618D}"/>
+                  </a:ext>
+                </a:extLst>
+              </p14:cNvPr>
+              <p14:cNvContentPartPr/>
+              <p14:nvPr/>
+            </p14:nvContentPartPr>
+            <p14:xfrm>
+              <a:off x="5900673" y="2735140"/>
+              <a:ext cx="9360" cy="63000"/>
+            </p14:xfrm>
+          </p:contentPart>
+        </mc:Choice>
+        <mc:Fallback>
+          <p:pic>
+            <p:nvPicPr>
+              <p:cNvPr id="35" name="Ink 34">
+                <a:extLst>
+                  <a:ext uri="{FF2B5EF4-FFF2-40B4-BE49-F238E27FC236}">
+                    <a16:creationId xmlns:a16="http://schemas.microsoft.com/office/drawing/2014/main" id="{46DEA18C-6389-9833-07C8-AF6B23B1618D}"/>
+                  </a:ext>
+                </a:extLst>
+              </p:cNvPr>
+              <p:cNvPicPr/>
+              <p:nvPr/>
+            </p:nvPicPr>
+            <p:blipFill>
+              <a:blip r:embed="rId35"/>
+              <a:stretch>
+                <a:fillRect/>
+              </a:stretch>
+            </p:blipFill>
+            <p:spPr>
+              <a:xfrm>
+                <a:off x="5883033" y="2699500"/>
+                <a:ext cx="45000" cy="134640"/>
+              </a:xfrm>
+              <a:prstGeom prst="rect">
+                <a:avLst/>
+              </a:prstGeom>
+            </p:spPr>
+          </p:pic>
+        </mc:Fallback>
+      </mc:AlternateContent>
+      <mc:AlternateContent xmlns:mc="http://schemas.openxmlformats.org/markup-compatibility/2006">
+        <mc:Choice xmlns:p14="http://schemas.microsoft.com/office/powerpoint/2010/main" Requires="p14">
+          <p:contentPart p14:bwMode="auto" r:id="rId36">
+            <p14:nvContentPartPr>
+              <p14:cNvPr id="36" name="Ink 35">
+                <a:extLst>
+                  <a:ext uri="{FF2B5EF4-FFF2-40B4-BE49-F238E27FC236}">
+                    <a16:creationId xmlns:a16="http://schemas.microsoft.com/office/drawing/2014/main" id="{8C2EA38C-6445-C584-D07E-7EBBA9E6B60F}"/>
+                  </a:ext>
+                </a:extLst>
+              </p14:cNvPr>
+              <p14:cNvContentPartPr/>
+              <p14:nvPr/>
+            </p14:nvContentPartPr>
+            <p14:xfrm>
+              <a:off x="5473353" y="2725780"/>
+              <a:ext cx="25920" cy="203400"/>
+            </p14:xfrm>
+          </p:contentPart>
+        </mc:Choice>
+        <mc:Fallback>
+          <p:pic>
+            <p:nvPicPr>
+              <p:cNvPr id="36" name="Ink 35">
+                <a:extLst>
+                  <a:ext uri="{FF2B5EF4-FFF2-40B4-BE49-F238E27FC236}">
+                    <a16:creationId xmlns:a16="http://schemas.microsoft.com/office/drawing/2014/main" id="{8C2EA38C-6445-C584-D07E-7EBBA9E6B60F}"/>
+                  </a:ext>
+                </a:extLst>
+              </p:cNvPr>
+              <p:cNvPicPr/>
+              <p:nvPr/>
+            </p:nvPicPr>
+            <p:blipFill>
+              <a:blip r:embed="rId37"/>
+              <a:stretch>
+                <a:fillRect/>
+              </a:stretch>
+            </p:blipFill>
+            <p:spPr>
+              <a:xfrm>
+                <a:off x="5455353" y="2690140"/>
+                <a:ext cx="61560" cy="275040"/>
+              </a:xfrm>
+              <a:prstGeom prst="rect">
+                <a:avLst/>
+              </a:prstGeom>
+            </p:spPr>
+          </p:pic>
+        </mc:Fallback>
+      </mc:AlternateContent>
+      <mc:AlternateContent xmlns:mc="http://schemas.openxmlformats.org/markup-compatibility/2006">
+        <mc:Choice xmlns:p14="http://schemas.microsoft.com/office/powerpoint/2010/main" Requires="p14">
+          <p:contentPart p14:bwMode="auto" r:id="rId38">
+            <p14:nvContentPartPr>
+              <p14:cNvPr id="37" name="Ink 36">
+                <a:extLst>
+                  <a:ext uri="{FF2B5EF4-FFF2-40B4-BE49-F238E27FC236}">
+                    <a16:creationId xmlns:a16="http://schemas.microsoft.com/office/drawing/2014/main" id="{DC87D02B-593F-3764-BC95-1B293211D1A6}"/>
+                  </a:ext>
+                </a:extLst>
+              </p14:cNvPr>
+              <p14:cNvContentPartPr/>
+              <p14:nvPr/>
+            </p14:nvContentPartPr>
+            <p14:xfrm>
+              <a:off x="5422953" y="3360740"/>
+              <a:ext cx="559440" cy="639720"/>
+            </p14:xfrm>
+          </p:contentPart>
+        </mc:Choice>
+        <mc:Fallback>
+          <p:pic>
+            <p:nvPicPr>
+              <p:cNvPr id="37" name="Ink 36">
+                <a:extLst>
+                  <a:ext uri="{FF2B5EF4-FFF2-40B4-BE49-F238E27FC236}">
+                    <a16:creationId xmlns:a16="http://schemas.microsoft.com/office/drawing/2014/main" id="{DC87D02B-593F-3764-BC95-1B293211D1A6}"/>
+                  </a:ext>
+                </a:extLst>
+              </p:cNvPr>
+              <p:cNvPicPr/>
+              <p:nvPr/>
+            </p:nvPicPr>
+            <p:blipFill>
+              <a:blip r:embed="rId39"/>
+              <a:stretch>
+                <a:fillRect/>
+              </a:stretch>
+            </p:blipFill>
+            <p:spPr>
+              <a:xfrm>
+                <a:off x="5404953" y="3325100"/>
+                <a:ext cx="595080" cy="711360"/>
+              </a:xfrm>
+              <a:prstGeom prst="rect">
+                <a:avLst/>
+              </a:prstGeom>
+            </p:spPr>
+          </p:pic>
+        </mc:Fallback>
+      </mc:AlternateContent>
+      <mc:AlternateContent xmlns:mc="http://schemas.openxmlformats.org/markup-compatibility/2006">
+        <mc:Choice xmlns:p14="http://schemas.microsoft.com/office/powerpoint/2010/main" Requires="p14">
+          <p:contentPart p14:bwMode="auto" r:id="rId40">
+            <p14:nvContentPartPr>
+              <p14:cNvPr id="38" name="Ink 37">
+                <a:extLst>
+                  <a:ext uri="{FF2B5EF4-FFF2-40B4-BE49-F238E27FC236}">
+                    <a16:creationId xmlns:a16="http://schemas.microsoft.com/office/drawing/2014/main" id="{8A558510-EF32-C667-890A-736CA6F7F830}"/>
+                  </a:ext>
+                </a:extLst>
+              </p14:cNvPr>
+              <p14:cNvContentPartPr/>
+              <p14:nvPr/>
+            </p14:nvContentPartPr>
+            <p14:xfrm>
+              <a:off x="5452833" y="3568460"/>
+              <a:ext cx="507960" cy="445680"/>
+            </p14:xfrm>
+          </p:contentPart>
+        </mc:Choice>
+        <mc:Fallback>
+          <p:pic>
+            <p:nvPicPr>
+              <p:cNvPr id="38" name="Ink 37">
+                <a:extLst>
+                  <a:ext uri="{FF2B5EF4-FFF2-40B4-BE49-F238E27FC236}">
+                    <a16:creationId xmlns:a16="http://schemas.microsoft.com/office/drawing/2014/main" id="{8A558510-EF32-C667-890A-736CA6F7F830}"/>
+                  </a:ext>
+                </a:extLst>
+              </p:cNvPr>
+              <p:cNvPicPr/>
+              <p:nvPr/>
+            </p:nvPicPr>
+            <p:blipFill>
+              <a:blip r:embed="rId41"/>
+              <a:stretch>
+                <a:fillRect/>
+              </a:stretch>
+            </p:blipFill>
+            <p:spPr>
+              <a:xfrm>
+                <a:off x="5435193" y="3532820"/>
+                <a:ext cx="543600" cy="517320"/>
+              </a:xfrm>
+              <a:prstGeom prst="rect">
+                <a:avLst/>
+              </a:prstGeom>
+            </p:spPr>
+          </p:pic>
+        </mc:Fallback>
+      </mc:AlternateContent>
+      <mc:AlternateContent xmlns:mc="http://schemas.openxmlformats.org/markup-compatibility/2006">
+        <mc:Choice xmlns:p14="http://schemas.microsoft.com/office/powerpoint/2010/main" Requires="p14">
+          <p:contentPart p14:bwMode="auto" r:id="rId42">
+            <p14:nvContentPartPr>
+              <p14:cNvPr id="39" name="Ink 38">
+                <a:extLst>
+                  <a:ext uri="{FF2B5EF4-FFF2-40B4-BE49-F238E27FC236}">
+                    <a16:creationId xmlns:a16="http://schemas.microsoft.com/office/drawing/2014/main" id="{25A3C05F-6FA4-F1EE-486C-2A498A019D68}"/>
+                  </a:ext>
+                </a:extLst>
+              </p14:cNvPr>
+              <p14:cNvContentPartPr/>
+              <p14:nvPr/>
+            </p14:nvContentPartPr>
+            <p14:xfrm>
+              <a:off x="5430873" y="3399260"/>
+              <a:ext cx="530280" cy="611640"/>
+            </p14:xfrm>
+          </p:contentPart>
+        </mc:Choice>
+        <mc:Fallback>
+          <p:pic>
+            <p:nvPicPr>
+              <p:cNvPr id="39" name="Ink 38">
+                <a:extLst>
+                  <a:ext uri="{FF2B5EF4-FFF2-40B4-BE49-F238E27FC236}">
+                    <a16:creationId xmlns:a16="http://schemas.microsoft.com/office/drawing/2014/main" id="{25A3C05F-6FA4-F1EE-486C-2A498A019D68}"/>
+                  </a:ext>
+                </a:extLst>
+              </p:cNvPr>
+              <p:cNvPicPr/>
+              <p:nvPr/>
+            </p:nvPicPr>
+            <p:blipFill>
+              <a:blip r:embed="rId43"/>
+              <a:stretch>
+                <a:fillRect/>
+              </a:stretch>
+            </p:blipFill>
+            <p:spPr>
+              <a:xfrm>
+                <a:off x="5413233" y="3363620"/>
+                <a:ext cx="565920" cy="683280"/>
+              </a:xfrm>
+              <a:prstGeom prst="rect">
+                <a:avLst/>
+              </a:prstGeom>
+            </p:spPr>
+          </p:pic>
+        </mc:Fallback>
+      </mc:AlternateContent>
+      <mc:AlternateContent xmlns:mc="http://schemas.openxmlformats.org/markup-compatibility/2006">
+        <mc:Choice xmlns:p14="http://schemas.microsoft.com/office/powerpoint/2010/main" Requires="p14">
+          <p:contentPart p14:bwMode="auto" r:id="rId44">
+            <p14:nvContentPartPr>
+              <p14:cNvPr id="41" name="Ink 40">
+                <a:extLst>
+                  <a:ext uri="{FF2B5EF4-FFF2-40B4-BE49-F238E27FC236}">
+                    <a16:creationId xmlns:a16="http://schemas.microsoft.com/office/drawing/2014/main" id="{3852CBD2-2B88-17A6-9CB0-84EA90FA0527}"/>
+                  </a:ext>
+                </a:extLst>
+              </p14:cNvPr>
+              <p14:cNvContentPartPr/>
+              <p14:nvPr/>
+            </p14:nvContentPartPr>
+            <p14:xfrm>
+              <a:off x="5417193" y="4071540"/>
+              <a:ext cx="552960" cy="655920"/>
+            </p14:xfrm>
+          </p:contentPart>
+        </mc:Choice>
+        <mc:Fallback>
+          <p:pic>
+            <p:nvPicPr>
+              <p:cNvPr id="41" name="Ink 40">
+                <a:extLst>
+                  <a:ext uri="{FF2B5EF4-FFF2-40B4-BE49-F238E27FC236}">
+                    <a16:creationId xmlns:a16="http://schemas.microsoft.com/office/drawing/2014/main" id="{3852CBD2-2B88-17A6-9CB0-84EA90FA0527}"/>
+                  </a:ext>
+                </a:extLst>
+              </p:cNvPr>
+              <p:cNvPicPr/>
+              <p:nvPr/>
+            </p:nvPicPr>
+            <p:blipFill>
+              <a:blip r:embed="rId45"/>
+              <a:stretch>
+                <a:fillRect/>
+              </a:stretch>
+            </p:blipFill>
+            <p:spPr>
+              <a:xfrm>
+                <a:off x="5399553" y="4035540"/>
+                <a:ext cx="588600" cy="727560"/>
+              </a:xfrm>
+              <a:prstGeom prst="rect">
+                <a:avLst/>
+              </a:prstGeom>
+            </p:spPr>
+          </p:pic>
+        </mc:Fallback>
+      </mc:AlternateContent>
+      <mc:AlternateContent xmlns:mc="http://schemas.openxmlformats.org/markup-compatibility/2006">
+        <mc:Choice xmlns:p14="http://schemas.microsoft.com/office/powerpoint/2010/main" Requires="p14">
+          <p:contentPart p14:bwMode="auto" r:id="rId46">
+            <p14:nvContentPartPr>
+              <p14:cNvPr id="42" name="Ink 41">
+                <a:extLst>
+                  <a:ext uri="{FF2B5EF4-FFF2-40B4-BE49-F238E27FC236}">
+                    <a16:creationId xmlns:a16="http://schemas.microsoft.com/office/drawing/2014/main" id="{050EE433-35D0-C95F-665A-FA992D3921D6}"/>
+                  </a:ext>
+                </a:extLst>
+              </p14:cNvPr>
+              <p14:cNvContentPartPr/>
+              <p14:nvPr/>
+            </p14:nvContentPartPr>
+            <p14:xfrm>
+              <a:off x="5443113" y="4773740"/>
+              <a:ext cx="502200" cy="612720"/>
+            </p14:xfrm>
+          </p:contentPart>
+        </mc:Choice>
+        <mc:Fallback>
+          <p:pic>
+            <p:nvPicPr>
+              <p:cNvPr id="42" name="Ink 41">
+                <a:extLst>
+                  <a:ext uri="{FF2B5EF4-FFF2-40B4-BE49-F238E27FC236}">
+                    <a16:creationId xmlns:a16="http://schemas.microsoft.com/office/drawing/2014/main" id="{050EE433-35D0-C95F-665A-FA992D3921D6}"/>
+                  </a:ext>
+                </a:extLst>
+              </p:cNvPr>
+              <p:cNvPicPr/>
+              <p:nvPr/>
+            </p:nvPicPr>
+            <p:blipFill>
+              <a:blip r:embed="rId47"/>
+              <a:stretch>
+                <a:fillRect/>
+              </a:stretch>
+            </p:blipFill>
+            <p:spPr>
+              <a:xfrm>
+                <a:off x="5425473" y="4738100"/>
+                <a:ext cx="537840" cy="684360"/>
+              </a:xfrm>
+              <a:prstGeom prst="rect">
+                <a:avLst/>
+              </a:prstGeom>
+            </p:spPr>
+          </p:pic>
+        </mc:Fallback>
+      </mc:AlternateContent>
+      <mc:AlternateContent xmlns:mc="http://schemas.openxmlformats.org/markup-compatibility/2006">
+        <mc:Choice xmlns:p14="http://schemas.microsoft.com/office/powerpoint/2010/main" Requires="p14">
+          <p:contentPart p14:bwMode="auto" r:id="rId48">
+            <p14:nvContentPartPr>
+              <p14:cNvPr id="43" name="Ink 42">
+                <a:extLst>
+                  <a:ext uri="{FF2B5EF4-FFF2-40B4-BE49-F238E27FC236}">
+                    <a16:creationId xmlns:a16="http://schemas.microsoft.com/office/drawing/2014/main" id="{25B6F1AF-F03E-AB98-7438-BBB8C1892B33}"/>
+                  </a:ext>
+                </a:extLst>
+              </p14:cNvPr>
+              <p14:cNvContentPartPr/>
+              <p14:nvPr/>
+            </p14:nvContentPartPr>
+            <p14:xfrm>
+              <a:off x="5490633" y="5443700"/>
+              <a:ext cx="411840" cy="802080"/>
+            </p14:xfrm>
+          </p:contentPart>
+        </mc:Choice>
+        <mc:Fallback>
+          <p:pic>
+            <p:nvPicPr>
+              <p:cNvPr id="43" name="Ink 42">
+                <a:extLst>
+                  <a:ext uri="{FF2B5EF4-FFF2-40B4-BE49-F238E27FC236}">
+                    <a16:creationId xmlns:a16="http://schemas.microsoft.com/office/drawing/2014/main" id="{25B6F1AF-F03E-AB98-7438-BBB8C1892B33}"/>
+                  </a:ext>
+                </a:extLst>
+              </p:cNvPr>
+              <p:cNvPicPr/>
+              <p:nvPr/>
+            </p:nvPicPr>
+            <p:blipFill>
+              <a:blip r:embed="rId49"/>
+              <a:stretch>
+                <a:fillRect/>
+              </a:stretch>
+            </p:blipFill>
+            <p:spPr>
+              <a:xfrm>
+                <a:off x="5472633" y="5407700"/>
+                <a:ext cx="447480" cy="873720"/>
+              </a:xfrm>
+              <a:prstGeom prst="rect">
+                <a:avLst/>
+              </a:prstGeom>
+            </p:spPr>
+          </p:pic>
+        </mc:Fallback>
+      </mc:AlternateContent>
+      <p:sp>
+        <p:nvSpPr>
+          <p:cNvPr id="45" name="TextBox 44">
+            <a:extLst>
+              <a:ext uri="{FF2B5EF4-FFF2-40B4-BE49-F238E27FC236}">
+                <a16:creationId xmlns:a16="http://schemas.microsoft.com/office/drawing/2014/main" id="{43C85EE3-D636-4CBB-29A5-DE75C8B33346}"/>
+              </a:ext>
+            </a:extLst>
+          </p:cNvPr>
+          <p:cNvSpPr txBox="1"/>
+          <p:nvPr/>
+        </p:nvSpPr>
+        <p:spPr>
+          <a:xfrm rot="5400000">
+            <a:off x="-2004317" y="812391"/>
+            <a:ext cx="9842540" cy="553998"/>
+          </a:xfrm>
+          <a:prstGeom prst="rect">
+            <a:avLst/>
+          </a:prstGeom>
+          <a:noFill/>
+        </p:spPr>
+        <p:txBody>
+          <a:bodyPr wrap="square" rtlCol="0">
+            <a:spAutoFit/>
+          </a:bodyPr>
+          <a:lstStyle/>
+          <a:p>
+            <a:r>
+              <a:rPr lang="de-DE" sz="1200" b="1" dirty="0"/>
+              <a:t>Parameters    Specie 1  Specie 2  Specie 3  Specie 4  Specie 5  Specie 6</a:t>
+            </a:r>
+          </a:p>
+          <a:p>
+            <a:endParaRPr lang="en-US" dirty="0"/>
+          </a:p>
+        </p:txBody>
+      </p:sp>
+      <p:sp>
+        <p:nvSpPr>
+          <p:cNvPr id="46" name="TextBox 45">
+            <a:extLst>
+              <a:ext uri="{FF2B5EF4-FFF2-40B4-BE49-F238E27FC236}">
+                <a16:creationId xmlns:a16="http://schemas.microsoft.com/office/drawing/2014/main" id="{1364C9D7-013F-665D-42E9-ADFB828914EE}"/>
+              </a:ext>
+            </a:extLst>
+          </p:cNvPr>
+          <p:cNvSpPr txBox="1"/>
+          <p:nvPr/>
+        </p:nvSpPr>
+        <p:spPr>
+          <a:xfrm rot="5400000">
+            <a:off x="927500" y="4190678"/>
+            <a:ext cx="7686675" cy="276999"/>
+          </a:xfrm>
+          <a:prstGeom prst="rect">
+            <a:avLst/>
+          </a:prstGeom>
+          <a:noFill/>
+        </p:spPr>
+        <p:txBody>
+          <a:bodyPr wrap="square" rtlCol="0">
+            <a:spAutoFit/>
+          </a:bodyPr>
+          <a:lstStyle/>
+          <a:p>
+            <a:r>
+              <a:rPr lang="de-DE" sz="1200" b="1" dirty="0"/>
+              <a:t>[„</a:t>
+            </a:r>
+            <a:r>
+              <a:rPr lang="de-DE" sz="1200" b="1" dirty="0">
+                <a:highlight>
+                  <a:srgbClr val="FFCC66"/>
+                </a:highlight>
+              </a:rPr>
+              <a:t>1010100001010</a:t>
+            </a:r>
+            <a:r>
+              <a:rPr lang="de-DE" sz="1200" b="1" dirty="0"/>
+              <a:t>“, „</a:t>
+            </a:r>
+            <a:r>
+              <a:rPr lang="de-DE" sz="1200" b="1" dirty="0">
+                <a:highlight>
+                  <a:srgbClr val="FFFF00"/>
+                </a:highlight>
+              </a:rPr>
+              <a:t>11000011</a:t>
+            </a:r>
+            <a:r>
+              <a:rPr lang="de-DE" sz="1200" b="1" dirty="0"/>
+              <a:t>“, „</a:t>
+            </a:r>
+            <a:r>
+              <a:rPr lang="de-DE" sz="1200" b="1" dirty="0">
+                <a:highlight>
+                  <a:srgbClr val="808080"/>
+                </a:highlight>
+              </a:rPr>
+              <a:t>100100</a:t>
+            </a:r>
+            <a:r>
+              <a:rPr lang="de-DE" sz="1200" b="1" dirty="0"/>
+              <a:t>“, „</a:t>
+            </a:r>
+            <a:r>
+              <a:rPr lang="de-DE" sz="1200" b="1" dirty="0">
+                <a:highlight>
+                  <a:srgbClr val="0000FF"/>
+                </a:highlight>
+              </a:rPr>
+              <a:t>010011</a:t>
+            </a:r>
+            <a:r>
+              <a:rPr lang="de-DE" sz="1200" b="1" dirty="0"/>
+              <a:t>“, „</a:t>
+            </a:r>
+            <a:r>
+              <a:rPr lang="de-DE" sz="1200" b="1" dirty="0">
+                <a:highlight>
+                  <a:srgbClr val="C0C0C0"/>
+                </a:highlight>
+              </a:rPr>
+              <a:t>101011</a:t>
+            </a:r>
+            <a:r>
+              <a:rPr lang="de-DE" sz="1200" b="1" dirty="0"/>
+              <a:t>“, „</a:t>
+            </a:r>
+            <a:r>
+              <a:rPr lang="de-DE" sz="1200" b="1" dirty="0">
+                <a:highlight>
+                  <a:srgbClr val="008080"/>
+                </a:highlight>
+              </a:rPr>
+              <a:t>00101</a:t>
+            </a:r>
+            <a:r>
+              <a:rPr lang="de-DE" sz="1200" b="1" dirty="0"/>
+              <a:t>“, „</a:t>
+            </a:r>
+            <a:r>
+              <a:rPr lang="de-DE" sz="1200" b="1" dirty="0">
+                <a:highlight>
+                  <a:srgbClr val="008000"/>
+                </a:highlight>
+              </a:rPr>
+              <a:t>10110101</a:t>
+            </a:r>
+            <a:r>
+              <a:rPr lang="de-DE" sz="1200" b="1" dirty="0"/>
+              <a:t>“]</a:t>
+            </a:r>
+            <a:endParaRPr lang="en-US" sz="1200" b="1" dirty="0"/>
+          </a:p>
+        </p:txBody>
+      </p:sp>
+    </p:spTree>
+    <p:extLst>
+      <p:ext uri="{BB962C8B-B14F-4D97-AF65-F5344CB8AC3E}">
+        <p14:creationId xmlns:p14="http://schemas.microsoft.com/office/powerpoint/2010/main" val="3035631898"/>
       </p:ext>
     </p:extLst>
   </p:cSld>
